--- a/10 Phase vocoder/Extra.pptx
+++ b/10 Phase vocoder/Extra.pptx
@@ -3,17 +3,21 @@
 <p:presentation xmlns:a="http://schemas.openxmlformats.org/drawingml/2006/main" xmlns:r="http://schemas.openxmlformats.org/officeDocument/2006/relationships" xmlns:p="http://schemas.openxmlformats.org/presentationml/2006/main">
   <p:sldMasterIdLst>
     <p:sldMasterId id="2147483648" r:id="rId1"/>
+    <p:sldMasterId id="2147483655" r:id="rId2"/>
   </p:sldMasterIdLst>
   <p:notesMasterIdLst>
-    <p:notesMasterId r:id="rId8"/>
+    <p:notesMasterId r:id="rId12"/>
   </p:notesMasterIdLst>
   <p:sldIdLst>
-    <p:sldId id="261" r:id="rId2"/>
-    <p:sldId id="262" r:id="rId3"/>
-    <p:sldId id="263" r:id="rId4"/>
-    <p:sldId id="264" r:id="rId5"/>
-    <p:sldId id="265" r:id="rId6"/>
-    <p:sldId id="266" r:id="rId7"/>
+    <p:sldId id="281" r:id="rId3"/>
+    <p:sldId id="282" r:id="rId4"/>
+    <p:sldId id="261" r:id="rId5"/>
+    <p:sldId id="262" r:id="rId6"/>
+    <p:sldId id="263" r:id="rId7"/>
+    <p:sldId id="264" r:id="rId8"/>
+    <p:sldId id="265" r:id="rId9"/>
+    <p:sldId id="266" r:id="rId10"/>
+    <p:sldId id="279" r:id="rId11"/>
   </p:sldIdLst>
   <p:sldSz cx="24384000" cy="13716000"/>
   <p:notesSz cx="6858000" cy="9144000"/>
@@ -561,6 +565,710 @@
 </p:sldLayout>
 </file>
 
+<file path=ppt/slideLayouts/slideLayout10.xml><?xml version="1.0" encoding="utf-8"?>
+<p:sldLayout xmlns:a="http://schemas.openxmlformats.org/drawingml/2006/main" xmlns:r="http://schemas.openxmlformats.org/officeDocument/2006/relationships" xmlns:p="http://schemas.openxmlformats.org/presentationml/2006/main" type="titleOnly" preserve="1">
+  <p:cSld name="Title Only">
+    <p:spTree>
+      <p:nvGrpSpPr>
+        <p:cNvPr id="1" name=""/>
+        <p:cNvGrpSpPr/>
+        <p:nvPr/>
+      </p:nvGrpSpPr>
+      <p:grpSpPr>
+        <a:xfrm>
+          <a:off x="0" y="0"/>
+          <a:ext cx="0" cy="0"/>
+          <a:chOff x="0" y="0"/>
+          <a:chExt cx="0" cy="0"/>
+        </a:xfrm>
+      </p:grpSpPr>
+      <p:sp>
+        <p:nvSpPr>
+          <p:cNvPr id="2" name="Title 1"/>
+          <p:cNvSpPr>
+            <a:spLocks noGrp="1"/>
+          </p:cNvSpPr>
+          <p:nvPr>
+            <p:ph type="title"/>
+          </p:nvPr>
+        </p:nvSpPr>
+        <p:spPr/>
+        <p:txBody>
+          <a:bodyPr/>
+          <a:lstStyle/>
+          <a:p>
+            <a:r>
+              <a:rPr lang="en-US"/>
+              <a:t>Click to edit Master title style</a:t>
+            </a:r>
+          </a:p>
+        </p:txBody>
+      </p:sp>
+    </p:spTree>
+    <p:extLst>
+      <p:ext uri="{BB962C8B-B14F-4D97-AF65-F5344CB8AC3E}">
+        <p14:creationId xmlns:p14="http://schemas.microsoft.com/office/powerpoint/2010/main" val="1770175962"/>
+      </p:ext>
+    </p:extLst>
+  </p:cSld>
+  <p:clrMapOvr>
+    <a:masterClrMapping/>
+  </p:clrMapOvr>
+  <p:transition/>
+</p:sldLayout>
+</file>
+
+<file path=ppt/slideLayouts/slideLayout11.xml><?xml version="1.0" encoding="utf-8"?>
+<p:sldLayout xmlns:a="http://schemas.openxmlformats.org/drawingml/2006/main" xmlns:r="http://schemas.openxmlformats.org/officeDocument/2006/relationships" xmlns:p="http://schemas.openxmlformats.org/presentationml/2006/main" type="blank" preserve="1">
+  <p:cSld name="Blank">
+    <p:spTree>
+      <p:nvGrpSpPr>
+        <p:cNvPr id="1" name=""/>
+        <p:cNvGrpSpPr/>
+        <p:nvPr/>
+      </p:nvGrpSpPr>
+      <p:grpSpPr>
+        <a:xfrm>
+          <a:off x="0" y="0"/>
+          <a:ext cx="0" cy="0"/>
+          <a:chOff x="0" y="0"/>
+          <a:chExt cx="0" cy="0"/>
+        </a:xfrm>
+      </p:grpSpPr>
+    </p:spTree>
+    <p:extLst>
+      <p:ext uri="{BB962C8B-B14F-4D97-AF65-F5344CB8AC3E}">
+        <p14:creationId xmlns:p14="http://schemas.microsoft.com/office/powerpoint/2010/main" val="1767733161"/>
+      </p:ext>
+    </p:extLst>
+  </p:cSld>
+  <p:clrMapOvr>
+    <a:masterClrMapping/>
+  </p:clrMapOvr>
+  <p:transition/>
+</p:sldLayout>
+</file>
+
+<file path=ppt/slideLayouts/slideLayout12.xml><?xml version="1.0" encoding="utf-8"?>
+<p:sldLayout xmlns:a="http://schemas.openxmlformats.org/drawingml/2006/main" xmlns:r="http://schemas.openxmlformats.org/officeDocument/2006/relationships" xmlns:p="http://schemas.openxmlformats.org/presentationml/2006/main" type="objTx" preserve="1">
+  <p:cSld name="Content with Caption">
+    <p:spTree>
+      <p:nvGrpSpPr>
+        <p:cNvPr id="1" name=""/>
+        <p:cNvGrpSpPr/>
+        <p:nvPr/>
+      </p:nvGrpSpPr>
+      <p:grpSpPr>
+        <a:xfrm>
+          <a:off x="0" y="0"/>
+          <a:ext cx="0" cy="0"/>
+          <a:chOff x="0" y="0"/>
+          <a:chExt cx="0" cy="0"/>
+        </a:xfrm>
+      </p:grpSpPr>
+      <p:sp>
+        <p:nvSpPr>
+          <p:cNvPr id="2" name="Title 1"/>
+          <p:cNvSpPr>
+            <a:spLocks noGrp="1"/>
+          </p:cNvSpPr>
+          <p:nvPr>
+            <p:ph type="title"/>
+          </p:nvPr>
+        </p:nvSpPr>
+        <p:spPr>
+          <a:xfrm>
+            <a:off x="1220392" y="546947"/>
+            <a:ext cx="8021836" cy="2323950"/>
+          </a:xfrm>
+        </p:spPr>
+        <p:txBody>
+          <a:bodyPr anchor="b"/>
+          <a:lstStyle>
+            <a:lvl1pPr algn="l">
+              <a:defRPr sz="2812" b="1"/>
+            </a:lvl1pPr>
+          </a:lstStyle>
+          <a:p>
+            <a:r>
+              <a:rPr lang="en-US"/>
+              <a:t>Click to edit Master title style</a:t>
+            </a:r>
+          </a:p>
+        </p:txBody>
+      </p:sp>
+      <p:sp>
+        <p:nvSpPr>
+          <p:cNvPr id="3" name="Content Placeholder 2"/>
+          <p:cNvSpPr>
+            <a:spLocks noGrp="1"/>
+          </p:cNvSpPr>
+          <p:nvPr>
+            <p:ph idx="1"/>
+          </p:nvPr>
+        </p:nvSpPr>
+        <p:spPr>
+          <a:xfrm>
+            <a:off x="9533931" y="546944"/>
+            <a:ext cx="13629678" cy="11704588"/>
+          </a:xfrm>
+        </p:spPr>
+        <p:txBody>
+          <a:bodyPr/>
+          <a:lstStyle>
+            <a:lvl1pPr>
+              <a:defRPr sz="4500"/>
+            </a:lvl1pPr>
+            <a:lvl2pPr>
+              <a:defRPr sz="3938"/>
+            </a:lvl2pPr>
+            <a:lvl3pPr>
+              <a:defRPr sz="3374"/>
+            </a:lvl3pPr>
+            <a:lvl4pPr>
+              <a:defRPr sz="2812"/>
+            </a:lvl4pPr>
+            <a:lvl5pPr>
+              <a:defRPr sz="2812"/>
+            </a:lvl5pPr>
+            <a:lvl6pPr>
+              <a:defRPr sz="2812"/>
+            </a:lvl6pPr>
+            <a:lvl7pPr>
+              <a:defRPr sz="2812"/>
+            </a:lvl7pPr>
+            <a:lvl8pPr>
+              <a:defRPr sz="2812"/>
+            </a:lvl8pPr>
+            <a:lvl9pPr>
+              <a:defRPr sz="2812"/>
+            </a:lvl9pPr>
+          </a:lstStyle>
+          <a:p>
+            <a:pPr lvl="0"/>
+            <a:r>
+              <a:rPr lang="en-US"/>
+              <a:t>Click to edit Master text styles</a:t>
+            </a:r>
+          </a:p>
+          <a:p>
+            <a:pPr lvl="1"/>
+            <a:r>
+              <a:rPr lang="en-US"/>
+              <a:t>Second level</a:t>
+            </a:r>
+          </a:p>
+          <a:p>
+            <a:pPr lvl="2"/>
+            <a:r>
+              <a:rPr lang="en-US"/>
+              <a:t>Third level</a:t>
+            </a:r>
+          </a:p>
+          <a:p>
+            <a:pPr lvl="3"/>
+            <a:r>
+              <a:rPr lang="en-US"/>
+              <a:t>Fourth level</a:t>
+            </a:r>
+          </a:p>
+          <a:p>
+            <a:pPr lvl="4"/>
+            <a:r>
+              <a:rPr lang="en-US"/>
+              <a:t>Fifth level</a:t>
+            </a:r>
+          </a:p>
+        </p:txBody>
+      </p:sp>
+      <p:sp>
+        <p:nvSpPr>
+          <p:cNvPr id="4" name="Text Placeholder 3"/>
+          <p:cNvSpPr>
+            <a:spLocks noGrp="1"/>
+          </p:cNvSpPr>
+          <p:nvPr>
+            <p:ph type="body" sz="half" idx="2"/>
+          </p:nvPr>
+        </p:nvSpPr>
+        <p:spPr>
+          <a:xfrm>
+            <a:off x="1220392" y="2870896"/>
+            <a:ext cx="8021836" cy="9380636"/>
+          </a:xfrm>
+        </p:spPr>
+        <p:txBody>
+          <a:bodyPr/>
+          <a:lstStyle>
+            <a:lvl1pPr marL="0" indent="0">
+              <a:buNone/>
+              <a:defRPr sz="1968"/>
+            </a:lvl1pPr>
+            <a:lvl2pPr marL="642914" indent="0">
+              <a:buNone/>
+              <a:defRPr sz="1688"/>
+            </a:lvl2pPr>
+            <a:lvl3pPr marL="1285830" indent="0">
+              <a:buNone/>
+              <a:defRPr sz="1406"/>
+            </a:lvl3pPr>
+            <a:lvl4pPr marL="1928744" indent="0">
+              <a:buNone/>
+              <a:defRPr sz="1266"/>
+            </a:lvl4pPr>
+            <a:lvl5pPr marL="2571658" indent="0">
+              <a:buNone/>
+              <a:defRPr sz="1266"/>
+            </a:lvl5pPr>
+            <a:lvl6pPr marL="3214574" indent="0">
+              <a:buNone/>
+              <a:defRPr sz="1266"/>
+            </a:lvl6pPr>
+            <a:lvl7pPr marL="3857488" indent="0">
+              <a:buNone/>
+              <a:defRPr sz="1266"/>
+            </a:lvl7pPr>
+            <a:lvl8pPr marL="4500402" indent="0">
+              <a:buNone/>
+              <a:defRPr sz="1266"/>
+            </a:lvl8pPr>
+            <a:lvl9pPr marL="5143318" indent="0">
+              <a:buNone/>
+              <a:defRPr sz="1266"/>
+            </a:lvl9pPr>
+          </a:lstStyle>
+          <a:p>
+            <a:pPr lvl="0"/>
+            <a:r>
+              <a:rPr lang="en-US"/>
+              <a:t>Click to edit Master text styles</a:t>
+            </a:r>
+          </a:p>
+        </p:txBody>
+      </p:sp>
+    </p:spTree>
+    <p:extLst>
+      <p:ext uri="{BB962C8B-B14F-4D97-AF65-F5344CB8AC3E}">
+        <p14:creationId xmlns:p14="http://schemas.microsoft.com/office/powerpoint/2010/main" val="1099762364"/>
+      </p:ext>
+    </p:extLst>
+  </p:cSld>
+  <p:clrMapOvr>
+    <a:masterClrMapping/>
+  </p:clrMapOvr>
+  <p:transition/>
+</p:sldLayout>
+</file>
+
+<file path=ppt/slideLayouts/slideLayout13.xml><?xml version="1.0" encoding="utf-8"?>
+<p:sldLayout xmlns:a="http://schemas.openxmlformats.org/drawingml/2006/main" xmlns:r="http://schemas.openxmlformats.org/officeDocument/2006/relationships" xmlns:p="http://schemas.openxmlformats.org/presentationml/2006/main" type="picTx" preserve="1">
+  <p:cSld name="Picture with Caption">
+    <p:spTree>
+      <p:nvGrpSpPr>
+        <p:cNvPr id="1" name=""/>
+        <p:cNvGrpSpPr/>
+        <p:nvPr/>
+      </p:nvGrpSpPr>
+      <p:grpSpPr>
+        <a:xfrm>
+          <a:off x="0" y="0"/>
+          <a:ext cx="0" cy="0"/>
+          <a:chOff x="0" y="0"/>
+          <a:chExt cx="0" cy="0"/>
+        </a:xfrm>
+      </p:grpSpPr>
+      <p:sp>
+        <p:nvSpPr>
+          <p:cNvPr id="2" name="Title 1"/>
+          <p:cNvSpPr>
+            <a:spLocks noGrp="1"/>
+          </p:cNvSpPr>
+          <p:nvPr>
+            <p:ph type="title"/>
+          </p:nvPr>
+        </p:nvSpPr>
+        <p:spPr>
+          <a:xfrm>
+            <a:off x="4780361" y="9601649"/>
+            <a:ext cx="14629806" cy="1134070"/>
+          </a:xfrm>
+        </p:spPr>
+        <p:txBody>
+          <a:bodyPr anchor="b"/>
+          <a:lstStyle>
+            <a:lvl1pPr algn="l">
+              <a:defRPr sz="2812" b="1"/>
+            </a:lvl1pPr>
+          </a:lstStyle>
+          <a:p>
+            <a:r>
+              <a:rPr lang="en-US"/>
+              <a:t>Click to edit Master title style</a:t>
+            </a:r>
+          </a:p>
+        </p:txBody>
+      </p:sp>
+      <p:sp>
+        <p:nvSpPr>
+          <p:cNvPr id="3" name="Picture Placeholder 2"/>
+          <p:cNvSpPr>
+            <a:spLocks noGrp="1"/>
+          </p:cNvSpPr>
+          <p:nvPr>
+            <p:ph type="pic" idx="1"/>
+          </p:nvPr>
+        </p:nvSpPr>
+        <p:spPr>
+          <a:xfrm>
+            <a:off x="4780361" y="1225600"/>
+            <a:ext cx="14629806" cy="8228708"/>
+          </a:xfrm>
+        </p:spPr>
+        <p:txBody>
+          <a:bodyPr/>
+          <a:lstStyle>
+            <a:lvl1pPr marL="0" indent="0">
+              <a:buNone/>
+              <a:defRPr sz="4500"/>
+            </a:lvl1pPr>
+            <a:lvl2pPr marL="642914" indent="0">
+              <a:buNone/>
+              <a:defRPr sz="3938"/>
+            </a:lvl2pPr>
+            <a:lvl3pPr marL="1285830" indent="0">
+              <a:buNone/>
+              <a:defRPr sz="3374"/>
+            </a:lvl3pPr>
+            <a:lvl4pPr marL="1928744" indent="0">
+              <a:buNone/>
+              <a:defRPr sz="2812"/>
+            </a:lvl4pPr>
+            <a:lvl5pPr marL="2571658" indent="0">
+              <a:buNone/>
+              <a:defRPr sz="2812"/>
+            </a:lvl5pPr>
+            <a:lvl6pPr marL="3214574" indent="0">
+              <a:buNone/>
+              <a:defRPr sz="2812"/>
+            </a:lvl6pPr>
+            <a:lvl7pPr marL="3857488" indent="0">
+              <a:buNone/>
+              <a:defRPr sz="2812"/>
+            </a:lvl7pPr>
+            <a:lvl8pPr marL="4500402" indent="0">
+              <a:buNone/>
+              <a:defRPr sz="2812"/>
+            </a:lvl8pPr>
+            <a:lvl9pPr marL="5143318" indent="0">
+              <a:buNone/>
+              <a:defRPr sz="2812"/>
+            </a:lvl9pPr>
+          </a:lstStyle>
+          <a:p>
+            <a:pPr lvl="0"/>
+            <a:endParaRPr lang="en-US" noProof="0">
+              <a:sym typeface="Arial" charset="0"/>
+            </a:endParaRPr>
+          </a:p>
+        </p:txBody>
+      </p:sp>
+      <p:sp>
+        <p:nvSpPr>
+          <p:cNvPr id="4" name="Text Placeholder 3"/>
+          <p:cNvSpPr>
+            <a:spLocks noGrp="1"/>
+          </p:cNvSpPr>
+          <p:nvPr>
+            <p:ph type="body" sz="half" idx="2"/>
+          </p:nvPr>
+        </p:nvSpPr>
+        <p:spPr>
+          <a:xfrm>
+            <a:off x="4780361" y="10735718"/>
+            <a:ext cx="14629806" cy="1609576"/>
+          </a:xfrm>
+        </p:spPr>
+        <p:txBody>
+          <a:bodyPr/>
+          <a:lstStyle>
+            <a:lvl1pPr marL="0" indent="0">
+              <a:buNone/>
+              <a:defRPr sz="1968"/>
+            </a:lvl1pPr>
+            <a:lvl2pPr marL="642914" indent="0">
+              <a:buNone/>
+              <a:defRPr sz="1688"/>
+            </a:lvl2pPr>
+            <a:lvl3pPr marL="1285830" indent="0">
+              <a:buNone/>
+              <a:defRPr sz="1406"/>
+            </a:lvl3pPr>
+            <a:lvl4pPr marL="1928744" indent="0">
+              <a:buNone/>
+              <a:defRPr sz="1266"/>
+            </a:lvl4pPr>
+            <a:lvl5pPr marL="2571658" indent="0">
+              <a:buNone/>
+              <a:defRPr sz="1266"/>
+            </a:lvl5pPr>
+            <a:lvl6pPr marL="3214574" indent="0">
+              <a:buNone/>
+              <a:defRPr sz="1266"/>
+            </a:lvl6pPr>
+            <a:lvl7pPr marL="3857488" indent="0">
+              <a:buNone/>
+              <a:defRPr sz="1266"/>
+            </a:lvl7pPr>
+            <a:lvl8pPr marL="4500402" indent="0">
+              <a:buNone/>
+              <a:defRPr sz="1266"/>
+            </a:lvl8pPr>
+            <a:lvl9pPr marL="5143318" indent="0">
+              <a:buNone/>
+              <a:defRPr sz="1266"/>
+            </a:lvl9pPr>
+          </a:lstStyle>
+          <a:p>
+            <a:pPr lvl="0"/>
+            <a:r>
+              <a:rPr lang="en-US"/>
+              <a:t>Click to edit Master text styles</a:t>
+            </a:r>
+          </a:p>
+        </p:txBody>
+      </p:sp>
+    </p:spTree>
+    <p:extLst>
+      <p:ext uri="{BB962C8B-B14F-4D97-AF65-F5344CB8AC3E}">
+        <p14:creationId xmlns:p14="http://schemas.microsoft.com/office/powerpoint/2010/main" val="3454272989"/>
+      </p:ext>
+    </p:extLst>
+  </p:cSld>
+  <p:clrMapOvr>
+    <a:masterClrMapping/>
+  </p:clrMapOvr>
+  <p:transition/>
+</p:sldLayout>
+</file>
+
+<file path=ppt/slideLayouts/slideLayout14.xml><?xml version="1.0" encoding="utf-8"?>
+<p:sldLayout xmlns:a="http://schemas.openxmlformats.org/drawingml/2006/main" xmlns:r="http://schemas.openxmlformats.org/officeDocument/2006/relationships" xmlns:p="http://schemas.openxmlformats.org/presentationml/2006/main" type="vertTx" preserve="1">
+  <p:cSld name="Title and Vertical Text">
+    <p:spTree>
+      <p:nvGrpSpPr>
+        <p:cNvPr id="1" name=""/>
+        <p:cNvGrpSpPr/>
+        <p:nvPr/>
+      </p:nvGrpSpPr>
+      <p:grpSpPr>
+        <a:xfrm>
+          <a:off x="0" y="0"/>
+          <a:ext cx="0" cy="0"/>
+          <a:chOff x="0" y="0"/>
+          <a:chExt cx="0" cy="0"/>
+        </a:xfrm>
+      </p:grpSpPr>
+      <p:sp>
+        <p:nvSpPr>
+          <p:cNvPr id="2" name="Title 1"/>
+          <p:cNvSpPr>
+            <a:spLocks noGrp="1"/>
+          </p:cNvSpPr>
+          <p:nvPr>
+            <p:ph type="title"/>
+          </p:nvPr>
+        </p:nvSpPr>
+        <p:spPr/>
+        <p:txBody>
+          <a:bodyPr/>
+          <a:lstStyle/>
+          <a:p>
+            <a:r>
+              <a:rPr lang="en-US"/>
+              <a:t>Click to edit Master title style</a:t>
+            </a:r>
+          </a:p>
+        </p:txBody>
+      </p:sp>
+      <p:sp>
+        <p:nvSpPr>
+          <p:cNvPr id="3" name="Vertical Text Placeholder 2"/>
+          <p:cNvSpPr>
+            <a:spLocks noGrp="1"/>
+          </p:cNvSpPr>
+          <p:nvPr>
+            <p:ph type="body" orient="vert" idx="1"/>
+          </p:nvPr>
+        </p:nvSpPr>
+        <p:spPr/>
+        <p:txBody>
+          <a:bodyPr vert="eaVert"/>
+          <a:lstStyle/>
+          <a:p>
+            <a:pPr lvl="0"/>
+            <a:r>
+              <a:rPr lang="en-US"/>
+              <a:t>Click to edit Master text styles</a:t>
+            </a:r>
+          </a:p>
+          <a:p>
+            <a:pPr lvl="1"/>
+            <a:r>
+              <a:rPr lang="en-US"/>
+              <a:t>Second level</a:t>
+            </a:r>
+          </a:p>
+          <a:p>
+            <a:pPr lvl="2"/>
+            <a:r>
+              <a:rPr lang="en-US"/>
+              <a:t>Third level</a:t>
+            </a:r>
+          </a:p>
+          <a:p>
+            <a:pPr lvl="3"/>
+            <a:r>
+              <a:rPr lang="en-US"/>
+              <a:t>Fourth level</a:t>
+            </a:r>
+          </a:p>
+          <a:p>
+            <a:pPr lvl="4"/>
+            <a:r>
+              <a:rPr lang="en-US"/>
+              <a:t>Fifth level</a:t>
+            </a:r>
+          </a:p>
+        </p:txBody>
+      </p:sp>
+    </p:spTree>
+    <p:extLst>
+      <p:ext uri="{BB962C8B-B14F-4D97-AF65-F5344CB8AC3E}">
+        <p14:creationId xmlns:p14="http://schemas.microsoft.com/office/powerpoint/2010/main" val="3190067142"/>
+      </p:ext>
+    </p:extLst>
+  </p:cSld>
+  <p:clrMapOvr>
+    <a:masterClrMapping/>
+  </p:clrMapOvr>
+  <p:transition/>
+</p:sldLayout>
+</file>
+
+<file path=ppt/slideLayouts/slideLayout15.xml><?xml version="1.0" encoding="utf-8"?>
+<p:sldLayout xmlns:a="http://schemas.openxmlformats.org/drawingml/2006/main" xmlns:r="http://schemas.openxmlformats.org/officeDocument/2006/relationships" xmlns:p="http://schemas.openxmlformats.org/presentationml/2006/main" type="vertTitleAndTx" preserve="1">
+  <p:cSld name="Vertical Title and Text">
+    <p:spTree>
+      <p:nvGrpSpPr>
+        <p:cNvPr id="1" name=""/>
+        <p:cNvGrpSpPr/>
+        <p:nvPr/>
+      </p:nvGrpSpPr>
+      <p:grpSpPr>
+        <a:xfrm>
+          <a:off x="0" y="0"/>
+          <a:ext cx="0" cy="0"/>
+          <a:chOff x="0" y="0"/>
+          <a:chExt cx="0" cy="0"/>
+        </a:xfrm>
+      </p:grpSpPr>
+      <p:sp>
+        <p:nvSpPr>
+          <p:cNvPr id="2" name="Vertical Title 1"/>
+          <p:cNvSpPr>
+            <a:spLocks noGrp="1"/>
+          </p:cNvSpPr>
+          <p:nvPr>
+            <p:ph type="title" orient="vert"/>
+          </p:nvPr>
+        </p:nvSpPr>
+        <p:spPr>
+          <a:xfrm>
+            <a:off x="18222517" y="71439"/>
+            <a:ext cx="6018610" cy="13537406"/>
+          </a:xfrm>
+        </p:spPr>
+        <p:txBody>
+          <a:bodyPr vert="eaVert"/>
+          <a:lstStyle/>
+          <a:p>
+            <a:r>
+              <a:rPr lang="en-US"/>
+              <a:t>Click to edit Master title style</a:t>
+            </a:r>
+          </a:p>
+        </p:txBody>
+      </p:sp>
+      <p:sp>
+        <p:nvSpPr>
+          <p:cNvPr id="3" name="Vertical Text Placeholder 2"/>
+          <p:cNvSpPr>
+            <a:spLocks noGrp="1"/>
+          </p:cNvSpPr>
+          <p:nvPr>
+            <p:ph type="body" orient="vert" idx="1"/>
+          </p:nvPr>
+        </p:nvSpPr>
+        <p:spPr>
+          <a:xfrm>
+            <a:off x="166689" y="71439"/>
+            <a:ext cx="17770078" cy="13537406"/>
+          </a:xfrm>
+        </p:spPr>
+        <p:txBody>
+          <a:bodyPr vert="eaVert"/>
+          <a:lstStyle/>
+          <a:p>
+            <a:pPr lvl="0"/>
+            <a:r>
+              <a:rPr lang="en-US"/>
+              <a:t>Click to edit Master text styles</a:t>
+            </a:r>
+          </a:p>
+          <a:p>
+            <a:pPr lvl="1"/>
+            <a:r>
+              <a:rPr lang="en-US"/>
+              <a:t>Second level</a:t>
+            </a:r>
+          </a:p>
+          <a:p>
+            <a:pPr lvl="2"/>
+            <a:r>
+              <a:rPr lang="en-US"/>
+              <a:t>Third level</a:t>
+            </a:r>
+          </a:p>
+          <a:p>
+            <a:pPr lvl="3"/>
+            <a:r>
+              <a:rPr lang="en-US"/>
+              <a:t>Fourth level</a:t>
+            </a:r>
+          </a:p>
+          <a:p>
+            <a:pPr lvl="4"/>
+            <a:r>
+              <a:rPr lang="en-US"/>
+              <a:t>Fifth level</a:t>
+            </a:r>
+          </a:p>
+        </p:txBody>
+      </p:sp>
+    </p:spTree>
+    <p:extLst>
+      <p:ext uri="{BB962C8B-B14F-4D97-AF65-F5344CB8AC3E}">
+        <p14:creationId xmlns:p14="http://schemas.microsoft.com/office/powerpoint/2010/main" val="3262176932"/>
+      </p:ext>
+    </p:extLst>
+  </p:cSld>
+  <p:clrMapOvr>
+    <a:masterClrMapping/>
+  </p:clrMapOvr>
+  <p:transition/>
+</p:sldLayout>
+</file>
+
 <file path=ppt/slideLayouts/slideLayout2.xml><?xml version="1.0" encoding="utf-8"?>
 <p:sldLayout xmlns:a="http://schemas.openxmlformats.org/drawingml/2006/main" xmlns:r="http://schemas.openxmlformats.org/officeDocument/2006/relationships" xmlns:p="http://schemas.openxmlformats.org/presentationml/2006/main" userDrawn="1">
   <p:cSld name="Title &amp; Bullets">
@@ -986,6 +1694,940 @@
     <a:masterClrMapping/>
   </p:clrMapOvr>
   <p:transition spd="med"/>
+</p:sldLayout>
+</file>
+
+<file path=ppt/slideLayouts/slideLayout5.xml><?xml version="1.0" encoding="utf-8"?>
+<p:sldLayout xmlns:a="http://schemas.openxmlformats.org/drawingml/2006/main" xmlns:r="http://schemas.openxmlformats.org/officeDocument/2006/relationships" xmlns:p="http://schemas.openxmlformats.org/presentationml/2006/main" type="title" preserve="1">
+  <p:cSld name="Title Slide">
+    <p:spTree>
+      <p:nvGrpSpPr>
+        <p:cNvPr id="1" name=""/>
+        <p:cNvGrpSpPr/>
+        <p:nvPr/>
+      </p:nvGrpSpPr>
+      <p:grpSpPr>
+        <a:xfrm>
+          <a:off x="0" y="0"/>
+          <a:ext cx="0" cy="0"/>
+          <a:chOff x="0" y="0"/>
+          <a:chExt cx="0" cy="0"/>
+        </a:xfrm>
+      </p:grpSpPr>
+      <p:sp>
+        <p:nvSpPr>
+          <p:cNvPr id="2" name="Title 1"/>
+          <p:cNvSpPr>
+            <a:spLocks noGrp="1"/>
+          </p:cNvSpPr>
+          <p:nvPr>
+            <p:ph type="ctrTitle"/>
+          </p:nvPr>
+        </p:nvSpPr>
+        <p:spPr>
+          <a:xfrm>
+            <a:off x="1827611" y="4261697"/>
+            <a:ext cx="20728782" cy="2940098"/>
+          </a:xfrm>
+        </p:spPr>
+        <p:txBody>
+          <a:bodyPr/>
+          <a:lstStyle/>
+          <a:p>
+            <a:r>
+              <a:rPr lang="en-US"/>
+              <a:t>Click to edit Master title style</a:t>
+            </a:r>
+          </a:p>
+        </p:txBody>
+      </p:sp>
+      <p:sp>
+        <p:nvSpPr>
+          <p:cNvPr id="3" name="Subtitle 2"/>
+          <p:cNvSpPr>
+            <a:spLocks noGrp="1"/>
+          </p:cNvSpPr>
+          <p:nvPr>
+            <p:ph type="subTitle" idx="1"/>
+          </p:nvPr>
+        </p:nvSpPr>
+        <p:spPr>
+          <a:xfrm>
+            <a:off x="3658197" y="7773295"/>
+            <a:ext cx="17067610" cy="3504902"/>
+          </a:xfrm>
+        </p:spPr>
+        <p:txBody>
+          <a:bodyPr/>
+          <a:lstStyle>
+            <a:lvl1pPr marL="0" indent="0" algn="ctr">
+              <a:buNone/>
+              <a:defRPr/>
+            </a:lvl1pPr>
+            <a:lvl2pPr marL="642914" indent="0" algn="ctr">
+              <a:buNone/>
+              <a:defRPr/>
+            </a:lvl2pPr>
+            <a:lvl3pPr marL="1285830" indent="0" algn="ctr">
+              <a:buNone/>
+              <a:defRPr/>
+            </a:lvl3pPr>
+            <a:lvl4pPr marL="1928744" indent="0" algn="ctr">
+              <a:buNone/>
+              <a:defRPr/>
+            </a:lvl4pPr>
+            <a:lvl5pPr marL="2571658" indent="0" algn="ctr">
+              <a:buNone/>
+              <a:defRPr/>
+            </a:lvl5pPr>
+            <a:lvl6pPr marL="3214574" indent="0" algn="ctr">
+              <a:buNone/>
+              <a:defRPr/>
+            </a:lvl6pPr>
+            <a:lvl7pPr marL="3857488" indent="0" algn="ctr">
+              <a:buNone/>
+              <a:defRPr/>
+            </a:lvl7pPr>
+            <a:lvl8pPr marL="4500402" indent="0" algn="ctr">
+              <a:buNone/>
+              <a:defRPr/>
+            </a:lvl8pPr>
+            <a:lvl9pPr marL="5143318" indent="0" algn="ctr">
+              <a:buNone/>
+              <a:defRPr/>
+            </a:lvl9pPr>
+          </a:lstStyle>
+          <a:p>
+            <a:r>
+              <a:rPr lang="en-US"/>
+              <a:t>Click to edit Master subtitle style</a:t>
+            </a:r>
+          </a:p>
+        </p:txBody>
+      </p:sp>
+    </p:spTree>
+    <p:extLst>
+      <p:ext uri="{BB962C8B-B14F-4D97-AF65-F5344CB8AC3E}">
+        <p14:creationId xmlns:p14="http://schemas.microsoft.com/office/powerpoint/2010/main" val="2973309241"/>
+      </p:ext>
+    </p:extLst>
+  </p:cSld>
+  <p:clrMapOvr>
+    <a:masterClrMapping/>
+  </p:clrMapOvr>
+  <p:transition/>
+</p:sldLayout>
+</file>
+
+<file path=ppt/slideLayouts/slideLayout6.xml><?xml version="1.0" encoding="utf-8"?>
+<p:sldLayout xmlns:a="http://schemas.openxmlformats.org/drawingml/2006/main" xmlns:r="http://schemas.openxmlformats.org/officeDocument/2006/relationships" xmlns:p="http://schemas.openxmlformats.org/presentationml/2006/main" type="obj" preserve="1">
+  <p:cSld name="Title and Content">
+    <p:spTree>
+      <p:nvGrpSpPr>
+        <p:cNvPr id="1" name=""/>
+        <p:cNvGrpSpPr/>
+        <p:nvPr/>
+      </p:nvGrpSpPr>
+      <p:grpSpPr>
+        <a:xfrm>
+          <a:off x="0" y="0"/>
+          <a:ext cx="0" cy="0"/>
+          <a:chOff x="0" y="0"/>
+          <a:chExt cx="0" cy="0"/>
+        </a:xfrm>
+      </p:grpSpPr>
+      <p:sp>
+        <p:nvSpPr>
+          <p:cNvPr id="2" name="Title 1"/>
+          <p:cNvSpPr>
+            <a:spLocks noGrp="1"/>
+          </p:cNvSpPr>
+          <p:nvPr>
+            <p:ph type="title"/>
+          </p:nvPr>
+        </p:nvSpPr>
+        <p:spPr/>
+        <p:txBody>
+          <a:bodyPr/>
+          <a:lstStyle/>
+          <a:p>
+            <a:r>
+              <a:rPr lang="en-US"/>
+              <a:t>Click to edit Master title style</a:t>
+            </a:r>
+          </a:p>
+        </p:txBody>
+      </p:sp>
+      <p:sp>
+        <p:nvSpPr>
+          <p:cNvPr id="3" name="Content Placeholder 2"/>
+          <p:cNvSpPr>
+            <a:spLocks noGrp="1"/>
+          </p:cNvSpPr>
+          <p:nvPr>
+            <p:ph idx="1"/>
+          </p:nvPr>
+        </p:nvSpPr>
+        <p:spPr/>
+        <p:txBody>
+          <a:bodyPr/>
+          <a:lstStyle/>
+          <a:p>
+            <a:pPr lvl="0"/>
+            <a:r>
+              <a:rPr lang="en-US"/>
+              <a:t>Click to edit Master text styles</a:t>
+            </a:r>
+          </a:p>
+          <a:p>
+            <a:pPr lvl="1"/>
+            <a:r>
+              <a:rPr lang="en-US"/>
+              <a:t>Second level</a:t>
+            </a:r>
+          </a:p>
+          <a:p>
+            <a:pPr lvl="2"/>
+            <a:r>
+              <a:rPr lang="en-US"/>
+              <a:t>Third level</a:t>
+            </a:r>
+          </a:p>
+          <a:p>
+            <a:pPr lvl="3"/>
+            <a:r>
+              <a:rPr lang="en-US"/>
+              <a:t>Fourth level</a:t>
+            </a:r>
+          </a:p>
+          <a:p>
+            <a:pPr lvl="4"/>
+            <a:r>
+              <a:rPr lang="en-US"/>
+              <a:t>Fifth level</a:t>
+            </a:r>
+          </a:p>
+        </p:txBody>
+      </p:sp>
+    </p:spTree>
+    <p:extLst>
+      <p:ext uri="{BB962C8B-B14F-4D97-AF65-F5344CB8AC3E}">
+        <p14:creationId xmlns:p14="http://schemas.microsoft.com/office/powerpoint/2010/main" val="990337251"/>
+      </p:ext>
+    </p:extLst>
+  </p:cSld>
+  <p:clrMapOvr>
+    <a:masterClrMapping/>
+  </p:clrMapOvr>
+  <p:transition/>
+</p:sldLayout>
+</file>
+
+<file path=ppt/slideLayouts/slideLayout7.xml><?xml version="1.0" encoding="utf-8"?>
+<p:sldLayout xmlns:a="http://schemas.openxmlformats.org/drawingml/2006/main" xmlns:r="http://schemas.openxmlformats.org/officeDocument/2006/relationships" xmlns:p="http://schemas.openxmlformats.org/presentationml/2006/main" type="secHead" preserve="1">
+  <p:cSld name="Section Header">
+    <p:spTree>
+      <p:nvGrpSpPr>
+        <p:cNvPr id="1" name=""/>
+        <p:cNvGrpSpPr/>
+        <p:nvPr/>
+      </p:nvGrpSpPr>
+      <p:grpSpPr>
+        <a:xfrm>
+          <a:off x="0" y="0"/>
+          <a:ext cx="0" cy="0"/>
+          <a:chOff x="0" y="0"/>
+          <a:chExt cx="0" cy="0"/>
+        </a:xfrm>
+      </p:grpSpPr>
+      <p:sp>
+        <p:nvSpPr>
+          <p:cNvPr id="2" name="Title 1"/>
+          <p:cNvSpPr>
+            <a:spLocks noGrp="1"/>
+          </p:cNvSpPr>
+          <p:nvPr>
+            <p:ph type="title"/>
+          </p:nvPr>
+        </p:nvSpPr>
+        <p:spPr>
+          <a:xfrm>
+            <a:off x="1925836" y="8813603"/>
+            <a:ext cx="20725804" cy="2723554"/>
+          </a:xfrm>
+        </p:spPr>
+        <p:txBody>
+          <a:bodyPr anchor="t"/>
+          <a:lstStyle>
+            <a:lvl1pPr algn="l">
+              <a:defRPr sz="5624" b="1" cap="all"/>
+            </a:lvl1pPr>
+          </a:lstStyle>
+          <a:p>
+            <a:r>
+              <a:rPr lang="en-US"/>
+              <a:t>Click to edit Master title style</a:t>
+            </a:r>
+          </a:p>
+        </p:txBody>
+      </p:sp>
+      <p:sp>
+        <p:nvSpPr>
+          <p:cNvPr id="3" name="Text Placeholder 2"/>
+          <p:cNvSpPr>
+            <a:spLocks noGrp="1"/>
+          </p:cNvSpPr>
+          <p:nvPr>
+            <p:ph type="body" idx="1"/>
+          </p:nvPr>
+        </p:nvSpPr>
+        <p:spPr>
+          <a:xfrm>
+            <a:off x="1925836" y="5813226"/>
+            <a:ext cx="20725804" cy="3000376"/>
+          </a:xfrm>
+        </p:spPr>
+        <p:txBody>
+          <a:bodyPr anchor="b"/>
+          <a:lstStyle>
+            <a:lvl1pPr marL="0" indent="0">
+              <a:buNone/>
+              <a:defRPr sz="2812"/>
+            </a:lvl1pPr>
+            <a:lvl2pPr marL="642914" indent="0">
+              <a:buNone/>
+              <a:defRPr sz="2532"/>
+            </a:lvl2pPr>
+            <a:lvl3pPr marL="1285830" indent="0">
+              <a:buNone/>
+              <a:defRPr sz="2250"/>
+            </a:lvl3pPr>
+            <a:lvl4pPr marL="1928744" indent="0">
+              <a:buNone/>
+              <a:defRPr sz="1968"/>
+            </a:lvl4pPr>
+            <a:lvl5pPr marL="2571658" indent="0">
+              <a:buNone/>
+              <a:defRPr sz="1968"/>
+            </a:lvl5pPr>
+            <a:lvl6pPr marL="3214574" indent="0">
+              <a:buNone/>
+              <a:defRPr sz="1968"/>
+            </a:lvl6pPr>
+            <a:lvl7pPr marL="3857488" indent="0">
+              <a:buNone/>
+              <a:defRPr sz="1968"/>
+            </a:lvl7pPr>
+            <a:lvl8pPr marL="4500402" indent="0">
+              <a:buNone/>
+              <a:defRPr sz="1968"/>
+            </a:lvl8pPr>
+            <a:lvl9pPr marL="5143318" indent="0">
+              <a:buNone/>
+              <a:defRPr sz="1968"/>
+            </a:lvl9pPr>
+          </a:lstStyle>
+          <a:p>
+            <a:pPr lvl="0"/>
+            <a:r>
+              <a:rPr lang="en-US"/>
+              <a:t>Click to edit Master text styles</a:t>
+            </a:r>
+          </a:p>
+        </p:txBody>
+      </p:sp>
+    </p:spTree>
+    <p:extLst>
+      <p:ext uri="{BB962C8B-B14F-4D97-AF65-F5344CB8AC3E}">
+        <p14:creationId xmlns:p14="http://schemas.microsoft.com/office/powerpoint/2010/main" val="1646773995"/>
+      </p:ext>
+    </p:extLst>
+  </p:cSld>
+  <p:clrMapOvr>
+    <a:masterClrMapping/>
+  </p:clrMapOvr>
+  <p:transition/>
+</p:sldLayout>
+</file>
+
+<file path=ppt/slideLayouts/slideLayout8.xml><?xml version="1.0" encoding="utf-8"?>
+<p:sldLayout xmlns:a="http://schemas.openxmlformats.org/drawingml/2006/main" xmlns:r="http://schemas.openxmlformats.org/officeDocument/2006/relationships" xmlns:p="http://schemas.openxmlformats.org/presentationml/2006/main" type="twoObj" preserve="1">
+  <p:cSld name="Two Content">
+    <p:spTree>
+      <p:nvGrpSpPr>
+        <p:cNvPr id="1" name=""/>
+        <p:cNvGrpSpPr/>
+        <p:nvPr/>
+      </p:nvGrpSpPr>
+      <p:grpSpPr>
+        <a:xfrm>
+          <a:off x="0" y="0"/>
+          <a:ext cx="0" cy="0"/>
+          <a:chOff x="0" y="0"/>
+          <a:chExt cx="0" cy="0"/>
+        </a:xfrm>
+      </p:grpSpPr>
+      <p:sp>
+        <p:nvSpPr>
+          <p:cNvPr id="2" name="Title 1"/>
+          <p:cNvSpPr>
+            <a:spLocks noGrp="1"/>
+          </p:cNvSpPr>
+          <p:nvPr>
+            <p:ph type="title"/>
+          </p:nvPr>
+        </p:nvSpPr>
+        <p:spPr/>
+        <p:txBody>
+          <a:bodyPr/>
+          <a:lstStyle/>
+          <a:p>
+            <a:r>
+              <a:rPr lang="en-US"/>
+              <a:t>Click to edit Master title style</a:t>
+            </a:r>
+          </a:p>
+        </p:txBody>
+      </p:sp>
+      <p:sp>
+        <p:nvSpPr>
+          <p:cNvPr id="3" name="Content Placeholder 2"/>
+          <p:cNvSpPr>
+            <a:spLocks noGrp="1"/>
+          </p:cNvSpPr>
+          <p:nvPr>
+            <p:ph sz="half" idx="1"/>
+          </p:nvPr>
+        </p:nvSpPr>
+        <p:spPr>
+          <a:xfrm>
+            <a:off x="214312" y="1589484"/>
+            <a:ext cx="11870532" cy="12019360"/>
+          </a:xfrm>
+        </p:spPr>
+        <p:txBody>
+          <a:bodyPr/>
+          <a:lstStyle>
+            <a:lvl1pPr>
+              <a:defRPr sz="3938"/>
+            </a:lvl1pPr>
+            <a:lvl2pPr>
+              <a:defRPr sz="3374"/>
+            </a:lvl2pPr>
+            <a:lvl3pPr>
+              <a:defRPr sz="2812"/>
+            </a:lvl3pPr>
+            <a:lvl4pPr>
+              <a:defRPr sz="2532"/>
+            </a:lvl4pPr>
+            <a:lvl5pPr>
+              <a:defRPr sz="2532"/>
+            </a:lvl5pPr>
+            <a:lvl6pPr>
+              <a:defRPr sz="2532"/>
+            </a:lvl6pPr>
+            <a:lvl7pPr>
+              <a:defRPr sz="2532"/>
+            </a:lvl7pPr>
+            <a:lvl8pPr>
+              <a:defRPr sz="2532"/>
+            </a:lvl8pPr>
+            <a:lvl9pPr>
+              <a:defRPr sz="2532"/>
+            </a:lvl9pPr>
+          </a:lstStyle>
+          <a:p>
+            <a:pPr lvl="0"/>
+            <a:r>
+              <a:rPr lang="en-US"/>
+              <a:t>Click to edit Master text styles</a:t>
+            </a:r>
+          </a:p>
+          <a:p>
+            <a:pPr lvl="1"/>
+            <a:r>
+              <a:rPr lang="en-US"/>
+              <a:t>Second level</a:t>
+            </a:r>
+          </a:p>
+          <a:p>
+            <a:pPr lvl="2"/>
+            <a:r>
+              <a:rPr lang="en-US"/>
+              <a:t>Third level</a:t>
+            </a:r>
+          </a:p>
+          <a:p>
+            <a:pPr lvl="3"/>
+            <a:r>
+              <a:rPr lang="en-US"/>
+              <a:t>Fourth level</a:t>
+            </a:r>
+          </a:p>
+          <a:p>
+            <a:pPr lvl="4"/>
+            <a:r>
+              <a:rPr lang="en-US"/>
+              <a:t>Fifth level</a:t>
+            </a:r>
+          </a:p>
+        </p:txBody>
+      </p:sp>
+      <p:sp>
+        <p:nvSpPr>
+          <p:cNvPr id="4" name="Content Placeholder 3"/>
+          <p:cNvSpPr>
+            <a:spLocks noGrp="1"/>
+          </p:cNvSpPr>
+          <p:nvPr>
+            <p:ph sz="half" idx="2"/>
+          </p:nvPr>
+        </p:nvSpPr>
+        <p:spPr>
+          <a:xfrm>
+            <a:off x="12370594" y="1589484"/>
+            <a:ext cx="11870532" cy="12019360"/>
+          </a:xfrm>
+        </p:spPr>
+        <p:txBody>
+          <a:bodyPr/>
+          <a:lstStyle>
+            <a:lvl1pPr>
+              <a:defRPr sz="3938"/>
+            </a:lvl1pPr>
+            <a:lvl2pPr>
+              <a:defRPr sz="3374"/>
+            </a:lvl2pPr>
+            <a:lvl3pPr>
+              <a:defRPr sz="2812"/>
+            </a:lvl3pPr>
+            <a:lvl4pPr>
+              <a:defRPr sz="2532"/>
+            </a:lvl4pPr>
+            <a:lvl5pPr>
+              <a:defRPr sz="2532"/>
+            </a:lvl5pPr>
+            <a:lvl6pPr>
+              <a:defRPr sz="2532"/>
+            </a:lvl6pPr>
+            <a:lvl7pPr>
+              <a:defRPr sz="2532"/>
+            </a:lvl7pPr>
+            <a:lvl8pPr>
+              <a:defRPr sz="2532"/>
+            </a:lvl8pPr>
+            <a:lvl9pPr>
+              <a:defRPr sz="2532"/>
+            </a:lvl9pPr>
+          </a:lstStyle>
+          <a:p>
+            <a:pPr lvl="0"/>
+            <a:r>
+              <a:rPr lang="en-US"/>
+              <a:t>Click to edit Master text styles</a:t>
+            </a:r>
+          </a:p>
+          <a:p>
+            <a:pPr lvl="1"/>
+            <a:r>
+              <a:rPr lang="en-US"/>
+              <a:t>Second level</a:t>
+            </a:r>
+          </a:p>
+          <a:p>
+            <a:pPr lvl="2"/>
+            <a:r>
+              <a:rPr lang="en-US"/>
+              <a:t>Third level</a:t>
+            </a:r>
+          </a:p>
+          <a:p>
+            <a:pPr lvl="3"/>
+            <a:r>
+              <a:rPr lang="en-US"/>
+              <a:t>Fourth level</a:t>
+            </a:r>
+          </a:p>
+          <a:p>
+            <a:pPr lvl="4"/>
+            <a:r>
+              <a:rPr lang="en-US"/>
+              <a:t>Fifth level</a:t>
+            </a:r>
+          </a:p>
+        </p:txBody>
+      </p:sp>
+    </p:spTree>
+    <p:extLst>
+      <p:ext uri="{BB962C8B-B14F-4D97-AF65-F5344CB8AC3E}">
+        <p14:creationId xmlns:p14="http://schemas.microsoft.com/office/powerpoint/2010/main" val="3506984483"/>
+      </p:ext>
+    </p:extLst>
+  </p:cSld>
+  <p:clrMapOvr>
+    <a:masterClrMapping/>
+  </p:clrMapOvr>
+  <p:transition/>
+</p:sldLayout>
+</file>
+
+<file path=ppt/slideLayouts/slideLayout9.xml><?xml version="1.0" encoding="utf-8"?>
+<p:sldLayout xmlns:a="http://schemas.openxmlformats.org/drawingml/2006/main" xmlns:r="http://schemas.openxmlformats.org/officeDocument/2006/relationships" xmlns:p="http://schemas.openxmlformats.org/presentationml/2006/main" type="twoTxTwoObj" preserve="1">
+  <p:cSld name="Comparison">
+    <p:spTree>
+      <p:nvGrpSpPr>
+        <p:cNvPr id="1" name=""/>
+        <p:cNvGrpSpPr/>
+        <p:nvPr/>
+      </p:nvGrpSpPr>
+      <p:grpSpPr>
+        <a:xfrm>
+          <a:off x="0" y="0"/>
+          <a:ext cx="0" cy="0"/>
+          <a:chOff x="0" y="0"/>
+          <a:chExt cx="0" cy="0"/>
+        </a:xfrm>
+      </p:grpSpPr>
+      <p:sp>
+        <p:nvSpPr>
+          <p:cNvPr id="2" name="Title 1"/>
+          <p:cNvSpPr>
+            <a:spLocks noGrp="1"/>
+          </p:cNvSpPr>
+          <p:nvPr>
+            <p:ph type="title"/>
+          </p:nvPr>
+        </p:nvSpPr>
+        <p:spPr>
+          <a:xfrm>
+            <a:off x="1220393" y="549176"/>
+            <a:ext cx="21943218" cy="2286000"/>
+          </a:xfrm>
+        </p:spPr>
+        <p:txBody>
+          <a:bodyPr/>
+          <a:lstStyle>
+            <a:lvl1pPr>
+              <a:defRPr/>
+            </a:lvl1pPr>
+          </a:lstStyle>
+          <a:p>
+            <a:r>
+              <a:rPr lang="en-US"/>
+              <a:t>Click to edit Master title style</a:t>
+            </a:r>
+          </a:p>
+        </p:txBody>
+      </p:sp>
+      <p:sp>
+        <p:nvSpPr>
+          <p:cNvPr id="3" name="Text Placeholder 2"/>
+          <p:cNvSpPr>
+            <a:spLocks noGrp="1"/>
+          </p:cNvSpPr>
+          <p:nvPr>
+            <p:ph type="body" idx="1"/>
+          </p:nvPr>
+        </p:nvSpPr>
+        <p:spPr>
+          <a:xfrm>
+            <a:off x="1220392" y="3069583"/>
+            <a:ext cx="10772180" cy="1279178"/>
+          </a:xfrm>
+        </p:spPr>
+        <p:txBody>
+          <a:bodyPr anchor="b"/>
+          <a:lstStyle>
+            <a:lvl1pPr marL="0" indent="0">
+              <a:buNone/>
+              <a:defRPr sz="3374" b="1"/>
+            </a:lvl1pPr>
+            <a:lvl2pPr marL="642914" indent="0">
+              <a:buNone/>
+              <a:defRPr sz="2812" b="1"/>
+            </a:lvl2pPr>
+            <a:lvl3pPr marL="1285830" indent="0">
+              <a:buNone/>
+              <a:defRPr sz="2532" b="1"/>
+            </a:lvl3pPr>
+            <a:lvl4pPr marL="1928744" indent="0">
+              <a:buNone/>
+              <a:defRPr sz="2250" b="1"/>
+            </a:lvl4pPr>
+            <a:lvl5pPr marL="2571658" indent="0">
+              <a:buNone/>
+              <a:defRPr sz="2250" b="1"/>
+            </a:lvl5pPr>
+            <a:lvl6pPr marL="3214574" indent="0">
+              <a:buNone/>
+              <a:defRPr sz="2250" b="1"/>
+            </a:lvl6pPr>
+            <a:lvl7pPr marL="3857488" indent="0">
+              <a:buNone/>
+              <a:defRPr sz="2250" b="1"/>
+            </a:lvl7pPr>
+            <a:lvl8pPr marL="4500402" indent="0">
+              <a:buNone/>
+              <a:defRPr sz="2250" b="1"/>
+            </a:lvl8pPr>
+            <a:lvl9pPr marL="5143318" indent="0">
+              <a:buNone/>
+              <a:defRPr sz="2250" b="1"/>
+            </a:lvl9pPr>
+          </a:lstStyle>
+          <a:p>
+            <a:pPr lvl="0"/>
+            <a:r>
+              <a:rPr lang="en-US"/>
+              <a:t>Click to edit Master text styles</a:t>
+            </a:r>
+          </a:p>
+        </p:txBody>
+      </p:sp>
+      <p:sp>
+        <p:nvSpPr>
+          <p:cNvPr id="4" name="Content Placeholder 3"/>
+          <p:cNvSpPr>
+            <a:spLocks noGrp="1"/>
+          </p:cNvSpPr>
+          <p:nvPr>
+            <p:ph sz="half" idx="2"/>
+          </p:nvPr>
+        </p:nvSpPr>
+        <p:spPr>
+          <a:xfrm>
+            <a:off x="1220392" y="4348759"/>
+            <a:ext cx="10772180" cy="7902774"/>
+          </a:xfrm>
+        </p:spPr>
+        <p:txBody>
+          <a:bodyPr/>
+          <a:lstStyle>
+            <a:lvl1pPr>
+              <a:defRPr sz="3374"/>
+            </a:lvl1pPr>
+            <a:lvl2pPr>
+              <a:defRPr sz="2812"/>
+            </a:lvl2pPr>
+            <a:lvl3pPr>
+              <a:defRPr sz="2532"/>
+            </a:lvl3pPr>
+            <a:lvl4pPr>
+              <a:defRPr sz="2250"/>
+            </a:lvl4pPr>
+            <a:lvl5pPr>
+              <a:defRPr sz="2250"/>
+            </a:lvl5pPr>
+            <a:lvl6pPr>
+              <a:defRPr sz="2250"/>
+            </a:lvl6pPr>
+            <a:lvl7pPr>
+              <a:defRPr sz="2250"/>
+            </a:lvl7pPr>
+            <a:lvl8pPr>
+              <a:defRPr sz="2250"/>
+            </a:lvl8pPr>
+            <a:lvl9pPr>
+              <a:defRPr sz="2250"/>
+            </a:lvl9pPr>
+          </a:lstStyle>
+          <a:p>
+            <a:pPr lvl="0"/>
+            <a:r>
+              <a:rPr lang="en-US"/>
+              <a:t>Click to edit Master text styles</a:t>
+            </a:r>
+          </a:p>
+          <a:p>
+            <a:pPr lvl="1"/>
+            <a:r>
+              <a:rPr lang="en-US"/>
+              <a:t>Second level</a:t>
+            </a:r>
+          </a:p>
+          <a:p>
+            <a:pPr lvl="2"/>
+            <a:r>
+              <a:rPr lang="en-US"/>
+              <a:t>Third level</a:t>
+            </a:r>
+          </a:p>
+          <a:p>
+            <a:pPr lvl="3"/>
+            <a:r>
+              <a:rPr lang="en-US"/>
+              <a:t>Fourth level</a:t>
+            </a:r>
+          </a:p>
+          <a:p>
+            <a:pPr lvl="4"/>
+            <a:r>
+              <a:rPr lang="en-US"/>
+              <a:t>Fifth level</a:t>
+            </a:r>
+          </a:p>
+        </p:txBody>
+      </p:sp>
+      <p:sp>
+        <p:nvSpPr>
+          <p:cNvPr id="5" name="Text Placeholder 4"/>
+          <p:cNvSpPr>
+            <a:spLocks noGrp="1"/>
+          </p:cNvSpPr>
+          <p:nvPr>
+            <p:ph type="body" sz="quarter" idx="3"/>
+          </p:nvPr>
+        </p:nvSpPr>
+        <p:spPr>
+          <a:xfrm>
+            <a:off x="12385478" y="3069583"/>
+            <a:ext cx="10778132" cy="1279178"/>
+          </a:xfrm>
+        </p:spPr>
+        <p:txBody>
+          <a:bodyPr anchor="b"/>
+          <a:lstStyle>
+            <a:lvl1pPr marL="0" indent="0">
+              <a:buNone/>
+              <a:defRPr sz="3374" b="1"/>
+            </a:lvl1pPr>
+            <a:lvl2pPr marL="642914" indent="0">
+              <a:buNone/>
+              <a:defRPr sz="2812" b="1"/>
+            </a:lvl2pPr>
+            <a:lvl3pPr marL="1285830" indent="0">
+              <a:buNone/>
+              <a:defRPr sz="2532" b="1"/>
+            </a:lvl3pPr>
+            <a:lvl4pPr marL="1928744" indent="0">
+              <a:buNone/>
+              <a:defRPr sz="2250" b="1"/>
+            </a:lvl4pPr>
+            <a:lvl5pPr marL="2571658" indent="0">
+              <a:buNone/>
+              <a:defRPr sz="2250" b="1"/>
+            </a:lvl5pPr>
+            <a:lvl6pPr marL="3214574" indent="0">
+              <a:buNone/>
+              <a:defRPr sz="2250" b="1"/>
+            </a:lvl6pPr>
+            <a:lvl7pPr marL="3857488" indent="0">
+              <a:buNone/>
+              <a:defRPr sz="2250" b="1"/>
+            </a:lvl7pPr>
+            <a:lvl8pPr marL="4500402" indent="0">
+              <a:buNone/>
+              <a:defRPr sz="2250" b="1"/>
+            </a:lvl8pPr>
+            <a:lvl9pPr marL="5143318" indent="0">
+              <a:buNone/>
+              <a:defRPr sz="2250" b="1"/>
+            </a:lvl9pPr>
+          </a:lstStyle>
+          <a:p>
+            <a:pPr lvl="0"/>
+            <a:r>
+              <a:rPr lang="en-US"/>
+              <a:t>Click to edit Master text styles</a:t>
+            </a:r>
+          </a:p>
+        </p:txBody>
+      </p:sp>
+      <p:sp>
+        <p:nvSpPr>
+          <p:cNvPr id="6" name="Content Placeholder 5"/>
+          <p:cNvSpPr>
+            <a:spLocks noGrp="1"/>
+          </p:cNvSpPr>
+          <p:nvPr>
+            <p:ph sz="quarter" idx="4"/>
+          </p:nvPr>
+        </p:nvSpPr>
+        <p:spPr>
+          <a:xfrm>
+            <a:off x="12385478" y="4348759"/>
+            <a:ext cx="10778132" cy="7902774"/>
+          </a:xfrm>
+        </p:spPr>
+        <p:txBody>
+          <a:bodyPr/>
+          <a:lstStyle>
+            <a:lvl1pPr>
+              <a:defRPr sz="3374"/>
+            </a:lvl1pPr>
+            <a:lvl2pPr>
+              <a:defRPr sz="2812"/>
+            </a:lvl2pPr>
+            <a:lvl3pPr>
+              <a:defRPr sz="2532"/>
+            </a:lvl3pPr>
+            <a:lvl4pPr>
+              <a:defRPr sz="2250"/>
+            </a:lvl4pPr>
+            <a:lvl5pPr>
+              <a:defRPr sz="2250"/>
+            </a:lvl5pPr>
+            <a:lvl6pPr>
+              <a:defRPr sz="2250"/>
+            </a:lvl6pPr>
+            <a:lvl7pPr>
+              <a:defRPr sz="2250"/>
+            </a:lvl7pPr>
+            <a:lvl8pPr>
+              <a:defRPr sz="2250"/>
+            </a:lvl8pPr>
+            <a:lvl9pPr>
+              <a:defRPr sz="2250"/>
+            </a:lvl9pPr>
+          </a:lstStyle>
+          <a:p>
+            <a:pPr lvl="0"/>
+            <a:r>
+              <a:rPr lang="en-US"/>
+              <a:t>Click to edit Master text styles</a:t>
+            </a:r>
+          </a:p>
+          <a:p>
+            <a:pPr lvl="1"/>
+            <a:r>
+              <a:rPr lang="en-US"/>
+              <a:t>Second level</a:t>
+            </a:r>
+          </a:p>
+          <a:p>
+            <a:pPr lvl="2"/>
+            <a:r>
+              <a:rPr lang="en-US"/>
+              <a:t>Third level</a:t>
+            </a:r>
+          </a:p>
+          <a:p>
+            <a:pPr lvl="3"/>
+            <a:r>
+              <a:rPr lang="en-US"/>
+              <a:t>Fourth level</a:t>
+            </a:r>
+          </a:p>
+          <a:p>
+            <a:pPr lvl="4"/>
+            <a:r>
+              <a:rPr lang="en-US"/>
+              <a:t>Fifth level</a:t>
+            </a:r>
+          </a:p>
+        </p:txBody>
+      </p:sp>
+    </p:spTree>
+    <p:extLst>
+      <p:ext uri="{BB962C8B-B14F-4D97-AF65-F5344CB8AC3E}">
+        <p14:creationId xmlns:p14="http://schemas.microsoft.com/office/powerpoint/2010/main" val="3765318567"/>
+      </p:ext>
+    </p:extLst>
+  </p:cSld>
+  <p:clrMapOvr>
+    <a:masterClrMapping/>
+  </p:clrMapOvr>
+  <p:transition/>
 </p:sldLayout>
 </file>
 
@@ -1883,7 +3525,1943 @@
 </p:sldMaster>
 </file>
 
+<file path=ppt/slideMasters/slideMaster2.xml><?xml version="1.0" encoding="utf-8"?>
+<p:sldMaster xmlns:a="http://schemas.openxmlformats.org/drawingml/2006/main" xmlns:r="http://schemas.openxmlformats.org/officeDocument/2006/relationships" xmlns:p="http://schemas.openxmlformats.org/presentationml/2006/main">
+  <p:cSld>
+    <p:bg>
+      <p:bgPr>
+        <a:solidFill>
+          <a:schemeClr val="bg1"/>
+        </a:solidFill>
+        <a:effectLst/>
+      </p:bgPr>
+    </p:bg>
+    <p:spTree>
+      <p:nvGrpSpPr>
+        <p:cNvPr id="1" name=""/>
+        <p:cNvGrpSpPr/>
+        <p:nvPr/>
+      </p:nvGrpSpPr>
+      <p:grpSpPr>
+        <a:xfrm>
+          <a:off x="0" y="0"/>
+          <a:ext cx="0" cy="0"/>
+          <a:chOff x="0" y="0"/>
+          <a:chExt cx="0" cy="0"/>
+        </a:xfrm>
+      </p:grpSpPr>
+      <p:sp>
+        <p:nvSpPr>
+          <p:cNvPr id="2050" name="Rectangle 1"/>
+          <p:cNvSpPr>
+            <a:spLocks noGrp="1" noChangeArrowheads="1"/>
+          </p:cNvSpPr>
+          <p:nvPr>
+            <p:ph type="title"/>
+          </p:nvPr>
+        </p:nvSpPr>
+        <p:spPr bwMode="auto">
+          <a:xfrm>
+            <a:off x="166688" y="71439"/>
+            <a:ext cx="24026812" cy="1303734"/>
+          </a:xfrm>
+          <a:prstGeom prst="rect">
+            <a:avLst/>
+          </a:prstGeom>
+          <a:noFill/>
+          <a:ln w="12700">
+            <a:noFill/>
+            <a:miter lim="800000"/>
+            <a:headEnd/>
+            <a:tailEnd/>
+          </a:ln>
+        </p:spPr>
+        <p:txBody>
+          <a:bodyPr vert="horz" wrap="square" lIns="50800" tIns="50800" rIns="50800" bIns="50800" numCol="1" anchor="ctr" anchorCtr="0" compatLnSpc="1">
+            <a:prstTxWarp prst="textNoShape">
+              <a:avLst/>
+            </a:prstTxWarp>
+          </a:bodyPr>
+          <a:lstStyle/>
+          <a:p>
+            <a:pPr lvl="0"/>
+            <a:r>
+              <a:rPr lang="en-US">
+                <a:sym typeface="Arial" charset="0"/>
+              </a:rPr>
+              <a:t>Click to edit Master title style</a:t>
+            </a:r>
+          </a:p>
+        </p:txBody>
+      </p:sp>
+      <p:sp>
+        <p:nvSpPr>
+          <p:cNvPr id="2051" name="Rectangle 2"/>
+          <p:cNvSpPr>
+            <a:spLocks noGrp="1" noChangeArrowheads="1"/>
+          </p:cNvSpPr>
+          <p:nvPr>
+            <p:ph type="body" idx="1"/>
+          </p:nvPr>
+        </p:nvSpPr>
+        <p:spPr bwMode="auto">
+          <a:xfrm>
+            <a:off x="214312" y="1589484"/>
+            <a:ext cx="24026812" cy="12019360"/>
+          </a:xfrm>
+          <a:prstGeom prst="rect">
+            <a:avLst/>
+          </a:prstGeom>
+          <a:noFill/>
+          <a:ln w="12700">
+            <a:noFill/>
+            <a:miter lim="800000"/>
+            <a:headEnd/>
+            <a:tailEnd/>
+          </a:ln>
+        </p:spPr>
+        <p:txBody>
+          <a:bodyPr vert="horz" wrap="square" lIns="50800" tIns="50800" rIns="50800" bIns="50800" numCol="1" anchor="ctr" anchorCtr="0" compatLnSpc="1">
+            <a:prstTxWarp prst="textNoShape">
+              <a:avLst/>
+            </a:prstTxWarp>
+          </a:bodyPr>
+          <a:lstStyle/>
+          <a:p>
+            <a:pPr lvl="0"/>
+            <a:r>
+              <a:rPr lang="en-US">
+                <a:sym typeface="Arial" charset="0"/>
+              </a:rPr>
+              <a:t>Click to edit Master text styles</a:t>
+            </a:r>
+          </a:p>
+          <a:p>
+            <a:pPr lvl="1"/>
+            <a:r>
+              <a:rPr lang="en-US">
+                <a:sym typeface="Arial" charset="0"/>
+              </a:rPr>
+              <a:t>Second level</a:t>
+            </a:r>
+          </a:p>
+          <a:p>
+            <a:pPr lvl="2"/>
+            <a:r>
+              <a:rPr lang="en-US">
+                <a:sym typeface="Arial" charset="0"/>
+              </a:rPr>
+              <a:t>Third level</a:t>
+            </a:r>
+          </a:p>
+          <a:p>
+            <a:pPr lvl="3"/>
+            <a:r>
+              <a:rPr lang="en-US">
+                <a:sym typeface="Arial" charset="0"/>
+              </a:rPr>
+              <a:t>Fourth level</a:t>
+            </a:r>
+          </a:p>
+          <a:p>
+            <a:pPr lvl="4"/>
+            <a:r>
+              <a:rPr lang="en-US">
+                <a:sym typeface="Arial" charset="0"/>
+              </a:rPr>
+              <a:t>Fifth level</a:t>
+            </a:r>
+          </a:p>
+        </p:txBody>
+      </p:sp>
+      <p:sp>
+        <p:nvSpPr>
+          <p:cNvPr id="2" name="Line 3"/>
+          <p:cNvSpPr>
+            <a:spLocks noChangeShapeType="1"/>
+          </p:cNvSpPr>
+          <p:nvPr/>
+        </p:nvSpPr>
+        <p:spPr bwMode="auto">
+          <a:xfrm rot="10800000" flipH="1">
+            <a:off x="3" y="1480096"/>
+            <a:ext cx="24378046" cy="2232"/>
+          </a:xfrm>
+          <a:prstGeom prst="line">
+            <a:avLst/>
+          </a:prstGeom>
+          <a:noFill/>
+          <a:ln w="38100" cap="flat">
+            <a:solidFill>
+              <a:srgbClr val="254789"/>
+            </a:solidFill>
+            <a:prstDash val="solid"/>
+            <a:miter lim="800000"/>
+            <a:headEnd type="none" w="med" len="med"/>
+            <a:tailEnd type="none" w="med" len="med"/>
+          </a:ln>
+        </p:spPr>
+        <p:txBody>
+          <a:bodyPr lIns="0" tIns="0" rIns="0" bIns="0"/>
+          <a:lstStyle/>
+          <a:p>
+            <a:pPr>
+              <a:defRPr/>
+            </a:pPr>
+            <a:endParaRPr lang="en-US" sz="2532"/>
+          </a:p>
+        </p:txBody>
+      </p:sp>
+    </p:spTree>
+    <p:extLst>
+      <p:ext uri="{BB962C8B-B14F-4D97-AF65-F5344CB8AC3E}">
+        <p14:creationId xmlns:p14="http://schemas.microsoft.com/office/powerpoint/2010/main" val="1325866777"/>
+      </p:ext>
+    </p:extLst>
+  </p:cSld>
+  <p:clrMap bg1="lt1" tx1="dk1" bg2="lt2" tx2="dk2" accent1="accent1" accent2="accent2" accent3="accent3" accent4="accent4" accent5="accent5" accent6="accent6" hlink="hlink" folHlink="folHlink"/>
+  <p:sldLayoutIdLst>
+    <p:sldLayoutId id="2147483656" r:id="rId1"/>
+    <p:sldLayoutId id="2147483657" r:id="rId2"/>
+    <p:sldLayoutId id="2147483658" r:id="rId3"/>
+    <p:sldLayoutId id="2147483659" r:id="rId4"/>
+    <p:sldLayoutId id="2147483660" r:id="rId5"/>
+    <p:sldLayoutId id="2147483661" r:id="rId6"/>
+    <p:sldLayoutId id="2147483662" r:id="rId7"/>
+    <p:sldLayoutId id="2147483663" r:id="rId8"/>
+    <p:sldLayoutId id="2147483664" r:id="rId9"/>
+    <p:sldLayoutId id="2147483665" r:id="rId10"/>
+    <p:sldLayoutId id="2147483666" r:id="rId11"/>
+  </p:sldLayoutIdLst>
+  <p:transition/>
+  <p:txStyles>
+    <p:titleStyle>
+      <a:lvl1pPr algn="l" rtl="0" eaLnBrk="0" fontAlgn="base" hangingPunct="0">
+        <a:spcBef>
+          <a:spcPct val="0"/>
+        </a:spcBef>
+        <a:spcAft>
+          <a:spcPct val="0"/>
+        </a:spcAft>
+        <a:defRPr sz="8438">
+          <a:solidFill>
+            <a:schemeClr val="tx1"/>
+          </a:solidFill>
+          <a:latin typeface="+mj-lt"/>
+          <a:ea typeface="+mj-ea"/>
+          <a:cs typeface="+mj-cs"/>
+          <a:sym typeface="Arial" charset="0"/>
+        </a:defRPr>
+      </a:lvl1pPr>
+      <a:lvl2pPr algn="l" rtl="0" eaLnBrk="0" fontAlgn="base" hangingPunct="0">
+        <a:spcBef>
+          <a:spcPct val="0"/>
+        </a:spcBef>
+        <a:spcAft>
+          <a:spcPct val="0"/>
+        </a:spcAft>
+        <a:defRPr sz="8438">
+          <a:solidFill>
+            <a:schemeClr val="tx1"/>
+          </a:solidFill>
+          <a:latin typeface="Arial" charset="0"/>
+          <a:ea typeface="ヒラギノ角ゴ ProN W3" charset="0"/>
+          <a:cs typeface="ヒラギノ角ゴ ProN W3" charset="0"/>
+          <a:sym typeface="Arial" charset="0"/>
+        </a:defRPr>
+      </a:lvl2pPr>
+      <a:lvl3pPr algn="l" rtl="0" eaLnBrk="0" fontAlgn="base" hangingPunct="0">
+        <a:spcBef>
+          <a:spcPct val="0"/>
+        </a:spcBef>
+        <a:spcAft>
+          <a:spcPct val="0"/>
+        </a:spcAft>
+        <a:defRPr sz="8438">
+          <a:solidFill>
+            <a:schemeClr val="tx1"/>
+          </a:solidFill>
+          <a:latin typeface="Arial" charset="0"/>
+          <a:ea typeface="ヒラギノ角ゴ ProN W3" charset="0"/>
+          <a:cs typeface="ヒラギノ角ゴ ProN W3" charset="0"/>
+          <a:sym typeface="Arial" charset="0"/>
+        </a:defRPr>
+      </a:lvl3pPr>
+      <a:lvl4pPr algn="l" rtl="0" eaLnBrk="0" fontAlgn="base" hangingPunct="0">
+        <a:spcBef>
+          <a:spcPct val="0"/>
+        </a:spcBef>
+        <a:spcAft>
+          <a:spcPct val="0"/>
+        </a:spcAft>
+        <a:defRPr sz="8438">
+          <a:solidFill>
+            <a:schemeClr val="tx1"/>
+          </a:solidFill>
+          <a:latin typeface="Arial" charset="0"/>
+          <a:ea typeface="ヒラギノ角ゴ ProN W3" charset="0"/>
+          <a:cs typeface="ヒラギノ角ゴ ProN W3" charset="0"/>
+          <a:sym typeface="Arial" charset="0"/>
+        </a:defRPr>
+      </a:lvl4pPr>
+      <a:lvl5pPr algn="l" rtl="0" eaLnBrk="0" fontAlgn="base" hangingPunct="0">
+        <a:spcBef>
+          <a:spcPct val="0"/>
+        </a:spcBef>
+        <a:spcAft>
+          <a:spcPct val="0"/>
+        </a:spcAft>
+        <a:defRPr sz="8438">
+          <a:solidFill>
+            <a:schemeClr val="tx1"/>
+          </a:solidFill>
+          <a:latin typeface="Arial" charset="0"/>
+          <a:ea typeface="ヒラギノ角ゴ ProN W3" charset="0"/>
+          <a:cs typeface="ヒラギノ角ゴ ProN W3" charset="0"/>
+          <a:sym typeface="Arial" charset="0"/>
+        </a:defRPr>
+      </a:lvl5pPr>
+      <a:lvl6pPr marL="642914" algn="l" rtl="0" fontAlgn="base">
+        <a:spcBef>
+          <a:spcPct val="0"/>
+        </a:spcBef>
+        <a:spcAft>
+          <a:spcPct val="0"/>
+        </a:spcAft>
+        <a:defRPr sz="8438">
+          <a:solidFill>
+            <a:schemeClr val="tx1"/>
+          </a:solidFill>
+          <a:latin typeface="Arial" charset="0"/>
+          <a:ea typeface="ヒラギノ角ゴ ProN W3" charset="0"/>
+          <a:cs typeface="ヒラギノ角ゴ ProN W3" charset="0"/>
+          <a:sym typeface="Arial" charset="0"/>
+        </a:defRPr>
+      </a:lvl6pPr>
+      <a:lvl7pPr marL="1285830" algn="l" rtl="0" fontAlgn="base">
+        <a:spcBef>
+          <a:spcPct val="0"/>
+        </a:spcBef>
+        <a:spcAft>
+          <a:spcPct val="0"/>
+        </a:spcAft>
+        <a:defRPr sz="8438">
+          <a:solidFill>
+            <a:schemeClr val="tx1"/>
+          </a:solidFill>
+          <a:latin typeface="Arial" charset="0"/>
+          <a:ea typeface="ヒラギノ角ゴ ProN W3" charset="0"/>
+          <a:cs typeface="ヒラギノ角ゴ ProN W3" charset="0"/>
+          <a:sym typeface="Arial" charset="0"/>
+        </a:defRPr>
+      </a:lvl7pPr>
+      <a:lvl8pPr marL="1928744" algn="l" rtl="0" fontAlgn="base">
+        <a:spcBef>
+          <a:spcPct val="0"/>
+        </a:spcBef>
+        <a:spcAft>
+          <a:spcPct val="0"/>
+        </a:spcAft>
+        <a:defRPr sz="8438">
+          <a:solidFill>
+            <a:schemeClr val="tx1"/>
+          </a:solidFill>
+          <a:latin typeface="Arial" charset="0"/>
+          <a:ea typeface="ヒラギノ角ゴ ProN W3" charset="0"/>
+          <a:cs typeface="ヒラギノ角ゴ ProN W3" charset="0"/>
+          <a:sym typeface="Arial" charset="0"/>
+        </a:defRPr>
+      </a:lvl8pPr>
+      <a:lvl9pPr marL="2571658" algn="l" rtl="0" fontAlgn="base">
+        <a:spcBef>
+          <a:spcPct val="0"/>
+        </a:spcBef>
+        <a:spcAft>
+          <a:spcPct val="0"/>
+        </a:spcAft>
+        <a:defRPr sz="8438">
+          <a:solidFill>
+            <a:schemeClr val="tx1"/>
+          </a:solidFill>
+          <a:latin typeface="Arial" charset="0"/>
+          <a:ea typeface="ヒラギノ角ゴ ProN W3" charset="0"/>
+          <a:cs typeface="ヒラギノ角ゴ ProN W3" charset="0"/>
+          <a:sym typeface="Arial" charset="0"/>
+        </a:defRPr>
+      </a:lvl9pPr>
+    </p:titleStyle>
+    <p:bodyStyle>
+      <a:lvl1pPr marL="821502" indent="-535762" algn="l" rtl="0" eaLnBrk="0" fontAlgn="base" hangingPunct="0">
+        <a:spcBef>
+          <a:spcPts val="844"/>
+        </a:spcBef>
+        <a:spcAft>
+          <a:spcPct val="0"/>
+        </a:spcAft>
+        <a:buSzPct val="150000"/>
+        <a:buFont typeface="Arial" charset="0"/>
+        <a:buChar char="•"/>
+        <a:defRPr sz="5906">
+          <a:solidFill>
+            <a:schemeClr val="tx1"/>
+          </a:solidFill>
+          <a:latin typeface="+mn-lt"/>
+          <a:ea typeface="+mn-ea"/>
+          <a:cs typeface="+mn-cs"/>
+          <a:sym typeface="Arial" charset="0"/>
+        </a:defRPr>
+      </a:lvl1pPr>
+      <a:lvl2pPr marL="1535852" indent="-535762" algn="l" rtl="0" eaLnBrk="0" fontAlgn="base" hangingPunct="0">
+        <a:spcBef>
+          <a:spcPts val="844"/>
+        </a:spcBef>
+        <a:spcAft>
+          <a:spcPct val="0"/>
+        </a:spcAft>
+        <a:buSzPct val="100000"/>
+        <a:buFont typeface="Lucida Grande" charset="0"/>
+        <a:buChar char="‣"/>
+        <a:defRPr sz="5062">
+          <a:solidFill>
+            <a:schemeClr val="tx1"/>
+          </a:solidFill>
+          <a:latin typeface="+mn-lt"/>
+          <a:ea typeface="+mn-ea"/>
+          <a:cs typeface="+mn-cs"/>
+          <a:sym typeface="Arial" charset="0"/>
+        </a:defRPr>
+      </a:lvl2pPr>
+      <a:lvl3pPr marL="2071614" indent="-446468" algn="l" rtl="0" eaLnBrk="0" fontAlgn="base" hangingPunct="0">
+        <a:spcBef>
+          <a:spcPts val="844"/>
+        </a:spcBef>
+        <a:spcAft>
+          <a:spcPct val="0"/>
+        </a:spcAft>
+        <a:buClr>
+          <a:srgbClr val="000000"/>
+        </a:buClr>
+        <a:buSzPct val="100000"/>
+        <a:buFont typeface="Arial" charset="0"/>
+        <a:buChar char="-"/>
+        <a:defRPr sz="4218">
+          <a:solidFill>
+            <a:schemeClr val="tx1"/>
+          </a:solidFill>
+          <a:latin typeface="+mn-lt"/>
+          <a:ea typeface="+mn-ea"/>
+          <a:cs typeface="+mn-cs"/>
+          <a:sym typeface="Arial" charset="0"/>
+        </a:defRPr>
+      </a:lvl3pPr>
+      <a:lvl4pPr marL="2696670" indent="-446468" algn="l" rtl="0" eaLnBrk="0" fontAlgn="base" hangingPunct="0">
+        <a:spcBef>
+          <a:spcPts val="844"/>
+        </a:spcBef>
+        <a:spcAft>
+          <a:spcPct val="0"/>
+        </a:spcAft>
+        <a:buClr>
+          <a:srgbClr val="000000"/>
+        </a:buClr>
+        <a:buSzPct val="100000"/>
+        <a:buFont typeface="Arial" charset="0"/>
+        <a:buChar char="-"/>
+        <a:defRPr sz="4218">
+          <a:solidFill>
+            <a:schemeClr val="tx1"/>
+          </a:solidFill>
+          <a:latin typeface="+mn-lt"/>
+          <a:ea typeface="+mn-ea"/>
+          <a:cs typeface="+mn-cs"/>
+          <a:sym typeface="Arial" charset="0"/>
+        </a:defRPr>
+      </a:lvl4pPr>
+      <a:lvl5pPr marL="3321726" indent="-446468" algn="l" rtl="0" eaLnBrk="0" fontAlgn="base" hangingPunct="0">
+        <a:spcBef>
+          <a:spcPts val="844"/>
+        </a:spcBef>
+        <a:spcAft>
+          <a:spcPct val="0"/>
+        </a:spcAft>
+        <a:buClr>
+          <a:srgbClr val="000000"/>
+        </a:buClr>
+        <a:buSzPct val="100000"/>
+        <a:buFont typeface="Arial" charset="0"/>
+        <a:buChar char="-"/>
+        <a:defRPr sz="4218">
+          <a:solidFill>
+            <a:schemeClr val="tx1"/>
+          </a:solidFill>
+          <a:latin typeface="+mn-lt"/>
+          <a:ea typeface="+mn-ea"/>
+          <a:cs typeface="+mn-cs"/>
+          <a:sym typeface="Arial" charset="0"/>
+        </a:defRPr>
+      </a:lvl5pPr>
+      <a:lvl6pPr marL="3964640" indent="-446468" algn="l" rtl="0" fontAlgn="base">
+        <a:spcBef>
+          <a:spcPts val="844"/>
+        </a:spcBef>
+        <a:spcAft>
+          <a:spcPct val="0"/>
+        </a:spcAft>
+        <a:buClr>
+          <a:srgbClr val="000000"/>
+        </a:buClr>
+        <a:buSzPct val="100000"/>
+        <a:buFont typeface="Arial" charset="0"/>
+        <a:buChar char="-"/>
+        <a:defRPr sz="4218">
+          <a:solidFill>
+            <a:schemeClr val="tx1"/>
+          </a:solidFill>
+          <a:latin typeface="+mn-lt"/>
+          <a:ea typeface="+mn-ea"/>
+          <a:cs typeface="+mn-cs"/>
+          <a:sym typeface="Arial" charset="0"/>
+        </a:defRPr>
+      </a:lvl6pPr>
+      <a:lvl7pPr marL="4607554" indent="-446468" algn="l" rtl="0" fontAlgn="base">
+        <a:spcBef>
+          <a:spcPts val="844"/>
+        </a:spcBef>
+        <a:spcAft>
+          <a:spcPct val="0"/>
+        </a:spcAft>
+        <a:buClr>
+          <a:srgbClr val="000000"/>
+        </a:buClr>
+        <a:buSzPct val="100000"/>
+        <a:buFont typeface="Arial" charset="0"/>
+        <a:buChar char="-"/>
+        <a:defRPr sz="4218">
+          <a:solidFill>
+            <a:schemeClr val="tx1"/>
+          </a:solidFill>
+          <a:latin typeface="+mn-lt"/>
+          <a:ea typeface="+mn-ea"/>
+          <a:cs typeface="+mn-cs"/>
+          <a:sym typeface="Arial" charset="0"/>
+        </a:defRPr>
+      </a:lvl7pPr>
+      <a:lvl8pPr marL="5250470" indent="-446468" algn="l" rtl="0" fontAlgn="base">
+        <a:spcBef>
+          <a:spcPts val="844"/>
+        </a:spcBef>
+        <a:spcAft>
+          <a:spcPct val="0"/>
+        </a:spcAft>
+        <a:buClr>
+          <a:srgbClr val="000000"/>
+        </a:buClr>
+        <a:buSzPct val="100000"/>
+        <a:buFont typeface="Arial" charset="0"/>
+        <a:buChar char="-"/>
+        <a:defRPr sz="4218">
+          <a:solidFill>
+            <a:schemeClr val="tx1"/>
+          </a:solidFill>
+          <a:latin typeface="+mn-lt"/>
+          <a:ea typeface="+mn-ea"/>
+          <a:cs typeface="+mn-cs"/>
+          <a:sym typeface="Arial" charset="0"/>
+        </a:defRPr>
+      </a:lvl8pPr>
+      <a:lvl9pPr marL="5893384" indent="-446468" algn="l" rtl="0" fontAlgn="base">
+        <a:spcBef>
+          <a:spcPts val="844"/>
+        </a:spcBef>
+        <a:spcAft>
+          <a:spcPct val="0"/>
+        </a:spcAft>
+        <a:buClr>
+          <a:srgbClr val="000000"/>
+        </a:buClr>
+        <a:buSzPct val="100000"/>
+        <a:buFont typeface="Arial" charset="0"/>
+        <a:buChar char="-"/>
+        <a:defRPr sz="4218">
+          <a:solidFill>
+            <a:schemeClr val="tx1"/>
+          </a:solidFill>
+          <a:latin typeface="+mn-lt"/>
+          <a:ea typeface="+mn-ea"/>
+          <a:cs typeface="+mn-cs"/>
+          <a:sym typeface="Arial" charset="0"/>
+        </a:defRPr>
+      </a:lvl9pPr>
+    </p:bodyStyle>
+    <p:otherStyle>
+      <a:defPPr>
+        <a:defRPr lang="en-US"/>
+      </a:defPPr>
+      <a:lvl1pPr marL="0" algn="l" defTabSz="1285830" rtl="0" eaLnBrk="1" latinLnBrk="0" hangingPunct="1">
+        <a:defRPr sz="2532" kern="1200">
+          <a:solidFill>
+            <a:schemeClr val="tx1"/>
+          </a:solidFill>
+          <a:latin typeface="+mn-lt"/>
+          <a:ea typeface="+mn-ea"/>
+          <a:cs typeface="+mn-cs"/>
+        </a:defRPr>
+      </a:lvl1pPr>
+      <a:lvl2pPr marL="642914" algn="l" defTabSz="1285830" rtl="0" eaLnBrk="1" latinLnBrk="0" hangingPunct="1">
+        <a:defRPr sz="2532" kern="1200">
+          <a:solidFill>
+            <a:schemeClr val="tx1"/>
+          </a:solidFill>
+          <a:latin typeface="+mn-lt"/>
+          <a:ea typeface="+mn-ea"/>
+          <a:cs typeface="+mn-cs"/>
+        </a:defRPr>
+      </a:lvl2pPr>
+      <a:lvl3pPr marL="1285830" algn="l" defTabSz="1285830" rtl="0" eaLnBrk="1" latinLnBrk="0" hangingPunct="1">
+        <a:defRPr sz="2532" kern="1200">
+          <a:solidFill>
+            <a:schemeClr val="tx1"/>
+          </a:solidFill>
+          <a:latin typeface="+mn-lt"/>
+          <a:ea typeface="+mn-ea"/>
+          <a:cs typeface="+mn-cs"/>
+        </a:defRPr>
+      </a:lvl3pPr>
+      <a:lvl4pPr marL="1928744" algn="l" defTabSz="1285830" rtl="0" eaLnBrk="1" latinLnBrk="0" hangingPunct="1">
+        <a:defRPr sz="2532" kern="1200">
+          <a:solidFill>
+            <a:schemeClr val="tx1"/>
+          </a:solidFill>
+          <a:latin typeface="+mn-lt"/>
+          <a:ea typeface="+mn-ea"/>
+          <a:cs typeface="+mn-cs"/>
+        </a:defRPr>
+      </a:lvl4pPr>
+      <a:lvl5pPr marL="2571658" algn="l" defTabSz="1285830" rtl="0" eaLnBrk="1" latinLnBrk="0" hangingPunct="1">
+        <a:defRPr sz="2532" kern="1200">
+          <a:solidFill>
+            <a:schemeClr val="tx1"/>
+          </a:solidFill>
+          <a:latin typeface="+mn-lt"/>
+          <a:ea typeface="+mn-ea"/>
+          <a:cs typeface="+mn-cs"/>
+        </a:defRPr>
+      </a:lvl5pPr>
+      <a:lvl6pPr marL="3214574" algn="l" defTabSz="1285830" rtl="0" eaLnBrk="1" latinLnBrk="0" hangingPunct="1">
+        <a:defRPr sz="2532" kern="1200">
+          <a:solidFill>
+            <a:schemeClr val="tx1"/>
+          </a:solidFill>
+          <a:latin typeface="+mn-lt"/>
+          <a:ea typeface="+mn-ea"/>
+          <a:cs typeface="+mn-cs"/>
+        </a:defRPr>
+      </a:lvl6pPr>
+      <a:lvl7pPr marL="3857488" algn="l" defTabSz="1285830" rtl="0" eaLnBrk="1" latinLnBrk="0" hangingPunct="1">
+        <a:defRPr sz="2532" kern="1200">
+          <a:solidFill>
+            <a:schemeClr val="tx1"/>
+          </a:solidFill>
+          <a:latin typeface="+mn-lt"/>
+          <a:ea typeface="+mn-ea"/>
+          <a:cs typeface="+mn-cs"/>
+        </a:defRPr>
+      </a:lvl7pPr>
+      <a:lvl8pPr marL="4500402" algn="l" defTabSz="1285830" rtl="0" eaLnBrk="1" latinLnBrk="0" hangingPunct="1">
+        <a:defRPr sz="2532" kern="1200">
+          <a:solidFill>
+            <a:schemeClr val="tx1"/>
+          </a:solidFill>
+          <a:latin typeface="+mn-lt"/>
+          <a:ea typeface="+mn-ea"/>
+          <a:cs typeface="+mn-cs"/>
+        </a:defRPr>
+      </a:lvl8pPr>
+      <a:lvl9pPr marL="5143318" algn="l" defTabSz="1285830" rtl="0" eaLnBrk="1" latinLnBrk="0" hangingPunct="1">
+        <a:defRPr sz="2532" kern="1200">
+          <a:solidFill>
+            <a:schemeClr val="tx1"/>
+          </a:solidFill>
+          <a:latin typeface="+mn-lt"/>
+          <a:ea typeface="+mn-ea"/>
+          <a:cs typeface="+mn-cs"/>
+        </a:defRPr>
+      </a:lvl9pPr>
+    </p:otherStyle>
+  </p:txStyles>
+</p:sldMaster>
+</file>
+
 <file path=ppt/slides/slide1.xml><?xml version="1.0" encoding="utf-8"?>
+<p:sld xmlns:a="http://schemas.openxmlformats.org/drawingml/2006/main" xmlns:r="http://schemas.openxmlformats.org/officeDocument/2006/relationships" xmlns:p="http://schemas.openxmlformats.org/presentationml/2006/main" showMasterPhAnim="0">
+  <p:cSld>
+    <p:spTree>
+      <p:nvGrpSpPr>
+        <p:cNvPr id="1" name=""/>
+        <p:cNvGrpSpPr/>
+        <p:nvPr/>
+      </p:nvGrpSpPr>
+      <p:grpSpPr>
+        <a:xfrm>
+          <a:off x="0" y="0"/>
+          <a:ext cx="0" cy="0"/>
+          <a:chOff x="0" y="0"/>
+          <a:chExt cx="0" cy="0"/>
+        </a:xfrm>
+      </p:grpSpPr>
+      <p:sp>
+        <p:nvSpPr>
+          <p:cNvPr id="8194" name="Rectangle 1"/>
+          <p:cNvSpPr>
+            <a:spLocks noGrp="1" noChangeArrowheads="1"/>
+          </p:cNvSpPr>
+          <p:nvPr>
+            <p:ph type="title"/>
+          </p:nvPr>
+        </p:nvSpPr>
+        <p:spPr/>
+        <p:txBody>
+          <a:bodyPr/>
+          <a:lstStyle/>
+          <a:p>
+            <a:pPr eaLnBrk="1" hangingPunct="1"/>
+            <a:r>
+              <a:rPr lang="en-US"/>
+              <a:t>Introduction: FFT</a:t>
+            </a:r>
+          </a:p>
+        </p:txBody>
+      </p:sp>
+      <p:sp>
+        <p:nvSpPr>
+          <p:cNvPr id="9218" name="Rectangle 2"/>
+          <p:cNvSpPr>
+            <a:spLocks noGrp="1" noChangeArrowheads="1"/>
+          </p:cNvSpPr>
+          <p:nvPr>
+            <p:ph type="body" idx="1"/>
+          </p:nvPr>
+        </p:nvSpPr>
+        <p:spPr>
+          <a:xfrm>
+            <a:off x="214313" y="1589484"/>
+            <a:ext cx="23226534" cy="12019360"/>
+          </a:xfrm>
+        </p:spPr>
+        <p:txBody>
+          <a:bodyPr anchor="t"/>
+          <a:lstStyle/>
+          <a:p>
+            <a:pPr marL="892936" eaLnBrk="1" hangingPunct="1"/>
+            <a:r>
+              <a:rPr lang="en-US" sz="5600" dirty="0">
+                <a:solidFill>
+                  <a:srgbClr val="0000FF"/>
+                </a:solidFill>
+              </a:rPr>
+              <a:t>Fast Fourier Transform</a:t>
+            </a:r>
+          </a:p>
+          <a:p>
+            <a:pPr marL="892936" eaLnBrk="1" hangingPunct="1"/>
+            <a:r>
+              <a:rPr lang="en-US" sz="5600" dirty="0"/>
+              <a:t>Method to compute </a:t>
+            </a:r>
+            <a:r>
+              <a:rPr lang="en-US" sz="5600" dirty="0">
+                <a:solidFill>
+                  <a:srgbClr val="0000FF"/>
+                </a:solidFill>
+              </a:rPr>
+              <a:t>Discrete Fourier Transform</a:t>
+            </a:r>
+            <a:r>
+              <a:rPr lang="en-US" sz="5600" dirty="0"/>
+              <a:t> (DFT) for evenly-spaced frequency samples</a:t>
+            </a:r>
+          </a:p>
+          <a:p>
+            <a:pPr marL="892936" eaLnBrk="1" hangingPunct="1"/>
+            <a:r>
+              <a:rPr lang="en-US" sz="5600" dirty="0"/>
+              <a:t>DFT is sampling of </a:t>
+            </a:r>
+            <a:r>
+              <a:rPr lang="en-US" sz="5600" dirty="0">
+                <a:solidFill>
+                  <a:srgbClr val="0000FF"/>
+                </a:solidFill>
+              </a:rPr>
+              <a:t>Discrete-Time Fourier Transform</a:t>
+            </a:r>
+            <a:r>
+              <a:rPr lang="en-US" sz="5600" dirty="0"/>
+              <a:t> (DTFT)</a:t>
+            </a:r>
+          </a:p>
+          <a:p>
+            <a:pPr marL="1607286" lvl="1" eaLnBrk="1" hangingPunct="1">
+              <a:spcBef>
+                <a:spcPts val="4782"/>
+              </a:spcBef>
+            </a:pPr>
+            <a:r>
+              <a:rPr lang="en-US" sz="4800" dirty="0"/>
+              <a:t>DTFT:</a:t>
+            </a:r>
+          </a:p>
+          <a:p>
+            <a:pPr marL="1607286" lvl="1" eaLnBrk="1" hangingPunct="1">
+              <a:spcBef>
+                <a:spcPts val="4782"/>
+              </a:spcBef>
+            </a:pPr>
+            <a:endParaRPr lang="en-US" sz="4800" dirty="0"/>
+          </a:p>
+          <a:p>
+            <a:pPr marL="1607286" lvl="1" eaLnBrk="1" hangingPunct="1">
+              <a:spcBef>
+                <a:spcPts val="4782"/>
+              </a:spcBef>
+            </a:pPr>
+            <a:r>
+              <a:rPr lang="en-US" sz="4800" dirty="0"/>
+              <a:t>DFT: </a:t>
+            </a:r>
+          </a:p>
+          <a:p>
+            <a:pPr marL="1607286" lvl="1" eaLnBrk="1" hangingPunct="1">
+              <a:spcBef>
+                <a:spcPts val="4782"/>
+              </a:spcBef>
+            </a:pPr>
+            <a:endParaRPr lang="en-US" sz="4800" dirty="0"/>
+          </a:p>
+          <a:p>
+            <a:pPr marL="1607286" lvl="1" eaLnBrk="1" hangingPunct="1">
+              <a:spcBef>
+                <a:spcPts val="4782"/>
+              </a:spcBef>
+            </a:pPr>
+            <a:r>
+              <a:rPr lang="en-US" sz="4800" dirty="0"/>
+              <a:t>FFT: </a:t>
+            </a:r>
+          </a:p>
+        </p:txBody>
+      </p:sp>
+      <p:pic>
+        <p:nvPicPr>
+          <p:cNvPr id="9219" name="Picture 3"/>
+          <p:cNvPicPr>
+            <a:picLocks noChangeAspect="1" noChangeArrowheads="1"/>
+          </p:cNvPicPr>
+          <p:nvPr/>
+        </p:nvPicPr>
+        <p:blipFill>
+          <a:blip r:embed="rId2" cstate="print"/>
+          <a:srcRect/>
+          <a:stretch>
+            <a:fillRect/>
+          </a:stretch>
+        </p:blipFill>
+        <p:spPr bwMode="auto">
+          <a:xfrm>
+            <a:off x="7494985" y="6163031"/>
+            <a:ext cx="7250906" cy="1768078"/>
+          </a:xfrm>
+          <a:prstGeom prst="rect">
+            <a:avLst/>
+          </a:prstGeom>
+          <a:noFill/>
+          <a:ln w="12700">
+            <a:noFill/>
+            <a:miter lim="800000"/>
+            <a:headEnd/>
+            <a:tailEnd/>
+          </a:ln>
+        </p:spPr>
+      </p:pic>
+      <p:pic>
+        <p:nvPicPr>
+          <p:cNvPr id="9220" name="Picture 4"/>
+          <p:cNvPicPr>
+            <a:picLocks noChangeAspect="1" noChangeArrowheads="1"/>
+          </p:cNvPicPr>
+          <p:nvPr/>
+        </p:nvPicPr>
+        <p:blipFill>
+          <a:blip r:embed="rId3" cstate="print"/>
+          <a:srcRect/>
+          <a:stretch>
+            <a:fillRect/>
+          </a:stretch>
+        </p:blipFill>
+        <p:spPr bwMode="auto">
+          <a:xfrm>
+            <a:off x="9013033" y="8582383"/>
+            <a:ext cx="6357938" cy="1875234"/>
+          </a:xfrm>
+          <a:prstGeom prst="rect">
+            <a:avLst/>
+          </a:prstGeom>
+          <a:noFill/>
+          <a:ln w="12700">
+            <a:noFill/>
+            <a:miter lim="800000"/>
+            <a:headEnd/>
+            <a:tailEnd/>
+          </a:ln>
+        </p:spPr>
+      </p:pic>
+      <p:sp>
+        <p:nvSpPr>
+          <p:cNvPr id="9221" name="Rectangle 5"/>
+          <p:cNvSpPr>
+            <a:spLocks/>
+          </p:cNvSpPr>
+          <p:nvPr/>
+        </p:nvSpPr>
+        <p:spPr bwMode="auto">
+          <a:xfrm>
+            <a:off x="15850859" y="6755001"/>
+            <a:ext cx="4951677" cy="584134"/>
+          </a:xfrm>
+          <a:prstGeom prst="rect">
+            <a:avLst/>
+          </a:prstGeom>
+          <a:noFill/>
+          <a:ln w="12700">
+            <a:noFill/>
+            <a:miter lim="800000"/>
+            <a:headEnd/>
+            <a:tailEnd/>
+          </a:ln>
+        </p:spPr>
+        <p:txBody>
+          <a:bodyPr wrap="none" lIns="0" tIns="0" rIns="0" bIns="0" anchor="ctr">
+            <a:spAutoFit/>
+          </a:bodyPr>
+          <a:lstStyle/>
+          <a:p>
+            <a:pPr defTabSz="1285830" fontAlgn="base" hangingPunct="1">
+              <a:spcBef>
+                <a:spcPct val="0"/>
+              </a:spcBef>
+              <a:spcAft>
+                <a:spcPct val="0"/>
+              </a:spcAft>
+            </a:pPr>
+            <a:r>
+              <a:rPr lang="en-US" sz="3796" b="0" kern="1200">
+                <a:solidFill>
+                  <a:srgbClr val="0000FF"/>
+                </a:solidFill>
+                <a:latin typeface="Arial" charset="0"/>
+                <a:cs typeface="Arial" charset="0"/>
+                <a:sym typeface="Arial" charset="0"/>
+              </a:rPr>
+              <a:t>(continuous frequency)</a:t>
+            </a:r>
+          </a:p>
+        </p:txBody>
+      </p:sp>
+      <p:sp>
+        <p:nvSpPr>
+          <p:cNvPr id="9222" name="Rectangle 6"/>
+          <p:cNvSpPr>
+            <a:spLocks/>
+          </p:cNvSpPr>
+          <p:nvPr/>
+        </p:nvSpPr>
+        <p:spPr bwMode="auto">
+          <a:xfrm>
+            <a:off x="16180736" y="9049337"/>
+            <a:ext cx="4300856" cy="584134"/>
+          </a:xfrm>
+          <a:prstGeom prst="rect">
+            <a:avLst/>
+          </a:prstGeom>
+          <a:noFill/>
+          <a:ln w="12700">
+            <a:noFill/>
+            <a:miter lim="800000"/>
+            <a:headEnd/>
+            <a:tailEnd/>
+          </a:ln>
+        </p:spPr>
+        <p:txBody>
+          <a:bodyPr wrap="none" lIns="0" tIns="0" rIns="0" bIns="0" anchor="ctr">
+            <a:spAutoFit/>
+          </a:bodyPr>
+          <a:lstStyle/>
+          <a:p>
+            <a:pPr defTabSz="1285830" fontAlgn="base" hangingPunct="1">
+              <a:spcBef>
+                <a:spcPct val="0"/>
+              </a:spcBef>
+              <a:spcAft>
+                <a:spcPct val="0"/>
+              </a:spcAft>
+            </a:pPr>
+            <a:r>
+              <a:rPr lang="en-US" sz="3796" b="0" kern="1200">
+                <a:solidFill>
+                  <a:srgbClr val="0000FF"/>
+                </a:solidFill>
+                <a:latin typeface="Arial" charset="0"/>
+                <a:cs typeface="Arial" charset="0"/>
+                <a:sym typeface="Arial" charset="0"/>
+              </a:rPr>
+              <a:t>(discrete frequency)</a:t>
+            </a:r>
+          </a:p>
+        </p:txBody>
+      </p:sp>
+      <p:sp>
+        <p:nvSpPr>
+          <p:cNvPr id="9223" name="Rectangle 7"/>
+          <p:cNvSpPr>
+            <a:spLocks/>
+          </p:cNvSpPr>
+          <p:nvPr/>
+        </p:nvSpPr>
+        <p:spPr bwMode="auto">
+          <a:xfrm>
+            <a:off x="7186541" y="11842515"/>
+            <a:ext cx="9568902" cy="584134"/>
+          </a:xfrm>
+          <a:prstGeom prst="rect">
+            <a:avLst/>
+          </a:prstGeom>
+          <a:noFill/>
+          <a:ln w="12700">
+            <a:noFill/>
+            <a:miter lim="800000"/>
+            <a:headEnd/>
+            <a:tailEnd/>
+          </a:ln>
+        </p:spPr>
+        <p:txBody>
+          <a:bodyPr wrap="none" lIns="0" tIns="0" rIns="0" bIns="0" anchor="ctr">
+            <a:spAutoFit/>
+          </a:bodyPr>
+          <a:lstStyle/>
+          <a:p>
+            <a:pPr defTabSz="1285830" fontAlgn="base" hangingPunct="1">
+              <a:spcBef>
+                <a:spcPct val="0"/>
+              </a:spcBef>
+              <a:spcAft>
+                <a:spcPct val="0"/>
+              </a:spcAft>
+            </a:pPr>
+            <a:r>
+              <a:rPr lang="en-US" sz="3796" b="0" kern="1200" dirty="0">
+                <a:solidFill>
+                  <a:srgbClr val="0000FF"/>
+                </a:solidFill>
+                <a:latin typeface="Arial" charset="0"/>
+                <a:cs typeface="Arial" charset="0"/>
+                <a:sym typeface="Arial" charset="0"/>
+              </a:rPr>
+              <a:t>Same as DFT: </a:t>
+            </a:r>
+            <a:r>
+              <a:rPr lang="en-US" sz="3796" b="0" kern="1200" dirty="0">
+                <a:latin typeface="Arial" charset="0"/>
+                <a:cs typeface="Arial" charset="0"/>
+                <a:sym typeface="Arial" charset="0"/>
+              </a:rPr>
+              <a:t>just a specific implementation</a:t>
+            </a:r>
+          </a:p>
+        </p:txBody>
+      </p:sp>
+    </p:spTree>
+  </p:cSld>
+  <p:clrMapOvr>
+    <a:masterClrMapping/>
+  </p:clrMapOvr>
+  <p:transition/>
+  <p:timing>
+    <p:tnLst>
+      <p:par>
+        <p:cTn id="1" dur="indefinite" restart="never" nodeType="tmRoot">
+          <p:childTnLst>
+            <p:seq concurrent="1" nextAc="seek">
+              <p:cTn id="2" dur="indefinite" nodeType="mainSeq">
+                <p:childTnLst>
+                  <p:par>
+                    <p:cTn id="3" fill="hold">
+                      <p:stCondLst>
+                        <p:cond delay="indefinite"/>
+                        <p:cond evt="onBegin" delay="0">
+                          <p:tn val="2"/>
+                        </p:cond>
+                      </p:stCondLst>
+                      <p:childTnLst>
+                        <p:par>
+                          <p:cTn id="4" fill="hold">
+                            <p:stCondLst>
+                              <p:cond delay="0"/>
+                            </p:stCondLst>
+                            <p:childTnLst>
+                              <p:par>
+                                <p:cTn id="5" presetID="1" presetClass="entr" presetSubtype="0" fill="hold" grpId="0" nodeType="afterEffect">
+                                  <p:stCondLst>
+                                    <p:cond delay="0"/>
+                                  </p:stCondLst>
+                                  <p:childTnLst>
+                                    <p:set>
+                                      <p:cBhvr>
+                                        <p:cTn id="6" dur="1" fill="hold">
+                                          <p:stCondLst>
+                                            <p:cond delay="499"/>
+                                          </p:stCondLst>
+                                        </p:cTn>
+                                        <p:tgtEl>
+                                          <p:spTgt spid="9218">
+                                            <p:txEl>
+                                              <p:pRg st="0" end="0"/>
+                                            </p:txEl>
+                                          </p:spTgt>
+                                        </p:tgtEl>
+                                        <p:attrNameLst>
+                                          <p:attrName>style.visibility</p:attrName>
+                                        </p:attrNameLst>
+                                      </p:cBhvr>
+                                      <p:to>
+                                        <p:strVal val="visible"/>
+                                      </p:to>
+                                    </p:set>
+                                  </p:childTnLst>
+                                </p:cTn>
+                              </p:par>
+                            </p:childTnLst>
+                          </p:cTn>
+                        </p:par>
+                        <p:par>
+                          <p:cTn id="7" fill="hold">
+                            <p:stCondLst>
+                              <p:cond delay="500"/>
+                            </p:stCondLst>
+                            <p:childTnLst>
+                              <p:par>
+                                <p:cTn id="8" presetID="1" presetClass="entr" presetSubtype="0" fill="hold" grpId="0" nodeType="afterEffect">
+                                  <p:stCondLst>
+                                    <p:cond delay="0"/>
+                                  </p:stCondLst>
+                                  <p:childTnLst>
+                                    <p:set>
+                                      <p:cBhvr>
+                                        <p:cTn id="9" dur="1" fill="hold">
+                                          <p:stCondLst>
+                                            <p:cond delay="499"/>
+                                          </p:stCondLst>
+                                        </p:cTn>
+                                        <p:tgtEl>
+                                          <p:spTgt spid="9218">
+                                            <p:txEl>
+                                              <p:pRg st="1" end="1"/>
+                                            </p:txEl>
+                                          </p:spTgt>
+                                        </p:tgtEl>
+                                        <p:attrNameLst>
+                                          <p:attrName>style.visibility</p:attrName>
+                                        </p:attrNameLst>
+                                      </p:cBhvr>
+                                      <p:to>
+                                        <p:strVal val="visible"/>
+                                      </p:to>
+                                    </p:set>
+                                  </p:childTnLst>
+                                </p:cTn>
+                              </p:par>
+                            </p:childTnLst>
+                          </p:cTn>
+                        </p:par>
+                        <p:par>
+                          <p:cTn id="10" fill="hold">
+                            <p:stCondLst>
+                              <p:cond delay="1000"/>
+                            </p:stCondLst>
+                            <p:childTnLst>
+                              <p:par>
+                                <p:cTn id="11" presetID="1" presetClass="entr" presetSubtype="0" fill="hold" grpId="0" nodeType="afterEffect">
+                                  <p:stCondLst>
+                                    <p:cond delay="0"/>
+                                  </p:stCondLst>
+                                  <p:childTnLst>
+                                    <p:set>
+                                      <p:cBhvr>
+                                        <p:cTn id="12" dur="1" fill="hold">
+                                          <p:stCondLst>
+                                            <p:cond delay="499"/>
+                                          </p:stCondLst>
+                                        </p:cTn>
+                                        <p:tgtEl>
+                                          <p:spTgt spid="9218">
+                                            <p:txEl>
+                                              <p:pRg st="2" end="2"/>
+                                            </p:txEl>
+                                          </p:spTgt>
+                                        </p:tgtEl>
+                                        <p:attrNameLst>
+                                          <p:attrName>style.visibility</p:attrName>
+                                        </p:attrNameLst>
+                                      </p:cBhvr>
+                                      <p:to>
+                                        <p:strVal val="visible"/>
+                                      </p:to>
+                                    </p:set>
+                                  </p:childTnLst>
+                                </p:cTn>
+                              </p:par>
+                            </p:childTnLst>
+                          </p:cTn>
+                        </p:par>
+                        <p:par>
+                          <p:cTn id="13" fill="hold">
+                            <p:stCondLst>
+                              <p:cond delay="1500"/>
+                            </p:stCondLst>
+                            <p:childTnLst>
+                              <p:par>
+                                <p:cTn id="14" presetID="1" presetClass="entr" presetSubtype="0" fill="hold" grpId="0" nodeType="afterEffect">
+                                  <p:stCondLst>
+                                    <p:cond delay="0"/>
+                                  </p:stCondLst>
+                                  <p:childTnLst>
+                                    <p:set>
+                                      <p:cBhvr>
+                                        <p:cTn id="15" dur="1" fill="hold">
+                                          <p:stCondLst>
+                                            <p:cond delay="499"/>
+                                          </p:stCondLst>
+                                        </p:cTn>
+                                        <p:tgtEl>
+                                          <p:spTgt spid="9218">
+                                            <p:txEl>
+                                              <p:pRg st="3" end="3"/>
+                                            </p:txEl>
+                                          </p:spTgt>
+                                        </p:tgtEl>
+                                        <p:attrNameLst>
+                                          <p:attrName>style.visibility</p:attrName>
+                                        </p:attrNameLst>
+                                      </p:cBhvr>
+                                      <p:to>
+                                        <p:strVal val="visible"/>
+                                      </p:to>
+                                    </p:set>
+                                  </p:childTnLst>
+                                </p:cTn>
+                              </p:par>
+                            </p:childTnLst>
+                          </p:cTn>
+                        </p:par>
+                        <p:par>
+                          <p:cTn id="16" fill="hold">
+                            <p:stCondLst>
+                              <p:cond delay="2000"/>
+                            </p:stCondLst>
+                            <p:childTnLst>
+                              <p:par>
+                                <p:cTn id="17" presetID="1" presetClass="entr" presetSubtype="0" fill="hold" grpId="0" nodeType="afterEffect">
+                                  <p:stCondLst>
+                                    <p:cond delay="0"/>
+                                  </p:stCondLst>
+                                  <p:childTnLst>
+                                    <p:set>
+                                      <p:cBhvr>
+                                        <p:cTn id="18" dur="1" fill="hold">
+                                          <p:stCondLst>
+                                            <p:cond delay="499"/>
+                                          </p:stCondLst>
+                                        </p:cTn>
+                                        <p:tgtEl>
+                                          <p:spTgt spid="9218">
+                                            <p:txEl>
+                                              <p:pRg st="5" end="5"/>
+                                            </p:txEl>
+                                          </p:spTgt>
+                                        </p:tgtEl>
+                                        <p:attrNameLst>
+                                          <p:attrName>style.visibility</p:attrName>
+                                        </p:attrNameLst>
+                                      </p:cBhvr>
+                                      <p:to>
+                                        <p:strVal val="visible"/>
+                                      </p:to>
+                                    </p:set>
+                                  </p:childTnLst>
+                                </p:cTn>
+                              </p:par>
+                            </p:childTnLst>
+                          </p:cTn>
+                        </p:par>
+                        <p:par>
+                          <p:cTn id="19" fill="hold">
+                            <p:stCondLst>
+                              <p:cond delay="2500"/>
+                            </p:stCondLst>
+                            <p:childTnLst>
+                              <p:par>
+                                <p:cTn id="20" presetID="1" presetClass="entr" presetSubtype="0" fill="hold" grpId="0" nodeType="afterEffect">
+                                  <p:stCondLst>
+                                    <p:cond delay="0"/>
+                                  </p:stCondLst>
+                                  <p:childTnLst>
+                                    <p:set>
+                                      <p:cBhvr>
+                                        <p:cTn id="21" dur="1" fill="hold">
+                                          <p:stCondLst>
+                                            <p:cond delay="499"/>
+                                          </p:stCondLst>
+                                        </p:cTn>
+                                        <p:tgtEl>
+                                          <p:spTgt spid="9218">
+                                            <p:txEl>
+                                              <p:pRg st="7" end="7"/>
+                                            </p:txEl>
+                                          </p:spTgt>
+                                        </p:tgtEl>
+                                        <p:attrNameLst>
+                                          <p:attrName>style.visibility</p:attrName>
+                                        </p:attrNameLst>
+                                      </p:cBhvr>
+                                      <p:to>
+                                        <p:strVal val="visible"/>
+                                      </p:to>
+                                    </p:set>
+                                  </p:childTnLst>
+                                </p:cTn>
+                              </p:par>
+                            </p:childTnLst>
+                          </p:cTn>
+                        </p:par>
+                        <p:par>
+                          <p:cTn id="22" fill="hold">
+                            <p:stCondLst>
+                              <p:cond delay="3000"/>
+                            </p:stCondLst>
+                            <p:childTnLst>
+                              <p:par>
+                                <p:cTn id="23" presetID="1" presetClass="entr" presetSubtype="0" fill="hold" nodeType="afterEffect">
+                                  <p:stCondLst>
+                                    <p:cond delay="0"/>
+                                  </p:stCondLst>
+                                  <p:childTnLst>
+                                    <p:set>
+                                      <p:cBhvr>
+                                        <p:cTn id="24" dur="1" fill="hold">
+                                          <p:stCondLst>
+                                            <p:cond delay="499"/>
+                                          </p:stCondLst>
+                                        </p:cTn>
+                                        <p:tgtEl>
+                                          <p:spTgt spid="9219"/>
+                                        </p:tgtEl>
+                                        <p:attrNameLst>
+                                          <p:attrName>style.visibility</p:attrName>
+                                        </p:attrNameLst>
+                                      </p:cBhvr>
+                                      <p:to>
+                                        <p:strVal val="visible"/>
+                                      </p:to>
+                                    </p:set>
+                                  </p:childTnLst>
+                                </p:cTn>
+                              </p:par>
+                            </p:childTnLst>
+                          </p:cTn>
+                        </p:par>
+                        <p:par>
+                          <p:cTn id="25" fill="hold">
+                            <p:stCondLst>
+                              <p:cond delay="3500"/>
+                            </p:stCondLst>
+                            <p:childTnLst>
+                              <p:par>
+                                <p:cTn id="26" presetID="1" presetClass="entr" presetSubtype="0" fill="hold" nodeType="afterEffect">
+                                  <p:stCondLst>
+                                    <p:cond delay="0"/>
+                                  </p:stCondLst>
+                                  <p:childTnLst>
+                                    <p:set>
+                                      <p:cBhvr>
+                                        <p:cTn id="27" dur="1" fill="hold">
+                                          <p:stCondLst>
+                                            <p:cond delay="499"/>
+                                          </p:stCondLst>
+                                        </p:cTn>
+                                        <p:tgtEl>
+                                          <p:spTgt spid="9220"/>
+                                        </p:tgtEl>
+                                        <p:attrNameLst>
+                                          <p:attrName>style.visibility</p:attrName>
+                                        </p:attrNameLst>
+                                      </p:cBhvr>
+                                      <p:to>
+                                        <p:strVal val="visible"/>
+                                      </p:to>
+                                    </p:set>
+                                  </p:childTnLst>
+                                </p:cTn>
+                              </p:par>
+                            </p:childTnLst>
+                          </p:cTn>
+                        </p:par>
+                        <p:par>
+                          <p:cTn id="28" fill="hold">
+                            <p:stCondLst>
+                              <p:cond delay="4000"/>
+                            </p:stCondLst>
+                            <p:childTnLst>
+                              <p:par>
+                                <p:cTn id="29" presetID="1" presetClass="entr" presetSubtype="0" fill="hold" grpId="0" nodeType="afterEffect">
+                                  <p:stCondLst>
+                                    <p:cond delay="0"/>
+                                  </p:stCondLst>
+                                  <p:childTnLst>
+                                    <p:set>
+                                      <p:cBhvr>
+                                        <p:cTn id="30" dur="1" fill="hold">
+                                          <p:stCondLst>
+                                            <p:cond delay="499"/>
+                                          </p:stCondLst>
+                                        </p:cTn>
+                                        <p:tgtEl>
+                                          <p:spTgt spid="9221"/>
+                                        </p:tgtEl>
+                                        <p:attrNameLst>
+                                          <p:attrName>style.visibility</p:attrName>
+                                        </p:attrNameLst>
+                                      </p:cBhvr>
+                                      <p:to>
+                                        <p:strVal val="visible"/>
+                                      </p:to>
+                                    </p:set>
+                                  </p:childTnLst>
+                                </p:cTn>
+                              </p:par>
+                            </p:childTnLst>
+                          </p:cTn>
+                        </p:par>
+                        <p:par>
+                          <p:cTn id="31" fill="hold">
+                            <p:stCondLst>
+                              <p:cond delay="4500"/>
+                            </p:stCondLst>
+                            <p:childTnLst>
+                              <p:par>
+                                <p:cTn id="32" presetID="1" presetClass="entr" presetSubtype="0" fill="hold" grpId="0" nodeType="afterEffect">
+                                  <p:stCondLst>
+                                    <p:cond delay="0"/>
+                                  </p:stCondLst>
+                                  <p:childTnLst>
+                                    <p:set>
+                                      <p:cBhvr>
+                                        <p:cTn id="33" dur="1" fill="hold">
+                                          <p:stCondLst>
+                                            <p:cond delay="499"/>
+                                          </p:stCondLst>
+                                        </p:cTn>
+                                        <p:tgtEl>
+                                          <p:spTgt spid="9222"/>
+                                        </p:tgtEl>
+                                        <p:attrNameLst>
+                                          <p:attrName>style.visibility</p:attrName>
+                                        </p:attrNameLst>
+                                      </p:cBhvr>
+                                      <p:to>
+                                        <p:strVal val="visible"/>
+                                      </p:to>
+                                    </p:set>
+                                  </p:childTnLst>
+                                </p:cTn>
+                              </p:par>
+                            </p:childTnLst>
+                          </p:cTn>
+                        </p:par>
+                      </p:childTnLst>
+                    </p:cTn>
+                  </p:par>
+                  <p:par>
+                    <p:cTn id="34" fill="hold">
+                      <p:stCondLst>
+                        <p:cond delay="indefinite"/>
+                      </p:stCondLst>
+                      <p:childTnLst>
+                        <p:par>
+                          <p:cTn id="35" fill="hold">
+                            <p:stCondLst>
+                              <p:cond delay="0"/>
+                            </p:stCondLst>
+                            <p:childTnLst>
+                              <p:par>
+                                <p:cTn id="36" presetID="1" presetClass="entr" presetSubtype="0" fill="hold" grpId="0" nodeType="clickEffect">
+                                  <p:stCondLst>
+                                    <p:cond delay="0"/>
+                                  </p:stCondLst>
+                                  <p:childTnLst>
+                                    <p:set>
+                                      <p:cBhvr>
+                                        <p:cTn id="37" dur="1" fill="hold">
+                                          <p:stCondLst>
+                                            <p:cond delay="499"/>
+                                          </p:stCondLst>
+                                        </p:cTn>
+                                        <p:tgtEl>
+                                          <p:spTgt spid="9223"/>
+                                        </p:tgtEl>
+                                        <p:attrNameLst>
+                                          <p:attrName>style.visibility</p:attrName>
+                                        </p:attrNameLst>
+                                      </p:cBhvr>
+                                      <p:to>
+                                        <p:strVal val="visible"/>
+                                      </p:to>
+                                    </p:set>
+                                  </p:childTnLst>
+                                </p:cTn>
+                              </p:par>
+                            </p:childTnLst>
+                          </p:cTn>
+                        </p:par>
+                      </p:childTnLst>
+                    </p:cTn>
+                  </p:par>
+                </p:childTnLst>
+              </p:cTn>
+              <p:prevCondLst>
+                <p:cond evt="onPrev" delay="0">
+                  <p:tgtEl>
+                    <p:sldTgt/>
+                  </p:tgtEl>
+                </p:cond>
+              </p:prevCondLst>
+              <p:nextCondLst>
+                <p:cond evt="onNext" delay="0">
+                  <p:tgtEl>
+                    <p:sldTgt/>
+                  </p:tgtEl>
+                </p:cond>
+              </p:nextCondLst>
+            </p:seq>
+          </p:childTnLst>
+        </p:cTn>
+      </p:par>
+    </p:tnLst>
+    <p:bldLst>
+      <p:bldP spid="9218" grpId="0" build="p" bldLvl="5" autoUpdateAnimBg="0" advAuto="0"/>
+      <p:bldP spid="9221" grpId="0" autoUpdateAnimBg="0"/>
+      <p:bldP spid="9222" grpId="0" autoUpdateAnimBg="0"/>
+      <p:bldP spid="9223" grpId="0" autoUpdateAnimBg="0"/>
+    </p:bldLst>
+  </p:timing>
+</p:sld>
+</file>
+
+<file path=ppt/slides/slide2.xml><?xml version="1.0" encoding="utf-8"?>
+<p:sld xmlns:a="http://schemas.openxmlformats.org/drawingml/2006/main" xmlns:r="http://schemas.openxmlformats.org/officeDocument/2006/relationships" xmlns:p="http://schemas.openxmlformats.org/presentationml/2006/main">
+  <p:cSld>
+    <p:spTree>
+      <p:nvGrpSpPr>
+        <p:cNvPr id="1" name=""/>
+        <p:cNvGrpSpPr/>
+        <p:nvPr/>
+      </p:nvGrpSpPr>
+      <p:grpSpPr>
+        <a:xfrm>
+          <a:off x="0" y="0"/>
+          <a:ext cx="0" cy="0"/>
+          <a:chOff x="0" y="0"/>
+          <a:chExt cx="0" cy="0"/>
+        </a:xfrm>
+      </p:grpSpPr>
+      <p:sp>
+        <p:nvSpPr>
+          <p:cNvPr id="9218" name="Rectangle 1"/>
+          <p:cNvSpPr>
+            <a:spLocks noGrp="1" noChangeArrowheads="1"/>
+          </p:cNvSpPr>
+          <p:nvPr>
+            <p:ph type="title"/>
+          </p:nvPr>
+        </p:nvSpPr>
+        <p:spPr/>
+        <p:txBody>
+          <a:bodyPr/>
+          <a:lstStyle/>
+          <a:p>
+            <a:pPr eaLnBrk="1" hangingPunct="1"/>
+            <a:r>
+              <a:rPr lang="en-US"/>
+              <a:t>Introduction: FFT</a:t>
+            </a:r>
+          </a:p>
+        </p:txBody>
+      </p:sp>
+      <p:sp>
+        <p:nvSpPr>
+          <p:cNvPr id="9219" name="Rectangle 2"/>
+          <p:cNvSpPr>
+            <a:spLocks noGrp="1" noChangeArrowheads="1"/>
+          </p:cNvSpPr>
+          <p:nvPr>
+            <p:ph type="body" idx="1"/>
+          </p:nvPr>
+        </p:nvSpPr>
+        <p:spPr/>
+        <p:txBody>
+          <a:bodyPr anchor="t"/>
+          <a:lstStyle/>
+          <a:p>
+            <a:pPr marL="892938" eaLnBrk="1" hangingPunct="1"/>
+            <a:r>
+              <a:rPr lang="en-US" dirty="0"/>
+              <a:t>Reconstructing signal from DFT/FFT</a:t>
+            </a:r>
+          </a:p>
+          <a:p>
+            <a:pPr marL="1607286" lvl="1" eaLnBrk="1" hangingPunct="1"/>
+            <a:r>
+              <a:rPr lang="en-US" dirty="0">
+                <a:solidFill>
+                  <a:srgbClr val="0000FF"/>
+                </a:solidFill>
+              </a:rPr>
+              <a:t>Inverse Discrete Fourier Transform (IDFT/IFFT)</a:t>
+            </a:r>
+          </a:p>
+          <a:p>
+            <a:pPr marL="2143048" lvl="2" eaLnBrk="1" hangingPunct="1">
+              <a:spcBef>
+                <a:spcPts val="6188"/>
+              </a:spcBef>
+            </a:pPr>
+            <a:r>
+              <a:rPr lang="en-US" dirty="0"/>
+              <a:t>DFT:</a:t>
+            </a:r>
+          </a:p>
+          <a:p>
+            <a:pPr marL="2143048" lvl="2" eaLnBrk="1" hangingPunct="1">
+              <a:spcBef>
+                <a:spcPts val="12094"/>
+              </a:spcBef>
+            </a:pPr>
+            <a:r>
+              <a:rPr lang="en-US" dirty="0"/>
+              <a:t>IDFT:</a:t>
+            </a:r>
+          </a:p>
+          <a:p>
+            <a:pPr marL="892938" eaLnBrk="1" hangingPunct="1">
+              <a:spcBef>
+                <a:spcPts val="6750"/>
+              </a:spcBef>
+            </a:pPr>
+            <a:r>
+              <a:rPr lang="en-US" dirty="0"/>
+              <a:t>Notice: </a:t>
+            </a:r>
+            <a:r>
+              <a:rPr lang="en-US" dirty="0">
+                <a:solidFill>
+                  <a:srgbClr val="0000FF"/>
+                </a:solidFill>
+              </a:rPr>
+              <a:t>N time samples      N frequency samples</a:t>
+            </a:r>
+          </a:p>
+          <a:p>
+            <a:pPr marL="1607286" lvl="1" eaLnBrk="1" hangingPunct="1"/>
+            <a:r>
+              <a:rPr lang="en-US" dirty="0"/>
+              <a:t>Two different perspectives on same signal</a:t>
+            </a:r>
+          </a:p>
+          <a:p>
+            <a:pPr marL="1607286" lvl="1" eaLnBrk="1" hangingPunct="1"/>
+            <a:r>
+              <a:rPr lang="en-US" dirty="0"/>
+              <a:t>Given signal length M, can </a:t>
+            </a:r>
+            <a:r>
+              <a:rPr lang="en-US" dirty="0">
+                <a:solidFill>
+                  <a:srgbClr val="0000FF"/>
+                </a:solidFill>
+              </a:rPr>
+              <a:t>exactly reconstruct</a:t>
+            </a:r>
+            <a:r>
+              <a:rPr lang="en-US" dirty="0"/>
+              <a:t> from FFT of length N ≥ M</a:t>
+            </a:r>
+          </a:p>
+          <a:p>
+            <a:pPr marL="2143048" lvl="2" eaLnBrk="1" hangingPunct="1"/>
+            <a:r>
+              <a:rPr lang="en-US" dirty="0"/>
+              <a:t>What happens with an FFT of length N &lt; M?</a:t>
+            </a:r>
+          </a:p>
+        </p:txBody>
+      </p:sp>
+      <p:pic>
+        <p:nvPicPr>
+          <p:cNvPr id="9220" name="Picture 3"/>
+          <p:cNvPicPr>
+            <a:picLocks noChangeAspect="1" noChangeArrowheads="1"/>
+          </p:cNvPicPr>
+          <p:nvPr/>
+        </p:nvPicPr>
+        <p:blipFill>
+          <a:blip r:embed="rId2" cstate="print"/>
+          <a:srcRect/>
+          <a:stretch>
+            <a:fillRect/>
+          </a:stretch>
+        </p:blipFill>
+        <p:spPr bwMode="auto">
+          <a:xfrm>
+            <a:off x="7423547" y="3518299"/>
+            <a:ext cx="6357938" cy="1875234"/>
+          </a:xfrm>
+          <a:prstGeom prst="rect">
+            <a:avLst/>
+          </a:prstGeom>
+          <a:noFill/>
+          <a:ln w="12700">
+            <a:noFill/>
+            <a:miter lim="800000"/>
+            <a:headEnd/>
+            <a:tailEnd/>
+          </a:ln>
+        </p:spPr>
+      </p:pic>
+      <p:pic>
+        <p:nvPicPr>
+          <p:cNvPr id="9221" name="Picture 4"/>
+          <p:cNvPicPr>
+            <a:picLocks noChangeAspect="1" noChangeArrowheads="1"/>
+          </p:cNvPicPr>
+          <p:nvPr/>
+        </p:nvPicPr>
+        <p:blipFill>
+          <a:blip r:embed="rId3" cstate="print"/>
+          <a:srcRect/>
+          <a:stretch>
+            <a:fillRect/>
+          </a:stretch>
+        </p:blipFill>
+        <p:spPr bwMode="auto">
+          <a:xfrm>
+            <a:off x="7227094" y="5607845"/>
+            <a:ext cx="7197328" cy="1910954"/>
+          </a:xfrm>
+          <a:prstGeom prst="rect">
+            <a:avLst/>
+          </a:prstGeom>
+          <a:noFill/>
+          <a:ln w="12700">
+            <a:noFill/>
+            <a:miter lim="800000"/>
+            <a:headEnd/>
+            <a:tailEnd/>
+          </a:ln>
+        </p:spPr>
+      </p:pic>
+      <p:sp>
+        <p:nvSpPr>
+          <p:cNvPr id="9222" name="Line 5"/>
+          <p:cNvSpPr>
+            <a:spLocks noChangeShapeType="1"/>
+          </p:cNvSpPr>
+          <p:nvPr/>
+        </p:nvSpPr>
+        <p:spPr bwMode="auto">
+          <a:xfrm rot="10800000" flipH="1">
+            <a:off x="9093143" y="8284322"/>
+            <a:ext cx="1006822" cy="0"/>
+          </a:xfrm>
+          <a:prstGeom prst="line">
+            <a:avLst/>
+          </a:prstGeom>
+          <a:noFill/>
+          <a:ln w="38100">
+            <a:solidFill>
+              <a:schemeClr val="tx1"/>
+            </a:solidFill>
+            <a:miter lim="800000"/>
+            <a:headEnd type="stealth" w="med" len="med"/>
+            <a:tailEnd type="stealth" w="med" len="med"/>
+          </a:ln>
+        </p:spPr>
+        <p:txBody>
+          <a:bodyPr lIns="0" tIns="0" rIns="0" bIns="0"/>
+          <a:lstStyle/>
+          <a:p>
+            <a:pPr defTabSz="1285830" fontAlgn="base" hangingPunct="1">
+              <a:spcBef>
+                <a:spcPct val="0"/>
+              </a:spcBef>
+              <a:spcAft>
+                <a:spcPct val="0"/>
+              </a:spcAft>
+            </a:pPr>
+            <a:endParaRPr lang="en-US" sz="5906" b="0" kern="1200">
+              <a:latin typeface="Gill Sans" charset="0"/>
+              <a:sym typeface="Gill Sans" charset="0"/>
+            </a:endParaRPr>
+          </a:p>
+        </p:txBody>
+      </p:sp>
+      <p:sp>
+        <p:nvSpPr>
+          <p:cNvPr id="10246" name="Rectangle 6"/>
+          <p:cNvSpPr>
+            <a:spLocks/>
+          </p:cNvSpPr>
+          <p:nvPr/>
+        </p:nvSpPr>
+        <p:spPr bwMode="auto">
+          <a:xfrm>
+            <a:off x="13783088" y="10678555"/>
+            <a:ext cx="1955664" cy="670953"/>
+          </a:xfrm>
+          <a:prstGeom prst="rect">
+            <a:avLst/>
+          </a:prstGeom>
+          <a:noFill/>
+          <a:ln w="12700">
+            <a:noFill/>
+            <a:miter lim="800000"/>
+            <a:headEnd/>
+            <a:tailEnd/>
+          </a:ln>
+        </p:spPr>
+        <p:txBody>
+          <a:bodyPr wrap="none" lIns="0" tIns="0" rIns="0" bIns="0" anchor="ctr">
+            <a:spAutoFit/>
+          </a:bodyPr>
+          <a:lstStyle/>
+          <a:p>
+            <a:pPr defTabSz="1285830" fontAlgn="base" hangingPunct="1">
+              <a:spcBef>
+                <a:spcPct val="0"/>
+              </a:spcBef>
+              <a:spcAft>
+                <a:spcPct val="0"/>
+              </a:spcAft>
+            </a:pPr>
+            <a:r>
+              <a:rPr lang="en-US" sz="4360" b="0" kern="1200" dirty="0">
+                <a:solidFill>
+                  <a:srgbClr val="0000FF"/>
+                </a:solidFill>
+                <a:latin typeface="Arial" charset="0"/>
+                <a:cs typeface="Arial" charset="0"/>
+                <a:sym typeface="Arial" charset="0"/>
+              </a:rPr>
+              <a:t>Aliasing</a:t>
+            </a:r>
+          </a:p>
+        </p:txBody>
+      </p:sp>
+    </p:spTree>
+  </p:cSld>
+  <p:clrMapOvr>
+    <a:masterClrMapping/>
+  </p:clrMapOvr>
+  <p:transition/>
+  <p:timing>
+    <p:tnLst>
+      <p:par>
+        <p:cTn id="1" dur="indefinite" restart="never" nodeType="tmRoot">
+          <p:childTnLst>
+            <p:seq concurrent="1" nextAc="seek">
+              <p:cTn id="2" dur="indefinite" nodeType="mainSeq">
+                <p:childTnLst>
+                  <p:par>
+                    <p:cTn id="3" fill="hold">
+                      <p:stCondLst>
+                        <p:cond delay="indefinite"/>
+                      </p:stCondLst>
+                      <p:childTnLst>
+                        <p:par>
+                          <p:cTn id="4" fill="hold">
+                            <p:stCondLst>
+                              <p:cond delay="0"/>
+                            </p:stCondLst>
+                            <p:childTnLst>
+                              <p:par>
+                                <p:cTn id="5" presetID="1" presetClass="entr" presetSubtype="0" fill="hold" grpId="0" nodeType="clickEffect">
+                                  <p:stCondLst>
+                                    <p:cond delay="0"/>
+                                  </p:stCondLst>
+                                  <p:childTnLst>
+                                    <p:set>
+                                      <p:cBhvr>
+                                        <p:cTn id="6" dur="1" fill="hold">
+                                          <p:stCondLst>
+                                            <p:cond delay="499"/>
+                                          </p:stCondLst>
+                                        </p:cTn>
+                                        <p:tgtEl>
+                                          <p:spTgt spid="10246"/>
+                                        </p:tgtEl>
+                                        <p:attrNameLst>
+                                          <p:attrName>style.visibility</p:attrName>
+                                        </p:attrNameLst>
+                                      </p:cBhvr>
+                                      <p:to>
+                                        <p:strVal val="visible"/>
+                                      </p:to>
+                                    </p:set>
+                                  </p:childTnLst>
+                                </p:cTn>
+                              </p:par>
+                            </p:childTnLst>
+                          </p:cTn>
+                        </p:par>
+                      </p:childTnLst>
+                    </p:cTn>
+                  </p:par>
+                </p:childTnLst>
+              </p:cTn>
+              <p:prevCondLst>
+                <p:cond evt="onPrev" delay="0">
+                  <p:tgtEl>
+                    <p:sldTgt/>
+                  </p:tgtEl>
+                </p:cond>
+              </p:prevCondLst>
+              <p:nextCondLst>
+                <p:cond evt="onNext" delay="0">
+                  <p:tgtEl>
+                    <p:sldTgt/>
+                  </p:tgtEl>
+                </p:cond>
+              </p:nextCondLst>
+            </p:seq>
+          </p:childTnLst>
+        </p:cTn>
+      </p:par>
+    </p:tnLst>
+    <p:bldLst>
+      <p:bldP spid="10246" grpId="0" autoUpdateAnimBg="0"/>
+    </p:bldLst>
+  </p:timing>
+</p:sld>
+</file>
+
+<file path=ppt/slides/slide3.xml><?xml version="1.0" encoding="utf-8"?>
 <p:sld xmlns:a="http://schemas.openxmlformats.org/drawingml/2006/main" xmlns:r="http://schemas.openxmlformats.org/officeDocument/2006/relationships" xmlns:p="http://schemas.openxmlformats.org/presentationml/2006/main">
   <p:cSld>
     <p:spTree>
@@ -4735,7 +8313,7 @@
 </p:sld>
 </file>
 
-<file path=ppt/slides/slide2.xml><?xml version="1.0" encoding="utf-8"?>
+<file path=ppt/slides/slide4.xml><?xml version="1.0" encoding="utf-8"?>
 <p:sld xmlns:a="http://schemas.openxmlformats.org/drawingml/2006/main" xmlns:r="http://schemas.openxmlformats.org/officeDocument/2006/relationships" xmlns:p="http://schemas.openxmlformats.org/presentationml/2006/main">
   <p:cSld>
     <p:spTree>
@@ -6328,7 +9906,7 @@
 </p:sld>
 </file>
 
-<file path=ppt/slides/slide3.xml><?xml version="1.0" encoding="utf-8"?>
+<file path=ppt/slides/slide5.xml><?xml version="1.0" encoding="utf-8"?>
 <p:sld xmlns:a="http://schemas.openxmlformats.org/drawingml/2006/main" xmlns:r="http://schemas.openxmlformats.org/officeDocument/2006/relationships" xmlns:p="http://schemas.openxmlformats.org/presentationml/2006/main">
   <p:cSld>
     <p:spTree>
@@ -7235,7 +10813,7 @@
 </p:sld>
 </file>
 
-<file path=ppt/slides/slide4.xml><?xml version="1.0" encoding="utf-8"?>
+<file path=ppt/slides/slide6.xml><?xml version="1.0" encoding="utf-8"?>
 <p:sld xmlns:a="http://schemas.openxmlformats.org/drawingml/2006/main" xmlns:r="http://schemas.openxmlformats.org/officeDocument/2006/relationships" xmlns:p="http://schemas.openxmlformats.org/presentationml/2006/main">
   <p:cSld>
     <p:spTree>
@@ -9827,7 +13405,7 @@
 </p:sld>
 </file>
 
-<file path=ppt/slides/slide5.xml><?xml version="1.0" encoding="utf-8"?>
+<file path=ppt/slides/slide7.xml><?xml version="1.0" encoding="utf-8"?>
 <p:sld xmlns:a="http://schemas.openxmlformats.org/drawingml/2006/main" xmlns:r="http://schemas.openxmlformats.org/officeDocument/2006/relationships" xmlns:p="http://schemas.openxmlformats.org/presentationml/2006/main">
   <p:cSld>
     <p:spTree>
@@ -10814,7 +14392,7 @@
 </p:sld>
 </file>
 
-<file path=ppt/slides/slide6.xml><?xml version="1.0" encoding="utf-8"?>
+<file path=ppt/slides/slide8.xml><?xml version="1.0" encoding="utf-8"?>
 <p:sld xmlns:a="http://schemas.openxmlformats.org/drawingml/2006/main" xmlns:r="http://schemas.openxmlformats.org/officeDocument/2006/relationships" xmlns:p="http://schemas.openxmlformats.org/presentationml/2006/main">
   <p:cSld>
     <p:spTree>
@@ -14560,6 +18138,649 @@
 </p:sld>
 </file>
 
+<file path=ppt/slides/slide9.xml><?xml version="1.0" encoding="utf-8"?>
+<p:sld xmlns:a="http://schemas.openxmlformats.org/drawingml/2006/main" xmlns:r="http://schemas.openxmlformats.org/officeDocument/2006/relationships" xmlns:p="http://schemas.openxmlformats.org/presentationml/2006/main">
+  <p:cSld>
+    <p:spTree>
+      <p:nvGrpSpPr>
+        <p:cNvPr id="1" name=""/>
+        <p:cNvGrpSpPr/>
+        <p:nvPr/>
+      </p:nvGrpSpPr>
+      <p:grpSpPr>
+        <a:xfrm>
+          <a:off x="0" y="0"/>
+          <a:ext cx="0" cy="0"/>
+          <a:chOff x="0" y="0"/>
+          <a:chExt cx="0" cy="0"/>
+        </a:xfrm>
+      </p:grpSpPr>
+      <p:pic>
+        <p:nvPicPr>
+          <p:cNvPr id="673" name="hamming.png" descr="hamming.png"/>
+          <p:cNvPicPr>
+            <a:picLocks noChangeAspect="1"/>
+          </p:cNvPicPr>
+          <p:nvPr/>
+        </p:nvPicPr>
+        <p:blipFill>
+          <a:blip r:embed="rId2"/>
+          <a:stretch>
+            <a:fillRect/>
+          </a:stretch>
+        </p:blipFill>
+        <p:spPr>
+          <a:xfrm>
+            <a:off x="12238899" y="8702281"/>
+            <a:ext cx="11626079" cy="3111501"/>
+          </a:xfrm>
+          <a:prstGeom prst="rect">
+            <a:avLst/>
+          </a:prstGeom>
+          <a:ln w="12700">
+            <a:miter lim="400000"/>
+          </a:ln>
+        </p:spPr>
+      </p:pic>
+      <p:pic>
+        <p:nvPicPr>
+          <p:cNvPr id="674" name="hann.png" descr="hann.png"/>
+          <p:cNvPicPr>
+            <a:picLocks noChangeAspect="1"/>
+          </p:cNvPicPr>
+          <p:nvPr/>
+        </p:nvPicPr>
+        <p:blipFill>
+          <a:blip r:embed="rId3"/>
+          <a:stretch>
+            <a:fillRect/>
+          </a:stretch>
+        </p:blipFill>
+        <p:spPr>
+          <a:xfrm>
+            <a:off x="-25848" y="8745660"/>
+            <a:ext cx="11605621" cy="3106026"/>
+          </a:xfrm>
+          <a:prstGeom prst="rect">
+            <a:avLst/>
+          </a:prstGeom>
+          <a:ln w="12700">
+            <a:miter lim="400000"/>
+          </a:ln>
+        </p:spPr>
+      </p:pic>
+      <p:pic>
+        <p:nvPicPr>
+          <p:cNvPr id="675" name="bartlett.png" descr="bartlett.png"/>
+          <p:cNvPicPr>
+            <a:picLocks noChangeAspect="1"/>
+          </p:cNvPicPr>
+          <p:nvPr/>
+        </p:nvPicPr>
+        <p:blipFill>
+          <a:blip r:embed="rId4"/>
+          <a:stretch>
+            <a:fillRect/>
+          </a:stretch>
+        </p:blipFill>
+        <p:spPr>
+          <a:xfrm>
+            <a:off x="12238899" y="3613480"/>
+            <a:ext cx="11626079" cy="3111501"/>
+          </a:xfrm>
+          <a:prstGeom prst="rect">
+            <a:avLst/>
+          </a:prstGeom>
+          <a:ln w="12700">
+            <a:miter lim="400000"/>
+          </a:ln>
+        </p:spPr>
+      </p:pic>
+      <p:sp>
+        <p:nvSpPr>
+          <p:cNvPr id="676" name="Main lobe width: 8π/N…"/>
+          <p:cNvSpPr txBox="1"/>
+          <p:nvPr/>
+        </p:nvSpPr>
+        <p:spPr>
+          <a:xfrm>
+            <a:off x="13786744" y="2427420"/>
+            <a:ext cx="5911089" cy="1306577"/>
+          </a:xfrm>
+          <a:prstGeom prst="rect">
+            <a:avLst/>
+          </a:prstGeom>
+          <a:ln w="12700">
+            <a:miter lim="400000"/>
+          </a:ln>
+          <a:extLst>
+            <a:ext uri="{C572A759-6A51-4108-AA02-DFA0A04FC94B}">
+              <ma14:wrappingTextBoxFlag xmlns:ma14="http://schemas.microsoft.com/office/mac/drawingml/2011/main" xmlns:a14="http://schemas.microsoft.com/office/drawing/2010/main" xmlns:m="http://schemas.openxmlformats.org/officeDocument/2006/math" xmlns="" val="1"/>
+            </a:ext>
+          </a:extLst>
+        </p:spPr>
+        <p:txBody>
+          <a:bodyPr wrap="none" lIns="50800" tIns="50800" rIns="50800" bIns="50800" anchor="ctr">
+            <a:spAutoFit/>
+          </a:bodyPr>
+          <a:lstStyle/>
+          <a:p>
+            <a:pPr algn="l">
+              <a:defRPr sz="4000" b="0"/>
+            </a:pPr>
+            <a:r>
+              <a:t>Main lobe width: 8π/N</a:t>
+            </a:r>
+          </a:p>
+          <a:p>
+            <a:pPr algn="l">
+              <a:defRPr sz="4000" b="0"/>
+            </a:pPr>
+            <a:r>
+              <a:t>Side lobe height: -26.5dB</a:t>
+            </a:r>
+          </a:p>
+        </p:txBody>
+      </p:sp>
+      <p:sp>
+        <p:nvSpPr>
+          <p:cNvPr id="677" name="Window spectra"/>
+          <p:cNvSpPr txBox="1">
+            <a:spLocks noGrp="1"/>
+          </p:cNvSpPr>
+          <p:nvPr>
+            <p:ph type="title"/>
+          </p:nvPr>
+        </p:nvSpPr>
+        <p:spPr>
+          <a:prstGeom prst="rect">
+            <a:avLst/>
+          </a:prstGeom>
+        </p:spPr>
+        <p:txBody>
+          <a:bodyPr/>
+          <a:lstStyle/>
+          <a:p>
+            <a:r>
+              <a:t>Window spectra</a:t>
+            </a:r>
+          </a:p>
+        </p:txBody>
+      </p:sp>
+      <p:sp>
+        <p:nvSpPr>
+          <p:cNvPr id="678" name="Rectangular"/>
+          <p:cNvSpPr txBox="1"/>
+          <p:nvPr/>
+        </p:nvSpPr>
+        <p:spPr>
+          <a:xfrm>
+            <a:off x="4259402" y="1670809"/>
+            <a:ext cx="3673196" cy="870510"/>
+          </a:xfrm>
+          <a:prstGeom prst="rect">
+            <a:avLst/>
+          </a:prstGeom>
+          <a:ln w="12700">
+            <a:miter lim="400000"/>
+          </a:ln>
+          <a:extLst>
+            <a:ext uri="{C572A759-6A51-4108-AA02-DFA0A04FC94B}">
+              <ma14:wrappingTextBoxFlag xmlns:ma14="http://schemas.microsoft.com/office/mac/drawingml/2011/main" xmlns:a14="http://schemas.microsoft.com/office/drawing/2010/main" xmlns:m="http://schemas.openxmlformats.org/officeDocument/2006/math" xmlns="" val="1"/>
+            </a:ext>
+          </a:extLst>
+        </p:spPr>
+        <p:txBody>
+          <a:bodyPr wrap="none" lIns="50800" tIns="50800" rIns="50800" bIns="50800" anchor="ctr">
+            <a:spAutoFit/>
+          </a:bodyPr>
+          <a:lstStyle>
+            <a:lvl1pPr>
+              <a:defRPr sz="5200" b="0">
+                <a:solidFill>
+                  <a:srgbClr val="9B1200"/>
+                </a:solidFill>
+              </a:defRPr>
+            </a:lvl1pPr>
+          </a:lstStyle>
+          <a:p>
+            <a:r>
+              <a:t>Rectangular</a:t>
+            </a:r>
+          </a:p>
+        </p:txBody>
+      </p:sp>
+      <p:sp>
+        <p:nvSpPr>
+          <p:cNvPr id="679" name="Triangular (Bartlett)"/>
+          <p:cNvSpPr txBox="1"/>
+          <p:nvPr/>
+        </p:nvSpPr>
+        <p:spPr>
+          <a:xfrm>
+            <a:off x="15503435" y="1670809"/>
+            <a:ext cx="5666284" cy="870510"/>
+          </a:xfrm>
+          <a:prstGeom prst="rect">
+            <a:avLst/>
+          </a:prstGeom>
+          <a:ln w="12700">
+            <a:miter lim="400000"/>
+          </a:ln>
+          <a:extLst>
+            <a:ext uri="{C572A759-6A51-4108-AA02-DFA0A04FC94B}">
+              <ma14:wrappingTextBoxFlag xmlns:ma14="http://schemas.microsoft.com/office/mac/drawingml/2011/main" xmlns:a14="http://schemas.microsoft.com/office/drawing/2010/main" xmlns:m="http://schemas.openxmlformats.org/officeDocument/2006/math" xmlns="" val="1"/>
+            </a:ext>
+          </a:extLst>
+        </p:spPr>
+        <p:txBody>
+          <a:bodyPr wrap="none" lIns="50800" tIns="50800" rIns="50800" bIns="50800" anchor="ctr">
+            <a:spAutoFit/>
+          </a:bodyPr>
+          <a:lstStyle>
+            <a:lvl1pPr>
+              <a:defRPr sz="5200" b="0">
+                <a:solidFill>
+                  <a:srgbClr val="9B1200"/>
+                </a:solidFill>
+              </a:defRPr>
+            </a:lvl1pPr>
+          </a:lstStyle>
+          <a:p>
+            <a:r>
+              <a:t>Triangular (Bartlett)</a:t>
+            </a:r>
+          </a:p>
+        </p:txBody>
+      </p:sp>
+      <p:sp>
+        <p:nvSpPr>
+          <p:cNvPr id="680" name="Hann"/>
+          <p:cNvSpPr txBox="1"/>
+          <p:nvPr/>
+        </p:nvSpPr>
+        <p:spPr>
+          <a:xfrm>
+            <a:off x="5255945" y="6644617"/>
+            <a:ext cx="1680110" cy="870510"/>
+          </a:xfrm>
+          <a:prstGeom prst="rect">
+            <a:avLst/>
+          </a:prstGeom>
+          <a:ln w="12700">
+            <a:miter lim="400000"/>
+          </a:ln>
+          <a:extLst>
+            <a:ext uri="{C572A759-6A51-4108-AA02-DFA0A04FC94B}">
+              <ma14:wrappingTextBoxFlag xmlns:ma14="http://schemas.microsoft.com/office/mac/drawingml/2011/main" xmlns:a14="http://schemas.microsoft.com/office/drawing/2010/main" xmlns:m="http://schemas.openxmlformats.org/officeDocument/2006/math" xmlns="" val="1"/>
+            </a:ext>
+          </a:extLst>
+        </p:spPr>
+        <p:txBody>
+          <a:bodyPr wrap="none" lIns="50800" tIns="50800" rIns="50800" bIns="50800" anchor="ctr">
+            <a:spAutoFit/>
+          </a:bodyPr>
+          <a:lstStyle>
+            <a:lvl1pPr>
+              <a:defRPr sz="5200" b="0">
+                <a:solidFill>
+                  <a:srgbClr val="9B1200"/>
+                </a:solidFill>
+              </a:defRPr>
+            </a:lvl1pPr>
+          </a:lstStyle>
+          <a:p>
+            <a:r>
+              <a:t>Hann</a:t>
+            </a:r>
+          </a:p>
+        </p:txBody>
+      </p:sp>
+      <p:sp>
+        <p:nvSpPr>
+          <p:cNvPr id="681" name="Hamming"/>
+          <p:cNvSpPr txBox="1"/>
+          <p:nvPr/>
+        </p:nvSpPr>
+        <p:spPr>
+          <a:xfrm>
+            <a:off x="16853953" y="6644617"/>
+            <a:ext cx="2965248" cy="870510"/>
+          </a:xfrm>
+          <a:prstGeom prst="rect">
+            <a:avLst/>
+          </a:prstGeom>
+          <a:ln w="12700">
+            <a:miter lim="400000"/>
+          </a:ln>
+          <a:extLst>
+            <a:ext uri="{C572A759-6A51-4108-AA02-DFA0A04FC94B}">
+              <ma14:wrappingTextBoxFlag xmlns:ma14="http://schemas.microsoft.com/office/mac/drawingml/2011/main" xmlns:a14="http://schemas.microsoft.com/office/drawing/2010/main" xmlns:m="http://schemas.openxmlformats.org/officeDocument/2006/math" xmlns="" val="1"/>
+            </a:ext>
+          </a:extLst>
+        </p:spPr>
+        <p:txBody>
+          <a:bodyPr wrap="none" lIns="50800" tIns="50800" rIns="50800" bIns="50800" anchor="ctr">
+            <a:spAutoFit/>
+          </a:bodyPr>
+          <a:lstStyle>
+            <a:lvl1pPr>
+              <a:defRPr sz="5200" b="0">
+                <a:solidFill>
+                  <a:srgbClr val="9B1200"/>
+                </a:solidFill>
+              </a:defRPr>
+            </a:lvl1pPr>
+          </a:lstStyle>
+          <a:p>
+            <a:r>
+              <a:t>Hamming</a:t>
+            </a:r>
+          </a:p>
+        </p:txBody>
+      </p:sp>
+      <p:pic>
+        <p:nvPicPr>
+          <p:cNvPr id="682" name="rectangular.png" descr="rectangular.png"/>
+          <p:cNvPicPr>
+            <a:picLocks noChangeAspect="1"/>
+          </p:cNvPicPr>
+          <p:nvPr/>
+        </p:nvPicPr>
+        <p:blipFill>
+          <a:blip r:embed="rId5"/>
+          <a:stretch>
+            <a:fillRect/>
+          </a:stretch>
+        </p:blipFill>
+        <p:spPr>
+          <a:xfrm>
+            <a:off x="11363" y="3609159"/>
+            <a:ext cx="11626079" cy="3111501"/>
+          </a:xfrm>
+          <a:prstGeom prst="rect">
+            <a:avLst/>
+          </a:prstGeom>
+          <a:ln w="12700">
+            <a:miter lim="400000"/>
+          </a:ln>
+        </p:spPr>
+      </p:pic>
+      <p:sp>
+        <p:nvSpPr>
+          <p:cNvPr id="683" name="Main lobe width: 4π/N…"/>
+          <p:cNvSpPr txBox="1"/>
+          <p:nvPr/>
+        </p:nvSpPr>
+        <p:spPr>
+          <a:xfrm>
+            <a:off x="1562624" y="2423099"/>
+            <a:ext cx="5487417" cy="1306577"/>
+          </a:xfrm>
+          <a:prstGeom prst="rect">
+            <a:avLst/>
+          </a:prstGeom>
+          <a:ln w="12700">
+            <a:miter lim="400000"/>
+          </a:ln>
+          <a:extLst>
+            <a:ext uri="{C572A759-6A51-4108-AA02-DFA0A04FC94B}">
+              <ma14:wrappingTextBoxFlag xmlns:ma14="http://schemas.microsoft.com/office/mac/drawingml/2011/main" xmlns:a14="http://schemas.microsoft.com/office/drawing/2010/main" xmlns:m="http://schemas.openxmlformats.org/officeDocument/2006/math" xmlns="" val="1"/>
+            </a:ext>
+          </a:extLst>
+        </p:spPr>
+        <p:txBody>
+          <a:bodyPr wrap="none" lIns="50800" tIns="50800" rIns="50800" bIns="50800" anchor="ctr">
+            <a:spAutoFit/>
+          </a:bodyPr>
+          <a:lstStyle/>
+          <a:p>
+            <a:pPr algn="l">
+              <a:defRPr sz="4000" b="0"/>
+            </a:pPr>
+            <a:r>
+              <a:t>Main lobe width: 4π/N</a:t>
+            </a:r>
+          </a:p>
+          <a:p>
+            <a:pPr algn="l">
+              <a:defRPr sz="4000" b="0"/>
+            </a:pPr>
+            <a:r>
+              <a:t>Side lobe height: -13dB</a:t>
+            </a:r>
+          </a:p>
+        </p:txBody>
+      </p:sp>
+      <p:sp>
+        <p:nvSpPr>
+          <p:cNvPr id="684" name="Main lobe width: 8π/N…"/>
+          <p:cNvSpPr txBox="1"/>
+          <p:nvPr/>
+        </p:nvSpPr>
+        <p:spPr>
+          <a:xfrm>
+            <a:off x="1555705" y="7517657"/>
+            <a:ext cx="5911089" cy="1306577"/>
+          </a:xfrm>
+          <a:prstGeom prst="rect">
+            <a:avLst/>
+          </a:prstGeom>
+          <a:ln w="12700">
+            <a:miter lim="400000"/>
+          </a:ln>
+          <a:extLst>
+            <a:ext uri="{C572A759-6A51-4108-AA02-DFA0A04FC94B}">
+              <ma14:wrappingTextBoxFlag xmlns:ma14="http://schemas.microsoft.com/office/mac/drawingml/2011/main" xmlns:a14="http://schemas.microsoft.com/office/drawing/2010/main" xmlns:m="http://schemas.openxmlformats.org/officeDocument/2006/math" xmlns="" val="1"/>
+            </a:ext>
+          </a:extLst>
+        </p:spPr>
+        <p:txBody>
+          <a:bodyPr wrap="none" lIns="50800" tIns="50800" rIns="50800" bIns="50800" anchor="ctr">
+            <a:spAutoFit/>
+          </a:bodyPr>
+          <a:lstStyle/>
+          <a:p>
+            <a:pPr algn="l">
+              <a:defRPr sz="4000" b="0"/>
+            </a:pPr>
+            <a:r>
+              <a:t>Main lobe width: 8π/N</a:t>
+            </a:r>
+          </a:p>
+          <a:p>
+            <a:pPr algn="l">
+              <a:defRPr sz="4000" b="0"/>
+            </a:pPr>
+            <a:r>
+              <a:t>Side lobe height: -31.5dB</a:t>
+            </a:r>
+          </a:p>
+        </p:txBody>
+      </p:sp>
+      <p:sp>
+        <p:nvSpPr>
+          <p:cNvPr id="685" name="Main lobe width: 8π/N…"/>
+          <p:cNvSpPr txBox="1"/>
+          <p:nvPr/>
+        </p:nvSpPr>
+        <p:spPr>
+          <a:xfrm>
+            <a:off x="13786744" y="7439084"/>
+            <a:ext cx="5911089" cy="1306577"/>
+          </a:xfrm>
+          <a:prstGeom prst="rect">
+            <a:avLst/>
+          </a:prstGeom>
+          <a:ln w="12700">
+            <a:miter lim="400000"/>
+          </a:ln>
+          <a:extLst>
+            <a:ext uri="{C572A759-6A51-4108-AA02-DFA0A04FC94B}">
+              <ma14:wrappingTextBoxFlag xmlns:ma14="http://schemas.microsoft.com/office/mac/drawingml/2011/main" xmlns:a14="http://schemas.microsoft.com/office/drawing/2010/main" xmlns:m="http://schemas.openxmlformats.org/officeDocument/2006/math" xmlns="" val="1"/>
+            </a:ext>
+          </a:extLst>
+        </p:spPr>
+        <p:txBody>
+          <a:bodyPr wrap="none" lIns="50800" tIns="50800" rIns="50800" bIns="50800" anchor="ctr">
+            <a:spAutoFit/>
+          </a:bodyPr>
+          <a:lstStyle/>
+          <a:p>
+            <a:pPr algn="l">
+              <a:defRPr sz="4000" b="0"/>
+            </a:pPr>
+            <a:r>
+              <a:t>Main lobe width: 8π/N</a:t>
+            </a:r>
+          </a:p>
+          <a:p>
+            <a:pPr algn="l">
+              <a:defRPr sz="4000" b="0"/>
+            </a:pPr>
+            <a:r>
+              <a:t>Side lobe height: -42.8dB</a:t>
+            </a:r>
+          </a:p>
+        </p:txBody>
+      </p:sp>
+      <p:sp>
+        <p:nvSpPr>
+          <p:cNvPr id="686" name="→ When in doubt: use a Hann window"/>
+          <p:cNvSpPr txBox="1"/>
+          <p:nvPr/>
+        </p:nvSpPr>
+        <p:spPr>
+          <a:xfrm>
+            <a:off x="1493114" y="11618426"/>
+            <a:ext cx="9708897" cy="763152"/>
+          </a:xfrm>
+          <a:prstGeom prst="rect">
+            <a:avLst/>
+          </a:prstGeom>
+          <a:ln w="12700">
+            <a:miter lim="400000"/>
+          </a:ln>
+          <a:extLst>
+            <a:ext uri="{C572A759-6A51-4108-AA02-DFA0A04FC94B}">
+              <ma14:wrappingTextBoxFlag xmlns:ma14="http://schemas.microsoft.com/office/mac/drawingml/2011/main" xmlns:a14="http://schemas.microsoft.com/office/drawing/2010/main" xmlns:m="http://schemas.openxmlformats.org/officeDocument/2006/math" xmlns="" val="1"/>
+            </a:ext>
+          </a:extLst>
+        </p:spPr>
+        <p:txBody>
+          <a:bodyPr wrap="none" lIns="50800" tIns="50800" rIns="50800" bIns="50800" anchor="ctr">
+            <a:spAutoFit/>
+          </a:bodyPr>
+          <a:lstStyle>
+            <a:lvl1pPr algn="l">
+              <a:defRPr sz="4400" b="0">
+                <a:solidFill>
+                  <a:srgbClr val="9B1200"/>
+                </a:solidFill>
+              </a:defRPr>
+            </a:lvl1pPr>
+          </a:lstStyle>
+          <a:p>
+            <a:r>
+              <a:t>→ When in doubt: use a Hann window</a:t>
+            </a:r>
+          </a:p>
+        </p:txBody>
+      </p:sp>
+    </p:spTree>
+  </p:cSld>
+  <p:clrMapOvr>
+    <a:masterClrMapping/>
+  </p:clrMapOvr>
+  <p:transition spd="med"/>
+  <p:timing>
+    <p:tnLst>
+      <p:par>
+        <p:cTn id="1" dur="indefinite" restart="never" fill="hold" nodeType="tmRoot">
+          <p:childTnLst>
+            <p:seq concurrent="1" prevAc="none" nextAc="seek">
+              <p:cTn id="2" dur="indefinite" fill="hold" nodeType="mainSeq">
+                <p:childTnLst>
+                  <p:par>
+                    <p:cTn id="3" fill="hold">
+                      <p:stCondLst>
+                        <p:cond delay="indefinite"/>
+                      </p:stCondLst>
+                      <p:childTnLst>
+                        <p:par>
+                          <p:cTn id="4" fill="hold">
+                            <p:stCondLst>
+                              <p:cond delay="0"/>
+                            </p:stCondLst>
+                            <p:childTnLst>
+                              <p:par>
+                                <p:cTn id="5" presetID="22" presetClass="entr" presetSubtype="8" fill="hold" grpId="0" nodeType="clickEffect">
+                                  <p:stCondLst>
+                                    <p:cond delay="0"/>
+                                  </p:stCondLst>
+                                  <p:iterate>
+                                    <p:tmAbs val="0"/>
+                                  </p:iterate>
+                                  <p:childTnLst>
+                                    <p:set>
+                                      <p:cBhvr>
+                                        <p:cTn id="6" fill="hold"/>
+                                        <p:tgtEl>
+                                          <p:spTgt spid="686"/>
+                                        </p:tgtEl>
+                                        <p:attrNameLst>
+                                          <p:attrName>style.visibility</p:attrName>
+                                        </p:attrNameLst>
+                                      </p:cBhvr>
+                                      <p:to>
+                                        <p:strVal val="visible"/>
+                                      </p:to>
+                                    </p:set>
+                                    <p:animEffect transition="in" filter="wipe(left)">
+                                      <p:cBhvr>
+                                        <p:cTn id="7" dur="1000"/>
+                                        <p:tgtEl>
+                                          <p:spTgt spid="686"/>
+                                        </p:tgtEl>
+                                      </p:cBhvr>
+                                    </p:animEffect>
+                                  </p:childTnLst>
+                                </p:cTn>
+                              </p:par>
+                            </p:childTnLst>
+                          </p:cTn>
+                        </p:par>
+                      </p:childTnLst>
+                    </p:cTn>
+                  </p:par>
+                </p:childTnLst>
+              </p:cTn>
+              <p:prevCondLst>
+                <p:cond evt="onPrev" delay="0">
+                  <p:tgtEl>
+                    <p:sldTgt/>
+                  </p:tgtEl>
+                </p:cond>
+              </p:prevCondLst>
+              <p:nextCondLst>
+                <p:cond evt="onNext" delay="0">
+                  <p:tgtEl>
+                    <p:sldTgt/>
+                  </p:tgtEl>
+                </p:cond>
+              </p:nextCondLst>
+            </p:seq>
+          </p:childTnLst>
+        </p:cTn>
+      </p:par>
+    </p:tnLst>
+    <p:bldLst>
+      <p:bldP spid="686" grpId="0" animBg="1" advAuto="0"/>
+    </p:bldLst>
+  </p:timing>
+</p:sld>
+</file>
+
 <file path=ppt/theme/theme1.xml><?xml version="1.0" encoding="utf-8"?>
 <a:theme xmlns:a="http://schemas.openxmlformats.org/drawingml/2006/main" name="White">
   <a:themeElements>
@@ -15631,6 +19852,408 @@
 </file>
 
 <file path=ppt/theme/theme2.xml><?xml version="1.0" encoding="utf-8"?>
+<a:theme xmlns:a="http://schemas.openxmlformats.org/drawingml/2006/main" name="Title &amp; Bullets">
+  <a:themeElements>
+    <a:clrScheme name="">
+      <a:dk1>
+        <a:srgbClr val="000000"/>
+      </a:dk1>
+      <a:lt1>
+        <a:srgbClr val="FFFFFF"/>
+      </a:lt1>
+      <a:dk2>
+        <a:srgbClr val="000000"/>
+      </a:dk2>
+      <a:lt2>
+        <a:srgbClr val="808080"/>
+      </a:lt2>
+      <a:accent1>
+        <a:srgbClr val="FFFFFF"/>
+      </a:accent1>
+      <a:accent2>
+        <a:srgbClr val="333399"/>
+      </a:accent2>
+      <a:accent3>
+        <a:srgbClr val="FFFFFF"/>
+      </a:accent3>
+      <a:accent4>
+        <a:srgbClr val="000000"/>
+      </a:accent4>
+      <a:accent5>
+        <a:srgbClr val="FFFFFF"/>
+      </a:accent5>
+      <a:accent6>
+        <a:srgbClr val="2D2D8A"/>
+      </a:accent6>
+      <a:hlink>
+        <a:srgbClr val="009999"/>
+      </a:hlink>
+      <a:folHlink>
+        <a:srgbClr val="99CC00"/>
+      </a:folHlink>
+    </a:clrScheme>
+    <a:fontScheme name="Title &amp; Bullets">
+      <a:majorFont>
+        <a:latin typeface="Arial"/>
+        <a:ea typeface="ヒラギノ角ゴ ProN W3"/>
+        <a:cs typeface="ヒラギノ角ゴ ProN W3"/>
+      </a:majorFont>
+      <a:minorFont>
+        <a:latin typeface="Arial"/>
+        <a:ea typeface="ヒラギノ角ゴ ProN W3"/>
+        <a:cs typeface="ヒラギノ角ゴ ProN W3"/>
+      </a:minorFont>
+    </a:fontScheme>
+    <a:fmtScheme name="Office">
+      <a:fillStyleLst>
+        <a:solidFill>
+          <a:schemeClr val="phClr"/>
+        </a:solidFill>
+        <a:gradFill rotWithShape="1">
+          <a:gsLst>
+            <a:gs pos="0">
+              <a:schemeClr val="phClr">
+                <a:tint val="50000"/>
+                <a:satMod val="300000"/>
+              </a:schemeClr>
+            </a:gs>
+            <a:gs pos="35000">
+              <a:schemeClr val="phClr">
+                <a:tint val="37000"/>
+                <a:satMod val="300000"/>
+              </a:schemeClr>
+            </a:gs>
+            <a:gs pos="100000">
+              <a:schemeClr val="phClr">
+                <a:tint val="15000"/>
+                <a:satMod val="350000"/>
+              </a:schemeClr>
+            </a:gs>
+          </a:gsLst>
+          <a:lin ang="16200000" scaled="1"/>
+        </a:gradFill>
+        <a:gradFill rotWithShape="1">
+          <a:gsLst>
+            <a:gs pos="0">
+              <a:schemeClr val="phClr">
+                <a:shade val="51000"/>
+                <a:satMod val="130000"/>
+              </a:schemeClr>
+            </a:gs>
+            <a:gs pos="80000">
+              <a:schemeClr val="phClr">
+                <a:shade val="93000"/>
+                <a:satMod val="130000"/>
+              </a:schemeClr>
+            </a:gs>
+            <a:gs pos="100000">
+              <a:schemeClr val="phClr">
+                <a:shade val="94000"/>
+                <a:satMod val="135000"/>
+              </a:schemeClr>
+            </a:gs>
+          </a:gsLst>
+          <a:lin ang="16200000" scaled="0"/>
+        </a:gradFill>
+      </a:fillStyleLst>
+      <a:lnStyleLst>
+        <a:ln w="9525" cap="flat" cmpd="sng" algn="ctr">
+          <a:solidFill>
+            <a:schemeClr val="phClr">
+              <a:shade val="95000"/>
+              <a:satMod val="105000"/>
+            </a:schemeClr>
+          </a:solidFill>
+          <a:prstDash val="solid"/>
+        </a:ln>
+        <a:ln w="25400" cap="flat" cmpd="sng" algn="ctr">
+          <a:solidFill>
+            <a:schemeClr val="phClr"/>
+          </a:solidFill>
+          <a:prstDash val="solid"/>
+        </a:ln>
+        <a:ln w="38100" cap="flat" cmpd="sng" algn="ctr">
+          <a:solidFill>
+            <a:schemeClr val="phClr"/>
+          </a:solidFill>
+          <a:prstDash val="solid"/>
+        </a:ln>
+      </a:lnStyleLst>
+      <a:effectStyleLst>
+        <a:effectStyle>
+          <a:effectLst>
+            <a:outerShdw blurRad="40000" dist="20000" dir="5400000" rotWithShape="0">
+              <a:srgbClr val="000000">
+                <a:alpha val="38000"/>
+              </a:srgbClr>
+            </a:outerShdw>
+          </a:effectLst>
+        </a:effectStyle>
+        <a:effectStyle>
+          <a:effectLst>
+            <a:outerShdw blurRad="40000" dist="23000" dir="5400000" rotWithShape="0">
+              <a:srgbClr val="000000">
+                <a:alpha val="35000"/>
+              </a:srgbClr>
+            </a:outerShdw>
+          </a:effectLst>
+        </a:effectStyle>
+        <a:effectStyle>
+          <a:effectLst>
+            <a:outerShdw blurRad="40000" dist="23000" dir="5400000" rotWithShape="0">
+              <a:srgbClr val="000000">
+                <a:alpha val="35000"/>
+              </a:srgbClr>
+            </a:outerShdw>
+          </a:effectLst>
+          <a:scene3d>
+            <a:camera prst="orthographicFront">
+              <a:rot lat="0" lon="0" rev="0"/>
+            </a:camera>
+            <a:lightRig rig="threePt" dir="t">
+              <a:rot lat="0" lon="0" rev="1200000"/>
+            </a:lightRig>
+          </a:scene3d>
+          <a:sp3d>
+            <a:bevelT w="63500" h="25400"/>
+          </a:sp3d>
+        </a:effectStyle>
+      </a:effectStyleLst>
+      <a:bgFillStyleLst>
+        <a:solidFill>
+          <a:schemeClr val="phClr"/>
+        </a:solidFill>
+        <a:gradFill rotWithShape="1">
+          <a:gsLst>
+            <a:gs pos="0">
+              <a:schemeClr val="phClr">
+                <a:tint val="40000"/>
+                <a:satMod val="350000"/>
+              </a:schemeClr>
+            </a:gs>
+            <a:gs pos="40000">
+              <a:schemeClr val="phClr">
+                <a:tint val="45000"/>
+                <a:shade val="99000"/>
+                <a:satMod val="350000"/>
+              </a:schemeClr>
+            </a:gs>
+            <a:gs pos="100000">
+              <a:schemeClr val="phClr">
+                <a:shade val="20000"/>
+                <a:satMod val="255000"/>
+              </a:schemeClr>
+            </a:gs>
+          </a:gsLst>
+          <a:path path="circle">
+            <a:fillToRect l="50000" t="-80000" r="50000" b="180000"/>
+          </a:path>
+        </a:gradFill>
+        <a:gradFill rotWithShape="1">
+          <a:gsLst>
+            <a:gs pos="0">
+              <a:schemeClr val="phClr">
+                <a:tint val="80000"/>
+                <a:satMod val="300000"/>
+              </a:schemeClr>
+            </a:gs>
+            <a:gs pos="100000">
+              <a:schemeClr val="phClr">
+                <a:shade val="30000"/>
+                <a:satMod val="200000"/>
+              </a:schemeClr>
+            </a:gs>
+          </a:gsLst>
+          <a:path path="circle">
+            <a:fillToRect l="50000" t="50000" r="50000" b="50000"/>
+          </a:path>
+        </a:gradFill>
+      </a:bgFillStyleLst>
+    </a:fmtScheme>
+  </a:themeElements>
+  <a:objectDefaults>
+    <a:spDef>
+      <a:spPr bwMode="auto">
+        <a:xfrm>
+          <a:off x="0" y="0"/>
+          <a:ext cx="1" cy="1"/>
+        </a:xfrm>
+        <a:custGeom>
+          <a:avLst/>
+          <a:gdLst/>
+          <a:ahLst/>
+          <a:cxnLst/>
+          <a:rect l="0" t="0" r="0" b="0"/>
+          <a:pathLst/>
+        </a:custGeom>
+        <a:blipFill dpi="0" rotWithShape="0">
+          <a:blip xmlns:r="http://schemas.openxmlformats.org/officeDocument/2006/relationships" r:embed="rId1"/>
+          <a:srcRect/>
+          <a:tile tx="0" ty="0" sx="100000" sy="100000" flip="none" algn="tl"/>
+        </a:blipFill>
+        <a:ln w="25400" cap="flat" cmpd="sng" algn="ctr">
+          <a:solidFill>
+            <a:srgbClr val="000000"/>
+          </a:solidFill>
+          <a:prstDash val="solid"/>
+          <a:round/>
+          <a:headEnd type="none" w="med" len="med"/>
+          <a:tailEnd type="none" w="med" len="med"/>
+        </a:ln>
+        <a:effectLst/>
+      </a:spPr>
+      <a:bodyPr vert="horz" wrap="square" lIns="91440" tIns="45720" rIns="91440" bIns="45720" numCol="1" anchor="t" anchorCtr="0" compatLnSpc="1">
+        <a:prstTxWarp prst="textNoShape">
+          <a:avLst/>
+        </a:prstTxWarp>
+      </a:bodyPr>
+      <a:lstStyle>
+        <a:defPPr marL="0" marR="0" indent="0" algn="ctr" defTabSz="914400" rtl="0" eaLnBrk="1" fontAlgn="base" latinLnBrk="0" hangingPunct="1">
+          <a:lnSpc>
+            <a:spcPct val="100000"/>
+          </a:lnSpc>
+          <a:spcBef>
+            <a:spcPct val="0"/>
+          </a:spcBef>
+          <a:spcAft>
+            <a:spcPct val="0"/>
+          </a:spcAft>
+          <a:buClrTx/>
+          <a:buSzTx/>
+          <a:buFontTx/>
+          <a:buNone/>
+          <a:tabLst/>
+          <a:defRPr kumimoji="0" lang="en-US" sz="4200" b="0" i="0" u="none" strike="noStrike" cap="none" normalizeH="0" baseline="0" smtClean="0">
+            <a:ln>
+              <a:noFill/>
+            </a:ln>
+            <a:solidFill>
+              <a:srgbClr val="000000"/>
+            </a:solidFill>
+            <a:effectLst/>
+            <a:latin typeface="Gill Sans" charset="0"/>
+            <a:ea typeface="ヒラギノ角ゴ ProN W3" charset="0"/>
+            <a:cs typeface="ヒラギノ角ゴ ProN W3" charset="0"/>
+            <a:sym typeface="Gill Sans" charset="0"/>
+          </a:defRPr>
+        </a:defPPr>
+      </a:lstStyle>
+    </a:spDef>
+    <a:lnDef>
+      <a:spPr bwMode="auto">
+        <a:xfrm>
+          <a:off x="0" y="0"/>
+          <a:ext cx="1" cy="1"/>
+        </a:xfrm>
+        <a:custGeom>
+          <a:avLst/>
+          <a:gdLst/>
+          <a:ahLst/>
+          <a:cxnLst/>
+          <a:rect l="0" t="0" r="0" b="0"/>
+          <a:pathLst/>
+        </a:custGeom>
+        <a:blipFill dpi="0" rotWithShape="0">
+          <a:blip xmlns:r="http://schemas.openxmlformats.org/officeDocument/2006/relationships" r:embed="rId1"/>
+          <a:srcRect/>
+          <a:tile tx="0" ty="0" sx="100000" sy="100000" flip="none" algn="tl"/>
+        </a:blipFill>
+        <a:ln w="25400" cap="flat" cmpd="sng" algn="ctr">
+          <a:solidFill>
+            <a:srgbClr val="000000"/>
+          </a:solidFill>
+          <a:prstDash val="solid"/>
+          <a:round/>
+          <a:headEnd type="none" w="med" len="med"/>
+          <a:tailEnd type="none" w="med" len="med"/>
+        </a:ln>
+        <a:effectLst/>
+      </a:spPr>
+      <a:bodyPr vert="horz" wrap="square" lIns="91440" tIns="45720" rIns="91440" bIns="45720" numCol="1" anchor="t" anchorCtr="0" compatLnSpc="1">
+        <a:prstTxWarp prst="textNoShape">
+          <a:avLst/>
+        </a:prstTxWarp>
+      </a:bodyPr>
+      <a:lstStyle>
+        <a:defPPr marL="0" marR="0" indent="0" algn="ctr" defTabSz="914400" rtl="0" eaLnBrk="1" fontAlgn="base" latinLnBrk="0" hangingPunct="1">
+          <a:lnSpc>
+            <a:spcPct val="100000"/>
+          </a:lnSpc>
+          <a:spcBef>
+            <a:spcPct val="0"/>
+          </a:spcBef>
+          <a:spcAft>
+            <a:spcPct val="0"/>
+          </a:spcAft>
+          <a:buClrTx/>
+          <a:buSzTx/>
+          <a:buFontTx/>
+          <a:buNone/>
+          <a:tabLst/>
+          <a:defRPr kumimoji="0" lang="en-US" sz="4200" b="0" i="0" u="none" strike="noStrike" cap="none" normalizeH="0" baseline="0" smtClean="0">
+            <a:ln>
+              <a:noFill/>
+            </a:ln>
+            <a:solidFill>
+              <a:srgbClr val="000000"/>
+            </a:solidFill>
+            <a:effectLst/>
+            <a:latin typeface="Gill Sans" charset="0"/>
+            <a:ea typeface="ヒラギノ角ゴ ProN W3" charset="0"/>
+            <a:cs typeface="ヒラギノ角ゴ ProN W3" charset="0"/>
+            <a:sym typeface="Gill Sans" charset="0"/>
+          </a:defRPr>
+        </a:defPPr>
+      </a:lstStyle>
+    </a:lnDef>
+  </a:objectDefaults>
+  <a:extraClrSchemeLst>
+    <a:extraClrScheme>
+      <a:clrScheme name="Title &amp; Bullets 1">
+        <a:dk1>
+          <a:srgbClr val="000000"/>
+        </a:dk1>
+        <a:lt1>
+          <a:srgbClr val="FFFFFF"/>
+        </a:lt1>
+        <a:dk2>
+          <a:srgbClr val="000000"/>
+        </a:dk2>
+        <a:lt2>
+          <a:srgbClr val="808080"/>
+        </a:lt2>
+        <a:accent1>
+          <a:srgbClr val="BBE0E3"/>
+        </a:accent1>
+        <a:accent2>
+          <a:srgbClr val="333399"/>
+        </a:accent2>
+        <a:accent3>
+          <a:srgbClr val="FFFFFF"/>
+        </a:accent3>
+        <a:accent4>
+          <a:srgbClr val="000000"/>
+        </a:accent4>
+        <a:accent5>
+          <a:srgbClr val="DAEDEF"/>
+        </a:accent5>
+        <a:accent6>
+          <a:srgbClr val="2D2D8A"/>
+        </a:accent6>
+        <a:hlink>
+          <a:srgbClr val="009999"/>
+        </a:hlink>
+        <a:folHlink>
+          <a:srgbClr val="99CC00"/>
+        </a:folHlink>
+      </a:clrScheme>
+      <a:clrMap bg1="lt1" tx1="dk1" bg2="lt2" tx2="dk2" accent1="accent1" accent2="accent2" accent3="accent3" accent4="accent4" accent5="accent5" accent6="accent6" hlink="hlink" folHlink="folHlink"/>
+    </a:extraClrScheme>
+  </a:extraClrSchemeLst>
+</a:theme>
+</file>
+
+<file path=ppt/theme/theme3.xml><?xml version="1.0" encoding="utf-8"?>
 <a:theme xmlns:a="http://schemas.openxmlformats.org/drawingml/2006/main" name="White">
   <a:themeElements>
     <a:clrScheme name="White">

--- a/10 Phase vocoder/Extra.pptx
+++ b/10 Phase vocoder/Extra.pptx
@@ -6,7 +6,7 @@
     <p:sldMasterId id="2147483655" r:id="rId2"/>
   </p:sldMasterIdLst>
   <p:notesMasterIdLst>
-    <p:notesMasterId r:id="rId12"/>
+    <p:notesMasterId r:id="rId17"/>
   </p:notesMasterIdLst>
   <p:sldIdLst>
     <p:sldId id="281" r:id="rId3"/>
@@ -17,7 +17,12 @@
     <p:sldId id="264" r:id="rId8"/>
     <p:sldId id="265" r:id="rId9"/>
     <p:sldId id="266" r:id="rId10"/>
-    <p:sldId id="279" r:id="rId11"/>
+    <p:sldId id="284" r:id="rId11"/>
+    <p:sldId id="278" r:id="rId12"/>
+    <p:sldId id="279" r:id="rId13"/>
+    <p:sldId id="287" r:id="rId14"/>
+    <p:sldId id="285" r:id="rId15"/>
+    <p:sldId id="288" r:id="rId16"/>
   </p:sldIdLst>
   <p:sldSz cx="24384000" cy="13716000"/>
   <p:notesSz cx="6858000" cy="9144000"/>
@@ -5060,6 +5065,6778 @@
       <p:bldP spid="9221" grpId="0" autoUpdateAnimBg="0"/>
       <p:bldP spid="9222" grpId="0" autoUpdateAnimBg="0"/>
       <p:bldP spid="9223" grpId="0" autoUpdateAnimBg="0"/>
+    </p:bldLst>
+  </p:timing>
+</p:sld>
+</file>
+
+<file path=ppt/slides/slide10.xml><?xml version="1.0" encoding="utf-8"?>
+<p:sld xmlns:a="http://schemas.openxmlformats.org/drawingml/2006/main" xmlns:r="http://schemas.openxmlformats.org/officeDocument/2006/relationships" xmlns:p="http://schemas.openxmlformats.org/presentationml/2006/main">
+  <p:cSld>
+    <p:spTree>
+      <p:nvGrpSpPr>
+        <p:cNvPr id="1" name=""/>
+        <p:cNvGrpSpPr/>
+        <p:nvPr/>
+      </p:nvGrpSpPr>
+      <p:grpSpPr>
+        <a:xfrm>
+          <a:off x="0" y="0"/>
+          <a:ext cx="0" cy="0"/>
+          <a:chOff x="0" y="0"/>
+          <a:chExt cx="0" cy="0"/>
+        </a:xfrm>
+      </p:grpSpPr>
+      <p:grpSp>
+        <p:nvGrpSpPr>
+          <p:cNvPr id="657" name="Group"/>
+          <p:cNvGrpSpPr/>
+          <p:nvPr/>
+        </p:nvGrpSpPr>
+        <p:grpSpPr>
+          <a:xfrm>
+            <a:off x="12144081" y="2921562"/>
+            <a:ext cx="12103129" cy="9383646"/>
+            <a:chOff x="0" y="0"/>
+            <a:chExt cx="12103127" cy="9383645"/>
+          </a:xfrm>
+        </p:grpSpPr>
+        <p:pic>
+          <p:nvPicPr>
+            <p:cNvPr id="655" name="hann-large2.pdf" descr="hann-large2.pdf"/>
+            <p:cNvPicPr>
+              <a:picLocks noChangeAspect="1"/>
+            </p:cNvPicPr>
+            <p:nvPr/>
+          </p:nvPicPr>
+          <p:blipFill>
+            <a:blip r:embed="rId2"/>
+            <a:srcRect l="9079" t="5375" r="7644" b="7544"/>
+            <a:stretch>
+              <a:fillRect/>
+            </a:stretch>
+          </p:blipFill>
+          <p:spPr>
+            <a:xfrm>
+              <a:off x="0" y="0"/>
+              <a:ext cx="12103128" cy="9383646"/>
+            </a:xfrm>
+            <a:prstGeom prst="rect">
+              <a:avLst/>
+            </a:prstGeom>
+            <a:ln w="12700" cap="flat">
+              <a:noFill/>
+              <a:miter lim="400000"/>
+            </a:ln>
+            <a:effectLst/>
+          </p:spPr>
+        </p:pic>
+        <p:sp>
+          <p:nvSpPr>
+            <p:cNvPr id="656" name="Hann-windowed…"/>
+            <p:cNvSpPr txBox="1"/>
+            <p:nvPr/>
+          </p:nvSpPr>
+          <p:spPr>
+            <a:xfrm>
+              <a:off x="835507" y="3650102"/>
+              <a:ext cx="3083815" cy="1945133"/>
+            </a:xfrm>
+            <a:prstGeom prst="rect">
+              <a:avLst/>
+            </a:prstGeom>
+            <a:noFill/>
+            <a:ln w="12700" cap="flat">
+              <a:noFill/>
+              <a:miter lim="400000"/>
+            </a:ln>
+            <a:effectLst/>
+            <a:extLst>
+              <a:ext uri="{C572A759-6A51-4108-AA02-DFA0A04FC94B}">
+                <ma14:wrappingTextBoxFlag xmlns="" xmlns:m="http://schemas.openxmlformats.org/officeDocument/2006/math" xmlns:a14="http://schemas.microsoft.com/office/drawing/2010/main" xmlns:ma14="http://schemas.microsoft.com/office/mac/drawingml/2011/main" val="1"/>
+              </a:ext>
+            </a:extLst>
+          </p:spPr>
+          <p:txBody>
+            <a:bodyPr wrap="none" lIns="50800" tIns="50800" rIns="50800" bIns="50800" numCol="1" anchor="ctr">
+              <a:spAutoFit/>
+            </a:bodyPr>
+            <a:lstStyle/>
+            <a:p>
+              <a:pPr algn="l">
+                <a:defRPr>
+                  <a:solidFill>
+                    <a:schemeClr val="accent1">
+                      <a:lumOff val="-13575"/>
+                    </a:schemeClr>
+                  </a:solidFill>
+                </a:defRPr>
+              </a:pPr>
+              <a:r>
+                <a:t>Hann-windowed</a:t>
+              </a:r>
+            </a:p>
+            <a:p>
+              <a:pPr algn="l">
+                <a:defRPr>
+                  <a:solidFill>
+                    <a:schemeClr val="accent1">
+                      <a:lumOff val="-13575"/>
+                    </a:schemeClr>
+                  </a:solidFill>
+                </a:defRPr>
+              </a:pPr>
+              <a:r>
+                <a:t>spectrum</a:t>
+              </a:r>
+            </a:p>
+            <a:p>
+              <a:pPr algn="l">
+                <a:defRPr b="0"/>
+              </a:pPr>
+              <a:r>
+                <a:t>(frequency </a:t>
+              </a:r>
+              <a:br/>
+              <a:r>
+                <a:t> smearing)</a:t>
+              </a:r>
+            </a:p>
+          </p:txBody>
+        </p:sp>
+      </p:grpSp>
+      <p:sp>
+        <p:nvSpPr>
+          <p:cNvPr id="658" name="Windowing lets us isolate a particular time segment of our signal…"/>
+          <p:cNvSpPr txBox="1">
+            <a:spLocks noGrp="1"/>
+          </p:cNvSpPr>
+          <p:nvPr>
+            <p:ph type="body" idx="1"/>
+          </p:nvPr>
+        </p:nvSpPr>
+        <p:spPr>
+          <a:prstGeom prst="rect">
+            <a:avLst/>
+          </a:prstGeom>
+        </p:spPr>
+        <p:txBody>
+          <a:bodyPr anchor="t">
+            <a:normAutofit lnSpcReduction="10000"/>
+          </a:bodyPr>
+          <a:lstStyle/>
+          <a:p>
+            <a:pPr marL="477519" indent="-477519" defTabSz="775969">
+              <a:spcBef>
+                <a:spcPts val="900"/>
+              </a:spcBef>
+              <a:defRPr sz="4888"/>
+            </a:pPr>
+            <a:r>
+              <a:rPr dirty="0">
+                <a:solidFill>
+                  <a:srgbClr val="3D46A6"/>
+                </a:solidFill>
+              </a:rPr>
+              <a:t>Windowing</a:t>
+            </a:r>
+            <a:r>
+              <a:rPr dirty="0"/>
+              <a:t> lets us isolate segment of signal</a:t>
+            </a:r>
+          </a:p>
+          <a:p>
+            <a:pPr marL="477519" indent="-477519" defTabSz="775969">
+              <a:spcBef>
+                <a:spcPts val="900"/>
+              </a:spcBef>
+              <a:defRPr sz="4888"/>
+            </a:pPr>
+            <a:r>
+              <a:rPr lang="en-GB" dirty="0"/>
+              <a:t>C</a:t>
+            </a:r>
+            <a:r>
+              <a:rPr dirty="0" err="1"/>
+              <a:t>ost</a:t>
+            </a:r>
+            <a:r>
+              <a:rPr dirty="0"/>
+              <a:t> is </a:t>
+            </a:r>
+            <a:r>
+              <a:rPr dirty="0">
+                <a:solidFill>
+                  <a:srgbClr val="3D46A6"/>
+                </a:solidFill>
+              </a:rPr>
+              <a:t>smearing</a:t>
+            </a:r>
+            <a:r>
+              <a:rPr dirty="0"/>
+              <a:t> of energy in</a:t>
+            </a:r>
+            <a:br>
+              <a:rPr dirty="0"/>
+            </a:br>
+            <a:r>
+              <a:rPr dirty="0"/>
+              <a:t>frequency domain</a:t>
+            </a:r>
+          </a:p>
+          <a:p>
+            <a:pPr marL="1119187" lvl="1" indent="-522287" defTabSz="775969">
+              <a:spcBef>
+                <a:spcPts val="900"/>
+              </a:spcBef>
+              <a:defRPr sz="4136"/>
+            </a:pPr>
+            <a:r>
+              <a:rPr dirty="0"/>
+              <a:t>Energy appears at frequencies where it</a:t>
+            </a:r>
+            <a:br>
+              <a:rPr dirty="0"/>
+            </a:br>
+            <a:r>
+              <a:rPr dirty="0"/>
+              <a:t>doesn’t exist in original signal</a:t>
+            </a:r>
+          </a:p>
+          <a:p>
+            <a:pPr marL="477519" indent="-477519" defTabSz="775969">
+              <a:spcBef>
+                <a:spcPts val="900"/>
+              </a:spcBef>
+              <a:defRPr sz="4888"/>
+            </a:pPr>
+            <a:r>
+              <a:rPr dirty="0"/>
+              <a:t>Each </a:t>
+            </a:r>
+            <a:r>
+              <a:rPr dirty="0">
+                <a:solidFill>
+                  <a:srgbClr val="3D46A6"/>
+                </a:solidFill>
+              </a:rPr>
+              <a:t>frequency component </a:t>
+            </a:r>
+            <a:r>
+              <a:rPr dirty="0"/>
+              <a:t>of</a:t>
+            </a:r>
+            <a:br>
+              <a:rPr dirty="0"/>
+            </a:br>
+            <a:r>
+              <a:rPr dirty="0"/>
+              <a:t>signal appears as series of </a:t>
+            </a:r>
+            <a:r>
+              <a:rPr dirty="0">
+                <a:solidFill>
+                  <a:srgbClr val="3D46A6"/>
+                </a:solidFill>
+              </a:rPr>
+              <a:t>lobes</a:t>
+            </a:r>
+          </a:p>
+          <a:p>
+            <a:pPr marL="1119187" lvl="1" indent="-522287" defTabSz="775969">
+              <a:spcBef>
+                <a:spcPts val="900"/>
+              </a:spcBef>
+              <a:defRPr sz="4136"/>
+            </a:pPr>
+            <a:r>
+              <a:rPr dirty="0">
+                <a:solidFill>
+                  <a:srgbClr val="3D46A6"/>
+                </a:solidFill>
+              </a:rPr>
+              <a:t>Main lobe:</a:t>
+            </a:r>
+            <a:r>
+              <a:rPr dirty="0"/>
+              <a:t> broad peak </a:t>
+            </a:r>
+            <a:r>
+              <a:rPr dirty="0" err="1"/>
+              <a:t>centred</a:t>
+            </a:r>
+            <a:r>
+              <a:rPr dirty="0"/>
+              <a:t> around </a:t>
+            </a:r>
+            <a:br>
+              <a:rPr dirty="0"/>
+            </a:br>
+            <a:r>
+              <a:rPr dirty="0"/>
+              <a:t>actual frequency </a:t>
+            </a:r>
+          </a:p>
+          <a:p>
+            <a:pPr marL="1119187" lvl="1" indent="-522287" defTabSz="775969">
+              <a:spcBef>
+                <a:spcPts val="900"/>
+              </a:spcBef>
+              <a:defRPr sz="4136"/>
+            </a:pPr>
+            <a:r>
+              <a:rPr dirty="0">
+                <a:solidFill>
+                  <a:srgbClr val="3D46A6"/>
+                </a:solidFill>
+              </a:rPr>
+              <a:t>Side lobes:</a:t>
+            </a:r>
+            <a:r>
+              <a:rPr dirty="0"/>
+              <a:t> secondary peaks at other</a:t>
+            </a:r>
+            <a:br>
+              <a:rPr dirty="0"/>
+            </a:br>
+            <a:r>
+              <a:rPr dirty="0"/>
+              <a:t>frequencies</a:t>
+            </a:r>
+          </a:p>
+          <a:p>
+            <a:pPr marL="477519" indent="-477519" defTabSz="775969">
+              <a:spcBef>
+                <a:spcPts val="900"/>
+              </a:spcBef>
+              <a:defRPr sz="4888"/>
+            </a:pPr>
+            <a:r>
+              <a:rPr lang="en-GB" dirty="0"/>
+              <a:t>T</a:t>
+            </a:r>
+            <a:r>
+              <a:rPr dirty="0" err="1"/>
+              <a:t>ypically</a:t>
+            </a:r>
+            <a:r>
+              <a:rPr dirty="0"/>
+              <a:t> want to </a:t>
+            </a:r>
+            <a:r>
+              <a:rPr dirty="0" err="1">
+                <a:solidFill>
+                  <a:srgbClr val="3D46A6"/>
+                </a:solidFill>
+              </a:rPr>
+              <a:t>minimise</a:t>
+            </a:r>
+            <a:r>
+              <a:rPr dirty="0"/>
+              <a:t>:</a:t>
+            </a:r>
+          </a:p>
+          <a:p>
+            <a:pPr marL="1119187" lvl="1" indent="-522287" defTabSz="775969">
+              <a:spcBef>
+                <a:spcPts val="900"/>
+              </a:spcBef>
+              <a:defRPr sz="4136">
+                <a:solidFill>
+                  <a:srgbClr val="3D46A6"/>
+                </a:solidFill>
+              </a:defRPr>
+            </a:pPr>
+            <a:r>
+              <a:rPr dirty="0"/>
+              <a:t>Main lobe width</a:t>
+            </a:r>
+          </a:p>
+          <a:p>
+            <a:pPr marL="1119187" lvl="1" indent="-522287" defTabSz="775969">
+              <a:spcBef>
+                <a:spcPts val="900"/>
+              </a:spcBef>
+              <a:defRPr sz="4136">
+                <a:solidFill>
+                  <a:srgbClr val="3D46A6"/>
+                </a:solidFill>
+              </a:defRPr>
+            </a:pPr>
+            <a:r>
+              <a:rPr dirty="0"/>
+              <a:t>Side lobe height</a:t>
+            </a:r>
+          </a:p>
+        </p:txBody>
+      </p:sp>
+      <p:sp>
+        <p:nvSpPr>
+          <p:cNvPr id="659" name="Effects of windowing"/>
+          <p:cNvSpPr txBox="1">
+            <a:spLocks noGrp="1"/>
+          </p:cNvSpPr>
+          <p:nvPr>
+            <p:ph type="title"/>
+          </p:nvPr>
+        </p:nvSpPr>
+        <p:spPr>
+          <a:prstGeom prst="rect">
+            <a:avLst/>
+          </a:prstGeom>
+        </p:spPr>
+        <p:txBody>
+          <a:bodyPr/>
+          <a:lstStyle/>
+          <a:p>
+            <a:r>
+              <a:rPr lang="en-GB" dirty="0"/>
+              <a:t>Window spectra</a:t>
+            </a:r>
+            <a:endParaRPr dirty="0"/>
+          </a:p>
+        </p:txBody>
+      </p:sp>
+      <p:grpSp>
+        <p:nvGrpSpPr>
+          <p:cNvPr id="663" name="Group"/>
+          <p:cNvGrpSpPr/>
+          <p:nvPr/>
+        </p:nvGrpSpPr>
+        <p:grpSpPr>
+          <a:xfrm>
+            <a:off x="12718675" y="3139420"/>
+            <a:ext cx="11254725" cy="8809622"/>
+            <a:chOff x="0" y="0"/>
+            <a:chExt cx="11254723" cy="8809621"/>
+          </a:xfrm>
+        </p:grpSpPr>
+        <p:sp>
+          <p:nvSpPr>
+            <p:cNvPr id="660" name="Line"/>
+            <p:cNvSpPr/>
+            <p:nvPr/>
+          </p:nvSpPr>
+          <p:spPr>
+            <a:xfrm flipV="1">
+              <a:off x="5682488" y="405538"/>
+              <a:ext cx="1" cy="8404084"/>
+            </a:xfrm>
+            <a:prstGeom prst="line">
+              <a:avLst/>
+            </a:prstGeom>
+            <a:noFill/>
+            <a:ln w="76200" cap="flat">
+              <a:solidFill>
+                <a:schemeClr val="accent3">
+                  <a:hueOff val="362282"/>
+                  <a:satOff val="31803"/>
+                  <a:lumOff val="-18242"/>
+                </a:schemeClr>
+              </a:solidFill>
+              <a:prstDash val="solid"/>
+              <a:miter lim="400000"/>
+            </a:ln>
+            <a:effectLst/>
+          </p:spPr>
+          <p:txBody>
+            <a:bodyPr wrap="square" lIns="0" tIns="0" rIns="0" bIns="0" numCol="1" anchor="ctr">
+              <a:noAutofit/>
+            </a:bodyPr>
+            <a:lstStyle/>
+            <a:p>
+              <a:pPr>
+                <a:defRPr sz="3200" b="0">
+                  <a:solidFill>
+                    <a:srgbClr val="FFFFFF"/>
+                  </a:solidFill>
+                  <a:latin typeface="+mn-lt"/>
+                  <a:ea typeface="+mn-ea"/>
+                  <a:cs typeface="+mn-cs"/>
+                  <a:sym typeface="Helvetica Neue Medium"/>
+                </a:defRPr>
+              </a:pPr>
+              <a:endParaRPr/>
+            </a:p>
+          </p:txBody>
+        </p:sp>
+        <p:sp>
+          <p:nvSpPr>
+            <p:cNvPr id="661" name="Rectangle"/>
+            <p:cNvSpPr/>
+            <p:nvPr/>
+          </p:nvSpPr>
+          <p:spPr>
+            <a:xfrm>
+              <a:off x="0" y="0"/>
+              <a:ext cx="11254724" cy="8785169"/>
+            </a:xfrm>
+            <a:prstGeom prst="rect">
+              <a:avLst/>
+            </a:prstGeom>
+            <a:noFill/>
+            <a:ln w="25400" cap="flat">
+              <a:solidFill>
+                <a:srgbClr val="000000"/>
+              </a:solidFill>
+              <a:prstDash val="solid"/>
+              <a:miter lim="400000"/>
+            </a:ln>
+            <a:effectLst/>
+          </p:spPr>
+          <p:txBody>
+            <a:bodyPr wrap="square" lIns="0" tIns="0" rIns="0" bIns="0" numCol="1" anchor="ctr">
+              <a:noAutofit/>
+            </a:bodyPr>
+            <a:lstStyle/>
+            <a:p>
+              <a:pPr>
+                <a:defRPr sz="3200" b="0">
+                  <a:solidFill>
+                    <a:srgbClr val="FFFFFF"/>
+                  </a:solidFill>
+                  <a:latin typeface="+mn-lt"/>
+                  <a:ea typeface="+mn-ea"/>
+                  <a:cs typeface="+mn-cs"/>
+                  <a:sym typeface="Helvetica Neue Medium"/>
+                </a:defRPr>
+              </a:pPr>
+              <a:endParaRPr/>
+            </a:p>
+          </p:txBody>
+        </p:sp>
+        <p:sp>
+          <p:nvSpPr>
+            <p:cNvPr id="662" name="Circle"/>
+            <p:cNvSpPr/>
+            <p:nvPr/>
+          </p:nvSpPr>
+          <p:spPr>
+            <a:xfrm>
+              <a:off x="5547459" y="287218"/>
+              <a:ext cx="270059" cy="270060"/>
+            </a:xfrm>
+            <a:prstGeom prst="ellipse">
+              <a:avLst/>
+            </a:prstGeom>
+            <a:solidFill>
+              <a:schemeClr val="accent3">
+                <a:hueOff val="362282"/>
+                <a:satOff val="31803"/>
+                <a:lumOff val="-18242"/>
+              </a:schemeClr>
+            </a:solidFill>
+            <a:ln w="12700" cap="flat">
+              <a:noFill/>
+              <a:miter lim="400000"/>
+            </a:ln>
+            <a:effectLst/>
+          </p:spPr>
+          <p:txBody>
+            <a:bodyPr wrap="square" lIns="0" tIns="0" rIns="0" bIns="0" numCol="1" anchor="ctr">
+              <a:noAutofit/>
+            </a:bodyPr>
+            <a:lstStyle/>
+            <a:p>
+              <a:pPr>
+                <a:defRPr sz="3200" b="0">
+                  <a:solidFill>
+                    <a:srgbClr val="FFFFFF"/>
+                  </a:solidFill>
+                  <a:latin typeface="+mn-lt"/>
+                  <a:ea typeface="+mn-ea"/>
+                  <a:cs typeface="+mn-cs"/>
+                  <a:sym typeface="Helvetica Neue Medium"/>
+                </a:defRPr>
+              </a:pPr>
+              <a:endParaRPr/>
+            </a:p>
+          </p:txBody>
+        </p:sp>
+      </p:grpSp>
+      <p:sp>
+        <p:nvSpPr>
+          <p:cNvPr id="664" name="ideal signal…"/>
+          <p:cNvSpPr txBox="1"/>
+          <p:nvPr/>
+        </p:nvSpPr>
+        <p:spPr>
+          <a:xfrm>
+            <a:off x="18521632" y="10413676"/>
+            <a:ext cx="3010663" cy="1475233"/>
+          </a:xfrm>
+          <a:prstGeom prst="rect">
+            <a:avLst/>
+          </a:prstGeom>
+          <a:ln w="12700">
+            <a:miter lim="400000"/>
+          </a:ln>
+          <a:extLst>
+            <a:ext uri="{C572A759-6A51-4108-AA02-DFA0A04FC94B}">
+              <ma14:wrappingTextBoxFlag xmlns="" xmlns:m="http://schemas.openxmlformats.org/officeDocument/2006/math" xmlns:a14="http://schemas.microsoft.com/office/drawing/2010/main" xmlns:ma14="http://schemas.microsoft.com/office/mac/drawingml/2011/main" val="1"/>
+            </a:ext>
+          </a:extLst>
+        </p:spPr>
+        <p:txBody>
+          <a:bodyPr wrap="none" lIns="50800" tIns="50800" rIns="50800" bIns="50800" anchor="ctr">
+            <a:spAutoFit/>
+          </a:bodyPr>
+          <a:lstStyle/>
+          <a:p>
+            <a:pPr algn="l">
+              <a:defRPr>
+                <a:solidFill>
+                  <a:schemeClr val="accent3">
+                    <a:hueOff val="362282"/>
+                    <a:satOff val="31803"/>
+                    <a:lumOff val="-18242"/>
+                  </a:schemeClr>
+                </a:solidFill>
+              </a:defRPr>
+            </a:pPr>
+            <a:r>
+              <a:t>ideal signal</a:t>
+            </a:r>
+          </a:p>
+          <a:p>
+            <a:pPr algn="l">
+              <a:defRPr b="0"/>
+            </a:pPr>
+            <a:r>
+              <a:t>(all energy at one</a:t>
+            </a:r>
+          </a:p>
+          <a:p>
+            <a:pPr algn="l">
+              <a:defRPr b="0"/>
+            </a:pPr>
+            <a:r>
+              <a:t> frequency)</a:t>
+            </a:r>
+          </a:p>
+        </p:txBody>
+      </p:sp>
+      <p:grpSp>
+        <p:nvGrpSpPr>
+          <p:cNvPr id="667" name="Group"/>
+          <p:cNvGrpSpPr/>
+          <p:nvPr/>
+        </p:nvGrpSpPr>
+        <p:grpSpPr>
+          <a:xfrm>
+            <a:off x="14719538" y="4769267"/>
+            <a:ext cx="4446542" cy="1462533"/>
+            <a:chOff x="0" y="0"/>
+            <a:chExt cx="4446540" cy="1462532"/>
+          </a:xfrm>
+        </p:grpSpPr>
+        <p:sp>
+          <p:nvSpPr>
+            <p:cNvPr id="665" name="Line"/>
+            <p:cNvSpPr/>
+            <p:nvPr/>
+          </p:nvSpPr>
+          <p:spPr>
+            <a:xfrm>
+              <a:off x="2909741" y="731266"/>
+              <a:ext cx="1536800" cy="1"/>
+            </a:xfrm>
+            <a:prstGeom prst="line">
+              <a:avLst/>
+            </a:prstGeom>
+            <a:noFill/>
+            <a:ln w="88900" cap="flat">
+              <a:solidFill>
+                <a:srgbClr val="FF2600"/>
+              </a:solidFill>
+              <a:prstDash val="solid"/>
+              <a:miter lim="400000"/>
+              <a:headEnd type="triangle" w="med" len="sm"/>
+              <a:tailEnd type="triangle" w="med" len="sm"/>
+            </a:ln>
+            <a:effectLst/>
+          </p:spPr>
+          <p:txBody>
+            <a:bodyPr wrap="square" lIns="0" tIns="0" rIns="0" bIns="0" numCol="1" anchor="ctr">
+              <a:noAutofit/>
+            </a:bodyPr>
+            <a:lstStyle/>
+            <a:p>
+              <a:pPr>
+                <a:defRPr sz="3200" b="0">
+                  <a:solidFill>
+                    <a:srgbClr val="FFFFFF"/>
+                  </a:solidFill>
+                  <a:latin typeface="+mn-lt"/>
+                  <a:ea typeface="+mn-ea"/>
+                  <a:cs typeface="+mn-cs"/>
+                  <a:sym typeface="Helvetica Neue Medium"/>
+                </a:defRPr>
+              </a:pPr>
+              <a:endParaRPr/>
+            </a:p>
+          </p:txBody>
+        </p:sp>
+        <p:sp>
+          <p:nvSpPr>
+            <p:cNvPr id="666" name="Main lobe width…"/>
+            <p:cNvSpPr txBox="1"/>
+            <p:nvPr/>
+          </p:nvSpPr>
+          <p:spPr>
+            <a:xfrm>
+              <a:off x="0" y="0"/>
+              <a:ext cx="2823972" cy="1462533"/>
+            </a:xfrm>
+            <a:prstGeom prst="rect">
+              <a:avLst/>
+            </a:prstGeom>
+            <a:noFill/>
+            <a:ln w="12700" cap="flat">
+              <a:noFill/>
+              <a:miter lim="400000"/>
+            </a:ln>
+            <a:effectLst/>
+            <a:extLst>
+              <a:ext uri="{C572A759-6A51-4108-AA02-DFA0A04FC94B}">
+                <ma14:wrappingTextBoxFlag xmlns="" xmlns:m="http://schemas.openxmlformats.org/officeDocument/2006/math" xmlns:a14="http://schemas.microsoft.com/office/drawing/2010/main" xmlns:ma14="http://schemas.microsoft.com/office/mac/drawingml/2011/main" val="1"/>
+              </a:ext>
+            </a:extLst>
+          </p:spPr>
+          <p:txBody>
+            <a:bodyPr wrap="none" lIns="50800" tIns="50800" rIns="50800" bIns="50800" numCol="1" anchor="ctr">
+              <a:spAutoFit/>
+            </a:bodyPr>
+            <a:lstStyle/>
+            <a:p>
+              <a:pPr algn="l">
+                <a:defRPr b="0">
+                  <a:solidFill>
+                    <a:srgbClr val="FF2600"/>
+                  </a:solidFill>
+                </a:defRPr>
+              </a:pPr>
+              <a:r>
+                <a:t>Main lobe width</a:t>
+              </a:r>
+            </a:p>
+            <a:p>
+              <a:pPr algn="l">
+                <a:defRPr b="0"/>
+              </a:pPr>
+              <a:r>
+                <a:t>(expressed in</a:t>
+              </a:r>
+            </a:p>
+            <a:p>
+              <a:pPr algn="l">
+                <a:defRPr b="0"/>
+              </a:pPr>
+              <a:r>
+                <a:t> frequency)</a:t>
+              </a:r>
+            </a:p>
+          </p:txBody>
+        </p:sp>
+      </p:grpSp>
+      <p:grpSp>
+        <p:nvGrpSpPr>
+          <p:cNvPr id="670" name="Group"/>
+          <p:cNvGrpSpPr/>
+          <p:nvPr/>
+        </p:nvGrpSpPr>
+        <p:grpSpPr>
+          <a:xfrm>
+            <a:off x="19250629" y="3437123"/>
+            <a:ext cx="3197259" cy="2461151"/>
+            <a:chOff x="0" y="0"/>
+            <a:chExt cx="3197257" cy="2461150"/>
+          </a:xfrm>
+        </p:grpSpPr>
+        <p:sp>
+          <p:nvSpPr>
+            <p:cNvPr id="668" name="Line"/>
+            <p:cNvSpPr/>
+            <p:nvPr/>
+          </p:nvSpPr>
+          <p:spPr>
+            <a:xfrm flipH="1">
+              <a:off x="-1" y="0"/>
+              <a:ext cx="2" cy="2461151"/>
+            </a:xfrm>
+            <a:prstGeom prst="line">
+              <a:avLst/>
+            </a:prstGeom>
+            <a:noFill/>
+            <a:ln w="88900" cap="flat">
+              <a:solidFill>
+                <a:schemeClr val="accent4">
+                  <a:hueOff val="-1081314"/>
+                  <a:satOff val="4338"/>
+                  <a:lumOff val="-8931"/>
+                </a:schemeClr>
+              </a:solidFill>
+              <a:prstDash val="solid"/>
+              <a:miter lim="400000"/>
+              <a:headEnd type="triangle" w="med" len="sm"/>
+              <a:tailEnd type="triangle" w="med" len="sm"/>
+            </a:ln>
+            <a:effectLst/>
+          </p:spPr>
+          <p:txBody>
+            <a:bodyPr wrap="square" lIns="0" tIns="0" rIns="0" bIns="0" numCol="1" anchor="ctr">
+              <a:noAutofit/>
+            </a:bodyPr>
+            <a:lstStyle/>
+            <a:p>
+              <a:pPr>
+                <a:defRPr sz="3200" b="0">
+                  <a:solidFill>
+                    <a:srgbClr val="FFFFFF"/>
+                  </a:solidFill>
+                  <a:latin typeface="+mn-lt"/>
+                  <a:ea typeface="+mn-ea"/>
+                  <a:cs typeface="+mn-cs"/>
+                  <a:sym typeface="Helvetica Neue Medium"/>
+                </a:defRPr>
+              </a:pPr>
+              <a:endParaRPr/>
+            </a:p>
+          </p:txBody>
+        </p:sp>
+        <p:sp>
+          <p:nvSpPr>
+            <p:cNvPr id="669" name="Side lobe height…"/>
+            <p:cNvSpPr txBox="1"/>
+            <p:nvPr/>
+          </p:nvSpPr>
+          <p:spPr>
+            <a:xfrm>
+              <a:off x="126397" y="785958"/>
+              <a:ext cx="3070861" cy="1005333"/>
+            </a:xfrm>
+            <a:prstGeom prst="rect">
+              <a:avLst/>
+            </a:prstGeom>
+            <a:noFill/>
+            <a:ln w="12700" cap="flat">
+              <a:noFill/>
+              <a:miter lim="400000"/>
+            </a:ln>
+            <a:effectLst/>
+            <a:extLst>
+              <a:ext uri="{C572A759-6A51-4108-AA02-DFA0A04FC94B}">
+                <ma14:wrappingTextBoxFlag xmlns="" xmlns:m="http://schemas.openxmlformats.org/officeDocument/2006/math" xmlns:a14="http://schemas.microsoft.com/office/drawing/2010/main" xmlns:ma14="http://schemas.microsoft.com/office/mac/drawingml/2011/main" val="1"/>
+              </a:ext>
+            </a:extLst>
+          </p:spPr>
+          <p:txBody>
+            <a:bodyPr wrap="none" lIns="50800" tIns="50800" rIns="50800" bIns="50800" numCol="1" anchor="ctr">
+              <a:spAutoFit/>
+            </a:bodyPr>
+            <a:lstStyle/>
+            <a:p>
+              <a:pPr algn="l">
+                <a:defRPr b="0">
+                  <a:solidFill>
+                    <a:schemeClr val="accent4">
+                      <a:hueOff val="-1081314"/>
+                      <a:satOff val="4338"/>
+                      <a:lumOff val="-8931"/>
+                    </a:schemeClr>
+                  </a:solidFill>
+                </a:defRPr>
+              </a:pPr>
+              <a:r>
+                <a:t>Side lobe height</a:t>
+              </a:r>
+            </a:p>
+            <a:p>
+              <a:pPr algn="l">
+                <a:defRPr b="0"/>
+              </a:pPr>
+              <a:r>
+                <a:t>(expressed in dB)</a:t>
+              </a:r>
+            </a:p>
+          </p:txBody>
+        </p:sp>
+      </p:grpSp>
+    </p:spTree>
+  </p:cSld>
+  <p:clrMapOvr>
+    <a:masterClrMapping/>
+  </p:clrMapOvr>
+  <p:transition spd="med"/>
+  <p:timing>
+    <p:tnLst>
+      <p:par>
+        <p:cTn id="1" dur="indefinite" restart="never" fill="hold" nodeType="tmRoot">
+          <p:childTnLst>
+            <p:seq concurrent="1" prevAc="none" nextAc="seek">
+              <p:cTn id="2" dur="indefinite" fill="hold" nodeType="mainSeq">
+                <p:childTnLst>
+                  <p:par>
+                    <p:cTn id="3" fill="hold">
+                      <p:stCondLst>
+                        <p:cond delay="indefinite"/>
+                        <p:cond evt="onBegin" delay="0">
+                          <p:tn val="2"/>
+                        </p:cond>
+                      </p:stCondLst>
+                      <p:childTnLst>
+                        <p:par>
+                          <p:cTn id="4" fill="hold">
+                            <p:stCondLst>
+                              <p:cond delay="0"/>
+                            </p:stCondLst>
+                            <p:childTnLst>
+                              <p:par>
+                                <p:cTn id="5" presetID="1" presetClass="entr" presetSubtype="0" fill="hold" grpId="0" nodeType="afterEffect">
+                                  <p:stCondLst>
+                                    <p:cond delay="0"/>
+                                  </p:stCondLst>
+                                  <p:iterate>
+                                    <p:tmAbs val="0"/>
+                                  </p:iterate>
+                                  <p:childTnLst>
+                                    <p:set>
+                                      <p:cBhvr>
+                                        <p:cTn id="6" fill="hold"/>
+                                        <p:tgtEl>
+                                          <p:spTgt spid="658">
+                                            <p:bg/>
+                                          </p:spTgt>
+                                        </p:tgtEl>
+                                        <p:attrNameLst>
+                                          <p:attrName>style.visibility</p:attrName>
+                                        </p:attrNameLst>
+                                      </p:cBhvr>
+                                      <p:to>
+                                        <p:strVal val="visible"/>
+                                      </p:to>
+                                    </p:set>
+                                  </p:childTnLst>
+                                </p:cTn>
+                              </p:par>
+                              <p:par>
+                                <p:cTn id="7" presetID="1" presetClass="entr" presetSubtype="0" fill="hold" grpId="0" nodeType="withEffect">
+                                  <p:stCondLst>
+                                    <p:cond delay="0"/>
+                                  </p:stCondLst>
+                                  <p:iterate>
+                                    <p:tmAbs val="0"/>
+                                  </p:iterate>
+                                  <p:childTnLst>
+                                    <p:set>
+                                      <p:cBhvr>
+                                        <p:cTn id="8" fill="hold"/>
+                                        <p:tgtEl>
+                                          <p:spTgt spid="658">
+                                            <p:txEl>
+                                              <p:pRg st="0" end="0"/>
+                                            </p:txEl>
+                                          </p:spTgt>
+                                        </p:tgtEl>
+                                        <p:attrNameLst>
+                                          <p:attrName>style.visibility</p:attrName>
+                                        </p:attrNameLst>
+                                      </p:cBhvr>
+                                      <p:to>
+                                        <p:strVal val="visible"/>
+                                      </p:to>
+                                    </p:set>
+                                  </p:childTnLst>
+                                </p:cTn>
+                              </p:par>
+                            </p:childTnLst>
+                          </p:cTn>
+                        </p:par>
+                        <p:par>
+                          <p:cTn id="9" fill="hold">
+                            <p:stCondLst>
+                              <p:cond delay="0"/>
+                            </p:stCondLst>
+                            <p:childTnLst>
+                              <p:par>
+                                <p:cTn id="10" presetID="1" presetClass="entr" presetSubtype="0" fill="hold" grpId="0" nodeType="afterEffect">
+                                  <p:stCondLst>
+                                    <p:cond delay="0"/>
+                                  </p:stCondLst>
+                                  <p:iterate>
+                                    <p:tmAbs val="0"/>
+                                  </p:iterate>
+                                  <p:childTnLst>
+                                    <p:set>
+                                      <p:cBhvr>
+                                        <p:cTn id="11" fill="hold"/>
+                                        <p:tgtEl>
+                                          <p:spTgt spid="658">
+                                            <p:txEl>
+                                              <p:pRg st="1" end="1"/>
+                                            </p:txEl>
+                                          </p:spTgt>
+                                        </p:tgtEl>
+                                        <p:attrNameLst>
+                                          <p:attrName>style.visibility</p:attrName>
+                                        </p:attrNameLst>
+                                      </p:cBhvr>
+                                      <p:to>
+                                        <p:strVal val="visible"/>
+                                      </p:to>
+                                    </p:set>
+                                  </p:childTnLst>
+                                </p:cTn>
+                              </p:par>
+                            </p:childTnLst>
+                          </p:cTn>
+                        </p:par>
+                        <p:par>
+                          <p:cTn id="12" fill="hold">
+                            <p:stCondLst>
+                              <p:cond delay="0"/>
+                            </p:stCondLst>
+                            <p:childTnLst>
+                              <p:par>
+                                <p:cTn id="13" presetID="1" presetClass="entr" presetSubtype="0" fill="hold" grpId="0" nodeType="afterEffect">
+                                  <p:stCondLst>
+                                    <p:cond delay="0"/>
+                                  </p:stCondLst>
+                                  <p:iterate>
+                                    <p:tmAbs val="0"/>
+                                  </p:iterate>
+                                  <p:childTnLst>
+                                    <p:set>
+                                      <p:cBhvr>
+                                        <p:cTn id="14" fill="hold"/>
+                                        <p:tgtEl>
+                                          <p:spTgt spid="658">
+                                            <p:txEl>
+                                              <p:pRg st="2" end="2"/>
+                                            </p:txEl>
+                                          </p:spTgt>
+                                        </p:tgtEl>
+                                        <p:attrNameLst>
+                                          <p:attrName>style.visibility</p:attrName>
+                                        </p:attrNameLst>
+                                      </p:cBhvr>
+                                      <p:to>
+                                        <p:strVal val="visible"/>
+                                      </p:to>
+                                    </p:set>
+                                  </p:childTnLst>
+                                </p:cTn>
+                              </p:par>
+                            </p:childTnLst>
+                          </p:cTn>
+                        </p:par>
+                      </p:childTnLst>
+                    </p:cTn>
+                  </p:par>
+                  <p:par>
+                    <p:cTn id="15" fill="hold">
+                      <p:stCondLst>
+                        <p:cond delay="indefinite"/>
+                      </p:stCondLst>
+                      <p:childTnLst>
+                        <p:par>
+                          <p:cTn id="16" fill="hold">
+                            <p:stCondLst>
+                              <p:cond delay="0"/>
+                            </p:stCondLst>
+                            <p:childTnLst>
+                              <p:par>
+                                <p:cTn id="17" presetID="22" presetClass="entr" presetSubtype="8" fill="hold" grpId="0" nodeType="clickEffect">
+                                  <p:stCondLst>
+                                    <p:cond delay="0"/>
+                                  </p:stCondLst>
+                                  <p:iterate>
+                                    <p:tmAbs val="0"/>
+                                  </p:iterate>
+                                  <p:childTnLst>
+                                    <p:set>
+                                      <p:cBhvr>
+                                        <p:cTn id="18" fill="hold"/>
+                                        <p:tgtEl>
+                                          <p:spTgt spid="657"/>
+                                        </p:tgtEl>
+                                        <p:attrNameLst>
+                                          <p:attrName>style.visibility</p:attrName>
+                                        </p:attrNameLst>
+                                      </p:cBhvr>
+                                      <p:to>
+                                        <p:strVal val="visible"/>
+                                      </p:to>
+                                    </p:set>
+                                    <p:animEffect transition="in" filter="wipe(left)">
+                                      <p:cBhvr>
+                                        <p:cTn id="19" dur="2000"/>
+                                        <p:tgtEl>
+                                          <p:spTgt spid="657"/>
+                                        </p:tgtEl>
+                                      </p:cBhvr>
+                                    </p:animEffect>
+                                  </p:childTnLst>
+                                </p:cTn>
+                              </p:par>
+                            </p:childTnLst>
+                          </p:cTn>
+                        </p:par>
+                      </p:childTnLst>
+                    </p:cTn>
+                  </p:par>
+                  <p:par>
+                    <p:cTn id="20" fill="hold">
+                      <p:stCondLst>
+                        <p:cond delay="indefinite"/>
+                      </p:stCondLst>
+                      <p:childTnLst>
+                        <p:par>
+                          <p:cTn id="21" fill="hold">
+                            <p:stCondLst>
+                              <p:cond delay="0"/>
+                            </p:stCondLst>
+                            <p:childTnLst>
+                              <p:par>
+                                <p:cTn id="22" presetID="1" presetClass="entr" presetSubtype="0" fill="hold" grpId="0" nodeType="clickEffect">
+                                  <p:stCondLst>
+                                    <p:cond delay="0"/>
+                                  </p:stCondLst>
+                                  <p:iterate>
+                                    <p:tmAbs val="0"/>
+                                  </p:iterate>
+                                  <p:childTnLst>
+                                    <p:set>
+                                      <p:cBhvr>
+                                        <p:cTn id="23" fill="hold"/>
+                                        <p:tgtEl>
+                                          <p:spTgt spid="658">
+                                            <p:txEl>
+                                              <p:pRg st="3" end="3"/>
+                                            </p:txEl>
+                                          </p:spTgt>
+                                        </p:tgtEl>
+                                        <p:attrNameLst>
+                                          <p:attrName>style.visibility</p:attrName>
+                                        </p:attrNameLst>
+                                      </p:cBhvr>
+                                      <p:to>
+                                        <p:strVal val="visible"/>
+                                      </p:to>
+                                    </p:set>
+                                  </p:childTnLst>
+                                </p:cTn>
+                              </p:par>
+                            </p:childTnLst>
+                          </p:cTn>
+                        </p:par>
+                      </p:childTnLst>
+                    </p:cTn>
+                  </p:par>
+                  <p:par>
+                    <p:cTn id="24" fill="hold">
+                      <p:stCondLst>
+                        <p:cond delay="indefinite"/>
+                      </p:stCondLst>
+                      <p:childTnLst>
+                        <p:par>
+                          <p:cTn id="25" fill="hold">
+                            <p:stCondLst>
+                              <p:cond delay="0"/>
+                            </p:stCondLst>
+                            <p:childTnLst>
+                              <p:par>
+                                <p:cTn id="26" presetID="1" presetClass="entr" presetSubtype="0" fill="hold" grpId="0" nodeType="clickEffect">
+                                  <p:stCondLst>
+                                    <p:cond delay="0"/>
+                                  </p:stCondLst>
+                                  <p:iterate>
+                                    <p:tmAbs val="0"/>
+                                  </p:iterate>
+                                  <p:childTnLst>
+                                    <p:set>
+                                      <p:cBhvr>
+                                        <p:cTn id="27" fill="hold"/>
+                                        <p:tgtEl>
+                                          <p:spTgt spid="658">
+                                            <p:txEl>
+                                              <p:pRg st="4" end="4"/>
+                                            </p:txEl>
+                                          </p:spTgt>
+                                        </p:tgtEl>
+                                        <p:attrNameLst>
+                                          <p:attrName>style.visibility</p:attrName>
+                                        </p:attrNameLst>
+                                      </p:cBhvr>
+                                      <p:to>
+                                        <p:strVal val="visible"/>
+                                      </p:to>
+                                    </p:set>
+                                  </p:childTnLst>
+                                </p:cTn>
+                              </p:par>
+                            </p:childTnLst>
+                          </p:cTn>
+                        </p:par>
+                      </p:childTnLst>
+                    </p:cTn>
+                  </p:par>
+                  <p:par>
+                    <p:cTn id="28" fill="hold">
+                      <p:stCondLst>
+                        <p:cond delay="indefinite"/>
+                      </p:stCondLst>
+                      <p:childTnLst>
+                        <p:par>
+                          <p:cTn id="29" fill="hold">
+                            <p:stCondLst>
+                              <p:cond delay="0"/>
+                            </p:stCondLst>
+                            <p:childTnLst>
+                              <p:par>
+                                <p:cTn id="30" presetID="1" presetClass="entr" presetSubtype="0" fill="hold" grpId="0" nodeType="clickEffect">
+                                  <p:stCondLst>
+                                    <p:cond delay="0"/>
+                                  </p:stCondLst>
+                                  <p:iterate>
+                                    <p:tmAbs val="0"/>
+                                  </p:iterate>
+                                  <p:childTnLst>
+                                    <p:set>
+                                      <p:cBhvr>
+                                        <p:cTn id="31" fill="hold"/>
+                                        <p:tgtEl>
+                                          <p:spTgt spid="658">
+                                            <p:txEl>
+                                              <p:pRg st="5" end="5"/>
+                                            </p:txEl>
+                                          </p:spTgt>
+                                        </p:tgtEl>
+                                        <p:attrNameLst>
+                                          <p:attrName>style.visibility</p:attrName>
+                                        </p:attrNameLst>
+                                      </p:cBhvr>
+                                      <p:to>
+                                        <p:strVal val="visible"/>
+                                      </p:to>
+                                    </p:set>
+                                  </p:childTnLst>
+                                </p:cTn>
+                              </p:par>
+                            </p:childTnLst>
+                          </p:cTn>
+                        </p:par>
+                      </p:childTnLst>
+                    </p:cTn>
+                  </p:par>
+                  <p:par>
+                    <p:cTn id="32" fill="hold">
+                      <p:stCondLst>
+                        <p:cond delay="indefinite"/>
+                      </p:stCondLst>
+                      <p:childTnLst>
+                        <p:par>
+                          <p:cTn id="33" fill="hold">
+                            <p:stCondLst>
+                              <p:cond delay="0"/>
+                            </p:stCondLst>
+                            <p:childTnLst>
+                              <p:par>
+                                <p:cTn id="34" presetID="1" presetClass="entr" presetSubtype="0" fill="hold" grpId="0" nodeType="clickEffect">
+                                  <p:stCondLst>
+                                    <p:cond delay="0"/>
+                                  </p:stCondLst>
+                                  <p:iterate>
+                                    <p:tmAbs val="0"/>
+                                  </p:iterate>
+                                  <p:childTnLst>
+                                    <p:set>
+                                      <p:cBhvr>
+                                        <p:cTn id="35" fill="hold"/>
+                                        <p:tgtEl>
+                                          <p:spTgt spid="658">
+                                            <p:txEl>
+                                              <p:pRg st="6" end="6"/>
+                                            </p:txEl>
+                                          </p:spTgt>
+                                        </p:tgtEl>
+                                        <p:attrNameLst>
+                                          <p:attrName>style.visibility</p:attrName>
+                                        </p:attrNameLst>
+                                      </p:cBhvr>
+                                      <p:to>
+                                        <p:strVal val="visible"/>
+                                      </p:to>
+                                    </p:set>
+                                  </p:childTnLst>
+                                </p:cTn>
+                              </p:par>
+                            </p:childTnLst>
+                          </p:cTn>
+                        </p:par>
+                      </p:childTnLst>
+                    </p:cTn>
+                  </p:par>
+                  <p:par>
+                    <p:cTn id="36" fill="hold">
+                      <p:stCondLst>
+                        <p:cond delay="indefinite"/>
+                      </p:stCondLst>
+                      <p:childTnLst>
+                        <p:par>
+                          <p:cTn id="37" fill="hold">
+                            <p:stCondLst>
+                              <p:cond delay="0"/>
+                            </p:stCondLst>
+                            <p:childTnLst>
+                              <p:par>
+                                <p:cTn id="38" presetID="1" presetClass="entr" presetSubtype="0" fill="hold" grpId="0" nodeType="clickEffect">
+                                  <p:stCondLst>
+                                    <p:cond delay="0"/>
+                                  </p:stCondLst>
+                                  <p:iterate>
+                                    <p:tmAbs val="0"/>
+                                  </p:iterate>
+                                  <p:childTnLst>
+                                    <p:set>
+                                      <p:cBhvr>
+                                        <p:cTn id="39" fill="hold"/>
+                                        <p:tgtEl>
+                                          <p:spTgt spid="658">
+                                            <p:txEl>
+                                              <p:pRg st="7" end="7"/>
+                                            </p:txEl>
+                                          </p:spTgt>
+                                        </p:tgtEl>
+                                        <p:attrNameLst>
+                                          <p:attrName>style.visibility</p:attrName>
+                                        </p:attrNameLst>
+                                      </p:cBhvr>
+                                      <p:to>
+                                        <p:strVal val="visible"/>
+                                      </p:to>
+                                    </p:set>
+                                  </p:childTnLst>
+                                </p:cTn>
+                              </p:par>
+                            </p:childTnLst>
+                          </p:cTn>
+                        </p:par>
+                        <p:par>
+                          <p:cTn id="40" fill="hold">
+                            <p:stCondLst>
+                              <p:cond delay="0"/>
+                            </p:stCondLst>
+                            <p:childTnLst>
+                              <p:par>
+                                <p:cTn id="41" presetID="22" presetClass="entr" presetSubtype="8" fill="hold" grpId="0" nodeType="afterEffect">
+                                  <p:stCondLst>
+                                    <p:cond delay="0"/>
+                                  </p:stCondLst>
+                                  <p:iterate>
+                                    <p:tmAbs val="0"/>
+                                  </p:iterate>
+                                  <p:childTnLst>
+                                    <p:set>
+                                      <p:cBhvr>
+                                        <p:cTn id="42" fill="hold"/>
+                                        <p:tgtEl>
+                                          <p:spTgt spid="667"/>
+                                        </p:tgtEl>
+                                        <p:attrNameLst>
+                                          <p:attrName>style.visibility</p:attrName>
+                                        </p:attrNameLst>
+                                      </p:cBhvr>
+                                      <p:to>
+                                        <p:strVal val="visible"/>
+                                      </p:to>
+                                    </p:set>
+                                    <p:animEffect transition="in" filter="wipe(left)">
+                                      <p:cBhvr>
+                                        <p:cTn id="43" dur="500"/>
+                                        <p:tgtEl>
+                                          <p:spTgt spid="667"/>
+                                        </p:tgtEl>
+                                      </p:cBhvr>
+                                    </p:animEffect>
+                                  </p:childTnLst>
+                                </p:cTn>
+                              </p:par>
+                            </p:childTnLst>
+                          </p:cTn>
+                        </p:par>
+                      </p:childTnLst>
+                    </p:cTn>
+                  </p:par>
+                  <p:par>
+                    <p:cTn id="44" fill="hold">
+                      <p:stCondLst>
+                        <p:cond delay="indefinite"/>
+                      </p:stCondLst>
+                      <p:childTnLst>
+                        <p:par>
+                          <p:cTn id="45" fill="hold">
+                            <p:stCondLst>
+                              <p:cond delay="0"/>
+                            </p:stCondLst>
+                            <p:childTnLst>
+                              <p:par>
+                                <p:cTn id="46" presetID="1" presetClass="entr" presetSubtype="0" fill="hold" grpId="0" nodeType="clickEffect">
+                                  <p:stCondLst>
+                                    <p:cond delay="0"/>
+                                  </p:stCondLst>
+                                  <p:iterate>
+                                    <p:tmAbs val="0"/>
+                                  </p:iterate>
+                                  <p:childTnLst>
+                                    <p:set>
+                                      <p:cBhvr>
+                                        <p:cTn id="47" fill="hold"/>
+                                        <p:tgtEl>
+                                          <p:spTgt spid="658">
+                                            <p:txEl>
+                                              <p:pRg st="8" end="8"/>
+                                            </p:txEl>
+                                          </p:spTgt>
+                                        </p:tgtEl>
+                                        <p:attrNameLst>
+                                          <p:attrName>style.visibility</p:attrName>
+                                        </p:attrNameLst>
+                                      </p:cBhvr>
+                                      <p:to>
+                                        <p:strVal val="visible"/>
+                                      </p:to>
+                                    </p:set>
+                                  </p:childTnLst>
+                                </p:cTn>
+                              </p:par>
+                            </p:childTnLst>
+                          </p:cTn>
+                        </p:par>
+                        <p:par>
+                          <p:cTn id="48" fill="hold">
+                            <p:stCondLst>
+                              <p:cond delay="0"/>
+                            </p:stCondLst>
+                            <p:childTnLst>
+                              <p:par>
+                                <p:cTn id="49" presetID="22" presetClass="entr" presetSubtype="1" fill="hold" grpId="0" nodeType="afterEffect">
+                                  <p:stCondLst>
+                                    <p:cond delay="0"/>
+                                  </p:stCondLst>
+                                  <p:iterate>
+                                    <p:tmAbs val="0"/>
+                                  </p:iterate>
+                                  <p:childTnLst>
+                                    <p:set>
+                                      <p:cBhvr>
+                                        <p:cTn id="50" fill="hold"/>
+                                        <p:tgtEl>
+                                          <p:spTgt spid="670"/>
+                                        </p:tgtEl>
+                                        <p:attrNameLst>
+                                          <p:attrName>style.visibility</p:attrName>
+                                        </p:attrNameLst>
+                                      </p:cBhvr>
+                                      <p:to>
+                                        <p:strVal val="visible"/>
+                                      </p:to>
+                                    </p:set>
+                                    <p:animEffect transition="in" filter="wipe(up)">
+                                      <p:cBhvr>
+                                        <p:cTn id="51" dur="500"/>
+                                        <p:tgtEl>
+                                          <p:spTgt spid="670"/>
+                                        </p:tgtEl>
+                                      </p:cBhvr>
+                                    </p:animEffect>
+                                  </p:childTnLst>
+                                </p:cTn>
+                              </p:par>
+                            </p:childTnLst>
+                          </p:cTn>
+                        </p:par>
+                      </p:childTnLst>
+                    </p:cTn>
+                  </p:par>
+                </p:childTnLst>
+              </p:cTn>
+              <p:prevCondLst>
+                <p:cond evt="onPrev" delay="0">
+                  <p:tgtEl>
+                    <p:sldTgt/>
+                  </p:tgtEl>
+                </p:cond>
+              </p:prevCondLst>
+              <p:nextCondLst>
+                <p:cond evt="onNext" delay="0">
+                  <p:tgtEl>
+                    <p:sldTgt/>
+                  </p:tgtEl>
+                </p:cond>
+              </p:nextCondLst>
+            </p:seq>
+          </p:childTnLst>
+        </p:cTn>
+      </p:par>
+    </p:tnLst>
+    <p:bldLst>
+      <p:bldP spid="657" grpId="0" animBg="1" advAuto="0"/>
+      <p:bldP spid="658" grpId="0" build="p" bldLvl="5" animBg="1" advAuto="0"/>
+      <p:bldP spid="667" grpId="0" animBg="1" advAuto="0"/>
+      <p:bldP spid="670" grpId="0" animBg="1" advAuto="0"/>
+    </p:bldLst>
+  </p:timing>
+</p:sld>
+</file>
+
+<file path=ppt/slides/slide11.xml><?xml version="1.0" encoding="utf-8"?>
+<p:sld xmlns:a="http://schemas.openxmlformats.org/drawingml/2006/main" xmlns:r="http://schemas.openxmlformats.org/officeDocument/2006/relationships" xmlns:p="http://schemas.openxmlformats.org/presentationml/2006/main">
+  <p:cSld>
+    <p:spTree>
+      <p:nvGrpSpPr>
+        <p:cNvPr id="1" name=""/>
+        <p:cNvGrpSpPr/>
+        <p:nvPr/>
+      </p:nvGrpSpPr>
+      <p:grpSpPr>
+        <a:xfrm>
+          <a:off x="0" y="0"/>
+          <a:ext cx="0" cy="0"/>
+          <a:chOff x="0" y="0"/>
+          <a:chExt cx="0" cy="0"/>
+        </a:xfrm>
+      </p:grpSpPr>
+      <p:pic>
+        <p:nvPicPr>
+          <p:cNvPr id="673" name="hamming.png" descr="hamming.png"/>
+          <p:cNvPicPr>
+            <a:picLocks noChangeAspect="1"/>
+          </p:cNvPicPr>
+          <p:nvPr/>
+        </p:nvPicPr>
+        <p:blipFill>
+          <a:blip r:embed="rId2"/>
+          <a:stretch>
+            <a:fillRect/>
+          </a:stretch>
+        </p:blipFill>
+        <p:spPr>
+          <a:xfrm>
+            <a:off x="12238899" y="8702281"/>
+            <a:ext cx="11626079" cy="3111501"/>
+          </a:xfrm>
+          <a:prstGeom prst="rect">
+            <a:avLst/>
+          </a:prstGeom>
+          <a:ln w="12700">
+            <a:miter lim="400000"/>
+          </a:ln>
+        </p:spPr>
+      </p:pic>
+      <p:pic>
+        <p:nvPicPr>
+          <p:cNvPr id="674" name="hann.png" descr="hann.png"/>
+          <p:cNvPicPr>
+            <a:picLocks noChangeAspect="1"/>
+          </p:cNvPicPr>
+          <p:nvPr/>
+        </p:nvPicPr>
+        <p:blipFill>
+          <a:blip r:embed="rId3"/>
+          <a:stretch>
+            <a:fillRect/>
+          </a:stretch>
+        </p:blipFill>
+        <p:spPr>
+          <a:xfrm>
+            <a:off x="-25848" y="8745660"/>
+            <a:ext cx="11605621" cy="3106026"/>
+          </a:xfrm>
+          <a:prstGeom prst="rect">
+            <a:avLst/>
+          </a:prstGeom>
+          <a:ln w="12700">
+            <a:miter lim="400000"/>
+          </a:ln>
+        </p:spPr>
+      </p:pic>
+      <p:pic>
+        <p:nvPicPr>
+          <p:cNvPr id="675" name="bartlett.png" descr="bartlett.png"/>
+          <p:cNvPicPr>
+            <a:picLocks noChangeAspect="1"/>
+          </p:cNvPicPr>
+          <p:nvPr/>
+        </p:nvPicPr>
+        <p:blipFill>
+          <a:blip r:embed="rId4"/>
+          <a:stretch>
+            <a:fillRect/>
+          </a:stretch>
+        </p:blipFill>
+        <p:spPr>
+          <a:xfrm>
+            <a:off x="12238899" y="3613480"/>
+            <a:ext cx="11626079" cy="3111501"/>
+          </a:xfrm>
+          <a:prstGeom prst="rect">
+            <a:avLst/>
+          </a:prstGeom>
+          <a:ln w="12700">
+            <a:miter lim="400000"/>
+          </a:ln>
+        </p:spPr>
+      </p:pic>
+      <p:sp>
+        <p:nvSpPr>
+          <p:cNvPr id="676" name="Main lobe width: 8π/N…"/>
+          <p:cNvSpPr txBox="1"/>
+          <p:nvPr/>
+        </p:nvSpPr>
+        <p:spPr>
+          <a:xfrm>
+            <a:off x="13786744" y="2427420"/>
+            <a:ext cx="5911089" cy="1306577"/>
+          </a:xfrm>
+          <a:prstGeom prst="rect">
+            <a:avLst/>
+          </a:prstGeom>
+          <a:ln w="12700">
+            <a:miter lim="400000"/>
+          </a:ln>
+          <a:extLst>
+            <a:ext uri="{C572A759-6A51-4108-AA02-DFA0A04FC94B}">
+              <ma14:wrappingTextBoxFlag xmlns:ma14="http://schemas.microsoft.com/office/mac/drawingml/2011/main" xmlns:a14="http://schemas.microsoft.com/office/drawing/2010/main" xmlns:m="http://schemas.openxmlformats.org/officeDocument/2006/math" xmlns="" val="1"/>
+            </a:ext>
+          </a:extLst>
+        </p:spPr>
+        <p:txBody>
+          <a:bodyPr wrap="none" lIns="50800" tIns="50800" rIns="50800" bIns="50800" anchor="ctr">
+            <a:spAutoFit/>
+          </a:bodyPr>
+          <a:lstStyle/>
+          <a:p>
+            <a:pPr algn="l">
+              <a:defRPr sz="4000" b="0"/>
+            </a:pPr>
+            <a:r>
+              <a:t>Main lobe width: 8π/N</a:t>
+            </a:r>
+          </a:p>
+          <a:p>
+            <a:pPr algn="l">
+              <a:defRPr sz="4000" b="0"/>
+            </a:pPr>
+            <a:r>
+              <a:t>Side lobe height: -26.5dB</a:t>
+            </a:r>
+          </a:p>
+        </p:txBody>
+      </p:sp>
+      <p:sp>
+        <p:nvSpPr>
+          <p:cNvPr id="677" name="Window spectra"/>
+          <p:cNvSpPr txBox="1">
+            <a:spLocks noGrp="1"/>
+          </p:cNvSpPr>
+          <p:nvPr>
+            <p:ph type="title"/>
+          </p:nvPr>
+        </p:nvSpPr>
+        <p:spPr>
+          <a:prstGeom prst="rect">
+            <a:avLst/>
+          </a:prstGeom>
+        </p:spPr>
+        <p:txBody>
+          <a:bodyPr/>
+          <a:lstStyle/>
+          <a:p>
+            <a:r>
+              <a:t>Window spectra</a:t>
+            </a:r>
+          </a:p>
+        </p:txBody>
+      </p:sp>
+      <p:sp>
+        <p:nvSpPr>
+          <p:cNvPr id="678" name="Rectangular"/>
+          <p:cNvSpPr txBox="1"/>
+          <p:nvPr/>
+        </p:nvSpPr>
+        <p:spPr>
+          <a:xfrm>
+            <a:off x="4259402" y="1670809"/>
+            <a:ext cx="3673196" cy="870510"/>
+          </a:xfrm>
+          <a:prstGeom prst="rect">
+            <a:avLst/>
+          </a:prstGeom>
+          <a:ln w="12700">
+            <a:miter lim="400000"/>
+          </a:ln>
+          <a:extLst>
+            <a:ext uri="{C572A759-6A51-4108-AA02-DFA0A04FC94B}">
+              <ma14:wrappingTextBoxFlag xmlns:ma14="http://schemas.microsoft.com/office/mac/drawingml/2011/main" xmlns:a14="http://schemas.microsoft.com/office/drawing/2010/main" xmlns:m="http://schemas.openxmlformats.org/officeDocument/2006/math" xmlns="" val="1"/>
+            </a:ext>
+          </a:extLst>
+        </p:spPr>
+        <p:txBody>
+          <a:bodyPr wrap="none" lIns="50800" tIns="50800" rIns="50800" bIns="50800" anchor="ctr">
+            <a:spAutoFit/>
+          </a:bodyPr>
+          <a:lstStyle>
+            <a:lvl1pPr>
+              <a:defRPr sz="5200" b="0">
+                <a:solidFill>
+                  <a:srgbClr val="9B1200"/>
+                </a:solidFill>
+              </a:defRPr>
+            </a:lvl1pPr>
+          </a:lstStyle>
+          <a:p>
+            <a:r>
+              <a:t>Rectangular</a:t>
+            </a:r>
+          </a:p>
+        </p:txBody>
+      </p:sp>
+      <p:sp>
+        <p:nvSpPr>
+          <p:cNvPr id="679" name="Triangular (Bartlett)"/>
+          <p:cNvSpPr txBox="1"/>
+          <p:nvPr/>
+        </p:nvSpPr>
+        <p:spPr>
+          <a:xfrm>
+            <a:off x="15503435" y="1670809"/>
+            <a:ext cx="5666284" cy="870510"/>
+          </a:xfrm>
+          <a:prstGeom prst="rect">
+            <a:avLst/>
+          </a:prstGeom>
+          <a:ln w="12700">
+            <a:miter lim="400000"/>
+          </a:ln>
+          <a:extLst>
+            <a:ext uri="{C572A759-6A51-4108-AA02-DFA0A04FC94B}">
+              <ma14:wrappingTextBoxFlag xmlns:ma14="http://schemas.microsoft.com/office/mac/drawingml/2011/main" xmlns:a14="http://schemas.microsoft.com/office/drawing/2010/main" xmlns:m="http://schemas.openxmlformats.org/officeDocument/2006/math" xmlns="" val="1"/>
+            </a:ext>
+          </a:extLst>
+        </p:spPr>
+        <p:txBody>
+          <a:bodyPr wrap="none" lIns="50800" tIns="50800" rIns="50800" bIns="50800" anchor="ctr">
+            <a:spAutoFit/>
+          </a:bodyPr>
+          <a:lstStyle>
+            <a:lvl1pPr>
+              <a:defRPr sz="5200" b="0">
+                <a:solidFill>
+                  <a:srgbClr val="9B1200"/>
+                </a:solidFill>
+              </a:defRPr>
+            </a:lvl1pPr>
+          </a:lstStyle>
+          <a:p>
+            <a:r>
+              <a:t>Triangular (Bartlett)</a:t>
+            </a:r>
+          </a:p>
+        </p:txBody>
+      </p:sp>
+      <p:sp>
+        <p:nvSpPr>
+          <p:cNvPr id="680" name="Hann"/>
+          <p:cNvSpPr txBox="1"/>
+          <p:nvPr/>
+        </p:nvSpPr>
+        <p:spPr>
+          <a:xfrm>
+            <a:off x="5255945" y="6644617"/>
+            <a:ext cx="1680110" cy="870510"/>
+          </a:xfrm>
+          <a:prstGeom prst="rect">
+            <a:avLst/>
+          </a:prstGeom>
+          <a:ln w="12700">
+            <a:miter lim="400000"/>
+          </a:ln>
+          <a:extLst>
+            <a:ext uri="{C572A759-6A51-4108-AA02-DFA0A04FC94B}">
+              <ma14:wrappingTextBoxFlag xmlns:ma14="http://schemas.microsoft.com/office/mac/drawingml/2011/main" xmlns:a14="http://schemas.microsoft.com/office/drawing/2010/main" xmlns:m="http://schemas.openxmlformats.org/officeDocument/2006/math" xmlns="" val="1"/>
+            </a:ext>
+          </a:extLst>
+        </p:spPr>
+        <p:txBody>
+          <a:bodyPr wrap="none" lIns="50800" tIns="50800" rIns="50800" bIns="50800" anchor="ctr">
+            <a:spAutoFit/>
+          </a:bodyPr>
+          <a:lstStyle>
+            <a:lvl1pPr>
+              <a:defRPr sz="5200" b="0">
+                <a:solidFill>
+                  <a:srgbClr val="9B1200"/>
+                </a:solidFill>
+              </a:defRPr>
+            </a:lvl1pPr>
+          </a:lstStyle>
+          <a:p>
+            <a:r>
+              <a:t>Hann</a:t>
+            </a:r>
+          </a:p>
+        </p:txBody>
+      </p:sp>
+      <p:sp>
+        <p:nvSpPr>
+          <p:cNvPr id="681" name="Hamming"/>
+          <p:cNvSpPr txBox="1"/>
+          <p:nvPr/>
+        </p:nvSpPr>
+        <p:spPr>
+          <a:xfrm>
+            <a:off x="16853953" y="6644617"/>
+            <a:ext cx="2965248" cy="870510"/>
+          </a:xfrm>
+          <a:prstGeom prst="rect">
+            <a:avLst/>
+          </a:prstGeom>
+          <a:ln w="12700">
+            <a:miter lim="400000"/>
+          </a:ln>
+          <a:extLst>
+            <a:ext uri="{C572A759-6A51-4108-AA02-DFA0A04FC94B}">
+              <ma14:wrappingTextBoxFlag xmlns:ma14="http://schemas.microsoft.com/office/mac/drawingml/2011/main" xmlns:a14="http://schemas.microsoft.com/office/drawing/2010/main" xmlns:m="http://schemas.openxmlformats.org/officeDocument/2006/math" xmlns="" val="1"/>
+            </a:ext>
+          </a:extLst>
+        </p:spPr>
+        <p:txBody>
+          <a:bodyPr wrap="none" lIns="50800" tIns="50800" rIns="50800" bIns="50800" anchor="ctr">
+            <a:spAutoFit/>
+          </a:bodyPr>
+          <a:lstStyle>
+            <a:lvl1pPr>
+              <a:defRPr sz="5200" b="0">
+                <a:solidFill>
+                  <a:srgbClr val="9B1200"/>
+                </a:solidFill>
+              </a:defRPr>
+            </a:lvl1pPr>
+          </a:lstStyle>
+          <a:p>
+            <a:r>
+              <a:t>Hamming</a:t>
+            </a:r>
+          </a:p>
+        </p:txBody>
+      </p:sp>
+      <p:pic>
+        <p:nvPicPr>
+          <p:cNvPr id="682" name="rectangular.png" descr="rectangular.png"/>
+          <p:cNvPicPr>
+            <a:picLocks noChangeAspect="1"/>
+          </p:cNvPicPr>
+          <p:nvPr/>
+        </p:nvPicPr>
+        <p:blipFill>
+          <a:blip r:embed="rId5"/>
+          <a:stretch>
+            <a:fillRect/>
+          </a:stretch>
+        </p:blipFill>
+        <p:spPr>
+          <a:xfrm>
+            <a:off x="11363" y="3609159"/>
+            <a:ext cx="11626079" cy="3111501"/>
+          </a:xfrm>
+          <a:prstGeom prst="rect">
+            <a:avLst/>
+          </a:prstGeom>
+          <a:ln w="12700">
+            <a:miter lim="400000"/>
+          </a:ln>
+        </p:spPr>
+      </p:pic>
+      <p:sp>
+        <p:nvSpPr>
+          <p:cNvPr id="683" name="Main lobe width: 4π/N…"/>
+          <p:cNvSpPr txBox="1"/>
+          <p:nvPr/>
+        </p:nvSpPr>
+        <p:spPr>
+          <a:xfrm>
+            <a:off x="1562624" y="2423099"/>
+            <a:ext cx="5487417" cy="1306577"/>
+          </a:xfrm>
+          <a:prstGeom prst="rect">
+            <a:avLst/>
+          </a:prstGeom>
+          <a:ln w="12700">
+            <a:miter lim="400000"/>
+          </a:ln>
+          <a:extLst>
+            <a:ext uri="{C572A759-6A51-4108-AA02-DFA0A04FC94B}">
+              <ma14:wrappingTextBoxFlag xmlns:ma14="http://schemas.microsoft.com/office/mac/drawingml/2011/main" xmlns:a14="http://schemas.microsoft.com/office/drawing/2010/main" xmlns:m="http://schemas.openxmlformats.org/officeDocument/2006/math" xmlns="" val="1"/>
+            </a:ext>
+          </a:extLst>
+        </p:spPr>
+        <p:txBody>
+          <a:bodyPr wrap="none" lIns="50800" tIns="50800" rIns="50800" bIns="50800" anchor="ctr">
+            <a:spAutoFit/>
+          </a:bodyPr>
+          <a:lstStyle/>
+          <a:p>
+            <a:pPr algn="l">
+              <a:defRPr sz="4000" b="0"/>
+            </a:pPr>
+            <a:r>
+              <a:t>Main lobe width: 4π/N</a:t>
+            </a:r>
+          </a:p>
+          <a:p>
+            <a:pPr algn="l">
+              <a:defRPr sz="4000" b="0"/>
+            </a:pPr>
+            <a:r>
+              <a:t>Side lobe height: -13dB</a:t>
+            </a:r>
+          </a:p>
+        </p:txBody>
+      </p:sp>
+      <p:sp>
+        <p:nvSpPr>
+          <p:cNvPr id="684" name="Main lobe width: 8π/N…"/>
+          <p:cNvSpPr txBox="1"/>
+          <p:nvPr/>
+        </p:nvSpPr>
+        <p:spPr>
+          <a:xfrm>
+            <a:off x="1555705" y="7517657"/>
+            <a:ext cx="5911089" cy="1306577"/>
+          </a:xfrm>
+          <a:prstGeom prst="rect">
+            <a:avLst/>
+          </a:prstGeom>
+          <a:ln w="12700">
+            <a:miter lim="400000"/>
+          </a:ln>
+          <a:extLst>
+            <a:ext uri="{C572A759-6A51-4108-AA02-DFA0A04FC94B}">
+              <ma14:wrappingTextBoxFlag xmlns:ma14="http://schemas.microsoft.com/office/mac/drawingml/2011/main" xmlns:a14="http://schemas.microsoft.com/office/drawing/2010/main" xmlns:m="http://schemas.openxmlformats.org/officeDocument/2006/math" xmlns="" val="1"/>
+            </a:ext>
+          </a:extLst>
+        </p:spPr>
+        <p:txBody>
+          <a:bodyPr wrap="none" lIns="50800" tIns="50800" rIns="50800" bIns="50800" anchor="ctr">
+            <a:spAutoFit/>
+          </a:bodyPr>
+          <a:lstStyle/>
+          <a:p>
+            <a:pPr algn="l">
+              <a:defRPr sz="4000" b="0"/>
+            </a:pPr>
+            <a:r>
+              <a:t>Main lobe width: 8π/N</a:t>
+            </a:r>
+          </a:p>
+          <a:p>
+            <a:pPr algn="l">
+              <a:defRPr sz="4000" b="0"/>
+            </a:pPr>
+            <a:r>
+              <a:t>Side lobe height: -31.5dB</a:t>
+            </a:r>
+          </a:p>
+        </p:txBody>
+      </p:sp>
+      <p:sp>
+        <p:nvSpPr>
+          <p:cNvPr id="685" name="Main lobe width: 8π/N…"/>
+          <p:cNvSpPr txBox="1"/>
+          <p:nvPr/>
+        </p:nvSpPr>
+        <p:spPr>
+          <a:xfrm>
+            <a:off x="13786744" y="7439084"/>
+            <a:ext cx="5911089" cy="1306577"/>
+          </a:xfrm>
+          <a:prstGeom prst="rect">
+            <a:avLst/>
+          </a:prstGeom>
+          <a:ln w="12700">
+            <a:miter lim="400000"/>
+          </a:ln>
+          <a:extLst>
+            <a:ext uri="{C572A759-6A51-4108-AA02-DFA0A04FC94B}">
+              <ma14:wrappingTextBoxFlag xmlns:ma14="http://schemas.microsoft.com/office/mac/drawingml/2011/main" xmlns:a14="http://schemas.microsoft.com/office/drawing/2010/main" xmlns:m="http://schemas.openxmlformats.org/officeDocument/2006/math" xmlns="" val="1"/>
+            </a:ext>
+          </a:extLst>
+        </p:spPr>
+        <p:txBody>
+          <a:bodyPr wrap="none" lIns="50800" tIns="50800" rIns="50800" bIns="50800" anchor="ctr">
+            <a:spAutoFit/>
+          </a:bodyPr>
+          <a:lstStyle/>
+          <a:p>
+            <a:pPr algn="l">
+              <a:defRPr sz="4000" b="0"/>
+            </a:pPr>
+            <a:r>
+              <a:t>Main lobe width: 8π/N</a:t>
+            </a:r>
+          </a:p>
+          <a:p>
+            <a:pPr algn="l">
+              <a:defRPr sz="4000" b="0"/>
+            </a:pPr>
+            <a:r>
+              <a:t>Side lobe height: -42.8dB</a:t>
+            </a:r>
+          </a:p>
+        </p:txBody>
+      </p:sp>
+      <p:sp>
+        <p:nvSpPr>
+          <p:cNvPr id="686" name="→ When in doubt: use a Hann window"/>
+          <p:cNvSpPr txBox="1"/>
+          <p:nvPr/>
+        </p:nvSpPr>
+        <p:spPr>
+          <a:xfrm>
+            <a:off x="1493114" y="11618426"/>
+            <a:ext cx="9708897" cy="763152"/>
+          </a:xfrm>
+          <a:prstGeom prst="rect">
+            <a:avLst/>
+          </a:prstGeom>
+          <a:ln w="12700">
+            <a:miter lim="400000"/>
+          </a:ln>
+          <a:extLst>
+            <a:ext uri="{C572A759-6A51-4108-AA02-DFA0A04FC94B}">
+              <ma14:wrappingTextBoxFlag xmlns:ma14="http://schemas.microsoft.com/office/mac/drawingml/2011/main" xmlns:a14="http://schemas.microsoft.com/office/drawing/2010/main" xmlns:m="http://schemas.openxmlformats.org/officeDocument/2006/math" xmlns="" val="1"/>
+            </a:ext>
+          </a:extLst>
+        </p:spPr>
+        <p:txBody>
+          <a:bodyPr wrap="none" lIns="50800" tIns="50800" rIns="50800" bIns="50800" anchor="ctr">
+            <a:spAutoFit/>
+          </a:bodyPr>
+          <a:lstStyle>
+            <a:lvl1pPr algn="l">
+              <a:defRPr sz="4400" b="0">
+                <a:solidFill>
+                  <a:srgbClr val="9B1200"/>
+                </a:solidFill>
+              </a:defRPr>
+            </a:lvl1pPr>
+          </a:lstStyle>
+          <a:p>
+            <a:r>
+              <a:t>→ When in doubt: use a Hann window</a:t>
+            </a:r>
+          </a:p>
+        </p:txBody>
+      </p:sp>
+    </p:spTree>
+  </p:cSld>
+  <p:clrMapOvr>
+    <a:masterClrMapping/>
+  </p:clrMapOvr>
+  <p:transition spd="med"/>
+  <p:timing>
+    <p:tnLst>
+      <p:par>
+        <p:cTn id="1" dur="indefinite" restart="never" fill="hold" nodeType="tmRoot">
+          <p:childTnLst>
+            <p:seq concurrent="1" prevAc="none" nextAc="seek">
+              <p:cTn id="2" dur="indefinite" fill="hold" nodeType="mainSeq">
+                <p:childTnLst>
+                  <p:par>
+                    <p:cTn id="3" fill="hold">
+                      <p:stCondLst>
+                        <p:cond delay="indefinite"/>
+                      </p:stCondLst>
+                      <p:childTnLst>
+                        <p:par>
+                          <p:cTn id="4" fill="hold">
+                            <p:stCondLst>
+                              <p:cond delay="0"/>
+                            </p:stCondLst>
+                            <p:childTnLst>
+                              <p:par>
+                                <p:cTn id="5" presetID="22" presetClass="entr" presetSubtype="8" fill="hold" grpId="0" nodeType="clickEffect">
+                                  <p:stCondLst>
+                                    <p:cond delay="0"/>
+                                  </p:stCondLst>
+                                  <p:iterate>
+                                    <p:tmAbs val="0"/>
+                                  </p:iterate>
+                                  <p:childTnLst>
+                                    <p:set>
+                                      <p:cBhvr>
+                                        <p:cTn id="6" fill="hold"/>
+                                        <p:tgtEl>
+                                          <p:spTgt spid="686"/>
+                                        </p:tgtEl>
+                                        <p:attrNameLst>
+                                          <p:attrName>style.visibility</p:attrName>
+                                        </p:attrNameLst>
+                                      </p:cBhvr>
+                                      <p:to>
+                                        <p:strVal val="visible"/>
+                                      </p:to>
+                                    </p:set>
+                                    <p:animEffect transition="in" filter="wipe(left)">
+                                      <p:cBhvr>
+                                        <p:cTn id="7" dur="1000"/>
+                                        <p:tgtEl>
+                                          <p:spTgt spid="686"/>
+                                        </p:tgtEl>
+                                      </p:cBhvr>
+                                    </p:animEffect>
+                                  </p:childTnLst>
+                                </p:cTn>
+                              </p:par>
+                            </p:childTnLst>
+                          </p:cTn>
+                        </p:par>
+                      </p:childTnLst>
+                    </p:cTn>
+                  </p:par>
+                </p:childTnLst>
+              </p:cTn>
+              <p:prevCondLst>
+                <p:cond evt="onPrev" delay="0">
+                  <p:tgtEl>
+                    <p:sldTgt/>
+                  </p:tgtEl>
+                </p:cond>
+              </p:prevCondLst>
+              <p:nextCondLst>
+                <p:cond evt="onNext" delay="0">
+                  <p:tgtEl>
+                    <p:sldTgt/>
+                  </p:tgtEl>
+                </p:cond>
+              </p:nextCondLst>
+            </p:seq>
+          </p:childTnLst>
+        </p:cTn>
+      </p:par>
+    </p:tnLst>
+    <p:bldLst>
+      <p:bldP spid="686" grpId="0" animBg="1" advAuto="0"/>
+    </p:bldLst>
+  </p:timing>
+</p:sld>
+</file>
+
+<file path=ppt/slides/slide12.xml><?xml version="1.0" encoding="utf-8"?>
+<p:sld xmlns:a="http://schemas.openxmlformats.org/drawingml/2006/main" xmlns:r="http://schemas.openxmlformats.org/officeDocument/2006/relationships" xmlns:p="http://schemas.openxmlformats.org/presentationml/2006/main">
+  <p:cSld>
+    <p:spTree>
+      <p:nvGrpSpPr>
+        <p:cNvPr id="1" name=""/>
+        <p:cNvGrpSpPr/>
+        <p:nvPr/>
+      </p:nvGrpSpPr>
+      <p:grpSpPr>
+        <a:xfrm>
+          <a:off x="0" y="0"/>
+          <a:ext cx="0" cy="0"/>
+          <a:chOff x="0" y="0"/>
+          <a:chExt cx="0" cy="0"/>
+        </a:xfrm>
+      </p:grpSpPr>
+      <p:sp>
+        <p:nvSpPr>
+          <p:cNvPr id="15362" name="Rectangle 1"/>
+          <p:cNvSpPr>
+            <a:spLocks noGrp="1" noChangeArrowheads="1"/>
+          </p:cNvSpPr>
+          <p:nvPr>
+            <p:ph type="title"/>
+          </p:nvPr>
+        </p:nvSpPr>
+        <p:spPr/>
+        <p:txBody>
+          <a:bodyPr/>
+          <a:lstStyle/>
+          <a:p>
+            <a:pPr eaLnBrk="1" hangingPunct="1"/>
+            <a:r>
+              <a:rPr lang="en-US"/>
+              <a:t>Applications</a:t>
+            </a:r>
+          </a:p>
+        </p:txBody>
+      </p:sp>
+      <p:sp>
+        <p:nvSpPr>
+          <p:cNvPr id="15363" name="Rectangle 2"/>
+          <p:cNvSpPr>
+            <a:spLocks noGrp="1" noChangeArrowheads="1"/>
+          </p:cNvSpPr>
+          <p:nvPr>
+            <p:ph type="body" idx="1"/>
+          </p:nvPr>
+        </p:nvSpPr>
+        <p:spPr/>
+        <p:txBody>
+          <a:bodyPr anchor="t"/>
+          <a:lstStyle/>
+          <a:p>
+            <a:pPr marL="892938" eaLnBrk="1" hangingPunct="1"/>
+            <a:r>
+              <a:rPr lang="en-US" dirty="0"/>
+              <a:t>Many possibilities between DFT and IDFT</a:t>
+            </a:r>
+          </a:p>
+          <a:p>
+            <a:pPr marL="1607286" lvl="1" eaLnBrk="1" hangingPunct="1"/>
+            <a:r>
+              <a:rPr lang="en-US" dirty="0"/>
+              <a:t>Efficient FIR </a:t>
+            </a:r>
+            <a:r>
+              <a:rPr lang="en-US" dirty="0">
+                <a:solidFill>
+                  <a:srgbClr val="0000FF"/>
+                </a:solidFill>
+              </a:rPr>
+              <a:t>convolution</a:t>
+            </a:r>
+          </a:p>
+          <a:p>
+            <a:pPr marL="2143048" lvl="2" eaLnBrk="1" hangingPunct="1"/>
+            <a:r>
+              <a:rPr lang="en-US" dirty="0"/>
+              <a:t>FIR filter of length </a:t>
+            </a:r>
+            <a:r>
+              <a:rPr lang="en-US" i="1" dirty="0"/>
+              <a:t>N</a:t>
+            </a:r>
+            <a:r>
+              <a:rPr lang="en-US" dirty="0"/>
+              <a:t> needs </a:t>
+            </a:r>
+            <a:r>
+              <a:rPr lang="en-US" i="1" dirty="0"/>
+              <a:t>N</a:t>
+            </a:r>
+            <a:r>
+              <a:rPr lang="en-US" dirty="0"/>
+              <a:t> </a:t>
+            </a:r>
+            <a:r>
+              <a:rPr lang="en-US" dirty="0">
+                <a:solidFill>
+                  <a:srgbClr val="0000FF"/>
+                </a:solidFill>
+              </a:rPr>
+              <a:t>multiplies per sample</a:t>
+            </a:r>
+          </a:p>
+          <a:p>
+            <a:pPr marL="2143048" lvl="2" eaLnBrk="1" hangingPunct="1"/>
+            <a:r>
+              <a:rPr lang="en-US" dirty="0"/>
+              <a:t>Convolution in time = multiplication in frequency</a:t>
+            </a:r>
+          </a:p>
+          <a:p>
+            <a:pPr marL="2143048" lvl="2" eaLnBrk="1" hangingPunct="1"/>
+            <a:endParaRPr lang="en-US" dirty="0"/>
+          </a:p>
+          <a:p>
+            <a:pPr marL="2143048" lvl="2" eaLnBrk="1" hangingPunct="1"/>
+            <a:endParaRPr lang="en-US" dirty="0"/>
+          </a:p>
+          <a:p>
+            <a:pPr marL="2143048" lvl="2" eaLnBrk="1" hangingPunct="1"/>
+            <a:endParaRPr lang="en-US" dirty="0"/>
+          </a:p>
+          <a:p>
+            <a:pPr marL="2143048" lvl="2" eaLnBrk="1" hangingPunct="1"/>
+            <a:endParaRPr lang="en-US" dirty="0"/>
+          </a:p>
+          <a:p>
+            <a:pPr marL="2143048" lvl="2" eaLnBrk="1" hangingPunct="1"/>
+            <a:endParaRPr lang="en-US" dirty="0"/>
+          </a:p>
+          <a:p>
+            <a:pPr marL="2143048" lvl="2" eaLnBrk="1" hangingPunct="1"/>
+            <a:endParaRPr lang="en-US" dirty="0"/>
+          </a:p>
+          <a:p>
+            <a:pPr marL="2143048" lvl="2" eaLnBrk="1" hangingPunct="1"/>
+            <a:endParaRPr lang="en-US" dirty="0"/>
+          </a:p>
+        </p:txBody>
+      </p:sp>
+      <p:sp>
+        <p:nvSpPr>
+          <p:cNvPr id="15364" name="Rectangle 3"/>
+          <p:cNvSpPr>
+            <a:spLocks/>
+          </p:cNvSpPr>
+          <p:nvPr/>
+        </p:nvSpPr>
+        <p:spPr bwMode="auto">
+          <a:xfrm>
+            <a:off x="9638111" y="5143501"/>
+            <a:ext cx="3232546" cy="1785938"/>
+          </a:xfrm>
+          <a:prstGeom prst="rect">
+            <a:avLst/>
+          </a:prstGeom>
+          <a:solidFill>
+            <a:schemeClr val="accent1"/>
+          </a:solidFill>
+          <a:ln w="25400">
+            <a:solidFill>
+              <a:schemeClr val="tx1"/>
+            </a:solidFill>
+            <a:miter lim="800000"/>
+            <a:headEnd/>
+            <a:tailEnd/>
+          </a:ln>
+        </p:spPr>
+        <p:txBody>
+          <a:bodyPr lIns="0" tIns="0" rIns="0" bIns="0"/>
+          <a:lstStyle/>
+          <a:p>
+            <a:pPr defTabSz="1285830" fontAlgn="base" hangingPunct="1">
+              <a:spcBef>
+                <a:spcPct val="0"/>
+              </a:spcBef>
+              <a:spcAft>
+                <a:spcPct val="0"/>
+              </a:spcAft>
+            </a:pPr>
+            <a:endParaRPr lang="en-US" sz="5906" b="0" kern="1200">
+              <a:latin typeface="Gill Sans" charset="0"/>
+              <a:sym typeface="Gill Sans" charset="0"/>
+            </a:endParaRPr>
+          </a:p>
+        </p:txBody>
+      </p:sp>
+      <p:sp>
+        <p:nvSpPr>
+          <p:cNvPr id="15365" name="Rectangle 4"/>
+          <p:cNvSpPr>
+            <a:spLocks/>
+          </p:cNvSpPr>
+          <p:nvPr/>
+        </p:nvSpPr>
+        <p:spPr bwMode="auto">
+          <a:xfrm>
+            <a:off x="10558104" y="5573120"/>
+            <a:ext cx="1428276" cy="908839"/>
+          </a:xfrm>
+          <a:prstGeom prst="rect">
+            <a:avLst/>
+          </a:prstGeom>
+          <a:noFill/>
+          <a:ln w="12700">
+            <a:noFill/>
+            <a:miter lim="800000"/>
+            <a:headEnd/>
+            <a:tailEnd/>
+          </a:ln>
+        </p:spPr>
+        <p:txBody>
+          <a:bodyPr wrap="none" lIns="0" tIns="0" rIns="0" bIns="0" anchor="ctr">
+            <a:spAutoFit/>
+          </a:bodyPr>
+          <a:lstStyle/>
+          <a:p>
+            <a:pPr defTabSz="1285830" fontAlgn="base" hangingPunct="1">
+              <a:spcBef>
+                <a:spcPct val="0"/>
+              </a:spcBef>
+              <a:spcAft>
+                <a:spcPct val="0"/>
+              </a:spcAft>
+            </a:pPr>
+            <a:r>
+              <a:rPr lang="en-US" sz="5906" b="0" i="1" kern="1200" dirty="0">
+                <a:latin typeface="Arial" charset="0"/>
+                <a:cs typeface="Arial" charset="0"/>
+                <a:sym typeface="Arial" charset="0"/>
+              </a:rPr>
+              <a:t>H</a:t>
+            </a:r>
+            <a:r>
+              <a:rPr lang="en-US" sz="5906" b="0" kern="1200" dirty="0">
+                <a:latin typeface="Arial" charset="0"/>
+                <a:cs typeface="Arial" charset="0"/>
+                <a:sym typeface="Arial" charset="0"/>
+              </a:rPr>
+              <a:t>(</a:t>
+            </a:r>
+            <a:r>
+              <a:rPr lang="en-US" sz="5906" b="0" i="1" kern="1200" dirty="0">
+                <a:latin typeface="Arial" charset="0"/>
+                <a:cs typeface="Arial" charset="0"/>
+                <a:sym typeface="Arial" charset="0"/>
+              </a:rPr>
+              <a:t>z</a:t>
+            </a:r>
+            <a:r>
+              <a:rPr lang="en-US" sz="5906" b="0" kern="1200" dirty="0">
+                <a:latin typeface="Arial" charset="0"/>
+                <a:cs typeface="Arial" charset="0"/>
+                <a:sym typeface="Arial" charset="0"/>
+              </a:rPr>
+              <a:t>)</a:t>
+            </a:r>
+          </a:p>
+        </p:txBody>
+      </p:sp>
+      <p:sp>
+        <p:nvSpPr>
+          <p:cNvPr id="15366" name="Line 5"/>
+          <p:cNvSpPr>
+            <a:spLocks noChangeShapeType="1"/>
+          </p:cNvSpPr>
+          <p:nvPr/>
+        </p:nvSpPr>
+        <p:spPr bwMode="auto">
+          <a:xfrm flipH="1">
+            <a:off x="8155783" y="6036468"/>
+            <a:ext cx="1462238" cy="0"/>
+          </a:xfrm>
+          <a:prstGeom prst="line">
+            <a:avLst/>
+          </a:prstGeom>
+          <a:noFill/>
+          <a:ln w="38100">
+            <a:solidFill>
+              <a:schemeClr val="tx1"/>
+            </a:solidFill>
+            <a:miter lim="800000"/>
+            <a:headEnd type="stealth" w="med" len="med"/>
+            <a:tailEnd/>
+          </a:ln>
+        </p:spPr>
+        <p:txBody>
+          <a:bodyPr lIns="0" tIns="0" rIns="0" bIns="0"/>
+          <a:lstStyle/>
+          <a:p>
+            <a:pPr defTabSz="1285830" fontAlgn="base" hangingPunct="1">
+              <a:spcBef>
+                <a:spcPct val="0"/>
+              </a:spcBef>
+              <a:spcAft>
+                <a:spcPct val="0"/>
+              </a:spcAft>
+            </a:pPr>
+            <a:endParaRPr lang="en-US" sz="5906" b="0" kern="1200">
+              <a:latin typeface="Gill Sans" charset="0"/>
+              <a:sym typeface="Gill Sans" charset="0"/>
+            </a:endParaRPr>
+          </a:p>
+        </p:txBody>
+      </p:sp>
+      <p:sp>
+        <p:nvSpPr>
+          <p:cNvPr id="15367" name="Line 6"/>
+          <p:cNvSpPr>
+            <a:spLocks noChangeShapeType="1"/>
+          </p:cNvSpPr>
+          <p:nvPr/>
+        </p:nvSpPr>
+        <p:spPr bwMode="auto">
+          <a:xfrm flipH="1">
+            <a:off x="12888517" y="6036468"/>
+            <a:ext cx="1462238" cy="0"/>
+          </a:xfrm>
+          <a:prstGeom prst="line">
+            <a:avLst/>
+          </a:prstGeom>
+          <a:noFill/>
+          <a:ln w="38100">
+            <a:solidFill>
+              <a:schemeClr val="tx1"/>
+            </a:solidFill>
+            <a:miter lim="800000"/>
+            <a:headEnd type="stealth" w="med" len="med"/>
+            <a:tailEnd/>
+          </a:ln>
+        </p:spPr>
+        <p:txBody>
+          <a:bodyPr lIns="0" tIns="0" rIns="0" bIns="0"/>
+          <a:lstStyle/>
+          <a:p>
+            <a:pPr defTabSz="1285830" fontAlgn="base" hangingPunct="1">
+              <a:spcBef>
+                <a:spcPct val="0"/>
+              </a:spcBef>
+              <a:spcAft>
+                <a:spcPct val="0"/>
+              </a:spcAft>
+            </a:pPr>
+            <a:endParaRPr lang="en-US" sz="5906" b="0" kern="1200">
+              <a:latin typeface="Gill Sans" charset="0"/>
+              <a:sym typeface="Gill Sans" charset="0"/>
+            </a:endParaRPr>
+          </a:p>
+        </p:txBody>
+      </p:sp>
+      <p:sp>
+        <p:nvSpPr>
+          <p:cNvPr id="15368" name="Rectangle 7"/>
+          <p:cNvSpPr>
+            <a:spLocks/>
+          </p:cNvSpPr>
+          <p:nvPr/>
+        </p:nvSpPr>
+        <p:spPr bwMode="auto">
+          <a:xfrm>
+            <a:off x="6648767" y="5573120"/>
+            <a:ext cx="1386598" cy="908839"/>
+          </a:xfrm>
+          <a:prstGeom prst="rect">
+            <a:avLst/>
+          </a:prstGeom>
+          <a:noFill/>
+          <a:ln w="12700">
+            <a:noFill/>
+            <a:miter lim="800000"/>
+            <a:headEnd/>
+            <a:tailEnd/>
+          </a:ln>
+        </p:spPr>
+        <p:txBody>
+          <a:bodyPr wrap="none" lIns="0" tIns="0" rIns="0" bIns="0" anchor="ctr">
+            <a:spAutoFit/>
+          </a:bodyPr>
+          <a:lstStyle/>
+          <a:p>
+            <a:pPr defTabSz="1285830" fontAlgn="base" hangingPunct="1">
+              <a:spcBef>
+                <a:spcPct val="0"/>
+              </a:spcBef>
+              <a:spcAft>
+                <a:spcPct val="0"/>
+              </a:spcAft>
+            </a:pPr>
+            <a:r>
+              <a:rPr lang="en-US" sz="5906" b="0" i="1" kern="1200" dirty="0">
+                <a:latin typeface="Arial" charset="0"/>
+                <a:cs typeface="Arial" charset="0"/>
+                <a:sym typeface="Arial" charset="0"/>
+              </a:rPr>
+              <a:t>X</a:t>
+            </a:r>
+            <a:r>
+              <a:rPr lang="en-US" sz="5906" b="0" kern="1200" dirty="0">
+                <a:latin typeface="Arial" charset="0"/>
+                <a:cs typeface="Arial" charset="0"/>
+                <a:sym typeface="Arial" charset="0"/>
+              </a:rPr>
+              <a:t>(</a:t>
+            </a:r>
+            <a:r>
+              <a:rPr lang="en-US" sz="5906" b="0" i="1" kern="1200" dirty="0">
+                <a:latin typeface="Arial" charset="0"/>
+                <a:cs typeface="Arial" charset="0"/>
+                <a:sym typeface="Arial" charset="0"/>
+              </a:rPr>
+              <a:t>z</a:t>
+            </a:r>
+            <a:r>
+              <a:rPr lang="en-US" sz="5906" b="0" kern="1200" dirty="0">
+                <a:latin typeface="Arial" charset="0"/>
+                <a:cs typeface="Arial" charset="0"/>
+                <a:sym typeface="Arial" charset="0"/>
+              </a:rPr>
+              <a:t>)</a:t>
+            </a:r>
+          </a:p>
+        </p:txBody>
+      </p:sp>
+      <p:sp>
+        <p:nvSpPr>
+          <p:cNvPr id="15369" name="Rectangle 8"/>
+          <p:cNvSpPr>
+            <a:spLocks/>
+          </p:cNvSpPr>
+          <p:nvPr/>
+        </p:nvSpPr>
+        <p:spPr bwMode="auto">
+          <a:xfrm>
+            <a:off x="14504659" y="5573120"/>
+            <a:ext cx="1386598" cy="908839"/>
+          </a:xfrm>
+          <a:prstGeom prst="rect">
+            <a:avLst/>
+          </a:prstGeom>
+          <a:noFill/>
+          <a:ln w="12700">
+            <a:noFill/>
+            <a:miter lim="800000"/>
+            <a:headEnd/>
+            <a:tailEnd/>
+          </a:ln>
+        </p:spPr>
+        <p:txBody>
+          <a:bodyPr wrap="none" lIns="0" tIns="0" rIns="0" bIns="0" anchor="ctr">
+            <a:spAutoFit/>
+          </a:bodyPr>
+          <a:lstStyle/>
+          <a:p>
+            <a:pPr defTabSz="1285830" fontAlgn="base" hangingPunct="1">
+              <a:spcBef>
+                <a:spcPct val="0"/>
+              </a:spcBef>
+              <a:spcAft>
+                <a:spcPct val="0"/>
+              </a:spcAft>
+            </a:pPr>
+            <a:r>
+              <a:rPr lang="en-US" sz="5906" b="0" i="1" kern="1200" dirty="0">
+                <a:latin typeface="Arial" charset="0"/>
+                <a:cs typeface="Arial" charset="0"/>
+                <a:sym typeface="Arial" charset="0"/>
+              </a:rPr>
+              <a:t>Y</a:t>
+            </a:r>
+            <a:r>
+              <a:rPr lang="en-US" sz="5906" b="0" kern="1200" dirty="0">
+                <a:latin typeface="Arial" charset="0"/>
+                <a:cs typeface="Arial" charset="0"/>
+                <a:sym typeface="Arial" charset="0"/>
+              </a:rPr>
+              <a:t>(</a:t>
+            </a:r>
+            <a:r>
+              <a:rPr lang="en-US" sz="5906" b="0" i="1" kern="1200" dirty="0">
+                <a:latin typeface="Arial" charset="0"/>
+                <a:cs typeface="Arial" charset="0"/>
+                <a:sym typeface="Arial" charset="0"/>
+              </a:rPr>
+              <a:t>z</a:t>
+            </a:r>
+            <a:r>
+              <a:rPr lang="en-US" sz="5906" b="0" kern="1200" dirty="0">
+                <a:latin typeface="Arial" charset="0"/>
+                <a:cs typeface="Arial" charset="0"/>
+                <a:sym typeface="Arial" charset="0"/>
+              </a:rPr>
+              <a:t>)</a:t>
+            </a:r>
+          </a:p>
+        </p:txBody>
+      </p:sp>
+      <p:pic>
+        <p:nvPicPr>
+          <p:cNvPr id="15370" name="Picture 9"/>
+          <p:cNvPicPr>
+            <a:picLocks noChangeAspect="1" noChangeArrowheads="1"/>
+          </p:cNvPicPr>
+          <p:nvPr/>
+        </p:nvPicPr>
+        <p:blipFill>
+          <a:blip r:embed="rId2" cstate="print"/>
+          <a:srcRect/>
+          <a:stretch>
+            <a:fillRect/>
+          </a:stretch>
+        </p:blipFill>
+        <p:spPr bwMode="auto">
+          <a:xfrm>
+            <a:off x="6012656" y="7161611"/>
+            <a:ext cx="10537032" cy="1785938"/>
+          </a:xfrm>
+          <a:prstGeom prst="rect">
+            <a:avLst/>
+          </a:prstGeom>
+          <a:noFill/>
+          <a:ln w="12700">
+            <a:noFill/>
+            <a:miter lim="800000"/>
+            <a:headEnd/>
+            <a:tailEnd/>
+          </a:ln>
+        </p:spPr>
+      </p:pic>
+      <p:pic>
+        <p:nvPicPr>
+          <p:cNvPr id="15371" name="Picture 10"/>
+          <p:cNvPicPr>
+            <a:picLocks noChangeAspect="1" noChangeArrowheads="1"/>
+          </p:cNvPicPr>
+          <p:nvPr/>
+        </p:nvPicPr>
+        <p:blipFill>
+          <a:blip r:embed="rId3" cstate="print"/>
+          <a:srcRect/>
+          <a:stretch>
+            <a:fillRect/>
+          </a:stretch>
+        </p:blipFill>
+        <p:spPr bwMode="auto">
+          <a:xfrm>
+            <a:off x="8763001" y="9411892"/>
+            <a:ext cx="4947046" cy="660796"/>
+          </a:xfrm>
+          <a:prstGeom prst="rect">
+            <a:avLst/>
+          </a:prstGeom>
+          <a:noFill/>
+          <a:ln w="12700">
+            <a:noFill/>
+            <a:miter lim="800000"/>
+            <a:headEnd/>
+            <a:tailEnd/>
+          </a:ln>
+        </p:spPr>
+      </p:pic>
+    </p:spTree>
+  </p:cSld>
+  <p:clrMapOvr>
+    <a:masterClrMapping/>
+  </p:clrMapOvr>
+  <p:transition/>
+</p:sld>
+</file>
+
+<file path=ppt/slides/slide13.xml><?xml version="1.0" encoding="utf-8"?>
+<p:sld xmlns:a="http://schemas.openxmlformats.org/drawingml/2006/main" xmlns:r="http://schemas.openxmlformats.org/officeDocument/2006/relationships" xmlns:p="http://schemas.openxmlformats.org/presentationml/2006/main">
+  <p:cSld>
+    <p:spTree>
+      <p:nvGrpSpPr>
+        <p:cNvPr id="1" name=""/>
+        <p:cNvGrpSpPr/>
+        <p:nvPr/>
+      </p:nvGrpSpPr>
+      <p:grpSpPr>
+        <a:xfrm>
+          <a:off x="0" y="0"/>
+          <a:ext cx="0" cy="0"/>
+          <a:chOff x="0" y="0"/>
+          <a:chExt cx="0" cy="0"/>
+        </a:xfrm>
+      </p:grpSpPr>
+      <p:sp>
+        <p:nvSpPr>
+          <p:cNvPr id="738" name="Next time, we will bring everything together to create phase vocoder effects:…"/>
+          <p:cNvSpPr txBox="1">
+            <a:spLocks noGrp="1"/>
+          </p:cNvSpPr>
+          <p:nvPr>
+            <p:ph type="body" idx="1"/>
+          </p:nvPr>
+        </p:nvSpPr>
+        <p:spPr>
+          <a:xfrm>
+            <a:off x="533499" y="1778000"/>
+            <a:ext cx="13822444" cy="10527276"/>
+          </a:xfrm>
+          <a:prstGeom prst="rect">
+            <a:avLst/>
+          </a:prstGeom>
+        </p:spPr>
+        <p:txBody>
+          <a:bodyPr anchor="t"/>
+          <a:lstStyle/>
+          <a:p>
+            <a:r>
+              <a:rPr lang="en-GB" dirty="0"/>
+              <a:t>Learn</a:t>
+            </a:r>
+          </a:p>
+          <a:p>
+            <a:pPr lvl="1"/>
+            <a:r>
+              <a:rPr lang="en-GB" dirty="0"/>
+              <a:t>Modifying signals in frequency domain</a:t>
+            </a:r>
+          </a:p>
+          <a:p>
+            <a:pPr lvl="1"/>
+            <a:r>
+              <a:rPr lang="en-GB" dirty="0"/>
+              <a:t>Converting frequency to phase</a:t>
+            </a:r>
+          </a:p>
+          <a:p>
+            <a:pPr lvl="1"/>
+            <a:r>
+              <a:rPr lang="en-GB" dirty="0"/>
+              <a:t>Analysis and synthesis windows</a:t>
+            </a:r>
+          </a:p>
+          <a:p>
+            <a:r>
+              <a:rPr lang="en-GB" dirty="0"/>
+              <a:t>Finally, </a:t>
+            </a:r>
+            <a:r>
+              <a:rPr dirty="0"/>
+              <a:t>create </a:t>
+            </a:r>
+            <a:r>
+              <a:rPr dirty="0">
+                <a:solidFill>
+                  <a:srgbClr val="3D46A6"/>
+                </a:solidFill>
+              </a:rPr>
+              <a:t>phase vocoder effects</a:t>
+            </a:r>
+            <a:r>
+              <a:rPr dirty="0"/>
+              <a:t>:</a:t>
+            </a:r>
+          </a:p>
+          <a:p>
+            <a:pPr lvl="1"/>
+            <a:r>
+              <a:rPr dirty="0" err="1"/>
+              <a:t>Robotisation</a:t>
+            </a:r>
+            <a:r>
+              <a:rPr dirty="0"/>
+              <a:t> (phase zeroing)</a:t>
+            </a:r>
+          </a:p>
+          <a:p>
+            <a:pPr lvl="1"/>
+            <a:r>
+              <a:rPr dirty="0" err="1"/>
+              <a:t>Whisperisation</a:t>
+            </a:r>
+            <a:r>
+              <a:rPr dirty="0"/>
+              <a:t> (phase </a:t>
+            </a:r>
+            <a:r>
+              <a:rPr dirty="0" err="1"/>
+              <a:t>randomisation</a:t>
+            </a:r>
+            <a:r>
+              <a:rPr dirty="0"/>
+              <a:t>)</a:t>
+            </a:r>
+          </a:p>
+          <a:p>
+            <a:pPr lvl="1">
+              <a:defRPr>
+                <a:solidFill>
+                  <a:srgbClr val="3D46A6"/>
+                </a:solidFill>
+              </a:defRPr>
+            </a:pPr>
+            <a:r>
+              <a:rPr dirty="0"/>
+              <a:t>Pitch shifting </a:t>
+            </a:r>
+          </a:p>
+        </p:txBody>
+      </p:sp>
+      <p:sp>
+        <p:nvSpPr>
+          <p:cNvPr id="739" name="Next lecture: Phase vocoder, part 3"/>
+          <p:cNvSpPr txBox="1">
+            <a:spLocks noGrp="1"/>
+          </p:cNvSpPr>
+          <p:nvPr>
+            <p:ph type="title"/>
+          </p:nvPr>
+        </p:nvSpPr>
+        <p:spPr>
+          <a:prstGeom prst="rect">
+            <a:avLst/>
+          </a:prstGeom>
+        </p:spPr>
+        <p:txBody>
+          <a:bodyPr/>
+          <a:lstStyle/>
+          <a:p>
+            <a:r>
+              <a:t>Phase </a:t>
+            </a:r>
+            <a:r>
+              <a:rPr dirty="0"/>
+              <a:t>vocoder, part 3</a:t>
+            </a:r>
+          </a:p>
+        </p:txBody>
+      </p:sp>
+      <p:sp>
+        <p:nvSpPr>
+          <p:cNvPr id="740" name="Rectangle"/>
+          <p:cNvSpPr/>
+          <p:nvPr/>
+        </p:nvSpPr>
+        <p:spPr>
+          <a:xfrm>
+            <a:off x="17379559" y="6565420"/>
+            <a:ext cx="855474" cy="955845"/>
+          </a:xfrm>
+          <a:prstGeom prst="rect">
+            <a:avLst/>
+          </a:prstGeom>
+          <a:ln w="88900">
+            <a:solidFill>
+              <a:schemeClr val="accent5">
+                <a:lumOff val="-29866"/>
+              </a:schemeClr>
+            </a:solidFill>
+            <a:miter lim="400000"/>
+          </a:ln>
+        </p:spPr>
+        <p:txBody>
+          <a:bodyPr lIns="0" tIns="0" rIns="0" bIns="0" anchor="ctr"/>
+          <a:lstStyle/>
+          <a:p>
+            <a:pPr marL="0" marR="0" lvl="0" indent="0" algn="ctr" defTabSz="825500" rtl="0" eaLnBrk="1" fontAlgn="auto" latinLnBrk="0" hangingPunct="0">
+              <a:lnSpc>
+                <a:spcPct val="100000"/>
+              </a:lnSpc>
+              <a:spcBef>
+                <a:spcPts val="0"/>
+              </a:spcBef>
+              <a:spcAft>
+                <a:spcPts val="0"/>
+              </a:spcAft>
+              <a:buClrTx/>
+              <a:buSzTx/>
+              <a:buFontTx/>
+              <a:buNone/>
+              <a:tabLst/>
+              <a:defRPr sz="3200" b="0">
+                <a:solidFill>
+                  <a:srgbClr val="FFFFFF"/>
+                </a:solidFill>
+                <a:latin typeface="+mn-lt"/>
+                <a:ea typeface="+mn-ea"/>
+                <a:cs typeface="+mn-cs"/>
+                <a:sym typeface="Helvetica Neue Medium"/>
+              </a:defRPr>
+            </a:pPr>
+            <a:endParaRPr kumimoji="0" sz="3200" b="0" i="0" u="none" strike="noStrike" kern="0" cap="none" spc="0" normalizeH="0" baseline="0" noProof="0">
+              <a:ln>
+                <a:noFill/>
+              </a:ln>
+              <a:solidFill>
+                <a:srgbClr val="FFFFFF"/>
+              </a:solidFill>
+              <a:effectLst/>
+              <a:uLnTx/>
+              <a:uFillTx/>
+              <a:latin typeface="Helvetica Neue Medium"/>
+              <a:sym typeface="Helvetica Neue Medium"/>
+            </a:endParaRPr>
+          </a:p>
+        </p:txBody>
+      </p:sp>
+      <p:pic>
+        <p:nvPicPr>
+          <p:cNvPr id="741" name="Screenshot 2020-11-13 at 23.26.39.png" descr="Screenshot 2020-11-13 at 23.26.39.png"/>
+          <p:cNvPicPr>
+            <a:picLocks noChangeAspect="1"/>
+          </p:cNvPicPr>
+          <p:nvPr/>
+        </p:nvPicPr>
+        <p:blipFill>
+          <a:blip r:embed="rId2"/>
+          <a:srcRect l="16316" r="26427"/>
+          <a:stretch>
+            <a:fillRect/>
+          </a:stretch>
+        </p:blipFill>
+        <p:spPr>
+          <a:xfrm>
+            <a:off x="15425477" y="1808556"/>
+            <a:ext cx="8689579" cy="1104901"/>
+          </a:xfrm>
+          <a:prstGeom prst="rect">
+            <a:avLst/>
+          </a:prstGeom>
+          <a:ln w="12700">
+            <a:miter lim="400000"/>
+          </a:ln>
+        </p:spPr>
+      </p:pic>
+      <p:pic>
+        <p:nvPicPr>
+          <p:cNvPr id="742" name="Screenshot 2020-11-13 at 23.26.39.png" descr="Screenshot 2020-11-13 at 23.26.39.png"/>
+          <p:cNvPicPr>
+            <a:picLocks noChangeAspect="1"/>
+          </p:cNvPicPr>
+          <p:nvPr/>
+        </p:nvPicPr>
+        <p:blipFill>
+          <a:blip r:embed="rId2"/>
+          <a:srcRect l="16316" r="71148"/>
+          <a:stretch>
+            <a:fillRect/>
+          </a:stretch>
+        </p:blipFill>
+        <p:spPr>
+          <a:xfrm>
+            <a:off x="15425477" y="3002069"/>
+            <a:ext cx="1902520" cy="1104901"/>
+          </a:xfrm>
+          <a:prstGeom prst="rect">
+            <a:avLst/>
+          </a:prstGeom>
+          <a:ln w="12700">
+            <a:miter lim="400000"/>
+          </a:ln>
+        </p:spPr>
+      </p:pic>
+      <p:pic>
+        <p:nvPicPr>
+          <p:cNvPr id="743" name="Screenshot 2020-11-13 at 23.32.24.png" descr="Screenshot 2020-11-13 at 23.32.24.png"/>
+          <p:cNvPicPr>
+            <a:picLocks noChangeAspect="1"/>
+          </p:cNvPicPr>
+          <p:nvPr/>
+        </p:nvPicPr>
+        <p:blipFill>
+          <a:blip r:embed="rId3"/>
+          <a:srcRect l="20959" r="4676"/>
+          <a:stretch>
+            <a:fillRect/>
+          </a:stretch>
+        </p:blipFill>
+        <p:spPr>
+          <a:xfrm>
+            <a:off x="15430500" y="11165106"/>
+            <a:ext cx="8679213" cy="1130301"/>
+          </a:xfrm>
+          <a:prstGeom prst="rect">
+            <a:avLst/>
+          </a:prstGeom>
+          <a:ln w="12700">
+            <a:miter lim="400000"/>
+          </a:ln>
+        </p:spPr>
+      </p:pic>
+      <p:pic>
+        <p:nvPicPr>
+          <p:cNvPr id="744" name="Screenshot 2020-11-13 at 23.32.24.png" descr="Screenshot 2020-11-13 at 23.32.24.png"/>
+          <p:cNvPicPr>
+            <a:picLocks noChangeAspect="1"/>
+          </p:cNvPicPr>
+          <p:nvPr/>
+        </p:nvPicPr>
+        <p:blipFill>
+          <a:blip r:embed="rId3"/>
+          <a:srcRect l="20959" r="62766"/>
+          <a:stretch>
+            <a:fillRect/>
+          </a:stretch>
+        </p:blipFill>
+        <p:spPr>
+          <a:xfrm>
+            <a:off x="15430500" y="9979484"/>
+            <a:ext cx="1899353" cy="1130301"/>
+          </a:xfrm>
+          <a:prstGeom prst="rect">
+            <a:avLst/>
+          </a:prstGeom>
+          <a:ln w="12700">
+            <a:miter lim="400000"/>
+          </a:ln>
+        </p:spPr>
+      </p:pic>
+      <p:sp>
+        <p:nvSpPr>
+          <p:cNvPr id="745" name="Line"/>
+          <p:cNvSpPr/>
+          <p:nvPr/>
+        </p:nvSpPr>
+        <p:spPr>
+          <a:xfrm>
+            <a:off x="15942350" y="4330774"/>
+            <a:ext cx="1" cy="5421727"/>
+          </a:xfrm>
+          <a:prstGeom prst="line">
+            <a:avLst/>
+          </a:prstGeom>
+          <a:ln w="76200">
+            <a:solidFill>
+              <a:schemeClr val="accent5">
+                <a:lumOff val="-29866"/>
+              </a:schemeClr>
+            </a:solidFill>
+            <a:miter lim="400000"/>
+            <a:tailEnd type="triangle"/>
+          </a:ln>
+        </p:spPr>
+        <p:txBody>
+          <a:bodyPr lIns="0" tIns="0" rIns="0" bIns="0" anchor="ctr"/>
+          <a:lstStyle/>
+          <a:p>
+            <a:pPr marL="0" marR="0" lvl="0" indent="0" algn="ctr" defTabSz="825500" rtl="0" eaLnBrk="1" fontAlgn="auto" latinLnBrk="0" hangingPunct="0">
+              <a:lnSpc>
+                <a:spcPct val="100000"/>
+              </a:lnSpc>
+              <a:spcBef>
+                <a:spcPts val="0"/>
+              </a:spcBef>
+              <a:spcAft>
+                <a:spcPts val="0"/>
+              </a:spcAft>
+              <a:buClrTx/>
+              <a:buSzTx/>
+              <a:buFontTx/>
+              <a:buNone/>
+              <a:tabLst/>
+              <a:defRPr sz="3200" b="0">
+                <a:solidFill>
+                  <a:srgbClr val="FFFFFF"/>
+                </a:solidFill>
+                <a:latin typeface="+mn-lt"/>
+                <a:ea typeface="+mn-ea"/>
+                <a:cs typeface="+mn-cs"/>
+                <a:sym typeface="Helvetica Neue Medium"/>
+              </a:defRPr>
+            </a:pPr>
+            <a:endParaRPr kumimoji="0" sz="3200" b="0" i="0" u="none" strike="noStrike" kern="0" cap="none" spc="0" normalizeH="0" baseline="0" noProof="0">
+              <a:ln>
+                <a:noFill/>
+              </a:ln>
+              <a:solidFill>
+                <a:srgbClr val="FFFFFF"/>
+              </a:solidFill>
+              <a:effectLst/>
+              <a:uLnTx/>
+              <a:uFillTx/>
+              <a:latin typeface="Helvetica Neue Medium"/>
+              <a:sym typeface="Helvetica Neue Medium"/>
+            </a:endParaRPr>
+          </a:p>
+        </p:txBody>
+      </p:sp>
+      <p:grpSp>
+        <p:nvGrpSpPr>
+          <p:cNvPr id="749" name="Group"/>
+          <p:cNvGrpSpPr/>
+          <p:nvPr/>
+        </p:nvGrpSpPr>
+        <p:grpSpPr>
+          <a:xfrm>
+            <a:off x="16383000" y="4208283"/>
+            <a:ext cx="1905334" cy="5715881"/>
+            <a:chOff x="0" y="0"/>
+            <a:chExt cx="1905333" cy="5715879"/>
+          </a:xfrm>
+        </p:grpSpPr>
+        <p:pic>
+          <p:nvPicPr>
+            <p:cNvPr id="746" name="Screenshot 2020-11-13 at 23.26.39.png" descr="Screenshot 2020-11-13 at 23.26.39.png"/>
+            <p:cNvPicPr>
+              <a:picLocks noChangeAspect="1"/>
+            </p:cNvPicPr>
+            <p:nvPr/>
+          </p:nvPicPr>
+          <p:blipFill>
+            <a:blip r:embed="rId2"/>
+            <a:srcRect l="22556" r="64889"/>
+            <a:stretch>
+              <a:fillRect/>
+            </a:stretch>
+          </p:blipFill>
+          <p:spPr>
+            <a:xfrm>
+              <a:off x="0" y="-1"/>
+              <a:ext cx="1905334" cy="1104901"/>
+            </a:xfrm>
+            <a:prstGeom prst="rect">
+              <a:avLst/>
+            </a:prstGeom>
+            <a:ln w="12700" cap="flat">
+              <a:noFill/>
+              <a:miter lim="400000"/>
+            </a:ln>
+            <a:effectLst/>
+          </p:spPr>
+        </p:pic>
+        <p:pic>
+          <p:nvPicPr>
+            <p:cNvPr id="747" name="Screenshot 2020-11-13 at 23.32.24.png" descr="Screenshot 2020-11-13 at 23.32.24.png"/>
+            <p:cNvPicPr>
+              <a:picLocks noChangeAspect="1"/>
+            </p:cNvPicPr>
+            <p:nvPr/>
+          </p:nvPicPr>
+          <p:blipFill>
+            <a:blip r:embed="rId3"/>
+            <a:srcRect l="29222" r="54509"/>
+            <a:stretch>
+              <a:fillRect/>
+            </a:stretch>
+          </p:blipFill>
+          <p:spPr>
+            <a:xfrm>
+              <a:off x="0" y="4585579"/>
+              <a:ext cx="1898654" cy="1130301"/>
+            </a:xfrm>
+            <a:prstGeom prst="rect">
+              <a:avLst/>
+            </a:prstGeom>
+            <a:ln w="12700" cap="flat">
+              <a:noFill/>
+              <a:miter lim="400000"/>
+            </a:ln>
+            <a:effectLst/>
+          </p:spPr>
+        </p:pic>
+        <p:sp>
+          <p:nvSpPr>
+            <p:cNvPr id="748" name="Line"/>
+            <p:cNvSpPr/>
+            <p:nvPr/>
+          </p:nvSpPr>
+          <p:spPr>
+            <a:xfrm flipH="1">
+              <a:off x="491822" y="1383118"/>
+              <a:ext cx="1" cy="2866970"/>
+            </a:xfrm>
+            <a:prstGeom prst="line">
+              <a:avLst/>
+            </a:prstGeom>
+            <a:noFill/>
+            <a:ln w="76200" cap="flat">
+              <a:solidFill>
+                <a:schemeClr val="accent5">
+                  <a:lumOff val="-29866"/>
+                </a:schemeClr>
+              </a:solidFill>
+              <a:prstDash val="solid"/>
+              <a:miter lim="400000"/>
+              <a:tailEnd type="triangle" w="med" len="med"/>
+            </a:ln>
+            <a:effectLst/>
+          </p:spPr>
+          <p:txBody>
+            <a:bodyPr wrap="square" lIns="0" tIns="0" rIns="0" bIns="0" numCol="1" anchor="ctr">
+              <a:noAutofit/>
+            </a:bodyPr>
+            <a:lstStyle/>
+            <a:p>
+              <a:pPr marL="0" marR="0" lvl="0" indent="0" algn="ctr" defTabSz="825500" rtl="0" eaLnBrk="1" fontAlgn="auto" latinLnBrk="0" hangingPunct="0">
+                <a:lnSpc>
+                  <a:spcPct val="100000"/>
+                </a:lnSpc>
+                <a:spcBef>
+                  <a:spcPts val="0"/>
+                </a:spcBef>
+                <a:spcAft>
+                  <a:spcPts val="0"/>
+                </a:spcAft>
+                <a:buClrTx/>
+                <a:buSzTx/>
+                <a:buFontTx/>
+                <a:buNone/>
+                <a:tabLst/>
+                <a:defRPr sz="3200" b="0">
+                  <a:solidFill>
+                    <a:srgbClr val="FFFFFF"/>
+                  </a:solidFill>
+                  <a:latin typeface="+mn-lt"/>
+                  <a:ea typeface="+mn-ea"/>
+                  <a:cs typeface="+mn-cs"/>
+                  <a:sym typeface="Helvetica Neue Medium"/>
+                </a:defRPr>
+              </a:pPr>
+              <a:endParaRPr kumimoji="0" sz="3200" b="0" i="0" u="none" strike="noStrike" kern="0" cap="none" spc="0" normalizeH="0" baseline="0" noProof="0">
+                <a:ln>
+                  <a:noFill/>
+                </a:ln>
+                <a:solidFill>
+                  <a:srgbClr val="FFFFFF"/>
+                </a:solidFill>
+                <a:effectLst/>
+                <a:uLnTx/>
+                <a:uFillTx/>
+                <a:latin typeface="Helvetica Neue Medium"/>
+                <a:sym typeface="Helvetica Neue Medium"/>
+              </a:endParaRPr>
+            </a:p>
+          </p:txBody>
+        </p:sp>
+      </p:grpSp>
+      <p:grpSp>
+        <p:nvGrpSpPr>
+          <p:cNvPr id="753" name="Group"/>
+          <p:cNvGrpSpPr/>
+          <p:nvPr/>
+        </p:nvGrpSpPr>
+        <p:grpSpPr>
+          <a:xfrm>
+            <a:off x="17335500" y="5388500"/>
+            <a:ext cx="1911006" cy="3350042"/>
+            <a:chOff x="0" y="0"/>
+            <a:chExt cx="1911005" cy="3350040"/>
+          </a:xfrm>
+        </p:grpSpPr>
+        <p:pic>
+          <p:nvPicPr>
+            <p:cNvPr id="750" name="Screenshot 2020-11-13 at 23.32.24.png" descr="Screenshot 2020-11-13 at 23.32.24.png"/>
+            <p:cNvPicPr>
+              <a:picLocks noChangeAspect="1"/>
+            </p:cNvPicPr>
+            <p:nvPr/>
+          </p:nvPicPr>
+          <p:blipFill>
+            <a:blip r:embed="rId3"/>
+            <a:srcRect l="37334" r="46292"/>
+            <a:stretch>
+              <a:fillRect/>
+            </a:stretch>
+          </p:blipFill>
+          <p:spPr>
+            <a:xfrm>
+              <a:off x="0" y="2219740"/>
+              <a:ext cx="1911006" cy="1130301"/>
+            </a:xfrm>
+            <a:prstGeom prst="rect">
+              <a:avLst/>
+            </a:prstGeom>
+            <a:ln w="12700" cap="flat">
+              <a:noFill/>
+              <a:miter lim="400000"/>
+            </a:ln>
+            <a:effectLst/>
+          </p:spPr>
+        </p:pic>
+        <p:pic>
+          <p:nvPicPr>
+            <p:cNvPr id="751" name="Screenshot 2020-11-13 at 23.26.39.png" descr="Screenshot 2020-11-13 at 23.26.39.png"/>
+            <p:cNvPicPr>
+              <a:picLocks noChangeAspect="1"/>
+            </p:cNvPicPr>
+            <p:nvPr/>
+          </p:nvPicPr>
+          <p:blipFill>
+            <a:blip r:embed="rId2"/>
+            <a:srcRect l="28812" r="58603"/>
+            <a:stretch>
+              <a:fillRect/>
+            </a:stretch>
+          </p:blipFill>
+          <p:spPr>
+            <a:xfrm>
+              <a:off x="0" y="-1"/>
+              <a:ext cx="1909733" cy="1104901"/>
+            </a:xfrm>
+            <a:prstGeom prst="rect">
+              <a:avLst/>
+            </a:prstGeom>
+            <a:ln w="12700" cap="flat">
+              <a:noFill/>
+              <a:miter lim="400000"/>
+            </a:ln>
+            <a:effectLst/>
+          </p:spPr>
+        </p:pic>
+        <p:sp>
+          <p:nvSpPr>
+            <p:cNvPr id="752" name="Line"/>
+            <p:cNvSpPr/>
+            <p:nvPr/>
+          </p:nvSpPr>
+          <p:spPr>
+            <a:xfrm flipH="1">
+              <a:off x="471794" y="1300743"/>
+              <a:ext cx="1" cy="707968"/>
+            </a:xfrm>
+            <a:prstGeom prst="line">
+              <a:avLst/>
+            </a:prstGeom>
+            <a:noFill/>
+            <a:ln w="76200" cap="flat">
+              <a:solidFill>
+                <a:schemeClr val="accent5">
+                  <a:lumOff val="-29866"/>
+                </a:schemeClr>
+              </a:solidFill>
+              <a:prstDash val="solid"/>
+              <a:miter lim="400000"/>
+              <a:tailEnd type="triangle" w="med" len="med"/>
+            </a:ln>
+            <a:effectLst/>
+          </p:spPr>
+          <p:txBody>
+            <a:bodyPr wrap="square" lIns="0" tIns="0" rIns="0" bIns="0" numCol="1" anchor="ctr">
+              <a:noAutofit/>
+            </a:bodyPr>
+            <a:lstStyle/>
+            <a:p>
+              <a:pPr marL="0" marR="0" lvl="0" indent="0" algn="ctr" defTabSz="825500" rtl="0" eaLnBrk="1" fontAlgn="auto" latinLnBrk="0" hangingPunct="0">
+                <a:lnSpc>
+                  <a:spcPct val="100000"/>
+                </a:lnSpc>
+                <a:spcBef>
+                  <a:spcPts val="0"/>
+                </a:spcBef>
+                <a:spcAft>
+                  <a:spcPts val="0"/>
+                </a:spcAft>
+                <a:buClrTx/>
+                <a:buSzTx/>
+                <a:buFontTx/>
+                <a:buNone/>
+                <a:tabLst/>
+                <a:defRPr sz="3200" b="0">
+                  <a:solidFill>
+                    <a:srgbClr val="FFFFFF"/>
+                  </a:solidFill>
+                  <a:latin typeface="+mn-lt"/>
+                  <a:ea typeface="+mn-ea"/>
+                  <a:cs typeface="+mn-cs"/>
+                  <a:sym typeface="Helvetica Neue Medium"/>
+                </a:defRPr>
+              </a:pPr>
+              <a:endParaRPr kumimoji="0" sz="3200" b="0" i="0" u="none" strike="noStrike" kern="0" cap="none" spc="0" normalizeH="0" baseline="0" noProof="0">
+                <a:ln>
+                  <a:noFill/>
+                </a:ln>
+                <a:solidFill>
+                  <a:srgbClr val="FFFFFF"/>
+                </a:solidFill>
+                <a:effectLst/>
+                <a:uLnTx/>
+                <a:uFillTx/>
+                <a:latin typeface="Helvetica Neue Medium"/>
+                <a:sym typeface="Helvetica Neue Medium"/>
+              </a:endParaRPr>
+            </a:p>
+          </p:txBody>
+        </p:sp>
+      </p:grpSp>
+      <p:grpSp>
+        <p:nvGrpSpPr>
+          <p:cNvPr id="767" name="Group"/>
+          <p:cNvGrpSpPr/>
+          <p:nvPr/>
+        </p:nvGrpSpPr>
+        <p:grpSpPr>
+          <a:xfrm>
+            <a:off x="18208083" y="3803171"/>
+            <a:ext cx="5677320" cy="6640062"/>
+            <a:chOff x="0" y="0"/>
+            <a:chExt cx="5677318" cy="6640061"/>
+          </a:xfrm>
+        </p:grpSpPr>
+        <p:sp>
+          <p:nvSpPr>
+            <p:cNvPr id="754" name="Rounded Rectangle"/>
+            <p:cNvSpPr/>
+            <p:nvPr/>
+          </p:nvSpPr>
+          <p:spPr>
+            <a:xfrm>
+              <a:off x="2959927" y="601594"/>
+              <a:ext cx="2305062" cy="1426606"/>
+            </a:xfrm>
+            <a:prstGeom prst="roundRect">
+              <a:avLst>
+                <a:gd name="adj" fmla="val 15000"/>
+              </a:avLst>
+            </a:prstGeom>
+            <a:noFill/>
+            <a:ln w="38100" cap="flat">
+              <a:solidFill>
+                <a:srgbClr val="000000"/>
+              </a:solidFill>
+              <a:prstDash val="solid"/>
+              <a:miter lim="400000"/>
+            </a:ln>
+            <a:effectLst/>
+          </p:spPr>
+          <p:txBody>
+            <a:bodyPr wrap="square" lIns="0" tIns="0" rIns="0" bIns="0" numCol="1" anchor="ctr">
+              <a:noAutofit/>
+            </a:bodyPr>
+            <a:lstStyle/>
+            <a:p>
+              <a:pPr marL="0" marR="0" lvl="0" indent="0" algn="ctr" defTabSz="825500" rtl="0" eaLnBrk="1" fontAlgn="auto" latinLnBrk="0" hangingPunct="0">
+                <a:lnSpc>
+                  <a:spcPct val="100000"/>
+                </a:lnSpc>
+                <a:spcBef>
+                  <a:spcPts val="0"/>
+                </a:spcBef>
+                <a:spcAft>
+                  <a:spcPts val="0"/>
+                </a:spcAft>
+                <a:buClrTx/>
+                <a:buSzTx/>
+                <a:buFontTx/>
+                <a:buNone/>
+                <a:tabLst/>
+                <a:defRPr sz="3200" b="0">
+                  <a:solidFill>
+                    <a:srgbClr val="FFFFFF"/>
+                  </a:solidFill>
+                  <a:latin typeface="+mn-lt"/>
+                  <a:ea typeface="+mn-ea"/>
+                  <a:cs typeface="+mn-cs"/>
+                  <a:sym typeface="Helvetica Neue Medium"/>
+                </a:defRPr>
+              </a:pPr>
+              <a:endParaRPr kumimoji="0" sz="3200" b="0" i="0" u="none" strike="noStrike" kern="0" cap="none" spc="0" normalizeH="0" baseline="0" noProof="0">
+                <a:ln>
+                  <a:noFill/>
+                </a:ln>
+                <a:solidFill>
+                  <a:srgbClr val="FFFFFF"/>
+                </a:solidFill>
+                <a:effectLst/>
+                <a:uLnTx/>
+                <a:uFillTx/>
+                <a:latin typeface="Helvetica Neue Medium"/>
+                <a:sym typeface="Helvetica Neue Medium"/>
+              </a:endParaRPr>
+            </a:p>
+          </p:txBody>
+        </p:sp>
+        <p:sp>
+          <p:nvSpPr>
+            <p:cNvPr id="755" name="Rounded Rectangle"/>
+            <p:cNvSpPr/>
+            <p:nvPr/>
+          </p:nvSpPr>
+          <p:spPr>
+            <a:xfrm>
+              <a:off x="2959927" y="2569748"/>
+              <a:ext cx="2305062" cy="1426606"/>
+            </a:xfrm>
+            <a:prstGeom prst="roundRect">
+              <a:avLst>
+                <a:gd name="adj" fmla="val 15000"/>
+              </a:avLst>
+            </a:prstGeom>
+            <a:noFill/>
+            <a:ln w="38100" cap="flat">
+              <a:solidFill>
+                <a:srgbClr val="000000"/>
+              </a:solidFill>
+              <a:prstDash val="solid"/>
+              <a:miter lim="400000"/>
+            </a:ln>
+            <a:effectLst/>
+          </p:spPr>
+          <p:txBody>
+            <a:bodyPr wrap="square" lIns="0" tIns="0" rIns="0" bIns="0" numCol="1" anchor="ctr">
+              <a:noAutofit/>
+            </a:bodyPr>
+            <a:lstStyle/>
+            <a:p>
+              <a:pPr marL="0" marR="0" lvl="0" indent="0" algn="ctr" defTabSz="825500" rtl="0" eaLnBrk="1" fontAlgn="auto" latinLnBrk="0" hangingPunct="0">
+                <a:lnSpc>
+                  <a:spcPct val="100000"/>
+                </a:lnSpc>
+                <a:spcBef>
+                  <a:spcPts val="0"/>
+                </a:spcBef>
+                <a:spcAft>
+                  <a:spcPts val="0"/>
+                </a:spcAft>
+                <a:buClrTx/>
+                <a:buSzTx/>
+                <a:buFontTx/>
+                <a:buNone/>
+                <a:tabLst/>
+                <a:defRPr sz="3200" b="0">
+                  <a:solidFill>
+                    <a:srgbClr val="FFFFFF"/>
+                  </a:solidFill>
+                  <a:latin typeface="+mn-lt"/>
+                  <a:ea typeface="+mn-ea"/>
+                  <a:cs typeface="+mn-cs"/>
+                  <a:sym typeface="Helvetica Neue Medium"/>
+                </a:defRPr>
+              </a:pPr>
+              <a:endParaRPr kumimoji="0" sz="3200" b="0" i="0" u="none" strike="noStrike" kern="0" cap="none" spc="0" normalizeH="0" baseline="0" noProof="0">
+                <a:ln>
+                  <a:noFill/>
+                </a:ln>
+                <a:solidFill>
+                  <a:srgbClr val="FFFFFF"/>
+                </a:solidFill>
+                <a:effectLst/>
+                <a:uLnTx/>
+                <a:uFillTx/>
+                <a:latin typeface="Helvetica Neue Medium"/>
+                <a:sym typeface="Helvetica Neue Medium"/>
+              </a:endParaRPr>
+            </a:p>
+          </p:txBody>
+        </p:sp>
+        <p:sp>
+          <p:nvSpPr>
+            <p:cNvPr id="756" name="Rounded Rectangle"/>
+            <p:cNvSpPr/>
+            <p:nvPr/>
+          </p:nvSpPr>
+          <p:spPr>
+            <a:xfrm>
+              <a:off x="2959927" y="4585576"/>
+              <a:ext cx="2305062" cy="1426606"/>
+            </a:xfrm>
+            <a:prstGeom prst="roundRect">
+              <a:avLst>
+                <a:gd name="adj" fmla="val 15000"/>
+              </a:avLst>
+            </a:prstGeom>
+            <a:noFill/>
+            <a:ln w="38100" cap="flat">
+              <a:solidFill>
+                <a:srgbClr val="000000"/>
+              </a:solidFill>
+              <a:prstDash val="solid"/>
+              <a:miter lim="400000"/>
+            </a:ln>
+            <a:effectLst/>
+          </p:spPr>
+          <p:txBody>
+            <a:bodyPr wrap="square" lIns="0" tIns="0" rIns="0" bIns="0" numCol="1" anchor="ctr">
+              <a:noAutofit/>
+            </a:bodyPr>
+            <a:lstStyle/>
+            <a:p>
+              <a:pPr marL="0" marR="0" lvl="0" indent="0" algn="ctr" defTabSz="825500" rtl="0" eaLnBrk="1" fontAlgn="auto" latinLnBrk="0" hangingPunct="0">
+                <a:lnSpc>
+                  <a:spcPct val="100000"/>
+                </a:lnSpc>
+                <a:spcBef>
+                  <a:spcPts val="0"/>
+                </a:spcBef>
+                <a:spcAft>
+                  <a:spcPts val="0"/>
+                </a:spcAft>
+                <a:buClrTx/>
+                <a:buSzTx/>
+                <a:buFontTx/>
+                <a:buNone/>
+                <a:tabLst/>
+                <a:defRPr sz="3200" b="0">
+                  <a:solidFill>
+                    <a:srgbClr val="FFFFFF"/>
+                  </a:solidFill>
+                  <a:latin typeface="+mn-lt"/>
+                  <a:ea typeface="+mn-ea"/>
+                  <a:cs typeface="+mn-cs"/>
+                  <a:sym typeface="Helvetica Neue Medium"/>
+                </a:defRPr>
+              </a:pPr>
+              <a:endParaRPr kumimoji="0" sz="3200" b="0" i="0" u="none" strike="noStrike" kern="0" cap="none" spc="0" normalizeH="0" baseline="0" noProof="0">
+                <a:ln>
+                  <a:noFill/>
+                </a:ln>
+                <a:solidFill>
+                  <a:srgbClr val="FFFFFF"/>
+                </a:solidFill>
+                <a:effectLst/>
+                <a:uLnTx/>
+                <a:uFillTx/>
+                <a:latin typeface="Helvetica Neue Medium"/>
+                <a:sym typeface="Helvetica Neue Medium"/>
+              </a:endParaRPr>
+            </a:p>
+          </p:txBody>
+        </p:sp>
+        <p:sp>
+          <p:nvSpPr>
+            <p:cNvPr id="757" name="Rectangle"/>
+            <p:cNvSpPr/>
+            <p:nvPr/>
+          </p:nvSpPr>
+          <p:spPr>
+            <a:xfrm>
+              <a:off x="2547596" y="9006"/>
+              <a:ext cx="3129723" cy="6595381"/>
+            </a:xfrm>
+            <a:prstGeom prst="rect">
+              <a:avLst/>
+            </a:prstGeom>
+            <a:noFill/>
+            <a:ln w="88900" cap="flat">
+              <a:solidFill>
+                <a:schemeClr val="accent5">
+                  <a:lumOff val="-29866"/>
+                </a:schemeClr>
+              </a:solidFill>
+              <a:prstDash val="solid"/>
+              <a:miter lim="400000"/>
+            </a:ln>
+            <a:effectLst/>
+          </p:spPr>
+          <p:txBody>
+            <a:bodyPr wrap="square" lIns="0" tIns="0" rIns="0" bIns="0" numCol="1" anchor="ctr">
+              <a:noAutofit/>
+            </a:bodyPr>
+            <a:lstStyle/>
+            <a:p>
+              <a:pPr marL="0" marR="0" lvl="0" indent="0" algn="ctr" defTabSz="825500" rtl="0" eaLnBrk="1" fontAlgn="auto" latinLnBrk="0" hangingPunct="0">
+                <a:lnSpc>
+                  <a:spcPct val="100000"/>
+                </a:lnSpc>
+                <a:spcBef>
+                  <a:spcPts val="0"/>
+                </a:spcBef>
+                <a:spcAft>
+                  <a:spcPts val="0"/>
+                </a:spcAft>
+                <a:buClrTx/>
+                <a:buSzTx/>
+                <a:buFontTx/>
+                <a:buNone/>
+                <a:tabLst/>
+                <a:defRPr sz="3200" b="0">
+                  <a:solidFill>
+                    <a:srgbClr val="FFFFFF"/>
+                  </a:solidFill>
+                  <a:latin typeface="+mn-lt"/>
+                  <a:ea typeface="+mn-ea"/>
+                  <a:cs typeface="+mn-cs"/>
+                  <a:sym typeface="Helvetica Neue Medium"/>
+                </a:defRPr>
+              </a:pPr>
+              <a:endParaRPr kumimoji="0" sz="3200" b="0" i="0" u="none" strike="noStrike" kern="0" cap="none" spc="0" normalizeH="0" baseline="0" noProof="0">
+                <a:ln>
+                  <a:noFill/>
+                </a:ln>
+                <a:solidFill>
+                  <a:srgbClr val="FFFFFF"/>
+                </a:solidFill>
+                <a:effectLst/>
+                <a:uLnTx/>
+                <a:uFillTx/>
+                <a:latin typeface="Helvetica Neue Medium"/>
+                <a:sym typeface="Helvetica Neue Medium"/>
+              </a:endParaRPr>
+            </a:p>
+          </p:txBody>
+        </p:sp>
+        <p:sp>
+          <p:nvSpPr>
+            <p:cNvPr id="758" name="FFT"/>
+            <p:cNvSpPr txBox="1"/>
+            <p:nvPr/>
+          </p:nvSpPr>
+          <p:spPr>
+            <a:xfrm>
+              <a:off x="3508572" y="891987"/>
+              <a:ext cx="1207771" cy="845821"/>
+            </a:xfrm>
+            <a:prstGeom prst="rect">
+              <a:avLst/>
+            </a:prstGeom>
+            <a:noFill/>
+            <a:ln w="12700" cap="flat">
+              <a:noFill/>
+              <a:miter lim="400000"/>
+            </a:ln>
+            <a:effectLst/>
+            <a:extLst>
+              <a:ext uri="{C572A759-6A51-4108-AA02-DFA0A04FC94B}">
+                <ma14:wrappingTextBoxFlag xmlns:ma14="http://schemas.microsoft.com/office/mac/drawingml/2011/main" xmlns:a14="http://schemas.microsoft.com/office/drawing/2010/main" xmlns:m="http://schemas.openxmlformats.org/officeDocument/2006/math" xmlns="" val="1"/>
+              </a:ext>
+            </a:extLst>
+          </p:spPr>
+          <p:txBody>
+            <a:bodyPr wrap="none" lIns="50800" tIns="50800" rIns="50800" bIns="50800" numCol="1" anchor="ctr">
+              <a:spAutoFit/>
+            </a:bodyPr>
+            <a:lstStyle>
+              <a:lvl1pPr>
+                <a:defRPr sz="5000" b="0"/>
+              </a:lvl1pPr>
+            </a:lstStyle>
+            <a:p>
+              <a:pPr marL="0" marR="0" lvl="0" indent="0" algn="ctr" defTabSz="825500" rtl="0" eaLnBrk="1" fontAlgn="auto" latinLnBrk="0" hangingPunct="0">
+                <a:lnSpc>
+                  <a:spcPct val="100000"/>
+                </a:lnSpc>
+                <a:spcBef>
+                  <a:spcPts val="0"/>
+                </a:spcBef>
+                <a:spcAft>
+                  <a:spcPts val="0"/>
+                </a:spcAft>
+                <a:buClrTx/>
+                <a:buSzTx/>
+                <a:buFontTx/>
+                <a:buNone/>
+                <a:tabLst/>
+                <a:defRPr/>
+              </a:pPr>
+              <a:r>
+                <a:rPr kumimoji="0" sz="5000" b="0" i="0" u="none" strike="noStrike" kern="0" cap="none" spc="0" normalizeH="0" baseline="0" noProof="0">
+                  <a:ln>
+                    <a:noFill/>
+                  </a:ln>
+                  <a:solidFill>
+                    <a:srgbClr val="000000"/>
+                  </a:solidFill>
+                  <a:effectLst/>
+                  <a:uLnTx/>
+                  <a:uFillTx/>
+                  <a:latin typeface="Helvetica Neue"/>
+                  <a:sym typeface="Helvetica Neue"/>
+                </a:rPr>
+                <a:t>FFT</a:t>
+              </a:r>
+            </a:p>
+          </p:txBody>
+        </p:sp>
+        <p:sp>
+          <p:nvSpPr>
+            <p:cNvPr id="759" name="effect"/>
+            <p:cNvSpPr txBox="1"/>
+            <p:nvPr/>
+          </p:nvSpPr>
+          <p:spPr>
+            <a:xfrm>
+              <a:off x="3387757" y="2879224"/>
+              <a:ext cx="1449401" cy="721666"/>
+            </a:xfrm>
+            <a:prstGeom prst="rect">
+              <a:avLst/>
+            </a:prstGeom>
+            <a:noFill/>
+            <a:ln w="12700" cap="flat">
+              <a:noFill/>
+              <a:miter lim="400000"/>
+            </a:ln>
+            <a:effectLst/>
+            <a:extLst>
+              <a:ext uri="{C572A759-6A51-4108-AA02-DFA0A04FC94B}">
+                <ma14:wrappingTextBoxFlag xmlns:ma14="http://schemas.microsoft.com/office/mac/drawingml/2011/main" xmlns:a14="http://schemas.microsoft.com/office/drawing/2010/main" xmlns:m="http://schemas.openxmlformats.org/officeDocument/2006/math" xmlns="" val="1"/>
+              </a:ext>
+            </a:extLst>
+          </p:spPr>
+          <p:txBody>
+            <a:bodyPr wrap="none" lIns="50800" tIns="50800" rIns="50800" bIns="50800" numCol="1" anchor="ctr">
+              <a:spAutoFit/>
+            </a:bodyPr>
+            <a:lstStyle>
+              <a:lvl1pPr>
+                <a:defRPr sz="4200" b="0"/>
+              </a:lvl1pPr>
+            </a:lstStyle>
+            <a:p>
+              <a:pPr marL="0" marR="0" lvl="0" indent="0" algn="ctr" defTabSz="825500" rtl="0" eaLnBrk="1" fontAlgn="auto" latinLnBrk="0" hangingPunct="0">
+                <a:lnSpc>
+                  <a:spcPct val="100000"/>
+                </a:lnSpc>
+                <a:spcBef>
+                  <a:spcPts val="0"/>
+                </a:spcBef>
+                <a:spcAft>
+                  <a:spcPts val="0"/>
+                </a:spcAft>
+                <a:buClrTx/>
+                <a:buSzTx/>
+                <a:buFontTx/>
+                <a:buNone/>
+                <a:tabLst/>
+                <a:defRPr/>
+              </a:pPr>
+              <a:r>
+                <a:rPr kumimoji="0" sz="4200" b="0" i="0" u="none" strike="noStrike" kern="0" cap="none" spc="0" normalizeH="0" baseline="0" noProof="0">
+                  <a:ln>
+                    <a:noFill/>
+                  </a:ln>
+                  <a:solidFill>
+                    <a:srgbClr val="000000"/>
+                  </a:solidFill>
+                  <a:effectLst/>
+                  <a:uLnTx/>
+                  <a:uFillTx/>
+                  <a:latin typeface="Helvetica Neue"/>
+                  <a:sym typeface="Helvetica Neue"/>
+                </a:rPr>
+                <a:t>effect</a:t>
+              </a:r>
+            </a:p>
+          </p:txBody>
+        </p:sp>
+        <p:sp>
+          <p:nvSpPr>
+            <p:cNvPr id="760" name="IFFT"/>
+            <p:cNvSpPr txBox="1"/>
+            <p:nvPr/>
+          </p:nvSpPr>
+          <p:spPr>
+            <a:xfrm>
+              <a:off x="3426340" y="4875968"/>
+              <a:ext cx="1372236" cy="845821"/>
+            </a:xfrm>
+            <a:prstGeom prst="rect">
+              <a:avLst/>
+            </a:prstGeom>
+            <a:noFill/>
+            <a:ln w="12700" cap="flat">
+              <a:noFill/>
+              <a:miter lim="400000"/>
+            </a:ln>
+            <a:effectLst/>
+            <a:extLst>
+              <a:ext uri="{C572A759-6A51-4108-AA02-DFA0A04FC94B}">
+                <ma14:wrappingTextBoxFlag xmlns:ma14="http://schemas.microsoft.com/office/mac/drawingml/2011/main" xmlns:a14="http://schemas.microsoft.com/office/drawing/2010/main" xmlns:m="http://schemas.openxmlformats.org/officeDocument/2006/math" xmlns="" val="1"/>
+              </a:ext>
+            </a:extLst>
+          </p:spPr>
+          <p:txBody>
+            <a:bodyPr wrap="none" lIns="50800" tIns="50800" rIns="50800" bIns="50800" numCol="1" anchor="ctr">
+              <a:spAutoFit/>
+            </a:bodyPr>
+            <a:lstStyle>
+              <a:lvl1pPr>
+                <a:defRPr sz="5000" b="0"/>
+              </a:lvl1pPr>
+            </a:lstStyle>
+            <a:p>
+              <a:pPr marL="0" marR="0" lvl="0" indent="0" algn="ctr" defTabSz="825500" rtl="0" eaLnBrk="1" fontAlgn="auto" latinLnBrk="0" hangingPunct="0">
+                <a:lnSpc>
+                  <a:spcPct val="100000"/>
+                </a:lnSpc>
+                <a:spcBef>
+                  <a:spcPts val="0"/>
+                </a:spcBef>
+                <a:spcAft>
+                  <a:spcPts val="0"/>
+                </a:spcAft>
+                <a:buClrTx/>
+                <a:buSzTx/>
+                <a:buFontTx/>
+                <a:buNone/>
+                <a:tabLst/>
+                <a:defRPr/>
+              </a:pPr>
+              <a:r>
+                <a:rPr kumimoji="0" sz="5000" b="0" i="0" u="none" strike="noStrike" kern="0" cap="none" spc="0" normalizeH="0" baseline="0" noProof="0">
+                  <a:ln>
+                    <a:noFill/>
+                  </a:ln>
+                  <a:solidFill>
+                    <a:srgbClr val="000000"/>
+                  </a:solidFill>
+                  <a:effectLst/>
+                  <a:uLnTx/>
+                  <a:uFillTx/>
+                  <a:latin typeface="Helvetica Neue"/>
+                  <a:sym typeface="Helvetica Neue"/>
+                </a:rPr>
+                <a:t>IFFT</a:t>
+              </a:r>
+            </a:p>
+          </p:txBody>
+        </p:sp>
+        <p:sp>
+          <p:nvSpPr>
+            <p:cNvPr id="761" name="Line"/>
+            <p:cNvSpPr/>
+            <p:nvPr/>
+          </p:nvSpPr>
+          <p:spPr>
+            <a:xfrm>
+              <a:off x="4133722" y="2025927"/>
+              <a:ext cx="1" cy="541173"/>
+            </a:xfrm>
+            <a:prstGeom prst="line">
+              <a:avLst/>
+            </a:prstGeom>
+            <a:noFill/>
+            <a:ln w="76200" cap="flat">
+              <a:solidFill>
+                <a:srgbClr val="000000"/>
+              </a:solidFill>
+              <a:prstDash val="solid"/>
+              <a:miter lim="400000"/>
+              <a:tailEnd type="triangle" w="med" len="med"/>
+            </a:ln>
+            <a:effectLst/>
+          </p:spPr>
+          <p:txBody>
+            <a:bodyPr wrap="square" lIns="0" tIns="0" rIns="0" bIns="0" numCol="1" anchor="ctr">
+              <a:noAutofit/>
+            </a:bodyPr>
+            <a:lstStyle/>
+            <a:p>
+              <a:pPr marL="0" marR="0" lvl="0" indent="0" algn="ctr" defTabSz="825500" rtl="0" eaLnBrk="1" fontAlgn="auto" latinLnBrk="0" hangingPunct="0">
+                <a:lnSpc>
+                  <a:spcPct val="100000"/>
+                </a:lnSpc>
+                <a:spcBef>
+                  <a:spcPts val="0"/>
+                </a:spcBef>
+                <a:spcAft>
+                  <a:spcPts val="0"/>
+                </a:spcAft>
+                <a:buClrTx/>
+                <a:buSzTx/>
+                <a:buFontTx/>
+                <a:buNone/>
+                <a:tabLst/>
+                <a:defRPr sz="3200" b="0">
+                  <a:solidFill>
+                    <a:srgbClr val="FFFFFF"/>
+                  </a:solidFill>
+                  <a:latin typeface="+mn-lt"/>
+                  <a:ea typeface="+mn-ea"/>
+                  <a:cs typeface="+mn-cs"/>
+                  <a:sym typeface="Helvetica Neue Medium"/>
+                </a:defRPr>
+              </a:pPr>
+              <a:endParaRPr kumimoji="0" sz="3200" b="0" i="0" u="none" strike="noStrike" kern="0" cap="none" spc="0" normalizeH="0" baseline="0" noProof="0">
+                <a:ln>
+                  <a:noFill/>
+                </a:ln>
+                <a:solidFill>
+                  <a:srgbClr val="FFFFFF"/>
+                </a:solidFill>
+                <a:effectLst/>
+                <a:uLnTx/>
+                <a:uFillTx/>
+                <a:latin typeface="Helvetica Neue Medium"/>
+                <a:sym typeface="Helvetica Neue Medium"/>
+              </a:endParaRPr>
+            </a:p>
+          </p:txBody>
+        </p:sp>
+        <p:sp>
+          <p:nvSpPr>
+            <p:cNvPr id="762" name="Line"/>
+            <p:cNvSpPr/>
+            <p:nvPr/>
+          </p:nvSpPr>
+          <p:spPr>
+            <a:xfrm>
+              <a:off x="4133722" y="4029050"/>
+              <a:ext cx="1" cy="541173"/>
+            </a:xfrm>
+            <a:prstGeom prst="line">
+              <a:avLst/>
+            </a:prstGeom>
+            <a:noFill/>
+            <a:ln w="76200" cap="flat">
+              <a:solidFill>
+                <a:srgbClr val="000000"/>
+              </a:solidFill>
+              <a:prstDash val="solid"/>
+              <a:miter lim="400000"/>
+              <a:tailEnd type="triangle" w="med" len="med"/>
+            </a:ln>
+            <a:effectLst/>
+          </p:spPr>
+          <p:txBody>
+            <a:bodyPr wrap="square" lIns="0" tIns="0" rIns="0" bIns="0" numCol="1" anchor="ctr">
+              <a:noAutofit/>
+            </a:bodyPr>
+            <a:lstStyle/>
+            <a:p>
+              <a:pPr marL="0" marR="0" lvl="0" indent="0" algn="ctr" defTabSz="825500" rtl="0" eaLnBrk="1" fontAlgn="auto" latinLnBrk="0" hangingPunct="0">
+                <a:lnSpc>
+                  <a:spcPct val="100000"/>
+                </a:lnSpc>
+                <a:spcBef>
+                  <a:spcPts val="0"/>
+                </a:spcBef>
+                <a:spcAft>
+                  <a:spcPts val="0"/>
+                </a:spcAft>
+                <a:buClrTx/>
+                <a:buSzTx/>
+                <a:buFontTx/>
+                <a:buNone/>
+                <a:tabLst/>
+                <a:defRPr sz="3200" b="0">
+                  <a:solidFill>
+                    <a:srgbClr val="FFFFFF"/>
+                  </a:solidFill>
+                  <a:latin typeface="+mn-lt"/>
+                  <a:ea typeface="+mn-ea"/>
+                  <a:cs typeface="+mn-cs"/>
+                  <a:sym typeface="Helvetica Neue Medium"/>
+                </a:defRPr>
+              </a:pPr>
+              <a:endParaRPr kumimoji="0" sz="3200" b="0" i="0" u="none" strike="noStrike" kern="0" cap="none" spc="0" normalizeH="0" baseline="0" noProof="0">
+                <a:ln>
+                  <a:noFill/>
+                </a:ln>
+                <a:solidFill>
+                  <a:srgbClr val="FFFFFF"/>
+                </a:solidFill>
+                <a:effectLst/>
+                <a:uLnTx/>
+                <a:uFillTx/>
+                <a:latin typeface="Helvetica Neue Medium"/>
+                <a:sym typeface="Helvetica Neue Medium"/>
+              </a:endParaRPr>
+            </a:p>
+          </p:txBody>
+        </p:sp>
+        <p:sp>
+          <p:nvSpPr>
+            <p:cNvPr id="763" name="Line"/>
+            <p:cNvSpPr/>
+            <p:nvPr/>
+          </p:nvSpPr>
+          <p:spPr>
+            <a:xfrm flipV="1">
+              <a:off x="36482" y="0"/>
+              <a:ext cx="2498695" cy="2761328"/>
+            </a:xfrm>
+            <a:prstGeom prst="line">
+              <a:avLst/>
+            </a:prstGeom>
+            <a:noFill/>
+            <a:ln w="50800" cap="flat">
+              <a:solidFill>
+                <a:schemeClr val="accent5">
+                  <a:lumOff val="-29866"/>
+                </a:schemeClr>
+              </a:solidFill>
+              <a:prstDash val="solid"/>
+              <a:miter lim="400000"/>
+            </a:ln>
+            <a:effectLst/>
+          </p:spPr>
+          <p:txBody>
+            <a:bodyPr wrap="square" lIns="0" tIns="0" rIns="0" bIns="0" numCol="1" anchor="ctr">
+              <a:noAutofit/>
+            </a:bodyPr>
+            <a:lstStyle/>
+            <a:p>
+              <a:pPr marL="0" marR="0" lvl="0" indent="0" algn="ctr" defTabSz="825500" rtl="0" eaLnBrk="1" fontAlgn="auto" latinLnBrk="0" hangingPunct="0">
+                <a:lnSpc>
+                  <a:spcPct val="100000"/>
+                </a:lnSpc>
+                <a:spcBef>
+                  <a:spcPts val="0"/>
+                </a:spcBef>
+                <a:spcAft>
+                  <a:spcPts val="0"/>
+                </a:spcAft>
+                <a:buClrTx/>
+                <a:buSzTx/>
+                <a:buFontTx/>
+                <a:buNone/>
+                <a:tabLst/>
+                <a:defRPr sz="3200" b="0">
+                  <a:solidFill>
+                    <a:srgbClr val="FFFFFF"/>
+                  </a:solidFill>
+                  <a:latin typeface="+mn-lt"/>
+                  <a:ea typeface="+mn-ea"/>
+                  <a:cs typeface="+mn-cs"/>
+                  <a:sym typeface="Helvetica Neue Medium"/>
+                </a:defRPr>
+              </a:pPr>
+              <a:endParaRPr kumimoji="0" sz="3200" b="0" i="0" u="none" strike="noStrike" kern="0" cap="none" spc="0" normalizeH="0" baseline="0" noProof="0">
+                <a:ln>
+                  <a:noFill/>
+                </a:ln>
+                <a:solidFill>
+                  <a:srgbClr val="FFFFFF"/>
+                </a:solidFill>
+                <a:effectLst/>
+                <a:uLnTx/>
+                <a:uFillTx/>
+                <a:latin typeface="Helvetica Neue Medium"/>
+                <a:sym typeface="Helvetica Neue Medium"/>
+              </a:endParaRPr>
+            </a:p>
+          </p:txBody>
+        </p:sp>
+        <p:sp>
+          <p:nvSpPr>
+            <p:cNvPr id="764" name="Line"/>
+            <p:cNvSpPr/>
+            <p:nvPr/>
+          </p:nvSpPr>
+          <p:spPr>
+            <a:xfrm>
+              <a:off x="-1" y="3692116"/>
+              <a:ext cx="2559674" cy="2947946"/>
+            </a:xfrm>
+            <a:prstGeom prst="line">
+              <a:avLst/>
+            </a:prstGeom>
+            <a:noFill/>
+            <a:ln w="50800" cap="flat">
+              <a:solidFill>
+                <a:schemeClr val="accent5">
+                  <a:lumOff val="-29866"/>
+                </a:schemeClr>
+              </a:solidFill>
+              <a:prstDash val="solid"/>
+              <a:miter lim="400000"/>
+            </a:ln>
+            <a:effectLst/>
+          </p:spPr>
+          <p:txBody>
+            <a:bodyPr wrap="square" lIns="0" tIns="0" rIns="0" bIns="0" numCol="1" anchor="ctr">
+              <a:noAutofit/>
+            </a:bodyPr>
+            <a:lstStyle/>
+            <a:p>
+              <a:pPr marL="0" marR="0" lvl="0" indent="0" algn="ctr" defTabSz="825500" rtl="0" eaLnBrk="1" fontAlgn="auto" latinLnBrk="0" hangingPunct="0">
+                <a:lnSpc>
+                  <a:spcPct val="100000"/>
+                </a:lnSpc>
+                <a:spcBef>
+                  <a:spcPts val="0"/>
+                </a:spcBef>
+                <a:spcAft>
+                  <a:spcPts val="0"/>
+                </a:spcAft>
+                <a:buClrTx/>
+                <a:buSzTx/>
+                <a:buFontTx/>
+                <a:buNone/>
+                <a:tabLst/>
+                <a:defRPr sz="3200" b="0">
+                  <a:solidFill>
+                    <a:srgbClr val="FFFFFF"/>
+                  </a:solidFill>
+                  <a:latin typeface="+mn-lt"/>
+                  <a:ea typeface="+mn-ea"/>
+                  <a:cs typeface="+mn-cs"/>
+                  <a:sym typeface="Helvetica Neue Medium"/>
+                </a:defRPr>
+              </a:pPr>
+              <a:endParaRPr kumimoji="0" sz="3200" b="0" i="0" u="none" strike="noStrike" kern="0" cap="none" spc="0" normalizeH="0" baseline="0" noProof="0">
+                <a:ln>
+                  <a:noFill/>
+                </a:ln>
+                <a:solidFill>
+                  <a:srgbClr val="FFFFFF"/>
+                </a:solidFill>
+                <a:effectLst/>
+                <a:uLnTx/>
+                <a:uFillTx/>
+                <a:latin typeface="Helvetica Neue Medium"/>
+                <a:sym typeface="Helvetica Neue Medium"/>
+              </a:endParaRPr>
+            </a:p>
+          </p:txBody>
+        </p:sp>
+        <p:sp>
+          <p:nvSpPr>
+            <p:cNvPr id="765" name="Line"/>
+            <p:cNvSpPr/>
+            <p:nvPr/>
+          </p:nvSpPr>
+          <p:spPr>
+            <a:xfrm>
+              <a:off x="4112458" y="62693"/>
+              <a:ext cx="1" cy="541173"/>
+            </a:xfrm>
+            <a:prstGeom prst="line">
+              <a:avLst/>
+            </a:prstGeom>
+            <a:noFill/>
+            <a:ln w="76200" cap="flat">
+              <a:solidFill>
+                <a:srgbClr val="000000"/>
+              </a:solidFill>
+              <a:prstDash val="solid"/>
+              <a:miter lim="400000"/>
+              <a:tailEnd type="triangle" w="med" len="med"/>
+            </a:ln>
+            <a:effectLst/>
+          </p:spPr>
+          <p:txBody>
+            <a:bodyPr wrap="square" lIns="0" tIns="0" rIns="0" bIns="0" numCol="1" anchor="ctr">
+              <a:noAutofit/>
+            </a:bodyPr>
+            <a:lstStyle/>
+            <a:p>
+              <a:pPr marL="0" marR="0" lvl="0" indent="0" algn="ctr" defTabSz="825500" rtl="0" eaLnBrk="1" fontAlgn="auto" latinLnBrk="0" hangingPunct="0">
+                <a:lnSpc>
+                  <a:spcPct val="100000"/>
+                </a:lnSpc>
+                <a:spcBef>
+                  <a:spcPts val="0"/>
+                </a:spcBef>
+                <a:spcAft>
+                  <a:spcPts val="0"/>
+                </a:spcAft>
+                <a:buClrTx/>
+                <a:buSzTx/>
+                <a:buFontTx/>
+                <a:buNone/>
+                <a:tabLst/>
+                <a:defRPr sz="3200" b="0">
+                  <a:solidFill>
+                    <a:srgbClr val="FFFFFF"/>
+                  </a:solidFill>
+                  <a:latin typeface="+mn-lt"/>
+                  <a:ea typeface="+mn-ea"/>
+                  <a:cs typeface="+mn-cs"/>
+                  <a:sym typeface="Helvetica Neue Medium"/>
+                </a:defRPr>
+              </a:pPr>
+              <a:endParaRPr kumimoji="0" sz="3200" b="0" i="0" u="none" strike="noStrike" kern="0" cap="none" spc="0" normalizeH="0" baseline="0" noProof="0">
+                <a:ln>
+                  <a:noFill/>
+                </a:ln>
+                <a:solidFill>
+                  <a:srgbClr val="FFFFFF"/>
+                </a:solidFill>
+                <a:effectLst/>
+                <a:uLnTx/>
+                <a:uFillTx/>
+                <a:latin typeface="Helvetica Neue Medium"/>
+                <a:sym typeface="Helvetica Neue Medium"/>
+              </a:endParaRPr>
+            </a:p>
+          </p:txBody>
+        </p:sp>
+        <p:sp>
+          <p:nvSpPr>
+            <p:cNvPr id="766" name="Line"/>
+            <p:cNvSpPr/>
+            <p:nvPr/>
+          </p:nvSpPr>
+          <p:spPr>
+            <a:xfrm>
+              <a:off x="4112458" y="6019473"/>
+              <a:ext cx="1" cy="541173"/>
+            </a:xfrm>
+            <a:prstGeom prst="line">
+              <a:avLst/>
+            </a:prstGeom>
+            <a:noFill/>
+            <a:ln w="76200" cap="flat">
+              <a:solidFill>
+                <a:srgbClr val="000000"/>
+              </a:solidFill>
+              <a:prstDash val="solid"/>
+              <a:miter lim="400000"/>
+              <a:tailEnd type="triangle" w="med" len="med"/>
+            </a:ln>
+            <a:effectLst/>
+          </p:spPr>
+          <p:txBody>
+            <a:bodyPr wrap="square" lIns="0" tIns="0" rIns="0" bIns="0" numCol="1" anchor="ctr">
+              <a:noAutofit/>
+            </a:bodyPr>
+            <a:lstStyle/>
+            <a:p>
+              <a:pPr marL="0" marR="0" lvl="0" indent="0" algn="ctr" defTabSz="825500" rtl="0" eaLnBrk="1" fontAlgn="auto" latinLnBrk="0" hangingPunct="0">
+                <a:lnSpc>
+                  <a:spcPct val="100000"/>
+                </a:lnSpc>
+                <a:spcBef>
+                  <a:spcPts val="0"/>
+                </a:spcBef>
+                <a:spcAft>
+                  <a:spcPts val="0"/>
+                </a:spcAft>
+                <a:buClrTx/>
+                <a:buSzTx/>
+                <a:buFontTx/>
+                <a:buNone/>
+                <a:tabLst/>
+                <a:defRPr sz="3200" b="0">
+                  <a:solidFill>
+                    <a:srgbClr val="FFFFFF"/>
+                  </a:solidFill>
+                  <a:latin typeface="+mn-lt"/>
+                  <a:ea typeface="+mn-ea"/>
+                  <a:cs typeface="+mn-cs"/>
+                  <a:sym typeface="Helvetica Neue Medium"/>
+                </a:defRPr>
+              </a:pPr>
+              <a:endParaRPr kumimoji="0" sz="3200" b="0" i="0" u="none" strike="noStrike" kern="0" cap="none" spc="0" normalizeH="0" baseline="0" noProof="0">
+                <a:ln>
+                  <a:noFill/>
+                </a:ln>
+                <a:solidFill>
+                  <a:srgbClr val="FFFFFF"/>
+                </a:solidFill>
+                <a:effectLst/>
+                <a:uLnTx/>
+                <a:uFillTx/>
+                <a:latin typeface="Helvetica Neue Medium"/>
+                <a:sym typeface="Helvetica Neue Medium"/>
+              </a:endParaRPr>
+            </a:p>
+          </p:txBody>
+        </p:sp>
+      </p:grpSp>
+      <p:grpSp>
+        <p:nvGrpSpPr>
+          <p:cNvPr id="776" name="Group"/>
+          <p:cNvGrpSpPr/>
+          <p:nvPr/>
+        </p:nvGrpSpPr>
+        <p:grpSpPr>
+          <a:xfrm>
+            <a:off x="16383186" y="1533880"/>
+            <a:ext cx="6680610" cy="1600834"/>
+            <a:chOff x="0" y="0"/>
+            <a:chExt cx="6680609" cy="1600832"/>
+          </a:xfrm>
+        </p:grpSpPr>
+        <p:sp>
+          <p:nvSpPr>
+            <p:cNvPr id="768" name="Line"/>
+            <p:cNvSpPr/>
+            <p:nvPr/>
+          </p:nvSpPr>
+          <p:spPr>
+            <a:xfrm flipV="1">
+              <a:off x="952512" y="53417"/>
+              <a:ext cx="1" cy="1547416"/>
+            </a:xfrm>
+            <a:prstGeom prst="line">
+              <a:avLst/>
+            </a:prstGeom>
+            <a:noFill/>
+            <a:ln w="50800" cap="flat">
+              <a:solidFill>
+                <a:srgbClr val="000000"/>
+              </a:solidFill>
+              <a:custDash>
+                <a:ds d="200000" sp="200000"/>
+              </a:custDash>
+              <a:miter lim="400000"/>
+            </a:ln>
+            <a:effectLst/>
+          </p:spPr>
+          <p:txBody>
+            <a:bodyPr wrap="square" lIns="0" tIns="0" rIns="0" bIns="0" numCol="1" anchor="ctr">
+              <a:noAutofit/>
+            </a:bodyPr>
+            <a:lstStyle/>
+            <a:p>
+              <a:pPr marL="0" marR="0" lvl="0" indent="0" algn="ctr" defTabSz="825500" rtl="0" eaLnBrk="1" fontAlgn="auto" latinLnBrk="0" hangingPunct="0">
+                <a:lnSpc>
+                  <a:spcPct val="100000"/>
+                </a:lnSpc>
+                <a:spcBef>
+                  <a:spcPts val="0"/>
+                </a:spcBef>
+                <a:spcAft>
+                  <a:spcPts val="0"/>
+                </a:spcAft>
+                <a:buClrTx/>
+                <a:buSzTx/>
+                <a:buFontTx/>
+                <a:buNone/>
+                <a:tabLst/>
+                <a:defRPr sz="3200" b="0">
+                  <a:solidFill>
+                    <a:srgbClr val="FFFFFF"/>
+                  </a:solidFill>
+                  <a:latin typeface="+mn-lt"/>
+                  <a:ea typeface="+mn-ea"/>
+                  <a:cs typeface="+mn-cs"/>
+                  <a:sym typeface="Helvetica Neue Medium"/>
+                </a:defRPr>
+              </a:pPr>
+              <a:endParaRPr kumimoji="0" sz="3200" b="0" i="0" u="none" strike="noStrike" kern="0" cap="none" spc="0" normalizeH="0" baseline="0" noProof="0">
+                <a:ln>
+                  <a:noFill/>
+                </a:ln>
+                <a:solidFill>
+                  <a:srgbClr val="FFFFFF"/>
+                </a:solidFill>
+                <a:effectLst/>
+                <a:uLnTx/>
+                <a:uFillTx/>
+                <a:latin typeface="Helvetica Neue Medium"/>
+                <a:sym typeface="Helvetica Neue Medium"/>
+              </a:endParaRPr>
+            </a:p>
+          </p:txBody>
+        </p:sp>
+        <p:sp>
+          <p:nvSpPr>
+            <p:cNvPr id="769" name="Line"/>
+            <p:cNvSpPr/>
+            <p:nvPr/>
+          </p:nvSpPr>
+          <p:spPr>
+            <a:xfrm flipV="1">
+              <a:off x="1907195" y="53417"/>
+              <a:ext cx="1" cy="1547416"/>
+            </a:xfrm>
+            <a:prstGeom prst="line">
+              <a:avLst/>
+            </a:prstGeom>
+            <a:noFill/>
+            <a:ln w="50800" cap="flat">
+              <a:solidFill>
+                <a:srgbClr val="000000"/>
+              </a:solidFill>
+              <a:custDash>
+                <a:ds d="200000" sp="200000"/>
+              </a:custDash>
+              <a:miter lim="400000"/>
+            </a:ln>
+            <a:effectLst/>
+          </p:spPr>
+          <p:txBody>
+            <a:bodyPr wrap="square" lIns="0" tIns="0" rIns="0" bIns="0" numCol="1" anchor="ctr">
+              <a:noAutofit/>
+            </a:bodyPr>
+            <a:lstStyle/>
+            <a:p>
+              <a:pPr marL="0" marR="0" lvl="0" indent="0" algn="ctr" defTabSz="825500" rtl="0" eaLnBrk="1" fontAlgn="auto" latinLnBrk="0" hangingPunct="0">
+                <a:lnSpc>
+                  <a:spcPct val="100000"/>
+                </a:lnSpc>
+                <a:spcBef>
+                  <a:spcPts val="0"/>
+                </a:spcBef>
+                <a:spcAft>
+                  <a:spcPts val="0"/>
+                </a:spcAft>
+                <a:buClrTx/>
+                <a:buSzTx/>
+                <a:buFontTx/>
+                <a:buNone/>
+                <a:tabLst/>
+                <a:defRPr sz="3200" b="0">
+                  <a:solidFill>
+                    <a:srgbClr val="FFFFFF"/>
+                  </a:solidFill>
+                  <a:latin typeface="+mn-lt"/>
+                  <a:ea typeface="+mn-ea"/>
+                  <a:cs typeface="+mn-cs"/>
+                  <a:sym typeface="Helvetica Neue Medium"/>
+                </a:defRPr>
+              </a:pPr>
+              <a:endParaRPr kumimoji="0" sz="3200" b="0" i="0" u="none" strike="noStrike" kern="0" cap="none" spc="0" normalizeH="0" baseline="0" noProof="0">
+                <a:ln>
+                  <a:noFill/>
+                </a:ln>
+                <a:solidFill>
+                  <a:srgbClr val="FFFFFF"/>
+                </a:solidFill>
+                <a:effectLst/>
+                <a:uLnTx/>
+                <a:uFillTx/>
+                <a:latin typeface="Helvetica Neue Medium"/>
+                <a:sym typeface="Helvetica Neue Medium"/>
+              </a:endParaRPr>
+            </a:p>
+          </p:txBody>
+        </p:sp>
+        <p:sp>
+          <p:nvSpPr>
+            <p:cNvPr id="770" name="Line"/>
+            <p:cNvSpPr/>
+            <p:nvPr/>
+          </p:nvSpPr>
+          <p:spPr>
+            <a:xfrm flipV="1">
+              <a:off x="2861878" y="0"/>
+              <a:ext cx="1" cy="1547416"/>
+            </a:xfrm>
+            <a:prstGeom prst="line">
+              <a:avLst/>
+            </a:prstGeom>
+            <a:noFill/>
+            <a:ln w="50800" cap="flat">
+              <a:solidFill>
+                <a:srgbClr val="000000"/>
+              </a:solidFill>
+              <a:custDash>
+                <a:ds d="200000" sp="200000"/>
+              </a:custDash>
+              <a:miter lim="400000"/>
+            </a:ln>
+            <a:effectLst/>
+          </p:spPr>
+          <p:txBody>
+            <a:bodyPr wrap="square" lIns="0" tIns="0" rIns="0" bIns="0" numCol="1" anchor="ctr">
+              <a:noAutofit/>
+            </a:bodyPr>
+            <a:lstStyle/>
+            <a:p>
+              <a:pPr marL="0" marR="0" lvl="0" indent="0" algn="ctr" defTabSz="825500" rtl="0" eaLnBrk="1" fontAlgn="auto" latinLnBrk="0" hangingPunct="0">
+                <a:lnSpc>
+                  <a:spcPct val="100000"/>
+                </a:lnSpc>
+                <a:spcBef>
+                  <a:spcPts val="0"/>
+                </a:spcBef>
+                <a:spcAft>
+                  <a:spcPts val="0"/>
+                </a:spcAft>
+                <a:buClrTx/>
+                <a:buSzTx/>
+                <a:buFontTx/>
+                <a:buNone/>
+                <a:tabLst/>
+                <a:defRPr sz="3200" b="0">
+                  <a:solidFill>
+                    <a:srgbClr val="FFFFFF"/>
+                  </a:solidFill>
+                  <a:latin typeface="+mn-lt"/>
+                  <a:ea typeface="+mn-ea"/>
+                  <a:cs typeface="+mn-cs"/>
+                  <a:sym typeface="Helvetica Neue Medium"/>
+                </a:defRPr>
+              </a:pPr>
+              <a:endParaRPr kumimoji="0" sz="3200" b="0" i="0" u="none" strike="noStrike" kern="0" cap="none" spc="0" normalizeH="0" baseline="0" noProof="0">
+                <a:ln>
+                  <a:noFill/>
+                </a:ln>
+                <a:solidFill>
+                  <a:srgbClr val="FFFFFF"/>
+                </a:solidFill>
+                <a:effectLst/>
+                <a:uLnTx/>
+                <a:uFillTx/>
+                <a:latin typeface="Helvetica Neue Medium"/>
+                <a:sym typeface="Helvetica Neue Medium"/>
+              </a:endParaRPr>
+            </a:p>
+          </p:txBody>
+        </p:sp>
+        <p:sp>
+          <p:nvSpPr>
+            <p:cNvPr id="771" name="Line"/>
+            <p:cNvSpPr/>
+            <p:nvPr/>
+          </p:nvSpPr>
+          <p:spPr>
+            <a:xfrm flipV="1">
+              <a:off x="3816560" y="0"/>
+              <a:ext cx="1" cy="1547416"/>
+            </a:xfrm>
+            <a:prstGeom prst="line">
+              <a:avLst/>
+            </a:prstGeom>
+            <a:noFill/>
+            <a:ln w="50800" cap="flat">
+              <a:solidFill>
+                <a:srgbClr val="000000"/>
+              </a:solidFill>
+              <a:custDash>
+                <a:ds d="200000" sp="200000"/>
+              </a:custDash>
+              <a:miter lim="400000"/>
+            </a:ln>
+            <a:effectLst/>
+          </p:spPr>
+          <p:txBody>
+            <a:bodyPr wrap="square" lIns="0" tIns="0" rIns="0" bIns="0" numCol="1" anchor="ctr">
+              <a:noAutofit/>
+            </a:bodyPr>
+            <a:lstStyle/>
+            <a:p>
+              <a:pPr marL="0" marR="0" lvl="0" indent="0" algn="ctr" defTabSz="825500" rtl="0" eaLnBrk="1" fontAlgn="auto" latinLnBrk="0" hangingPunct="0">
+                <a:lnSpc>
+                  <a:spcPct val="100000"/>
+                </a:lnSpc>
+                <a:spcBef>
+                  <a:spcPts val="0"/>
+                </a:spcBef>
+                <a:spcAft>
+                  <a:spcPts val="0"/>
+                </a:spcAft>
+                <a:buClrTx/>
+                <a:buSzTx/>
+                <a:buFontTx/>
+                <a:buNone/>
+                <a:tabLst/>
+                <a:defRPr sz="3200" b="0">
+                  <a:solidFill>
+                    <a:srgbClr val="FFFFFF"/>
+                  </a:solidFill>
+                  <a:latin typeface="+mn-lt"/>
+                  <a:ea typeface="+mn-ea"/>
+                  <a:cs typeface="+mn-cs"/>
+                  <a:sym typeface="Helvetica Neue Medium"/>
+                </a:defRPr>
+              </a:pPr>
+              <a:endParaRPr kumimoji="0" sz="3200" b="0" i="0" u="none" strike="noStrike" kern="0" cap="none" spc="0" normalizeH="0" baseline="0" noProof="0">
+                <a:ln>
+                  <a:noFill/>
+                </a:ln>
+                <a:solidFill>
+                  <a:srgbClr val="FFFFFF"/>
+                </a:solidFill>
+                <a:effectLst/>
+                <a:uLnTx/>
+                <a:uFillTx/>
+                <a:latin typeface="Helvetica Neue Medium"/>
+                <a:sym typeface="Helvetica Neue Medium"/>
+              </a:endParaRPr>
+            </a:p>
+          </p:txBody>
+        </p:sp>
+        <p:sp>
+          <p:nvSpPr>
+            <p:cNvPr id="772" name="Line"/>
+            <p:cNvSpPr/>
+            <p:nvPr/>
+          </p:nvSpPr>
+          <p:spPr>
+            <a:xfrm flipV="1">
+              <a:off x="4771243" y="0"/>
+              <a:ext cx="1" cy="1547416"/>
+            </a:xfrm>
+            <a:prstGeom prst="line">
+              <a:avLst/>
+            </a:prstGeom>
+            <a:noFill/>
+            <a:ln w="50800" cap="flat">
+              <a:solidFill>
+                <a:srgbClr val="000000"/>
+              </a:solidFill>
+              <a:custDash>
+                <a:ds d="200000" sp="200000"/>
+              </a:custDash>
+              <a:miter lim="400000"/>
+            </a:ln>
+            <a:effectLst/>
+          </p:spPr>
+          <p:txBody>
+            <a:bodyPr wrap="square" lIns="0" tIns="0" rIns="0" bIns="0" numCol="1" anchor="ctr">
+              <a:noAutofit/>
+            </a:bodyPr>
+            <a:lstStyle/>
+            <a:p>
+              <a:pPr marL="0" marR="0" lvl="0" indent="0" algn="ctr" defTabSz="825500" rtl="0" eaLnBrk="1" fontAlgn="auto" latinLnBrk="0" hangingPunct="0">
+                <a:lnSpc>
+                  <a:spcPct val="100000"/>
+                </a:lnSpc>
+                <a:spcBef>
+                  <a:spcPts val="0"/>
+                </a:spcBef>
+                <a:spcAft>
+                  <a:spcPts val="0"/>
+                </a:spcAft>
+                <a:buClrTx/>
+                <a:buSzTx/>
+                <a:buFontTx/>
+                <a:buNone/>
+                <a:tabLst/>
+                <a:defRPr sz="3200" b="0">
+                  <a:solidFill>
+                    <a:srgbClr val="FFFFFF"/>
+                  </a:solidFill>
+                  <a:latin typeface="+mn-lt"/>
+                  <a:ea typeface="+mn-ea"/>
+                  <a:cs typeface="+mn-cs"/>
+                  <a:sym typeface="Helvetica Neue Medium"/>
+                </a:defRPr>
+              </a:pPr>
+              <a:endParaRPr kumimoji="0" sz="3200" b="0" i="0" u="none" strike="noStrike" kern="0" cap="none" spc="0" normalizeH="0" baseline="0" noProof="0">
+                <a:ln>
+                  <a:noFill/>
+                </a:ln>
+                <a:solidFill>
+                  <a:srgbClr val="FFFFFF"/>
+                </a:solidFill>
+                <a:effectLst/>
+                <a:uLnTx/>
+                <a:uFillTx/>
+                <a:latin typeface="Helvetica Neue Medium"/>
+                <a:sym typeface="Helvetica Neue Medium"/>
+              </a:endParaRPr>
+            </a:p>
+          </p:txBody>
+        </p:sp>
+        <p:sp>
+          <p:nvSpPr>
+            <p:cNvPr id="773" name="Line"/>
+            <p:cNvSpPr/>
+            <p:nvPr/>
+          </p:nvSpPr>
+          <p:spPr>
+            <a:xfrm flipV="1">
+              <a:off x="5725926" y="0"/>
+              <a:ext cx="1" cy="1547416"/>
+            </a:xfrm>
+            <a:prstGeom prst="line">
+              <a:avLst/>
+            </a:prstGeom>
+            <a:noFill/>
+            <a:ln w="50800" cap="flat">
+              <a:solidFill>
+                <a:srgbClr val="000000"/>
+              </a:solidFill>
+              <a:custDash>
+                <a:ds d="200000" sp="200000"/>
+              </a:custDash>
+              <a:miter lim="400000"/>
+            </a:ln>
+            <a:effectLst/>
+          </p:spPr>
+          <p:txBody>
+            <a:bodyPr wrap="square" lIns="0" tIns="0" rIns="0" bIns="0" numCol="1" anchor="ctr">
+              <a:noAutofit/>
+            </a:bodyPr>
+            <a:lstStyle/>
+            <a:p>
+              <a:pPr marL="0" marR="0" lvl="0" indent="0" algn="ctr" defTabSz="825500" rtl="0" eaLnBrk="1" fontAlgn="auto" latinLnBrk="0" hangingPunct="0">
+                <a:lnSpc>
+                  <a:spcPct val="100000"/>
+                </a:lnSpc>
+                <a:spcBef>
+                  <a:spcPts val="0"/>
+                </a:spcBef>
+                <a:spcAft>
+                  <a:spcPts val="0"/>
+                </a:spcAft>
+                <a:buClrTx/>
+                <a:buSzTx/>
+                <a:buFontTx/>
+                <a:buNone/>
+                <a:tabLst/>
+                <a:defRPr sz="3200" b="0">
+                  <a:solidFill>
+                    <a:srgbClr val="FFFFFF"/>
+                  </a:solidFill>
+                  <a:latin typeface="+mn-lt"/>
+                  <a:ea typeface="+mn-ea"/>
+                  <a:cs typeface="+mn-cs"/>
+                  <a:sym typeface="Helvetica Neue Medium"/>
+                </a:defRPr>
+              </a:pPr>
+              <a:endParaRPr kumimoji="0" sz="3200" b="0" i="0" u="none" strike="noStrike" kern="0" cap="none" spc="0" normalizeH="0" baseline="0" noProof="0">
+                <a:ln>
+                  <a:noFill/>
+                </a:ln>
+                <a:solidFill>
+                  <a:srgbClr val="FFFFFF"/>
+                </a:solidFill>
+                <a:effectLst/>
+                <a:uLnTx/>
+                <a:uFillTx/>
+                <a:latin typeface="Helvetica Neue Medium"/>
+                <a:sym typeface="Helvetica Neue Medium"/>
+              </a:endParaRPr>
+            </a:p>
+          </p:txBody>
+        </p:sp>
+        <p:sp>
+          <p:nvSpPr>
+            <p:cNvPr id="774" name="Line"/>
+            <p:cNvSpPr/>
+            <p:nvPr/>
+          </p:nvSpPr>
+          <p:spPr>
+            <a:xfrm flipV="1">
+              <a:off x="6680609" y="0"/>
+              <a:ext cx="1" cy="1547416"/>
+            </a:xfrm>
+            <a:prstGeom prst="line">
+              <a:avLst/>
+            </a:prstGeom>
+            <a:noFill/>
+            <a:ln w="50800" cap="flat">
+              <a:solidFill>
+                <a:srgbClr val="000000"/>
+              </a:solidFill>
+              <a:custDash>
+                <a:ds d="200000" sp="200000"/>
+              </a:custDash>
+              <a:miter lim="400000"/>
+            </a:ln>
+            <a:effectLst/>
+          </p:spPr>
+          <p:txBody>
+            <a:bodyPr wrap="square" lIns="0" tIns="0" rIns="0" bIns="0" numCol="1" anchor="ctr">
+              <a:noAutofit/>
+            </a:bodyPr>
+            <a:lstStyle/>
+            <a:p>
+              <a:pPr marL="0" marR="0" lvl="0" indent="0" algn="ctr" defTabSz="825500" rtl="0" eaLnBrk="1" fontAlgn="auto" latinLnBrk="0" hangingPunct="0">
+                <a:lnSpc>
+                  <a:spcPct val="100000"/>
+                </a:lnSpc>
+                <a:spcBef>
+                  <a:spcPts val="0"/>
+                </a:spcBef>
+                <a:spcAft>
+                  <a:spcPts val="0"/>
+                </a:spcAft>
+                <a:buClrTx/>
+                <a:buSzTx/>
+                <a:buFontTx/>
+                <a:buNone/>
+                <a:tabLst/>
+                <a:defRPr sz="3200" b="0">
+                  <a:solidFill>
+                    <a:srgbClr val="FFFFFF"/>
+                  </a:solidFill>
+                  <a:latin typeface="+mn-lt"/>
+                  <a:ea typeface="+mn-ea"/>
+                  <a:cs typeface="+mn-cs"/>
+                  <a:sym typeface="Helvetica Neue Medium"/>
+                </a:defRPr>
+              </a:pPr>
+              <a:endParaRPr kumimoji="0" sz="3200" b="0" i="0" u="none" strike="noStrike" kern="0" cap="none" spc="0" normalizeH="0" baseline="0" noProof="0">
+                <a:ln>
+                  <a:noFill/>
+                </a:ln>
+                <a:solidFill>
+                  <a:srgbClr val="FFFFFF"/>
+                </a:solidFill>
+                <a:effectLst/>
+                <a:uLnTx/>
+                <a:uFillTx/>
+                <a:latin typeface="Helvetica Neue Medium"/>
+                <a:sym typeface="Helvetica Neue Medium"/>
+              </a:endParaRPr>
+            </a:p>
+          </p:txBody>
+        </p:sp>
+        <p:sp>
+          <p:nvSpPr>
+            <p:cNvPr id="775" name="Line"/>
+            <p:cNvSpPr/>
+            <p:nvPr/>
+          </p:nvSpPr>
+          <p:spPr>
+            <a:xfrm flipV="1">
+              <a:off x="-1" y="53417"/>
+              <a:ext cx="2" cy="1547416"/>
+            </a:xfrm>
+            <a:prstGeom prst="line">
+              <a:avLst/>
+            </a:prstGeom>
+            <a:noFill/>
+            <a:ln w="50800" cap="flat">
+              <a:solidFill>
+                <a:srgbClr val="000000"/>
+              </a:solidFill>
+              <a:custDash>
+                <a:ds d="200000" sp="200000"/>
+              </a:custDash>
+              <a:miter lim="400000"/>
+            </a:ln>
+            <a:effectLst/>
+          </p:spPr>
+          <p:txBody>
+            <a:bodyPr wrap="square" lIns="0" tIns="0" rIns="0" bIns="0" numCol="1" anchor="ctr">
+              <a:noAutofit/>
+            </a:bodyPr>
+            <a:lstStyle/>
+            <a:p>
+              <a:pPr marL="0" marR="0" lvl="0" indent="0" algn="ctr" defTabSz="825500" rtl="0" eaLnBrk="1" fontAlgn="auto" latinLnBrk="0" hangingPunct="0">
+                <a:lnSpc>
+                  <a:spcPct val="100000"/>
+                </a:lnSpc>
+                <a:spcBef>
+                  <a:spcPts val="0"/>
+                </a:spcBef>
+                <a:spcAft>
+                  <a:spcPts val="0"/>
+                </a:spcAft>
+                <a:buClrTx/>
+                <a:buSzTx/>
+                <a:buFontTx/>
+                <a:buNone/>
+                <a:tabLst/>
+                <a:defRPr sz="3200" b="0">
+                  <a:solidFill>
+                    <a:srgbClr val="FFFFFF"/>
+                  </a:solidFill>
+                  <a:latin typeface="+mn-lt"/>
+                  <a:ea typeface="+mn-ea"/>
+                  <a:cs typeface="+mn-cs"/>
+                  <a:sym typeface="Helvetica Neue Medium"/>
+                </a:defRPr>
+              </a:pPr>
+              <a:endParaRPr kumimoji="0" sz="3200" b="0" i="0" u="none" strike="noStrike" kern="0" cap="none" spc="0" normalizeH="0" baseline="0" noProof="0">
+                <a:ln>
+                  <a:noFill/>
+                </a:ln>
+                <a:solidFill>
+                  <a:srgbClr val="FFFFFF"/>
+                </a:solidFill>
+                <a:effectLst/>
+                <a:uLnTx/>
+                <a:uFillTx/>
+                <a:latin typeface="Helvetica Neue Medium"/>
+                <a:sym typeface="Helvetica Neue Medium"/>
+              </a:endParaRPr>
+            </a:p>
+          </p:txBody>
+        </p:sp>
+      </p:grpSp>
+      <p:pic>
+        <p:nvPicPr>
+          <p:cNvPr id="777" name="Image" descr="Image"/>
+          <p:cNvPicPr>
+            <a:picLocks noChangeAspect="1"/>
+          </p:cNvPicPr>
+          <p:nvPr/>
+        </p:nvPicPr>
+        <p:blipFill>
+          <a:blip r:embed="rId4"/>
+          <a:srcRect l="417" t="1147" r="416" b="1409"/>
+          <a:stretch>
+            <a:fillRect/>
+          </a:stretch>
+        </p:blipFill>
+        <p:spPr>
+          <a:xfrm>
+            <a:off x="15422302" y="3049496"/>
+            <a:ext cx="1908969" cy="1010048"/>
+          </a:xfrm>
+          <a:custGeom>
+            <a:avLst/>
+            <a:gdLst/>
+            <a:ahLst/>
+            <a:cxnLst>
+              <a:cxn ang="0">
+                <a:pos x="wd2" y="hd2"/>
+              </a:cxn>
+              <a:cxn ang="5400000">
+                <a:pos x="wd2" y="hd2"/>
+              </a:cxn>
+              <a:cxn ang="10800000">
+                <a:pos x="wd2" y="hd2"/>
+              </a:cxn>
+              <a:cxn ang="16200000">
+                <a:pos x="wd2" y="hd2"/>
+              </a:cxn>
+            </a:cxnLst>
+            <a:rect l="0" t="0" r="r" b="b"/>
+            <a:pathLst>
+              <a:path w="21600" h="19344" extrusionOk="0">
+                <a:moveTo>
+                  <a:pt x="10804" y="0"/>
+                </a:moveTo>
+                <a:cubicBezTo>
+                  <a:pt x="10227" y="154"/>
+                  <a:pt x="9939" y="411"/>
+                  <a:pt x="9534" y="851"/>
+                </a:cubicBezTo>
+                <a:cubicBezTo>
+                  <a:pt x="8124" y="2383"/>
+                  <a:pt x="7375" y="3877"/>
+                  <a:pt x="5353" y="9197"/>
+                </a:cubicBezTo>
+                <a:cubicBezTo>
+                  <a:pt x="3294" y="14613"/>
+                  <a:pt x="1822" y="17483"/>
+                  <a:pt x="701" y="18272"/>
+                </a:cubicBezTo>
+                <a:cubicBezTo>
+                  <a:pt x="393" y="18489"/>
+                  <a:pt x="130" y="18766"/>
+                  <a:pt x="0" y="18987"/>
+                </a:cubicBezTo>
+                <a:cubicBezTo>
+                  <a:pt x="4" y="19100"/>
+                  <a:pt x="9" y="19201"/>
+                  <a:pt x="13" y="19283"/>
+                </a:cubicBezTo>
+                <a:cubicBezTo>
+                  <a:pt x="94" y="19306"/>
+                  <a:pt x="263" y="19323"/>
+                  <a:pt x="440" y="19344"/>
+                </a:cubicBezTo>
+                <a:cubicBezTo>
+                  <a:pt x="1157" y="18692"/>
+                  <a:pt x="2558" y="17013"/>
+                  <a:pt x="2914" y="16304"/>
+                </a:cubicBezTo>
+                <a:cubicBezTo>
+                  <a:pt x="3181" y="15774"/>
+                  <a:pt x="4275" y="13089"/>
+                  <a:pt x="5344" y="10337"/>
+                </a:cubicBezTo>
+                <a:cubicBezTo>
+                  <a:pt x="10206" y="-2179"/>
+                  <a:pt x="11315" y="-2256"/>
+                  <a:pt x="15982" y="9653"/>
+                </a:cubicBezTo>
+                <a:cubicBezTo>
+                  <a:pt x="17207" y="12778"/>
+                  <a:pt x="18422" y="15774"/>
+                  <a:pt x="18686" y="16304"/>
+                </a:cubicBezTo>
+                <a:cubicBezTo>
+                  <a:pt x="19038" y="17011"/>
+                  <a:pt x="20443" y="18692"/>
+                  <a:pt x="21160" y="19344"/>
+                </a:cubicBezTo>
+                <a:cubicBezTo>
+                  <a:pt x="21337" y="19323"/>
+                  <a:pt x="21506" y="19306"/>
+                  <a:pt x="21587" y="19283"/>
+                </a:cubicBezTo>
+                <a:cubicBezTo>
+                  <a:pt x="21591" y="19201"/>
+                  <a:pt x="21596" y="19100"/>
+                  <a:pt x="21600" y="18987"/>
+                </a:cubicBezTo>
+                <a:cubicBezTo>
+                  <a:pt x="21470" y="18766"/>
+                  <a:pt x="21207" y="18489"/>
+                  <a:pt x="20899" y="18272"/>
+                </a:cubicBezTo>
+                <a:cubicBezTo>
+                  <a:pt x="19778" y="17483"/>
+                  <a:pt x="18306" y="14613"/>
+                  <a:pt x="16247" y="9197"/>
+                </a:cubicBezTo>
+                <a:cubicBezTo>
+                  <a:pt x="14225" y="3877"/>
+                  <a:pt x="13476" y="2383"/>
+                  <a:pt x="12066" y="851"/>
+                </a:cubicBezTo>
+                <a:cubicBezTo>
+                  <a:pt x="11662" y="412"/>
+                  <a:pt x="11379" y="154"/>
+                  <a:pt x="10804" y="0"/>
+                </a:cubicBezTo>
+                <a:close/>
+              </a:path>
+            </a:pathLst>
+          </a:custGeom>
+          <a:ln w="12700">
+            <a:miter lim="400000"/>
+          </a:ln>
+        </p:spPr>
+      </p:pic>
+      <p:pic>
+        <p:nvPicPr>
+          <p:cNvPr id="778" name="Image" descr="Image"/>
+          <p:cNvPicPr>
+            <a:picLocks noChangeAspect="1"/>
+          </p:cNvPicPr>
+          <p:nvPr/>
+        </p:nvPicPr>
+        <p:blipFill>
+          <a:blip r:embed="rId4"/>
+          <a:srcRect l="417" t="1147" r="416" b="1409"/>
+          <a:stretch>
+            <a:fillRect/>
+          </a:stretch>
+        </p:blipFill>
+        <p:spPr>
+          <a:xfrm>
+            <a:off x="16381181" y="4237589"/>
+            <a:ext cx="1908970" cy="1010048"/>
+          </a:xfrm>
+          <a:custGeom>
+            <a:avLst/>
+            <a:gdLst/>
+            <a:ahLst/>
+            <a:cxnLst>
+              <a:cxn ang="0">
+                <a:pos x="wd2" y="hd2"/>
+              </a:cxn>
+              <a:cxn ang="5400000">
+                <a:pos x="wd2" y="hd2"/>
+              </a:cxn>
+              <a:cxn ang="10800000">
+                <a:pos x="wd2" y="hd2"/>
+              </a:cxn>
+              <a:cxn ang="16200000">
+                <a:pos x="wd2" y="hd2"/>
+              </a:cxn>
+            </a:cxnLst>
+            <a:rect l="0" t="0" r="r" b="b"/>
+            <a:pathLst>
+              <a:path w="21600" h="19344" extrusionOk="0">
+                <a:moveTo>
+                  <a:pt x="10804" y="0"/>
+                </a:moveTo>
+                <a:cubicBezTo>
+                  <a:pt x="10227" y="154"/>
+                  <a:pt x="9939" y="411"/>
+                  <a:pt x="9534" y="851"/>
+                </a:cubicBezTo>
+                <a:cubicBezTo>
+                  <a:pt x="8124" y="2383"/>
+                  <a:pt x="7375" y="3877"/>
+                  <a:pt x="5353" y="9197"/>
+                </a:cubicBezTo>
+                <a:cubicBezTo>
+                  <a:pt x="3294" y="14613"/>
+                  <a:pt x="1822" y="17483"/>
+                  <a:pt x="701" y="18272"/>
+                </a:cubicBezTo>
+                <a:cubicBezTo>
+                  <a:pt x="393" y="18489"/>
+                  <a:pt x="130" y="18766"/>
+                  <a:pt x="0" y="18987"/>
+                </a:cubicBezTo>
+                <a:cubicBezTo>
+                  <a:pt x="4" y="19100"/>
+                  <a:pt x="9" y="19201"/>
+                  <a:pt x="13" y="19283"/>
+                </a:cubicBezTo>
+                <a:cubicBezTo>
+                  <a:pt x="94" y="19306"/>
+                  <a:pt x="263" y="19323"/>
+                  <a:pt x="440" y="19344"/>
+                </a:cubicBezTo>
+                <a:cubicBezTo>
+                  <a:pt x="1157" y="18692"/>
+                  <a:pt x="2558" y="17013"/>
+                  <a:pt x="2914" y="16304"/>
+                </a:cubicBezTo>
+                <a:cubicBezTo>
+                  <a:pt x="3181" y="15774"/>
+                  <a:pt x="4275" y="13089"/>
+                  <a:pt x="5344" y="10337"/>
+                </a:cubicBezTo>
+                <a:cubicBezTo>
+                  <a:pt x="10206" y="-2179"/>
+                  <a:pt x="11315" y="-2256"/>
+                  <a:pt x="15982" y="9653"/>
+                </a:cubicBezTo>
+                <a:cubicBezTo>
+                  <a:pt x="17207" y="12778"/>
+                  <a:pt x="18422" y="15774"/>
+                  <a:pt x="18686" y="16304"/>
+                </a:cubicBezTo>
+                <a:cubicBezTo>
+                  <a:pt x="19038" y="17011"/>
+                  <a:pt x="20443" y="18692"/>
+                  <a:pt x="21160" y="19344"/>
+                </a:cubicBezTo>
+                <a:cubicBezTo>
+                  <a:pt x="21337" y="19323"/>
+                  <a:pt x="21506" y="19306"/>
+                  <a:pt x="21587" y="19283"/>
+                </a:cubicBezTo>
+                <a:cubicBezTo>
+                  <a:pt x="21591" y="19201"/>
+                  <a:pt x="21596" y="19100"/>
+                  <a:pt x="21600" y="18987"/>
+                </a:cubicBezTo>
+                <a:cubicBezTo>
+                  <a:pt x="21470" y="18766"/>
+                  <a:pt x="21207" y="18489"/>
+                  <a:pt x="20899" y="18272"/>
+                </a:cubicBezTo>
+                <a:cubicBezTo>
+                  <a:pt x="19778" y="17483"/>
+                  <a:pt x="18306" y="14613"/>
+                  <a:pt x="16247" y="9197"/>
+                </a:cubicBezTo>
+                <a:cubicBezTo>
+                  <a:pt x="14225" y="3877"/>
+                  <a:pt x="13476" y="2383"/>
+                  <a:pt x="12066" y="851"/>
+                </a:cubicBezTo>
+                <a:cubicBezTo>
+                  <a:pt x="11662" y="412"/>
+                  <a:pt x="11379" y="154"/>
+                  <a:pt x="10804" y="0"/>
+                </a:cubicBezTo>
+                <a:close/>
+              </a:path>
+            </a:pathLst>
+          </a:custGeom>
+          <a:ln w="12700">
+            <a:miter lim="400000"/>
+          </a:ln>
+        </p:spPr>
+      </p:pic>
+      <p:pic>
+        <p:nvPicPr>
+          <p:cNvPr id="779" name="Image" descr="Image"/>
+          <p:cNvPicPr>
+            <a:picLocks noChangeAspect="1"/>
+          </p:cNvPicPr>
+          <p:nvPr/>
+        </p:nvPicPr>
+        <p:blipFill>
+          <a:blip r:embed="rId4"/>
+          <a:srcRect l="417" t="1147" r="416" b="1409"/>
+          <a:stretch>
+            <a:fillRect/>
+          </a:stretch>
+        </p:blipFill>
+        <p:spPr>
+          <a:xfrm>
+            <a:off x="17336518" y="5425683"/>
+            <a:ext cx="1908970" cy="1010047"/>
+          </a:xfrm>
+          <a:custGeom>
+            <a:avLst/>
+            <a:gdLst/>
+            <a:ahLst/>
+            <a:cxnLst>
+              <a:cxn ang="0">
+                <a:pos x="wd2" y="hd2"/>
+              </a:cxn>
+              <a:cxn ang="5400000">
+                <a:pos x="wd2" y="hd2"/>
+              </a:cxn>
+              <a:cxn ang="10800000">
+                <a:pos x="wd2" y="hd2"/>
+              </a:cxn>
+              <a:cxn ang="16200000">
+                <a:pos x="wd2" y="hd2"/>
+              </a:cxn>
+            </a:cxnLst>
+            <a:rect l="0" t="0" r="r" b="b"/>
+            <a:pathLst>
+              <a:path w="21600" h="19344" extrusionOk="0">
+                <a:moveTo>
+                  <a:pt x="10804" y="0"/>
+                </a:moveTo>
+                <a:cubicBezTo>
+                  <a:pt x="10227" y="154"/>
+                  <a:pt x="9939" y="411"/>
+                  <a:pt x="9534" y="851"/>
+                </a:cubicBezTo>
+                <a:cubicBezTo>
+                  <a:pt x="8124" y="2383"/>
+                  <a:pt x="7375" y="3877"/>
+                  <a:pt x="5353" y="9197"/>
+                </a:cubicBezTo>
+                <a:cubicBezTo>
+                  <a:pt x="3294" y="14613"/>
+                  <a:pt x="1822" y="17483"/>
+                  <a:pt x="701" y="18272"/>
+                </a:cubicBezTo>
+                <a:cubicBezTo>
+                  <a:pt x="393" y="18489"/>
+                  <a:pt x="130" y="18766"/>
+                  <a:pt x="0" y="18987"/>
+                </a:cubicBezTo>
+                <a:cubicBezTo>
+                  <a:pt x="4" y="19100"/>
+                  <a:pt x="9" y="19201"/>
+                  <a:pt x="13" y="19283"/>
+                </a:cubicBezTo>
+                <a:cubicBezTo>
+                  <a:pt x="94" y="19306"/>
+                  <a:pt x="263" y="19323"/>
+                  <a:pt x="440" y="19344"/>
+                </a:cubicBezTo>
+                <a:cubicBezTo>
+                  <a:pt x="1157" y="18692"/>
+                  <a:pt x="2558" y="17013"/>
+                  <a:pt x="2914" y="16304"/>
+                </a:cubicBezTo>
+                <a:cubicBezTo>
+                  <a:pt x="3181" y="15774"/>
+                  <a:pt x="4275" y="13089"/>
+                  <a:pt x="5344" y="10337"/>
+                </a:cubicBezTo>
+                <a:cubicBezTo>
+                  <a:pt x="10206" y="-2179"/>
+                  <a:pt x="11315" y="-2256"/>
+                  <a:pt x="15982" y="9653"/>
+                </a:cubicBezTo>
+                <a:cubicBezTo>
+                  <a:pt x="17207" y="12778"/>
+                  <a:pt x="18422" y="15774"/>
+                  <a:pt x="18686" y="16304"/>
+                </a:cubicBezTo>
+                <a:cubicBezTo>
+                  <a:pt x="19038" y="17011"/>
+                  <a:pt x="20443" y="18692"/>
+                  <a:pt x="21160" y="19344"/>
+                </a:cubicBezTo>
+                <a:cubicBezTo>
+                  <a:pt x="21337" y="19323"/>
+                  <a:pt x="21506" y="19306"/>
+                  <a:pt x="21587" y="19283"/>
+                </a:cubicBezTo>
+                <a:cubicBezTo>
+                  <a:pt x="21591" y="19201"/>
+                  <a:pt x="21596" y="19100"/>
+                  <a:pt x="21600" y="18987"/>
+                </a:cubicBezTo>
+                <a:cubicBezTo>
+                  <a:pt x="21470" y="18766"/>
+                  <a:pt x="21207" y="18489"/>
+                  <a:pt x="20899" y="18272"/>
+                </a:cubicBezTo>
+                <a:cubicBezTo>
+                  <a:pt x="19778" y="17483"/>
+                  <a:pt x="18306" y="14613"/>
+                  <a:pt x="16247" y="9197"/>
+                </a:cubicBezTo>
+                <a:cubicBezTo>
+                  <a:pt x="14225" y="3877"/>
+                  <a:pt x="13476" y="2383"/>
+                  <a:pt x="12066" y="851"/>
+                </a:cubicBezTo>
+                <a:cubicBezTo>
+                  <a:pt x="11662" y="412"/>
+                  <a:pt x="11379" y="154"/>
+                  <a:pt x="10804" y="0"/>
+                </a:cubicBezTo>
+                <a:close/>
+              </a:path>
+            </a:pathLst>
+          </a:custGeom>
+          <a:ln w="12700">
+            <a:miter lim="400000"/>
+          </a:ln>
+        </p:spPr>
+      </p:pic>
+      <p:pic>
+        <p:nvPicPr>
+          <p:cNvPr id="780" name="Image" descr="Image"/>
+          <p:cNvPicPr>
+            <a:picLocks noChangeAspect="1"/>
+          </p:cNvPicPr>
+          <p:nvPr/>
+        </p:nvPicPr>
+        <p:blipFill>
+          <a:blip r:embed="rId4"/>
+          <a:srcRect l="417" t="1147" r="416" b="1409"/>
+          <a:stretch>
+            <a:fillRect/>
+          </a:stretch>
+        </p:blipFill>
+        <p:spPr>
+          <a:xfrm>
+            <a:off x="17336518" y="7650955"/>
+            <a:ext cx="1908970" cy="1010048"/>
+          </a:xfrm>
+          <a:custGeom>
+            <a:avLst/>
+            <a:gdLst/>
+            <a:ahLst/>
+            <a:cxnLst>
+              <a:cxn ang="0">
+                <a:pos x="wd2" y="hd2"/>
+              </a:cxn>
+              <a:cxn ang="5400000">
+                <a:pos x="wd2" y="hd2"/>
+              </a:cxn>
+              <a:cxn ang="10800000">
+                <a:pos x="wd2" y="hd2"/>
+              </a:cxn>
+              <a:cxn ang="16200000">
+                <a:pos x="wd2" y="hd2"/>
+              </a:cxn>
+            </a:cxnLst>
+            <a:rect l="0" t="0" r="r" b="b"/>
+            <a:pathLst>
+              <a:path w="21600" h="19344" extrusionOk="0">
+                <a:moveTo>
+                  <a:pt x="10804" y="0"/>
+                </a:moveTo>
+                <a:cubicBezTo>
+                  <a:pt x="10227" y="154"/>
+                  <a:pt x="9939" y="411"/>
+                  <a:pt x="9534" y="851"/>
+                </a:cubicBezTo>
+                <a:cubicBezTo>
+                  <a:pt x="8124" y="2383"/>
+                  <a:pt x="7375" y="3877"/>
+                  <a:pt x="5353" y="9197"/>
+                </a:cubicBezTo>
+                <a:cubicBezTo>
+                  <a:pt x="3294" y="14613"/>
+                  <a:pt x="1822" y="17483"/>
+                  <a:pt x="701" y="18272"/>
+                </a:cubicBezTo>
+                <a:cubicBezTo>
+                  <a:pt x="393" y="18489"/>
+                  <a:pt x="130" y="18766"/>
+                  <a:pt x="0" y="18987"/>
+                </a:cubicBezTo>
+                <a:cubicBezTo>
+                  <a:pt x="4" y="19100"/>
+                  <a:pt x="9" y="19201"/>
+                  <a:pt x="13" y="19283"/>
+                </a:cubicBezTo>
+                <a:cubicBezTo>
+                  <a:pt x="94" y="19306"/>
+                  <a:pt x="263" y="19323"/>
+                  <a:pt x="440" y="19344"/>
+                </a:cubicBezTo>
+                <a:cubicBezTo>
+                  <a:pt x="1157" y="18692"/>
+                  <a:pt x="2558" y="17013"/>
+                  <a:pt x="2914" y="16304"/>
+                </a:cubicBezTo>
+                <a:cubicBezTo>
+                  <a:pt x="3181" y="15774"/>
+                  <a:pt x="4275" y="13089"/>
+                  <a:pt x="5344" y="10337"/>
+                </a:cubicBezTo>
+                <a:cubicBezTo>
+                  <a:pt x="10206" y="-2179"/>
+                  <a:pt x="11315" y="-2256"/>
+                  <a:pt x="15982" y="9653"/>
+                </a:cubicBezTo>
+                <a:cubicBezTo>
+                  <a:pt x="17207" y="12778"/>
+                  <a:pt x="18422" y="15774"/>
+                  <a:pt x="18686" y="16304"/>
+                </a:cubicBezTo>
+                <a:cubicBezTo>
+                  <a:pt x="19038" y="17011"/>
+                  <a:pt x="20443" y="18692"/>
+                  <a:pt x="21160" y="19344"/>
+                </a:cubicBezTo>
+                <a:cubicBezTo>
+                  <a:pt x="21337" y="19323"/>
+                  <a:pt x="21506" y="19306"/>
+                  <a:pt x="21587" y="19283"/>
+                </a:cubicBezTo>
+                <a:cubicBezTo>
+                  <a:pt x="21591" y="19201"/>
+                  <a:pt x="21596" y="19100"/>
+                  <a:pt x="21600" y="18987"/>
+                </a:cubicBezTo>
+                <a:cubicBezTo>
+                  <a:pt x="21470" y="18766"/>
+                  <a:pt x="21207" y="18489"/>
+                  <a:pt x="20899" y="18272"/>
+                </a:cubicBezTo>
+                <a:cubicBezTo>
+                  <a:pt x="19778" y="17483"/>
+                  <a:pt x="18306" y="14613"/>
+                  <a:pt x="16247" y="9197"/>
+                </a:cubicBezTo>
+                <a:cubicBezTo>
+                  <a:pt x="14225" y="3877"/>
+                  <a:pt x="13476" y="2383"/>
+                  <a:pt x="12066" y="851"/>
+                </a:cubicBezTo>
+                <a:cubicBezTo>
+                  <a:pt x="11662" y="412"/>
+                  <a:pt x="11379" y="154"/>
+                  <a:pt x="10804" y="0"/>
+                </a:cubicBezTo>
+                <a:close/>
+              </a:path>
+            </a:pathLst>
+          </a:custGeom>
+          <a:ln w="12700">
+            <a:miter lim="400000"/>
+          </a:ln>
+        </p:spPr>
+      </p:pic>
+      <p:pic>
+        <p:nvPicPr>
+          <p:cNvPr id="781" name="Image" descr="Image"/>
+          <p:cNvPicPr>
+            <a:picLocks noChangeAspect="1"/>
+          </p:cNvPicPr>
+          <p:nvPr/>
+        </p:nvPicPr>
+        <p:blipFill>
+          <a:blip r:embed="rId4"/>
+          <a:srcRect l="417" t="1147" r="416" b="1409"/>
+          <a:stretch>
+            <a:fillRect/>
+          </a:stretch>
+        </p:blipFill>
+        <p:spPr>
+          <a:xfrm>
+            <a:off x="16381181" y="8839048"/>
+            <a:ext cx="1908970" cy="1010048"/>
+          </a:xfrm>
+          <a:custGeom>
+            <a:avLst/>
+            <a:gdLst/>
+            <a:ahLst/>
+            <a:cxnLst>
+              <a:cxn ang="0">
+                <a:pos x="wd2" y="hd2"/>
+              </a:cxn>
+              <a:cxn ang="5400000">
+                <a:pos x="wd2" y="hd2"/>
+              </a:cxn>
+              <a:cxn ang="10800000">
+                <a:pos x="wd2" y="hd2"/>
+              </a:cxn>
+              <a:cxn ang="16200000">
+                <a:pos x="wd2" y="hd2"/>
+              </a:cxn>
+            </a:cxnLst>
+            <a:rect l="0" t="0" r="r" b="b"/>
+            <a:pathLst>
+              <a:path w="21600" h="19344" extrusionOk="0">
+                <a:moveTo>
+                  <a:pt x="10804" y="0"/>
+                </a:moveTo>
+                <a:cubicBezTo>
+                  <a:pt x="10227" y="154"/>
+                  <a:pt x="9939" y="411"/>
+                  <a:pt x="9534" y="851"/>
+                </a:cubicBezTo>
+                <a:cubicBezTo>
+                  <a:pt x="8124" y="2383"/>
+                  <a:pt x="7375" y="3877"/>
+                  <a:pt x="5353" y="9197"/>
+                </a:cubicBezTo>
+                <a:cubicBezTo>
+                  <a:pt x="3294" y="14613"/>
+                  <a:pt x="1822" y="17483"/>
+                  <a:pt x="701" y="18272"/>
+                </a:cubicBezTo>
+                <a:cubicBezTo>
+                  <a:pt x="393" y="18489"/>
+                  <a:pt x="130" y="18766"/>
+                  <a:pt x="0" y="18987"/>
+                </a:cubicBezTo>
+                <a:cubicBezTo>
+                  <a:pt x="4" y="19100"/>
+                  <a:pt x="9" y="19201"/>
+                  <a:pt x="13" y="19283"/>
+                </a:cubicBezTo>
+                <a:cubicBezTo>
+                  <a:pt x="94" y="19306"/>
+                  <a:pt x="263" y="19323"/>
+                  <a:pt x="440" y="19344"/>
+                </a:cubicBezTo>
+                <a:cubicBezTo>
+                  <a:pt x="1157" y="18692"/>
+                  <a:pt x="2558" y="17013"/>
+                  <a:pt x="2914" y="16304"/>
+                </a:cubicBezTo>
+                <a:cubicBezTo>
+                  <a:pt x="3181" y="15774"/>
+                  <a:pt x="4275" y="13089"/>
+                  <a:pt x="5344" y="10337"/>
+                </a:cubicBezTo>
+                <a:cubicBezTo>
+                  <a:pt x="10206" y="-2179"/>
+                  <a:pt x="11315" y="-2256"/>
+                  <a:pt x="15982" y="9653"/>
+                </a:cubicBezTo>
+                <a:cubicBezTo>
+                  <a:pt x="17207" y="12778"/>
+                  <a:pt x="18422" y="15774"/>
+                  <a:pt x="18686" y="16304"/>
+                </a:cubicBezTo>
+                <a:cubicBezTo>
+                  <a:pt x="19038" y="17011"/>
+                  <a:pt x="20443" y="18692"/>
+                  <a:pt x="21160" y="19344"/>
+                </a:cubicBezTo>
+                <a:cubicBezTo>
+                  <a:pt x="21337" y="19323"/>
+                  <a:pt x="21506" y="19306"/>
+                  <a:pt x="21587" y="19283"/>
+                </a:cubicBezTo>
+                <a:cubicBezTo>
+                  <a:pt x="21591" y="19201"/>
+                  <a:pt x="21596" y="19100"/>
+                  <a:pt x="21600" y="18987"/>
+                </a:cubicBezTo>
+                <a:cubicBezTo>
+                  <a:pt x="21470" y="18766"/>
+                  <a:pt x="21207" y="18489"/>
+                  <a:pt x="20899" y="18272"/>
+                </a:cubicBezTo>
+                <a:cubicBezTo>
+                  <a:pt x="19778" y="17483"/>
+                  <a:pt x="18306" y="14613"/>
+                  <a:pt x="16247" y="9197"/>
+                </a:cubicBezTo>
+                <a:cubicBezTo>
+                  <a:pt x="14225" y="3877"/>
+                  <a:pt x="13476" y="2383"/>
+                  <a:pt x="12066" y="851"/>
+                </a:cubicBezTo>
+                <a:cubicBezTo>
+                  <a:pt x="11662" y="412"/>
+                  <a:pt x="11379" y="154"/>
+                  <a:pt x="10804" y="0"/>
+                </a:cubicBezTo>
+                <a:close/>
+              </a:path>
+            </a:pathLst>
+          </a:custGeom>
+          <a:ln w="12700">
+            <a:miter lim="400000"/>
+          </a:ln>
+        </p:spPr>
+      </p:pic>
+      <p:pic>
+        <p:nvPicPr>
+          <p:cNvPr id="782" name="Image" descr="Image"/>
+          <p:cNvPicPr>
+            <a:picLocks noChangeAspect="1"/>
+          </p:cNvPicPr>
+          <p:nvPr/>
+        </p:nvPicPr>
+        <p:blipFill>
+          <a:blip r:embed="rId4"/>
+          <a:srcRect l="417" t="1147" r="416" b="1409"/>
+          <a:stretch>
+            <a:fillRect/>
+          </a:stretch>
+        </p:blipFill>
+        <p:spPr>
+          <a:xfrm>
+            <a:off x="15436670" y="10072903"/>
+            <a:ext cx="1908969" cy="1010048"/>
+          </a:xfrm>
+          <a:custGeom>
+            <a:avLst/>
+            <a:gdLst/>
+            <a:ahLst/>
+            <a:cxnLst>
+              <a:cxn ang="0">
+                <a:pos x="wd2" y="hd2"/>
+              </a:cxn>
+              <a:cxn ang="5400000">
+                <a:pos x="wd2" y="hd2"/>
+              </a:cxn>
+              <a:cxn ang="10800000">
+                <a:pos x="wd2" y="hd2"/>
+              </a:cxn>
+              <a:cxn ang="16200000">
+                <a:pos x="wd2" y="hd2"/>
+              </a:cxn>
+            </a:cxnLst>
+            <a:rect l="0" t="0" r="r" b="b"/>
+            <a:pathLst>
+              <a:path w="21600" h="19344" extrusionOk="0">
+                <a:moveTo>
+                  <a:pt x="10804" y="0"/>
+                </a:moveTo>
+                <a:cubicBezTo>
+                  <a:pt x="10227" y="154"/>
+                  <a:pt x="9939" y="411"/>
+                  <a:pt x="9534" y="851"/>
+                </a:cubicBezTo>
+                <a:cubicBezTo>
+                  <a:pt x="8124" y="2383"/>
+                  <a:pt x="7375" y="3877"/>
+                  <a:pt x="5353" y="9197"/>
+                </a:cubicBezTo>
+                <a:cubicBezTo>
+                  <a:pt x="3294" y="14613"/>
+                  <a:pt x="1822" y="17483"/>
+                  <a:pt x="701" y="18272"/>
+                </a:cubicBezTo>
+                <a:cubicBezTo>
+                  <a:pt x="393" y="18489"/>
+                  <a:pt x="130" y="18766"/>
+                  <a:pt x="0" y="18987"/>
+                </a:cubicBezTo>
+                <a:cubicBezTo>
+                  <a:pt x="4" y="19100"/>
+                  <a:pt x="9" y="19201"/>
+                  <a:pt x="13" y="19283"/>
+                </a:cubicBezTo>
+                <a:cubicBezTo>
+                  <a:pt x="94" y="19306"/>
+                  <a:pt x="263" y="19323"/>
+                  <a:pt x="440" y="19344"/>
+                </a:cubicBezTo>
+                <a:cubicBezTo>
+                  <a:pt x="1157" y="18692"/>
+                  <a:pt x="2558" y="17013"/>
+                  <a:pt x="2914" y="16304"/>
+                </a:cubicBezTo>
+                <a:cubicBezTo>
+                  <a:pt x="3181" y="15774"/>
+                  <a:pt x="4275" y="13089"/>
+                  <a:pt x="5344" y="10337"/>
+                </a:cubicBezTo>
+                <a:cubicBezTo>
+                  <a:pt x="10206" y="-2179"/>
+                  <a:pt x="11315" y="-2256"/>
+                  <a:pt x="15982" y="9653"/>
+                </a:cubicBezTo>
+                <a:cubicBezTo>
+                  <a:pt x="17207" y="12778"/>
+                  <a:pt x="18422" y="15774"/>
+                  <a:pt x="18686" y="16304"/>
+                </a:cubicBezTo>
+                <a:cubicBezTo>
+                  <a:pt x="19038" y="17011"/>
+                  <a:pt x="20443" y="18692"/>
+                  <a:pt x="21160" y="19344"/>
+                </a:cubicBezTo>
+                <a:cubicBezTo>
+                  <a:pt x="21337" y="19323"/>
+                  <a:pt x="21506" y="19306"/>
+                  <a:pt x="21587" y="19283"/>
+                </a:cubicBezTo>
+                <a:cubicBezTo>
+                  <a:pt x="21591" y="19201"/>
+                  <a:pt x="21596" y="19100"/>
+                  <a:pt x="21600" y="18987"/>
+                </a:cubicBezTo>
+                <a:cubicBezTo>
+                  <a:pt x="21470" y="18766"/>
+                  <a:pt x="21207" y="18489"/>
+                  <a:pt x="20899" y="18272"/>
+                </a:cubicBezTo>
+                <a:cubicBezTo>
+                  <a:pt x="19778" y="17483"/>
+                  <a:pt x="18306" y="14613"/>
+                  <a:pt x="16247" y="9197"/>
+                </a:cubicBezTo>
+                <a:cubicBezTo>
+                  <a:pt x="14225" y="3877"/>
+                  <a:pt x="13476" y="2383"/>
+                  <a:pt x="12066" y="851"/>
+                </a:cubicBezTo>
+                <a:cubicBezTo>
+                  <a:pt x="11662" y="412"/>
+                  <a:pt x="11379" y="154"/>
+                  <a:pt x="10804" y="0"/>
+                </a:cubicBezTo>
+                <a:close/>
+              </a:path>
+            </a:pathLst>
+          </a:custGeom>
+          <a:ln w="12700">
+            <a:miter lim="400000"/>
+          </a:ln>
+        </p:spPr>
+      </p:pic>
+    </p:spTree>
+  </p:cSld>
+  <p:clrMapOvr>
+    <a:masterClrMapping/>
+  </p:clrMapOvr>
+  <p:transition spd="med"/>
+</p:sld>
+</file>
+
+<file path=ppt/slides/slide14.xml><?xml version="1.0" encoding="utf-8"?>
+<p:sld xmlns:a="http://schemas.openxmlformats.org/drawingml/2006/main" xmlns:r="http://schemas.openxmlformats.org/officeDocument/2006/relationships" xmlns:p="http://schemas.openxmlformats.org/presentationml/2006/main">
+  <p:cSld>
+    <p:spTree>
+      <p:nvGrpSpPr>
+        <p:cNvPr id="1" name=""/>
+        <p:cNvGrpSpPr/>
+        <p:nvPr/>
+      </p:nvGrpSpPr>
+      <p:grpSpPr>
+        <a:xfrm>
+          <a:off x="0" y="0"/>
+          <a:ext cx="0" cy="0"/>
+          <a:chOff x="0" y="0"/>
+          <a:chExt cx="0" cy="0"/>
+        </a:xfrm>
+      </p:grpSpPr>
+      <p:sp>
+        <p:nvSpPr>
+          <p:cNvPr id="1001" name="Ways to improve the quality of the effects:…"/>
+          <p:cNvSpPr txBox="1">
+            <a:spLocks noGrp="1"/>
+          </p:cNvSpPr>
+          <p:nvPr>
+            <p:ph type="body" idx="1"/>
+          </p:nvPr>
+        </p:nvSpPr>
+        <p:spPr>
+          <a:prstGeom prst="rect">
+            <a:avLst/>
+          </a:prstGeom>
+        </p:spPr>
+        <p:txBody>
+          <a:bodyPr anchor="t"/>
+          <a:lstStyle/>
+          <a:p>
+            <a:pPr marL="467359" indent="-467359" defTabSz="759459">
+              <a:spcBef>
+                <a:spcPts val="900"/>
+              </a:spcBef>
+              <a:defRPr sz="4784"/>
+            </a:pPr>
+            <a:r>
+              <a:rPr dirty="0"/>
+              <a:t>Ways to improve the quality of the effects:</a:t>
+            </a:r>
+          </a:p>
+          <a:p>
+            <a:pPr marL="1095375" lvl="1" indent="-511175" defTabSz="759459">
+              <a:spcBef>
+                <a:spcPts val="900"/>
+              </a:spcBef>
+              <a:defRPr sz="4048"/>
+            </a:pPr>
+            <a:r>
+              <a:rPr dirty="0"/>
+              <a:t>When mixing components into an FFT bin, use </a:t>
+            </a:r>
+            <a:r>
+              <a:rPr dirty="0">
+                <a:solidFill>
+                  <a:srgbClr val="3D46A6"/>
+                </a:solidFill>
+              </a:rPr>
+              <a:t>RMS amplitude</a:t>
+            </a:r>
+            <a:r>
+              <a:rPr dirty="0"/>
+              <a:t> rather than linear addition</a:t>
+            </a:r>
+          </a:p>
+          <a:p>
+            <a:pPr marL="1095375" lvl="1" indent="-511175" defTabSz="759459">
+              <a:spcBef>
+                <a:spcPts val="900"/>
+              </a:spcBef>
+              <a:defRPr sz="4048"/>
+            </a:pPr>
+            <a:r>
+              <a:rPr dirty="0"/>
+              <a:t>When mixing components into an FFT bin, find the </a:t>
+            </a:r>
+            <a:r>
+              <a:rPr dirty="0">
+                <a:solidFill>
+                  <a:srgbClr val="3D46A6"/>
+                </a:solidFill>
+              </a:rPr>
+              <a:t>weighted average of the frequencies</a:t>
+            </a:r>
+          </a:p>
+          <a:p>
+            <a:pPr marL="1095375" lvl="1" indent="-511175" defTabSz="759459">
+              <a:spcBef>
+                <a:spcPts val="900"/>
+              </a:spcBef>
+              <a:defRPr sz="4048"/>
+            </a:pPr>
+            <a:r>
+              <a:rPr dirty="0"/>
+              <a:t>Implement </a:t>
+            </a:r>
+            <a:r>
+              <a:rPr dirty="0">
+                <a:solidFill>
+                  <a:srgbClr val="3D46A6"/>
+                </a:solidFill>
+              </a:rPr>
+              <a:t>peak tracking</a:t>
+            </a:r>
+            <a:r>
+              <a:rPr dirty="0"/>
+              <a:t> to reduce some of the effects of window lobes</a:t>
+            </a:r>
+          </a:p>
+          <a:p>
+            <a:pPr marL="467359" indent="-467359" defTabSz="759459">
+              <a:spcBef>
+                <a:spcPts val="900"/>
+              </a:spcBef>
+              <a:defRPr sz="4784"/>
+            </a:pPr>
+            <a:r>
+              <a:rPr dirty="0"/>
+              <a:t>Other effects using phase vocoder:</a:t>
+            </a:r>
+          </a:p>
+          <a:p>
+            <a:pPr marL="1095375" lvl="1" indent="-511175" defTabSz="759459">
+              <a:spcBef>
+                <a:spcPts val="900"/>
+              </a:spcBef>
+              <a:defRPr sz="4048"/>
+            </a:pPr>
+            <a:r>
+              <a:rPr dirty="0"/>
+              <a:t>Combine </a:t>
+            </a:r>
+            <a:r>
+              <a:rPr dirty="0">
+                <a:solidFill>
+                  <a:srgbClr val="3D46A6"/>
+                </a:solidFill>
+              </a:rPr>
+              <a:t>frequency detector</a:t>
+            </a:r>
+            <a:r>
+              <a:rPr dirty="0"/>
+              <a:t> with pitch shift to implement </a:t>
+            </a:r>
+            <a:r>
+              <a:rPr dirty="0">
+                <a:solidFill>
+                  <a:srgbClr val="3D46A6"/>
+                </a:solidFill>
+              </a:rPr>
+              <a:t>auto-tuning</a:t>
+            </a:r>
+          </a:p>
+          <a:p>
+            <a:pPr marL="1095375" lvl="1" indent="-511175" defTabSz="759459">
+              <a:spcBef>
+                <a:spcPts val="900"/>
+              </a:spcBef>
+              <a:defRPr sz="4048"/>
+            </a:pPr>
+            <a:r>
+              <a:rPr dirty="0">
+                <a:solidFill>
+                  <a:srgbClr val="3D46A6"/>
+                </a:solidFill>
+              </a:rPr>
+              <a:t>Cross-synthesis</a:t>
+            </a:r>
+            <a:r>
+              <a:rPr dirty="0"/>
+              <a:t>: combine frequencies from one signal with magnitudes from another</a:t>
+            </a:r>
+          </a:p>
+          <a:p>
+            <a:pPr marL="1095375" lvl="1" indent="-511175" defTabSz="759459">
+              <a:spcBef>
+                <a:spcPts val="900"/>
+              </a:spcBef>
+              <a:defRPr sz="4048"/>
+            </a:pPr>
+            <a:r>
+              <a:rPr dirty="0">
+                <a:solidFill>
+                  <a:srgbClr val="3D46A6"/>
+                </a:solidFill>
+              </a:rPr>
+              <a:t>Noise reduction</a:t>
+            </a:r>
+            <a:r>
+              <a:rPr dirty="0"/>
+              <a:t>: suppress frequency components below threshold or matching known profile</a:t>
+            </a:r>
+          </a:p>
+          <a:p>
+            <a:pPr marL="467359" indent="-467359" defTabSz="759459">
+              <a:spcBef>
+                <a:spcPts val="900"/>
+              </a:spcBef>
+              <a:defRPr sz="4784"/>
+            </a:pPr>
+            <a:r>
+              <a:rPr dirty="0"/>
+              <a:t>As effects become more complex, </a:t>
+            </a:r>
+            <a:r>
+              <a:rPr dirty="0">
+                <a:solidFill>
+                  <a:srgbClr val="9B1200"/>
+                </a:solidFill>
+              </a:rPr>
+              <a:t>CPU becomes a limitation</a:t>
+            </a:r>
+          </a:p>
+          <a:p>
+            <a:pPr marL="1095375" lvl="1" indent="-511175" defTabSz="759459">
+              <a:spcBef>
+                <a:spcPts val="900"/>
+              </a:spcBef>
+              <a:defRPr sz="4048"/>
+            </a:pPr>
+            <a:r>
+              <a:rPr dirty="0"/>
+              <a:t>Try </a:t>
+            </a:r>
+            <a:r>
+              <a:rPr dirty="0">
+                <a:solidFill>
+                  <a:srgbClr val="3D46A6"/>
+                </a:solidFill>
+              </a:rPr>
+              <a:t>larger hop sizes</a:t>
+            </a:r>
+            <a:r>
+              <a:rPr dirty="0"/>
+              <a:t> (which may also require larger FFTs)</a:t>
+            </a:r>
+          </a:p>
+          <a:p>
+            <a:pPr marL="1095375" lvl="1" indent="-511175" defTabSz="759459">
+              <a:spcBef>
+                <a:spcPts val="900"/>
+              </a:spcBef>
+              <a:defRPr sz="4048"/>
+            </a:pPr>
+            <a:r>
+              <a:rPr dirty="0"/>
+              <a:t>Pre-calculate frequently used constants (e.g. bin frequencies)</a:t>
+            </a:r>
+          </a:p>
+          <a:p>
+            <a:pPr marL="1095375" lvl="1" indent="-511175" defTabSz="759459">
+              <a:spcBef>
+                <a:spcPts val="900"/>
+              </a:spcBef>
+              <a:defRPr sz="4048"/>
+            </a:pPr>
+            <a:r>
+              <a:rPr dirty="0"/>
+              <a:t>Look for other </a:t>
+            </a:r>
+            <a:r>
+              <a:rPr dirty="0" err="1"/>
+              <a:t>optimisations</a:t>
+            </a:r>
+            <a:r>
+              <a:rPr dirty="0"/>
+              <a:t> to </a:t>
+            </a:r>
+            <a:r>
+              <a:t>reduce number </a:t>
+            </a:r>
+            <a:r>
+              <a:rPr dirty="0"/>
+              <a:t>of </a:t>
+            </a:r>
+            <a:r>
+              <a:rPr dirty="0">
+                <a:solidFill>
+                  <a:srgbClr val="3D46A6"/>
+                </a:solidFill>
+              </a:rPr>
+              <a:t>multiplies</a:t>
+            </a:r>
+            <a:r>
+              <a:rPr dirty="0"/>
+              <a:t> per hop</a:t>
+            </a:r>
+          </a:p>
+        </p:txBody>
+      </p:sp>
+      <p:sp>
+        <p:nvSpPr>
+          <p:cNvPr id="1002" name="Phase vocoder: more ideas"/>
+          <p:cNvSpPr txBox="1">
+            <a:spLocks noGrp="1"/>
+          </p:cNvSpPr>
+          <p:nvPr>
+            <p:ph type="title"/>
+          </p:nvPr>
+        </p:nvSpPr>
+        <p:spPr>
+          <a:prstGeom prst="rect">
+            <a:avLst/>
+          </a:prstGeom>
+        </p:spPr>
+        <p:txBody>
+          <a:bodyPr/>
+          <a:lstStyle/>
+          <a:p>
+            <a:r>
+              <a:t>Phase vocoder: more ideas</a:t>
+            </a:r>
+          </a:p>
+        </p:txBody>
+      </p:sp>
+    </p:spTree>
+  </p:cSld>
+  <p:clrMapOvr>
+    <a:masterClrMapping/>
+  </p:clrMapOvr>
+  <p:transition spd="med"/>
+  <p:timing>
+    <p:tnLst>
+      <p:par>
+        <p:cTn id="1" dur="indefinite" restart="never" fill="hold" nodeType="tmRoot">
+          <p:childTnLst>
+            <p:seq concurrent="1" prevAc="none" nextAc="seek">
+              <p:cTn id="2" dur="indefinite" fill="hold" nodeType="mainSeq">
+                <p:childTnLst>
+                  <p:par>
+                    <p:cTn id="3" fill="hold">
+                      <p:stCondLst>
+                        <p:cond delay="indefinite"/>
+                        <p:cond evt="onBegin" delay="0">
+                          <p:tn val="2"/>
+                        </p:cond>
+                      </p:stCondLst>
+                      <p:childTnLst>
+                        <p:par>
+                          <p:cTn id="4" fill="hold">
+                            <p:stCondLst>
+                              <p:cond delay="0"/>
+                            </p:stCondLst>
+                            <p:childTnLst>
+                              <p:par>
+                                <p:cTn id="5" presetID="1" presetClass="entr" presetSubtype="0" fill="hold" grpId="0" nodeType="afterEffect">
+                                  <p:stCondLst>
+                                    <p:cond delay="0"/>
+                                  </p:stCondLst>
+                                  <p:iterate>
+                                    <p:tmAbs val="0"/>
+                                  </p:iterate>
+                                  <p:childTnLst>
+                                    <p:set>
+                                      <p:cBhvr>
+                                        <p:cTn id="6" fill="hold"/>
+                                        <p:tgtEl>
+                                          <p:spTgt spid="1001">
+                                            <p:bg/>
+                                          </p:spTgt>
+                                        </p:tgtEl>
+                                        <p:attrNameLst>
+                                          <p:attrName>style.visibility</p:attrName>
+                                        </p:attrNameLst>
+                                      </p:cBhvr>
+                                      <p:to>
+                                        <p:strVal val="visible"/>
+                                      </p:to>
+                                    </p:set>
+                                  </p:childTnLst>
+                                </p:cTn>
+                              </p:par>
+                              <p:par>
+                                <p:cTn id="7" presetID="1" presetClass="entr" presetSubtype="0" fill="hold" grpId="0" nodeType="withEffect">
+                                  <p:stCondLst>
+                                    <p:cond delay="0"/>
+                                  </p:stCondLst>
+                                  <p:iterate>
+                                    <p:tmAbs val="0"/>
+                                  </p:iterate>
+                                  <p:childTnLst>
+                                    <p:set>
+                                      <p:cBhvr>
+                                        <p:cTn id="8" fill="hold"/>
+                                        <p:tgtEl>
+                                          <p:spTgt spid="1001">
+                                            <p:txEl>
+                                              <p:pRg st="0" end="0"/>
+                                            </p:txEl>
+                                          </p:spTgt>
+                                        </p:tgtEl>
+                                        <p:attrNameLst>
+                                          <p:attrName>style.visibility</p:attrName>
+                                        </p:attrNameLst>
+                                      </p:cBhvr>
+                                      <p:to>
+                                        <p:strVal val="visible"/>
+                                      </p:to>
+                                    </p:set>
+                                  </p:childTnLst>
+                                </p:cTn>
+                              </p:par>
+                            </p:childTnLst>
+                          </p:cTn>
+                        </p:par>
+                        <p:par>
+                          <p:cTn id="9" fill="hold">
+                            <p:stCondLst>
+                              <p:cond delay="0"/>
+                            </p:stCondLst>
+                            <p:childTnLst>
+                              <p:par>
+                                <p:cTn id="10" presetID="1" presetClass="entr" presetSubtype="0" fill="hold" grpId="0" nodeType="afterEffect">
+                                  <p:stCondLst>
+                                    <p:cond delay="0"/>
+                                  </p:stCondLst>
+                                  <p:iterate>
+                                    <p:tmAbs val="0"/>
+                                  </p:iterate>
+                                  <p:childTnLst>
+                                    <p:set>
+                                      <p:cBhvr>
+                                        <p:cTn id="11" fill="hold"/>
+                                        <p:tgtEl>
+                                          <p:spTgt spid="1001">
+                                            <p:txEl>
+                                              <p:pRg st="1" end="1"/>
+                                            </p:txEl>
+                                          </p:spTgt>
+                                        </p:tgtEl>
+                                        <p:attrNameLst>
+                                          <p:attrName>style.visibility</p:attrName>
+                                        </p:attrNameLst>
+                                      </p:cBhvr>
+                                      <p:to>
+                                        <p:strVal val="visible"/>
+                                      </p:to>
+                                    </p:set>
+                                  </p:childTnLst>
+                                </p:cTn>
+                              </p:par>
+                            </p:childTnLst>
+                          </p:cTn>
+                        </p:par>
+                      </p:childTnLst>
+                    </p:cTn>
+                  </p:par>
+                  <p:par>
+                    <p:cTn id="12" fill="hold">
+                      <p:stCondLst>
+                        <p:cond delay="indefinite"/>
+                      </p:stCondLst>
+                      <p:childTnLst>
+                        <p:par>
+                          <p:cTn id="13" fill="hold">
+                            <p:stCondLst>
+                              <p:cond delay="0"/>
+                            </p:stCondLst>
+                            <p:childTnLst>
+                              <p:par>
+                                <p:cTn id="14" presetID="1" presetClass="entr" presetSubtype="0" fill="hold" grpId="0" nodeType="clickEffect">
+                                  <p:stCondLst>
+                                    <p:cond delay="0"/>
+                                  </p:stCondLst>
+                                  <p:iterate>
+                                    <p:tmAbs val="0"/>
+                                  </p:iterate>
+                                  <p:childTnLst>
+                                    <p:set>
+                                      <p:cBhvr>
+                                        <p:cTn id="15" fill="hold"/>
+                                        <p:tgtEl>
+                                          <p:spTgt spid="1001">
+                                            <p:txEl>
+                                              <p:pRg st="2" end="2"/>
+                                            </p:txEl>
+                                          </p:spTgt>
+                                        </p:tgtEl>
+                                        <p:attrNameLst>
+                                          <p:attrName>style.visibility</p:attrName>
+                                        </p:attrNameLst>
+                                      </p:cBhvr>
+                                      <p:to>
+                                        <p:strVal val="visible"/>
+                                      </p:to>
+                                    </p:set>
+                                  </p:childTnLst>
+                                </p:cTn>
+                              </p:par>
+                            </p:childTnLst>
+                          </p:cTn>
+                        </p:par>
+                      </p:childTnLst>
+                    </p:cTn>
+                  </p:par>
+                  <p:par>
+                    <p:cTn id="16" fill="hold">
+                      <p:stCondLst>
+                        <p:cond delay="indefinite"/>
+                      </p:stCondLst>
+                      <p:childTnLst>
+                        <p:par>
+                          <p:cTn id="17" fill="hold">
+                            <p:stCondLst>
+                              <p:cond delay="0"/>
+                            </p:stCondLst>
+                            <p:childTnLst>
+                              <p:par>
+                                <p:cTn id="18" presetID="1" presetClass="entr" presetSubtype="0" fill="hold" grpId="0" nodeType="clickEffect">
+                                  <p:stCondLst>
+                                    <p:cond delay="0"/>
+                                  </p:stCondLst>
+                                  <p:iterate>
+                                    <p:tmAbs val="0"/>
+                                  </p:iterate>
+                                  <p:childTnLst>
+                                    <p:set>
+                                      <p:cBhvr>
+                                        <p:cTn id="19" fill="hold"/>
+                                        <p:tgtEl>
+                                          <p:spTgt spid="1001">
+                                            <p:txEl>
+                                              <p:pRg st="3" end="3"/>
+                                            </p:txEl>
+                                          </p:spTgt>
+                                        </p:tgtEl>
+                                        <p:attrNameLst>
+                                          <p:attrName>style.visibility</p:attrName>
+                                        </p:attrNameLst>
+                                      </p:cBhvr>
+                                      <p:to>
+                                        <p:strVal val="visible"/>
+                                      </p:to>
+                                    </p:set>
+                                  </p:childTnLst>
+                                </p:cTn>
+                              </p:par>
+                            </p:childTnLst>
+                          </p:cTn>
+                        </p:par>
+                      </p:childTnLst>
+                    </p:cTn>
+                  </p:par>
+                  <p:par>
+                    <p:cTn id="20" fill="hold">
+                      <p:stCondLst>
+                        <p:cond delay="indefinite"/>
+                      </p:stCondLst>
+                      <p:childTnLst>
+                        <p:par>
+                          <p:cTn id="21" fill="hold">
+                            <p:stCondLst>
+                              <p:cond delay="0"/>
+                            </p:stCondLst>
+                            <p:childTnLst>
+                              <p:par>
+                                <p:cTn id="22" presetID="1" presetClass="entr" presetSubtype="0" fill="hold" grpId="0" nodeType="clickEffect">
+                                  <p:stCondLst>
+                                    <p:cond delay="0"/>
+                                  </p:stCondLst>
+                                  <p:iterate>
+                                    <p:tmAbs val="0"/>
+                                  </p:iterate>
+                                  <p:childTnLst>
+                                    <p:set>
+                                      <p:cBhvr>
+                                        <p:cTn id="23" fill="hold"/>
+                                        <p:tgtEl>
+                                          <p:spTgt spid="1001">
+                                            <p:txEl>
+                                              <p:pRg st="4" end="4"/>
+                                            </p:txEl>
+                                          </p:spTgt>
+                                        </p:tgtEl>
+                                        <p:attrNameLst>
+                                          <p:attrName>style.visibility</p:attrName>
+                                        </p:attrNameLst>
+                                      </p:cBhvr>
+                                      <p:to>
+                                        <p:strVal val="visible"/>
+                                      </p:to>
+                                    </p:set>
+                                  </p:childTnLst>
+                                </p:cTn>
+                              </p:par>
+                            </p:childTnLst>
+                          </p:cTn>
+                        </p:par>
+                        <p:par>
+                          <p:cTn id="24" fill="hold">
+                            <p:stCondLst>
+                              <p:cond delay="0"/>
+                            </p:stCondLst>
+                            <p:childTnLst>
+                              <p:par>
+                                <p:cTn id="25" presetID="1" presetClass="entr" presetSubtype="0" fill="hold" grpId="0" nodeType="afterEffect">
+                                  <p:stCondLst>
+                                    <p:cond delay="0"/>
+                                  </p:stCondLst>
+                                  <p:iterate>
+                                    <p:tmAbs val="0"/>
+                                  </p:iterate>
+                                  <p:childTnLst>
+                                    <p:set>
+                                      <p:cBhvr>
+                                        <p:cTn id="26" fill="hold"/>
+                                        <p:tgtEl>
+                                          <p:spTgt spid="1001">
+                                            <p:txEl>
+                                              <p:pRg st="5" end="5"/>
+                                            </p:txEl>
+                                          </p:spTgt>
+                                        </p:tgtEl>
+                                        <p:attrNameLst>
+                                          <p:attrName>style.visibility</p:attrName>
+                                        </p:attrNameLst>
+                                      </p:cBhvr>
+                                      <p:to>
+                                        <p:strVal val="visible"/>
+                                      </p:to>
+                                    </p:set>
+                                  </p:childTnLst>
+                                </p:cTn>
+                              </p:par>
+                            </p:childTnLst>
+                          </p:cTn>
+                        </p:par>
+                      </p:childTnLst>
+                    </p:cTn>
+                  </p:par>
+                  <p:par>
+                    <p:cTn id="27" fill="hold">
+                      <p:stCondLst>
+                        <p:cond delay="indefinite"/>
+                      </p:stCondLst>
+                      <p:childTnLst>
+                        <p:par>
+                          <p:cTn id="28" fill="hold">
+                            <p:stCondLst>
+                              <p:cond delay="0"/>
+                            </p:stCondLst>
+                            <p:childTnLst>
+                              <p:par>
+                                <p:cTn id="29" presetID="1" presetClass="entr" presetSubtype="0" fill="hold" grpId="0" nodeType="clickEffect">
+                                  <p:stCondLst>
+                                    <p:cond delay="0"/>
+                                  </p:stCondLst>
+                                  <p:iterate>
+                                    <p:tmAbs val="0"/>
+                                  </p:iterate>
+                                  <p:childTnLst>
+                                    <p:set>
+                                      <p:cBhvr>
+                                        <p:cTn id="30" fill="hold"/>
+                                        <p:tgtEl>
+                                          <p:spTgt spid="1001">
+                                            <p:txEl>
+                                              <p:pRg st="6" end="6"/>
+                                            </p:txEl>
+                                          </p:spTgt>
+                                        </p:tgtEl>
+                                        <p:attrNameLst>
+                                          <p:attrName>style.visibility</p:attrName>
+                                        </p:attrNameLst>
+                                      </p:cBhvr>
+                                      <p:to>
+                                        <p:strVal val="visible"/>
+                                      </p:to>
+                                    </p:set>
+                                  </p:childTnLst>
+                                </p:cTn>
+                              </p:par>
+                            </p:childTnLst>
+                          </p:cTn>
+                        </p:par>
+                      </p:childTnLst>
+                    </p:cTn>
+                  </p:par>
+                  <p:par>
+                    <p:cTn id="31" fill="hold">
+                      <p:stCondLst>
+                        <p:cond delay="indefinite"/>
+                      </p:stCondLst>
+                      <p:childTnLst>
+                        <p:par>
+                          <p:cTn id="32" fill="hold">
+                            <p:stCondLst>
+                              <p:cond delay="0"/>
+                            </p:stCondLst>
+                            <p:childTnLst>
+                              <p:par>
+                                <p:cTn id="33" presetID="1" presetClass="entr" presetSubtype="0" fill="hold" grpId="0" nodeType="clickEffect">
+                                  <p:stCondLst>
+                                    <p:cond delay="0"/>
+                                  </p:stCondLst>
+                                  <p:iterate>
+                                    <p:tmAbs val="0"/>
+                                  </p:iterate>
+                                  <p:childTnLst>
+                                    <p:set>
+                                      <p:cBhvr>
+                                        <p:cTn id="34" fill="hold"/>
+                                        <p:tgtEl>
+                                          <p:spTgt spid="1001">
+                                            <p:txEl>
+                                              <p:pRg st="7" end="7"/>
+                                            </p:txEl>
+                                          </p:spTgt>
+                                        </p:tgtEl>
+                                        <p:attrNameLst>
+                                          <p:attrName>style.visibility</p:attrName>
+                                        </p:attrNameLst>
+                                      </p:cBhvr>
+                                      <p:to>
+                                        <p:strVal val="visible"/>
+                                      </p:to>
+                                    </p:set>
+                                  </p:childTnLst>
+                                </p:cTn>
+                              </p:par>
+                            </p:childTnLst>
+                          </p:cTn>
+                        </p:par>
+                      </p:childTnLst>
+                    </p:cTn>
+                  </p:par>
+                  <p:par>
+                    <p:cTn id="35" fill="hold">
+                      <p:stCondLst>
+                        <p:cond delay="indefinite"/>
+                      </p:stCondLst>
+                      <p:childTnLst>
+                        <p:par>
+                          <p:cTn id="36" fill="hold">
+                            <p:stCondLst>
+                              <p:cond delay="0"/>
+                            </p:stCondLst>
+                            <p:childTnLst>
+                              <p:par>
+                                <p:cTn id="37" presetID="1" presetClass="entr" presetSubtype="0" fill="hold" grpId="0" nodeType="clickEffect">
+                                  <p:stCondLst>
+                                    <p:cond delay="0"/>
+                                  </p:stCondLst>
+                                  <p:iterate>
+                                    <p:tmAbs val="0"/>
+                                  </p:iterate>
+                                  <p:childTnLst>
+                                    <p:set>
+                                      <p:cBhvr>
+                                        <p:cTn id="38" fill="hold"/>
+                                        <p:tgtEl>
+                                          <p:spTgt spid="1001">
+                                            <p:txEl>
+                                              <p:pRg st="8" end="8"/>
+                                            </p:txEl>
+                                          </p:spTgt>
+                                        </p:tgtEl>
+                                        <p:attrNameLst>
+                                          <p:attrName>style.visibility</p:attrName>
+                                        </p:attrNameLst>
+                                      </p:cBhvr>
+                                      <p:to>
+                                        <p:strVal val="visible"/>
+                                      </p:to>
+                                    </p:set>
+                                  </p:childTnLst>
+                                </p:cTn>
+                              </p:par>
+                            </p:childTnLst>
+                          </p:cTn>
+                        </p:par>
+                        <p:par>
+                          <p:cTn id="39" fill="hold">
+                            <p:stCondLst>
+                              <p:cond delay="0"/>
+                            </p:stCondLst>
+                            <p:childTnLst>
+                              <p:par>
+                                <p:cTn id="40" presetID="1" presetClass="entr" presetSubtype="0" fill="hold" grpId="0" nodeType="afterEffect">
+                                  <p:stCondLst>
+                                    <p:cond delay="0"/>
+                                  </p:stCondLst>
+                                  <p:iterate>
+                                    <p:tmAbs val="0"/>
+                                  </p:iterate>
+                                  <p:childTnLst>
+                                    <p:set>
+                                      <p:cBhvr>
+                                        <p:cTn id="41" fill="hold"/>
+                                        <p:tgtEl>
+                                          <p:spTgt spid="1001">
+                                            <p:txEl>
+                                              <p:pRg st="9" end="9"/>
+                                            </p:txEl>
+                                          </p:spTgt>
+                                        </p:tgtEl>
+                                        <p:attrNameLst>
+                                          <p:attrName>style.visibility</p:attrName>
+                                        </p:attrNameLst>
+                                      </p:cBhvr>
+                                      <p:to>
+                                        <p:strVal val="visible"/>
+                                      </p:to>
+                                    </p:set>
+                                  </p:childTnLst>
+                                </p:cTn>
+                              </p:par>
+                            </p:childTnLst>
+                          </p:cTn>
+                        </p:par>
+                      </p:childTnLst>
+                    </p:cTn>
+                  </p:par>
+                  <p:par>
+                    <p:cTn id="42" fill="hold">
+                      <p:stCondLst>
+                        <p:cond delay="indefinite"/>
+                      </p:stCondLst>
+                      <p:childTnLst>
+                        <p:par>
+                          <p:cTn id="43" fill="hold">
+                            <p:stCondLst>
+                              <p:cond delay="0"/>
+                            </p:stCondLst>
+                            <p:childTnLst>
+                              <p:par>
+                                <p:cTn id="44" presetID="1" presetClass="entr" presetSubtype="0" fill="hold" grpId="0" nodeType="clickEffect">
+                                  <p:stCondLst>
+                                    <p:cond delay="0"/>
+                                  </p:stCondLst>
+                                  <p:iterate>
+                                    <p:tmAbs val="0"/>
+                                  </p:iterate>
+                                  <p:childTnLst>
+                                    <p:set>
+                                      <p:cBhvr>
+                                        <p:cTn id="45" fill="hold"/>
+                                        <p:tgtEl>
+                                          <p:spTgt spid="1001">
+                                            <p:txEl>
+                                              <p:pRg st="10" end="10"/>
+                                            </p:txEl>
+                                          </p:spTgt>
+                                        </p:tgtEl>
+                                        <p:attrNameLst>
+                                          <p:attrName>style.visibility</p:attrName>
+                                        </p:attrNameLst>
+                                      </p:cBhvr>
+                                      <p:to>
+                                        <p:strVal val="visible"/>
+                                      </p:to>
+                                    </p:set>
+                                  </p:childTnLst>
+                                </p:cTn>
+                              </p:par>
+                            </p:childTnLst>
+                          </p:cTn>
+                        </p:par>
+                        <p:par>
+                          <p:cTn id="46" fill="hold">
+                            <p:stCondLst>
+                              <p:cond delay="0"/>
+                            </p:stCondLst>
+                            <p:childTnLst>
+                              <p:par>
+                                <p:cTn id="47" presetID="1" presetClass="entr" presetSubtype="0" fill="hold" grpId="0" nodeType="afterEffect">
+                                  <p:stCondLst>
+                                    <p:cond delay="0"/>
+                                  </p:stCondLst>
+                                  <p:iterate>
+                                    <p:tmAbs val="0"/>
+                                  </p:iterate>
+                                  <p:childTnLst>
+                                    <p:set>
+                                      <p:cBhvr>
+                                        <p:cTn id="48" fill="hold"/>
+                                        <p:tgtEl>
+                                          <p:spTgt spid="1001">
+                                            <p:txEl>
+                                              <p:pRg st="11" end="11"/>
+                                            </p:txEl>
+                                          </p:spTgt>
+                                        </p:tgtEl>
+                                        <p:attrNameLst>
+                                          <p:attrName>style.visibility</p:attrName>
+                                        </p:attrNameLst>
+                                      </p:cBhvr>
+                                      <p:to>
+                                        <p:strVal val="visible"/>
+                                      </p:to>
+                                    </p:set>
+                                  </p:childTnLst>
+                                </p:cTn>
+                              </p:par>
+                            </p:childTnLst>
+                          </p:cTn>
+                        </p:par>
+                      </p:childTnLst>
+                    </p:cTn>
+                  </p:par>
+                </p:childTnLst>
+              </p:cTn>
+              <p:prevCondLst>
+                <p:cond evt="onPrev" delay="0">
+                  <p:tgtEl>
+                    <p:sldTgt/>
+                  </p:tgtEl>
+                </p:cond>
+              </p:prevCondLst>
+              <p:nextCondLst>
+                <p:cond evt="onNext" delay="0">
+                  <p:tgtEl>
+                    <p:sldTgt/>
+                  </p:tgtEl>
+                </p:cond>
+              </p:nextCondLst>
+            </p:seq>
+          </p:childTnLst>
+        </p:cTn>
+      </p:par>
+    </p:tnLst>
+    <p:bldLst>
+      <p:bldP spid="1001" grpId="0" build="p" bldLvl="5" animBg="1" advAuto="0"/>
     </p:bldLst>
   </p:timing>
 </p:sld>
@@ -18155,534 +24932,746 @@
           <a:chExt cx="0" cy="0"/>
         </a:xfrm>
       </p:grpSpPr>
+      <p:sp>
+        <p:nvSpPr>
+          <p:cNvPr id="11266" name="Rectangle 1"/>
+          <p:cNvSpPr>
+            <a:spLocks noGrp="1" noChangeArrowheads="1"/>
+          </p:cNvSpPr>
+          <p:nvPr>
+            <p:ph type="title"/>
+          </p:nvPr>
+        </p:nvSpPr>
+        <p:spPr/>
+        <p:txBody>
+          <a:bodyPr/>
+          <a:lstStyle/>
+          <a:p>
+            <a:pPr eaLnBrk="1" hangingPunct="1"/>
+            <a:r>
+              <a:rPr lang="en-US"/>
+              <a:t>Short-Time Fourier Transform</a:t>
+            </a:r>
+          </a:p>
+        </p:txBody>
+      </p:sp>
       <p:pic>
         <p:nvPicPr>
-          <p:cNvPr id="673" name="hamming.png" descr="hamming.png"/>
+          <p:cNvPr id="11267" name="Picture 2"/>
           <p:cNvPicPr>
-            <a:picLocks noChangeAspect="1"/>
+            <a:picLocks noChangeAspect="1" noChangeArrowheads="1"/>
           </p:cNvPicPr>
           <p:nvPr/>
         </p:nvPicPr>
         <p:blipFill>
-          <a:blip r:embed="rId2"/>
+          <a:blip r:embed="rId2" cstate="print"/>
+          <a:srcRect/>
           <a:stretch>
             <a:fillRect/>
           </a:stretch>
         </p:blipFill>
-        <p:spPr>
+        <p:spPr bwMode="auto">
           <a:xfrm>
-            <a:off x="12238899" y="8702281"/>
-            <a:ext cx="11626079" cy="3111501"/>
+            <a:off x="4291839" y="2612359"/>
+            <a:ext cx="15126890" cy="1768078"/>
           </a:xfrm>
           <a:prstGeom prst="rect">
             <a:avLst/>
           </a:prstGeom>
+          <a:noFill/>
           <a:ln w="12700">
-            <a:miter lim="400000"/>
+            <a:noFill/>
+            <a:miter lim="800000"/>
+            <a:headEnd/>
+            <a:tailEnd/>
           </a:ln>
         </p:spPr>
       </p:pic>
       <p:pic>
         <p:nvPicPr>
-          <p:cNvPr id="674" name="hann.png" descr="hann.png"/>
+          <p:cNvPr id="11268" name="Picture 3"/>
           <p:cNvPicPr>
-            <a:picLocks noChangeAspect="1"/>
+            <a:picLocks noChangeAspect="1" noChangeArrowheads="1"/>
           </p:cNvPicPr>
           <p:nvPr/>
         </p:nvPicPr>
         <p:blipFill>
-          <a:blip r:embed="rId3"/>
+          <a:blip r:embed="rId3" cstate="print"/>
+          <a:srcRect/>
           <a:stretch>
             <a:fillRect/>
           </a:stretch>
         </p:blipFill>
-        <p:spPr>
+        <p:spPr bwMode="auto">
           <a:xfrm>
-            <a:off x="-25848" y="8745660"/>
-            <a:ext cx="11605621" cy="3106026"/>
+            <a:off x="4798218" y="8480972"/>
+            <a:ext cx="13948172" cy="4699248"/>
           </a:xfrm>
           <a:prstGeom prst="rect">
             <a:avLst/>
           </a:prstGeom>
+          <a:noFill/>
           <a:ln w="12700">
-            <a:miter lim="400000"/>
+            <a:noFill/>
+            <a:miter lim="800000"/>
+            <a:headEnd/>
+            <a:tailEnd/>
           </a:ln>
         </p:spPr>
       </p:pic>
-      <p:pic>
-        <p:nvPicPr>
-          <p:cNvPr id="675" name="bartlett.png" descr="bartlett.png"/>
-          <p:cNvPicPr>
-            <a:picLocks noChangeAspect="1"/>
-          </p:cNvPicPr>
+      <p:grpSp>
+        <p:nvGrpSpPr>
+          <p:cNvPr id="2" name="Group 16"/>
+          <p:cNvGrpSpPr>
+            <a:grpSpLocks/>
+          </p:cNvGrpSpPr>
           <p:nvPr/>
-        </p:nvPicPr>
-        <p:blipFill>
-          <a:blip r:embed="rId4"/>
-          <a:stretch>
-            <a:fillRect/>
-          </a:stretch>
-        </p:blipFill>
-        <p:spPr>
+        </p:nvGrpSpPr>
+        <p:grpSpPr bwMode="auto">
           <a:xfrm>
-            <a:off x="12238899" y="3613480"/>
-            <a:ext cx="11626079" cy="3111501"/>
+            <a:off x="6298406" y="8447484"/>
+            <a:ext cx="11430000" cy="4804172"/>
+            <a:chOff x="0" y="0"/>
+            <a:chExt cx="5120" cy="2152"/>
           </a:xfrm>
-          <a:prstGeom prst="rect">
-            <a:avLst/>
-          </a:prstGeom>
-          <a:ln w="12700">
-            <a:miter lim="400000"/>
-          </a:ln>
-        </p:spPr>
-      </p:pic>
+        </p:grpSpPr>
+        <p:sp>
+          <p:nvSpPr>
+            <p:cNvPr id="11271" name="Line 4"/>
+            <p:cNvSpPr>
+              <a:spLocks noChangeShapeType="1"/>
+            </p:cNvSpPr>
+            <p:nvPr/>
+          </p:nvSpPr>
+          <p:spPr bwMode="auto">
+            <a:xfrm>
+              <a:off x="0" y="1"/>
+              <a:ext cx="0" cy="2136"/>
+            </a:xfrm>
+            <a:prstGeom prst="line">
+              <a:avLst/>
+            </a:prstGeom>
+            <a:noFill/>
+            <a:ln w="38100">
+              <a:solidFill>
+                <a:srgbClr val="FF0000"/>
+              </a:solidFill>
+              <a:miter lim="800000"/>
+              <a:headEnd/>
+              <a:tailEnd/>
+            </a:ln>
+          </p:spPr>
+          <p:txBody>
+            <a:bodyPr lIns="0" tIns="0" rIns="0" bIns="0"/>
+            <a:lstStyle/>
+            <a:p>
+              <a:pPr defTabSz="1285830" fontAlgn="base" hangingPunct="1">
+                <a:spcBef>
+                  <a:spcPct val="0"/>
+                </a:spcBef>
+                <a:spcAft>
+                  <a:spcPct val="0"/>
+                </a:spcAft>
+              </a:pPr>
+              <a:endParaRPr lang="en-US" sz="5906" b="0" kern="1200">
+                <a:latin typeface="Gill Sans" charset="0"/>
+                <a:sym typeface="Gill Sans" charset="0"/>
+              </a:endParaRPr>
+            </a:p>
+          </p:txBody>
+        </p:sp>
+        <p:sp>
+          <p:nvSpPr>
+            <p:cNvPr id="11272" name="Line 5"/>
+            <p:cNvSpPr>
+              <a:spLocks noChangeShapeType="1"/>
+            </p:cNvSpPr>
+            <p:nvPr/>
+          </p:nvSpPr>
+          <p:spPr bwMode="auto">
+            <a:xfrm>
+              <a:off x="464" y="0"/>
+              <a:ext cx="0" cy="2136"/>
+            </a:xfrm>
+            <a:prstGeom prst="line">
+              <a:avLst/>
+            </a:prstGeom>
+            <a:noFill/>
+            <a:ln w="38100">
+              <a:solidFill>
+                <a:srgbClr val="FF0000"/>
+              </a:solidFill>
+              <a:miter lim="800000"/>
+              <a:headEnd/>
+              <a:tailEnd/>
+            </a:ln>
+          </p:spPr>
+          <p:txBody>
+            <a:bodyPr lIns="0" tIns="0" rIns="0" bIns="0"/>
+            <a:lstStyle/>
+            <a:p>
+              <a:pPr defTabSz="1285830" fontAlgn="base" hangingPunct="1">
+                <a:spcBef>
+                  <a:spcPct val="0"/>
+                </a:spcBef>
+                <a:spcAft>
+                  <a:spcPct val="0"/>
+                </a:spcAft>
+              </a:pPr>
+              <a:endParaRPr lang="en-US" sz="5906" b="0" kern="1200">
+                <a:latin typeface="Gill Sans" charset="0"/>
+                <a:sym typeface="Gill Sans" charset="0"/>
+              </a:endParaRPr>
+            </a:p>
+          </p:txBody>
+        </p:sp>
+        <p:sp>
+          <p:nvSpPr>
+            <p:cNvPr id="11273" name="Line 6"/>
+            <p:cNvSpPr>
+              <a:spLocks noChangeShapeType="1"/>
+            </p:cNvSpPr>
+            <p:nvPr/>
+          </p:nvSpPr>
+          <p:spPr bwMode="auto">
+            <a:xfrm>
+              <a:off x="928" y="0"/>
+              <a:ext cx="0" cy="2136"/>
+            </a:xfrm>
+            <a:prstGeom prst="line">
+              <a:avLst/>
+            </a:prstGeom>
+            <a:noFill/>
+            <a:ln w="38100">
+              <a:solidFill>
+                <a:srgbClr val="FF0000"/>
+              </a:solidFill>
+              <a:miter lim="800000"/>
+              <a:headEnd/>
+              <a:tailEnd/>
+            </a:ln>
+          </p:spPr>
+          <p:txBody>
+            <a:bodyPr lIns="0" tIns="0" rIns="0" bIns="0"/>
+            <a:lstStyle/>
+            <a:p>
+              <a:pPr defTabSz="1285830" fontAlgn="base" hangingPunct="1">
+                <a:spcBef>
+                  <a:spcPct val="0"/>
+                </a:spcBef>
+                <a:spcAft>
+                  <a:spcPct val="0"/>
+                </a:spcAft>
+              </a:pPr>
+              <a:endParaRPr lang="en-US" sz="5906" b="0" kern="1200">
+                <a:latin typeface="Gill Sans" charset="0"/>
+                <a:sym typeface="Gill Sans" charset="0"/>
+              </a:endParaRPr>
+            </a:p>
+          </p:txBody>
+        </p:sp>
+        <p:sp>
+          <p:nvSpPr>
+            <p:cNvPr id="11274" name="Line 7"/>
+            <p:cNvSpPr>
+              <a:spLocks noChangeShapeType="1"/>
+            </p:cNvSpPr>
+            <p:nvPr/>
+          </p:nvSpPr>
+          <p:spPr bwMode="auto">
+            <a:xfrm>
+              <a:off x="1392" y="16"/>
+              <a:ext cx="0" cy="2136"/>
+            </a:xfrm>
+            <a:prstGeom prst="line">
+              <a:avLst/>
+            </a:prstGeom>
+            <a:noFill/>
+            <a:ln w="38100">
+              <a:solidFill>
+                <a:srgbClr val="FF0000"/>
+              </a:solidFill>
+              <a:miter lim="800000"/>
+              <a:headEnd/>
+              <a:tailEnd/>
+            </a:ln>
+          </p:spPr>
+          <p:txBody>
+            <a:bodyPr lIns="0" tIns="0" rIns="0" bIns="0"/>
+            <a:lstStyle/>
+            <a:p>
+              <a:pPr defTabSz="1285830" fontAlgn="base" hangingPunct="1">
+                <a:spcBef>
+                  <a:spcPct val="0"/>
+                </a:spcBef>
+                <a:spcAft>
+                  <a:spcPct val="0"/>
+                </a:spcAft>
+              </a:pPr>
+              <a:endParaRPr lang="en-US" sz="5906" b="0" kern="1200">
+                <a:latin typeface="Gill Sans" charset="0"/>
+                <a:sym typeface="Gill Sans" charset="0"/>
+              </a:endParaRPr>
+            </a:p>
+          </p:txBody>
+        </p:sp>
+        <p:sp>
+          <p:nvSpPr>
+            <p:cNvPr id="11275" name="Line 8"/>
+            <p:cNvSpPr>
+              <a:spLocks noChangeShapeType="1"/>
+            </p:cNvSpPr>
+            <p:nvPr/>
+          </p:nvSpPr>
+          <p:spPr bwMode="auto">
+            <a:xfrm>
+              <a:off x="1856" y="0"/>
+              <a:ext cx="0" cy="2136"/>
+            </a:xfrm>
+            <a:prstGeom prst="line">
+              <a:avLst/>
+            </a:prstGeom>
+            <a:noFill/>
+            <a:ln w="38100">
+              <a:solidFill>
+                <a:srgbClr val="FF0000"/>
+              </a:solidFill>
+              <a:miter lim="800000"/>
+              <a:headEnd/>
+              <a:tailEnd/>
+            </a:ln>
+          </p:spPr>
+          <p:txBody>
+            <a:bodyPr lIns="0" tIns="0" rIns="0" bIns="0"/>
+            <a:lstStyle/>
+            <a:p>
+              <a:pPr defTabSz="1285830" fontAlgn="base" hangingPunct="1">
+                <a:spcBef>
+                  <a:spcPct val="0"/>
+                </a:spcBef>
+                <a:spcAft>
+                  <a:spcPct val="0"/>
+                </a:spcAft>
+              </a:pPr>
+              <a:endParaRPr lang="en-US" sz="5906" b="0" kern="1200">
+                <a:latin typeface="Gill Sans" charset="0"/>
+                <a:sym typeface="Gill Sans" charset="0"/>
+              </a:endParaRPr>
+            </a:p>
+          </p:txBody>
+        </p:sp>
+        <p:sp>
+          <p:nvSpPr>
+            <p:cNvPr id="11276" name="Line 9"/>
+            <p:cNvSpPr>
+              <a:spLocks noChangeShapeType="1"/>
+            </p:cNvSpPr>
+            <p:nvPr/>
+          </p:nvSpPr>
+          <p:spPr bwMode="auto">
+            <a:xfrm>
+              <a:off x="2320" y="0"/>
+              <a:ext cx="0" cy="2136"/>
+            </a:xfrm>
+            <a:prstGeom prst="line">
+              <a:avLst/>
+            </a:prstGeom>
+            <a:noFill/>
+            <a:ln w="38100">
+              <a:solidFill>
+                <a:srgbClr val="FF0000"/>
+              </a:solidFill>
+              <a:miter lim="800000"/>
+              <a:headEnd/>
+              <a:tailEnd/>
+            </a:ln>
+          </p:spPr>
+          <p:txBody>
+            <a:bodyPr lIns="0" tIns="0" rIns="0" bIns="0"/>
+            <a:lstStyle/>
+            <a:p>
+              <a:pPr defTabSz="1285830" fontAlgn="base" hangingPunct="1">
+                <a:spcBef>
+                  <a:spcPct val="0"/>
+                </a:spcBef>
+                <a:spcAft>
+                  <a:spcPct val="0"/>
+                </a:spcAft>
+              </a:pPr>
+              <a:endParaRPr lang="en-US" sz="5906" b="0" kern="1200">
+                <a:latin typeface="Gill Sans" charset="0"/>
+                <a:sym typeface="Gill Sans" charset="0"/>
+              </a:endParaRPr>
+            </a:p>
+          </p:txBody>
+        </p:sp>
+        <p:sp>
+          <p:nvSpPr>
+            <p:cNvPr id="11277" name="Line 10"/>
+            <p:cNvSpPr>
+              <a:spLocks noChangeShapeType="1"/>
+            </p:cNvSpPr>
+            <p:nvPr/>
+          </p:nvSpPr>
+          <p:spPr bwMode="auto">
+            <a:xfrm>
+              <a:off x="2784" y="16"/>
+              <a:ext cx="0" cy="2136"/>
+            </a:xfrm>
+            <a:prstGeom prst="line">
+              <a:avLst/>
+            </a:prstGeom>
+            <a:noFill/>
+            <a:ln w="38100">
+              <a:solidFill>
+                <a:srgbClr val="FF0000"/>
+              </a:solidFill>
+              <a:miter lim="800000"/>
+              <a:headEnd/>
+              <a:tailEnd/>
+            </a:ln>
+          </p:spPr>
+          <p:txBody>
+            <a:bodyPr lIns="0" tIns="0" rIns="0" bIns="0"/>
+            <a:lstStyle/>
+            <a:p>
+              <a:pPr defTabSz="1285830" fontAlgn="base" hangingPunct="1">
+                <a:spcBef>
+                  <a:spcPct val="0"/>
+                </a:spcBef>
+                <a:spcAft>
+                  <a:spcPct val="0"/>
+                </a:spcAft>
+              </a:pPr>
+              <a:endParaRPr lang="en-US" sz="5906" b="0" kern="1200">
+                <a:latin typeface="Gill Sans" charset="0"/>
+                <a:sym typeface="Gill Sans" charset="0"/>
+              </a:endParaRPr>
+            </a:p>
+          </p:txBody>
+        </p:sp>
+        <p:sp>
+          <p:nvSpPr>
+            <p:cNvPr id="11278" name="Line 11"/>
+            <p:cNvSpPr>
+              <a:spLocks noChangeShapeType="1"/>
+            </p:cNvSpPr>
+            <p:nvPr/>
+          </p:nvSpPr>
+          <p:spPr bwMode="auto">
+            <a:xfrm>
+              <a:off x="3256" y="0"/>
+              <a:ext cx="0" cy="2136"/>
+            </a:xfrm>
+            <a:prstGeom prst="line">
+              <a:avLst/>
+            </a:prstGeom>
+            <a:noFill/>
+            <a:ln w="38100">
+              <a:solidFill>
+                <a:srgbClr val="FF0000"/>
+              </a:solidFill>
+              <a:miter lim="800000"/>
+              <a:headEnd/>
+              <a:tailEnd/>
+            </a:ln>
+          </p:spPr>
+          <p:txBody>
+            <a:bodyPr lIns="0" tIns="0" rIns="0" bIns="0"/>
+            <a:lstStyle/>
+            <a:p>
+              <a:pPr defTabSz="1285830" fontAlgn="base" hangingPunct="1">
+                <a:spcBef>
+                  <a:spcPct val="0"/>
+                </a:spcBef>
+                <a:spcAft>
+                  <a:spcPct val="0"/>
+                </a:spcAft>
+              </a:pPr>
+              <a:endParaRPr lang="en-US" sz="5906" b="0" kern="1200">
+                <a:latin typeface="Gill Sans" charset="0"/>
+                <a:sym typeface="Gill Sans" charset="0"/>
+              </a:endParaRPr>
+            </a:p>
+          </p:txBody>
+        </p:sp>
+        <p:sp>
+          <p:nvSpPr>
+            <p:cNvPr id="11279" name="Line 12"/>
+            <p:cNvSpPr>
+              <a:spLocks noChangeShapeType="1"/>
+            </p:cNvSpPr>
+            <p:nvPr/>
+          </p:nvSpPr>
+          <p:spPr bwMode="auto">
+            <a:xfrm>
+              <a:off x="3712" y="16"/>
+              <a:ext cx="0" cy="2136"/>
+            </a:xfrm>
+            <a:prstGeom prst="line">
+              <a:avLst/>
+            </a:prstGeom>
+            <a:noFill/>
+            <a:ln w="38100">
+              <a:solidFill>
+                <a:srgbClr val="FF0000"/>
+              </a:solidFill>
+              <a:miter lim="800000"/>
+              <a:headEnd/>
+              <a:tailEnd/>
+            </a:ln>
+          </p:spPr>
+          <p:txBody>
+            <a:bodyPr lIns="0" tIns="0" rIns="0" bIns="0"/>
+            <a:lstStyle/>
+            <a:p>
+              <a:pPr defTabSz="1285830" fontAlgn="base" hangingPunct="1">
+                <a:spcBef>
+                  <a:spcPct val="0"/>
+                </a:spcBef>
+                <a:spcAft>
+                  <a:spcPct val="0"/>
+                </a:spcAft>
+              </a:pPr>
+              <a:endParaRPr lang="en-US" sz="5906" b="0" kern="1200">
+                <a:latin typeface="Gill Sans" charset="0"/>
+                <a:sym typeface="Gill Sans" charset="0"/>
+              </a:endParaRPr>
+            </a:p>
+          </p:txBody>
+        </p:sp>
+        <p:sp>
+          <p:nvSpPr>
+            <p:cNvPr id="11280" name="Line 13"/>
+            <p:cNvSpPr>
+              <a:spLocks noChangeShapeType="1"/>
+            </p:cNvSpPr>
+            <p:nvPr/>
+          </p:nvSpPr>
+          <p:spPr bwMode="auto">
+            <a:xfrm>
+              <a:off x="4184" y="0"/>
+              <a:ext cx="0" cy="2136"/>
+            </a:xfrm>
+            <a:prstGeom prst="line">
+              <a:avLst/>
+            </a:prstGeom>
+            <a:noFill/>
+            <a:ln w="38100">
+              <a:solidFill>
+                <a:srgbClr val="FF0000"/>
+              </a:solidFill>
+              <a:miter lim="800000"/>
+              <a:headEnd/>
+              <a:tailEnd/>
+            </a:ln>
+          </p:spPr>
+          <p:txBody>
+            <a:bodyPr lIns="0" tIns="0" rIns="0" bIns="0"/>
+            <a:lstStyle/>
+            <a:p>
+              <a:pPr defTabSz="1285830" fontAlgn="base" hangingPunct="1">
+                <a:spcBef>
+                  <a:spcPct val="0"/>
+                </a:spcBef>
+                <a:spcAft>
+                  <a:spcPct val="0"/>
+                </a:spcAft>
+              </a:pPr>
+              <a:endParaRPr lang="en-US" sz="5906" b="0" kern="1200">
+                <a:latin typeface="Gill Sans" charset="0"/>
+                <a:sym typeface="Gill Sans" charset="0"/>
+              </a:endParaRPr>
+            </a:p>
+          </p:txBody>
+        </p:sp>
+        <p:sp>
+          <p:nvSpPr>
+            <p:cNvPr id="11281" name="Line 14"/>
+            <p:cNvSpPr>
+              <a:spLocks noChangeShapeType="1"/>
+            </p:cNvSpPr>
+            <p:nvPr/>
+          </p:nvSpPr>
+          <p:spPr bwMode="auto">
+            <a:xfrm>
+              <a:off x="4648" y="0"/>
+              <a:ext cx="0" cy="2136"/>
+            </a:xfrm>
+            <a:prstGeom prst="line">
+              <a:avLst/>
+            </a:prstGeom>
+            <a:noFill/>
+            <a:ln w="38100">
+              <a:solidFill>
+                <a:srgbClr val="FF0000"/>
+              </a:solidFill>
+              <a:miter lim="800000"/>
+              <a:headEnd/>
+              <a:tailEnd/>
+            </a:ln>
+          </p:spPr>
+          <p:txBody>
+            <a:bodyPr lIns="0" tIns="0" rIns="0" bIns="0"/>
+            <a:lstStyle/>
+            <a:p>
+              <a:pPr defTabSz="1285830" fontAlgn="base" hangingPunct="1">
+                <a:spcBef>
+                  <a:spcPct val="0"/>
+                </a:spcBef>
+                <a:spcAft>
+                  <a:spcPct val="0"/>
+                </a:spcAft>
+              </a:pPr>
+              <a:endParaRPr lang="en-US" sz="5906" b="0" kern="1200">
+                <a:latin typeface="Gill Sans" charset="0"/>
+                <a:sym typeface="Gill Sans" charset="0"/>
+              </a:endParaRPr>
+            </a:p>
+          </p:txBody>
+        </p:sp>
+        <p:sp>
+          <p:nvSpPr>
+            <p:cNvPr id="11282" name="Line 15"/>
+            <p:cNvSpPr>
+              <a:spLocks noChangeShapeType="1"/>
+            </p:cNvSpPr>
+            <p:nvPr/>
+          </p:nvSpPr>
+          <p:spPr bwMode="auto">
+            <a:xfrm>
+              <a:off x="5120" y="16"/>
+              <a:ext cx="0" cy="2136"/>
+            </a:xfrm>
+            <a:prstGeom prst="line">
+              <a:avLst/>
+            </a:prstGeom>
+            <a:noFill/>
+            <a:ln w="38100">
+              <a:solidFill>
+                <a:srgbClr val="FF0000"/>
+              </a:solidFill>
+              <a:miter lim="800000"/>
+              <a:headEnd/>
+              <a:tailEnd/>
+            </a:ln>
+          </p:spPr>
+          <p:txBody>
+            <a:bodyPr lIns="0" tIns="0" rIns="0" bIns="0"/>
+            <a:lstStyle/>
+            <a:p>
+              <a:pPr defTabSz="1285830" fontAlgn="base" hangingPunct="1">
+                <a:spcBef>
+                  <a:spcPct val="0"/>
+                </a:spcBef>
+                <a:spcAft>
+                  <a:spcPct val="0"/>
+                </a:spcAft>
+              </a:pPr>
+              <a:endParaRPr lang="en-US" sz="5906" b="0" kern="1200">
+                <a:latin typeface="Gill Sans" charset="0"/>
+                <a:sym typeface="Gill Sans" charset="0"/>
+              </a:endParaRPr>
+            </a:p>
+          </p:txBody>
+        </p:sp>
+      </p:grpSp>
       <p:sp>
         <p:nvSpPr>
-          <p:cNvPr id="676" name="Main lobe width: 8π/N…"/>
-          <p:cNvSpPr txBox="1"/>
-          <p:nvPr/>
+          <p:cNvPr id="11270" name="Rectangle 17"/>
+          <p:cNvSpPr>
+            <a:spLocks noGrp="1" noChangeArrowheads="1"/>
+          </p:cNvSpPr>
+          <p:nvPr>
+            <p:ph type="body" idx="1"/>
+          </p:nvPr>
         </p:nvSpPr>
-        <p:spPr>
-          <a:xfrm>
-            <a:off x="13786744" y="2427420"/>
-            <a:ext cx="5911089" cy="1306577"/>
-          </a:xfrm>
-          <a:prstGeom prst="rect">
-            <a:avLst/>
-          </a:prstGeom>
-          <a:ln w="12700">
-            <a:miter lim="400000"/>
-          </a:ln>
-          <a:extLst>
-            <a:ext uri="{C572A759-6A51-4108-AA02-DFA0A04FC94B}">
-              <ma14:wrappingTextBoxFlag xmlns:ma14="http://schemas.microsoft.com/office/mac/drawingml/2011/main" xmlns:a14="http://schemas.microsoft.com/office/drawing/2010/main" xmlns:m="http://schemas.openxmlformats.org/officeDocument/2006/math" xmlns="" val="1"/>
-            </a:ext>
-          </a:extLst>
-        </p:spPr>
+        <p:spPr/>
         <p:txBody>
-          <a:bodyPr wrap="none" lIns="50800" tIns="50800" rIns="50800" bIns="50800" anchor="ctr">
-            <a:spAutoFit/>
-          </a:bodyPr>
+          <a:bodyPr anchor="t"/>
           <a:lstStyle/>
           <a:p>
-            <a:pPr algn="l">
-              <a:defRPr sz="4000" b="0"/>
-            </a:pPr>
-            <a:r>
-              <a:t>Main lobe width: 8π/N</a:t>
+            <a:pPr marL="892938" eaLnBrk="1" hangingPunct="1"/>
+            <a:r>
+              <a:rPr lang="en-US" sz="5624" dirty="0">
+                <a:solidFill>
+                  <a:srgbClr val="0000FF"/>
+                </a:solidFill>
+              </a:rPr>
+              <a:t>Short-Time Fourier Transform (STFT)</a:t>
+            </a:r>
+            <a:r>
+              <a:rPr lang="en-US" sz="5624" dirty="0"/>
+              <a:t> is </a:t>
+            </a:r>
+            <a:r>
+              <a:rPr lang="en-US" sz="5624" dirty="0">
+                <a:solidFill>
+                  <a:srgbClr val="0000FF"/>
+                </a:solidFill>
+              </a:rPr>
+              <a:t>DTFT</a:t>
+            </a:r>
+            <a:r>
+              <a:rPr lang="en-US" sz="5624" dirty="0"/>
+              <a:t> of windowed signal</a:t>
             </a:r>
           </a:p>
           <a:p>
-            <a:pPr algn="l">
-              <a:defRPr sz="4000" b="0"/>
+            <a:pPr marL="1607286" lvl="1" eaLnBrk="1" hangingPunct="1">
+              <a:spcBef>
+                <a:spcPts val="3374"/>
+              </a:spcBef>
             </a:pPr>
             <a:r>
-              <a:t>Side lobe height: -26.5dB</a:t>
-            </a:r>
-          </a:p>
-        </p:txBody>
-      </p:sp>
-      <p:sp>
-        <p:nvSpPr>
-          <p:cNvPr id="677" name="Window spectra"/>
-          <p:cNvSpPr txBox="1">
-            <a:spLocks noGrp="1"/>
-          </p:cNvSpPr>
-          <p:nvPr>
-            <p:ph type="title"/>
-          </p:nvPr>
-        </p:nvSpPr>
-        <p:spPr>
-          <a:prstGeom prst="rect">
-            <a:avLst/>
-          </a:prstGeom>
-        </p:spPr>
-        <p:txBody>
-          <a:bodyPr/>
-          <a:lstStyle/>
-          <a:p>
-            <a:r>
-              <a:t>Window spectra</a:t>
-            </a:r>
-          </a:p>
-        </p:txBody>
-      </p:sp>
-      <p:sp>
-        <p:nvSpPr>
-          <p:cNvPr id="678" name="Rectangular"/>
-          <p:cNvSpPr txBox="1"/>
-          <p:nvPr/>
-        </p:nvSpPr>
-        <p:spPr>
-          <a:xfrm>
-            <a:off x="4259402" y="1670809"/>
-            <a:ext cx="3673196" cy="870510"/>
-          </a:xfrm>
-          <a:prstGeom prst="rect">
-            <a:avLst/>
-          </a:prstGeom>
-          <a:ln w="12700">
-            <a:miter lim="400000"/>
-          </a:ln>
-          <a:extLst>
-            <a:ext uri="{C572A759-6A51-4108-AA02-DFA0A04FC94B}">
-              <ma14:wrappingTextBoxFlag xmlns:ma14="http://schemas.microsoft.com/office/mac/drawingml/2011/main" xmlns:a14="http://schemas.microsoft.com/office/drawing/2010/main" xmlns:m="http://schemas.openxmlformats.org/officeDocument/2006/math" xmlns="" val="1"/>
-            </a:ext>
-          </a:extLst>
-        </p:spPr>
-        <p:txBody>
-          <a:bodyPr wrap="none" lIns="50800" tIns="50800" rIns="50800" bIns="50800" anchor="ctr">
-            <a:spAutoFit/>
-          </a:bodyPr>
-          <a:lstStyle>
-            <a:lvl1pPr>
-              <a:defRPr sz="5200" b="0">
-                <a:solidFill>
-                  <a:srgbClr val="9B1200"/>
-                </a:solidFill>
-              </a:defRPr>
-            </a:lvl1pPr>
-          </a:lstStyle>
-          <a:p>
-            <a:r>
-              <a:t>Rectangular</a:t>
-            </a:r>
-          </a:p>
-        </p:txBody>
-      </p:sp>
-      <p:sp>
-        <p:nvSpPr>
-          <p:cNvPr id="679" name="Triangular (Bartlett)"/>
-          <p:cNvSpPr txBox="1"/>
-          <p:nvPr/>
-        </p:nvSpPr>
-        <p:spPr>
-          <a:xfrm>
-            <a:off x="15503435" y="1670809"/>
-            <a:ext cx="5666284" cy="870510"/>
-          </a:xfrm>
-          <a:prstGeom prst="rect">
-            <a:avLst/>
-          </a:prstGeom>
-          <a:ln w="12700">
-            <a:miter lim="400000"/>
-          </a:ln>
-          <a:extLst>
-            <a:ext uri="{C572A759-6A51-4108-AA02-DFA0A04FC94B}">
-              <ma14:wrappingTextBoxFlag xmlns:ma14="http://schemas.microsoft.com/office/mac/drawingml/2011/main" xmlns:a14="http://schemas.microsoft.com/office/drawing/2010/main" xmlns:m="http://schemas.openxmlformats.org/officeDocument/2006/math" xmlns="" val="1"/>
-            </a:ext>
-          </a:extLst>
-        </p:spPr>
-        <p:txBody>
-          <a:bodyPr wrap="none" lIns="50800" tIns="50800" rIns="50800" bIns="50800" anchor="ctr">
-            <a:spAutoFit/>
-          </a:bodyPr>
-          <a:lstStyle>
-            <a:lvl1pPr>
-              <a:defRPr sz="5200" b="0">
-                <a:solidFill>
-                  <a:srgbClr val="9B1200"/>
-                </a:solidFill>
-              </a:defRPr>
-            </a:lvl1pPr>
-          </a:lstStyle>
-          <a:p>
-            <a:r>
-              <a:t>Triangular (Bartlett)</a:t>
-            </a:r>
-          </a:p>
-        </p:txBody>
-      </p:sp>
-      <p:sp>
-        <p:nvSpPr>
-          <p:cNvPr id="680" name="Hann"/>
-          <p:cNvSpPr txBox="1"/>
-          <p:nvPr/>
-        </p:nvSpPr>
-        <p:spPr>
-          <a:xfrm>
-            <a:off x="5255945" y="6644617"/>
-            <a:ext cx="1680110" cy="870510"/>
-          </a:xfrm>
-          <a:prstGeom prst="rect">
-            <a:avLst/>
-          </a:prstGeom>
-          <a:ln w="12700">
-            <a:miter lim="400000"/>
-          </a:ln>
-          <a:extLst>
-            <a:ext uri="{C572A759-6A51-4108-AA02-DFA0A04FC94B}">
-              <ma14:wrappingTextBoxFlag xmlns:ma14="http://schemas.microsoft.com/office/mac/drawingml/2011/main" xmlns:a14="http://schemas.microsoft.com/office/drawing/2010/main" xmlns:m="http://schemas.openxmlformats.org/officeDocument/2006/math" xmlns="" val="1"/>
-            </a:ext>
-          </a:extLst>
-        </p:spPr>
-        <p:txBody>
-          <a:bodyPr wrap="none" lIns="50800" tIns="50800" rIns="50800" bIns="50800" anchor="ctr">
-            <a:spAutoFit/>
-          </a:bodyPr>
-          <a:lstStyle>
-            <a:lvl1pPr>
-              <a:defRPr sz="5200" b="0">
-                <a:solidFill>
-                  <a:srgbClr val="9B1200"/>
-                </a:solidFill>
-              </a:defRPr>
-            </a:lvl1pPr>
-          </a:lstStyle>
-          <a:p>
-            <a:r>
-              <a:t>Hann</a:t>
-            </a:r>
-          </a:p>
-        </p:txBody>
-      </p:sp>
-      <p:sp>
-        <p:nvSpPr>
-          <p:cNvPr id="681" name="Hamming"/>
-          <p:cNvSpPr txBox="1"/>
-          <p:nvPr/>
-        </p:nvSpPr>
-        <p:spPr>
-          <a:xfrm>
-            <a:off x="16853953" y="6644617"/>
-            <a:ext cx="2965248" cy="870510"/>
-          </a:xfrm>
-          <a:prstGeom prst="rect">
-            <a:avLst/>
-          </a:prstGeom>
-          <a:ln w="12700">
-            <a:miter lim="400000"/>
-          </a:ln>
-          <a:extLst>
-            <a:ext uri="{C572A759-6A51-4108-AA02-DFA0A04FC94B}">
-              <ma14:wrappingTextBoxFlag xmlns:ma14="http://schemas.microsoft.com/office/mac/drawingml/2011/main" xmlns:a14="http://schemas.microsoft.com/office/drawing/2010/main" xmlns:m="http://schemas.openxmlformats.org/officeDocument/2006/math" xmlns="" val="1"/>
-            </a:ext>
-          </a:extLst>
-        </p:spPr>
-        <p:txBody>
-          <a:bodyPr wrap="none" lIns="50800" tIns="50800" rIns="50800" bIns="50800" anchor="ctr">
-            <a:spAutoFit/>
-          </a:bodyPr>
-          <a:lstStyle>
-            <a:lvl1pPr>
-              <a:defRPr sz="5200" b="0">
-                <a:solidFill>
-                  <a:srgbClr val="9B1200"/>
-                </a:solidFill>
-              </a:defRPr>
-            </a:lvl1pPr>
-          </a:lstStyle>
-          <a:p>
-            <a:r>
-              <a:t>Hamming</a:t>
-            </a:r>
-          </a:p>
-        </p:txBody>
-      </p:sp>
-      <p:pic>
-        <p:nvPicPr>
-          <p:cNvPr id="682" name="rectangular.png" descr="rectangular.png"/>
-          <p:cNvPicPr>
-            <a:picLocks noChangeAspect="1"/>
-          </p:cNvPicPr>
-          <p:nvPr/>
-        </p:nvPicPr>
-        <p:blipFill>
-          <a:blip r:embed="rId5"/>
-          <a:stretch>
-            <a:fillRect/>
-          </a:stretch>
-        </p:blipFill>
-        <p:spPr>
-          <a:xfrm>
-            <a:off x="11363" y="3609159"/>
-            <a:ext cx="11626079" cy="3111501"/>
-          </a:xfrm>
-          <a:prstGeom prst="rect">
-            <a:avLst/>
-          </a:prstGeom>
-          <a:ln w="12700">
-            <a:miter lim="400000"/>
-          </a:ln>
-        </p:spPr>
-      </p:pic>
-      <p:sp>
-        <p:nvSpPr>
-          <p:cNvPr id="683" name="Main lobe width: 4π/N…"/>
-          <p:cNvSpPr txBox="1"/>
-          <p:nvPr/>
-        </p:nvSpPr>
-        <p:spPr>
-          <a:xfrm>
-            <a:off x="1562624" y="2423099"/>
-            <a:ext cx="5487417" cy="1306577"/>
-          </a:xfrm>
-          <a:prstGeom prst="rect">
-            <a:avLst/>
-          </a:prstGeom>
-          <a:ln w="12700">
-            <a:miter lim="400000"/>
-          </a:ln>
-          <a:extLst>
-            <a:ext uri="{C572A759-6A51-4108-AA02-DFA0A04FC94B}">
-              <ma14:wrappingTextBoxFlag xmlns:ma14="http://schemas.microsoft.com/office/mac/drawingml/2011/main" xmlns:a14="http://schemas.microsoft.com/office/drawing/2010/main" xmlns:m="http://schemas.openxmlformats.org/officeDocument/2006/math" xmlns="" val="1"/>
-            </a:ext>
-          </a:extLst>
-        </p:spPr>
-        <p:txBody>
-          <a:bodyPr wrap="none" lIns="50800" tIns="50800" rIns="50800" bIns="50800" anchor="ctr">
-            <a:spAutoFit/>
-          </a:bodyPr>
-          <a:lstStyle/>
-          <a:p>
-            <a:pPr algn="l">
-              <a:defRPr sz="4000" b="0"/>
-            </a:pPr>
-            <a:r>
-              <a:t>Main lobe width: 4π/N</a:t>
+              <a:rPr lang="en-US" sz="4500" dirty="0"/>
+              <a:t> </a:t>
             </a:r>
           </a:p>
           <a:p>
-            <a:pPr algn="l">
-              <a:defRPr sz="4000" b="0"/>
+            <a:pPr marL="1607286" lvl="1" eaLnBrk="1" hangingPunct="1">
+              <a:spcBef>
+                <a:spcPts val="6468"/>
+              </a:spcBef>
             </a:pPr>
             <a:r>
-              <a:t>Side lobe height: -13dB</a:t>
-            </a:r>
-          </a:p>
-        </p:txBody>
-      </p:sp>
-      <p:sp>
-        <p:nvSpPr>
-          <p:cNvPr id="684" name="Main lobe width: 8π/N…"/>
-          <p:cNvSpPr txBox="1"/>
-          <p:nvPr/>
-        </p:nvSpPr>
-        <p:spPr>
-          <a:xfrm>
-            <a:off x="1555705" y="7517657"/>
-            <a:ext cx="5911089" cy="1306577"/>
-          </a:xfrm>
-          <a:prstGeom prst="rect">
-            <a:avLst/>
-          </a:prstGeom>
-          <a:ln w="12700">
-            <a:miter lim="400000"/>
-          </a:ln>
-          <a:extLst>
-            <a:ext uri="{C572A759-6A51-4108-AA02-DFA0A04FC94B}">
-              <ma14:wrappingTextBoxFlag xmlns:ma14="http://schemas.microsoft.com/office/mac/drawingml/2011/main" xmlns:a14="http://schemas.microsoft.com/office/drawing/2010/main" xmlns:m="http://schemas.openxmlformats.org/officeDocument/2006/math" xmlns="" val="1"/>
-            </a:ext>
-          </a:extLst>
-        </p:spPr>
-        <p:txBody>
-          <a:bodyPr wrap="none" lIns="50800" tIns="50800" rIns="50800" bIns="50800" anchor="ctr">
-            <a:spAutoFit/>
-          </a:bodyPr>
-          <a:lstStyle/>
-          <a:p>
-            <a:pPr algn="l">
-              <a:defRPr sz="4000" b="0"/>
-            </a:pPr>
-            <a:r>
-              <a:t>Main lobe width: 8π/N</a:t>
+              <a:rPr lang="en-US" sz="4500" dirty="0"/>
+              <a:t>Similarly, can take </a:t>
+            </a:r>
+            <a:r>
+              <a:rPr lang="en-US" sz="4500" dirty="0">
+                <a:solidFill>
+                  <a:srgbClr val="0000FF"/>
+                </a:solidFill>
+              </a:rPr>
+              <a:t>DFT/FFT</a:t>
+            </a:r>
+            <a:r>
+              <a:rPr lang="en-US" sz="4500" dirty="0"/>
+              <a:t> for discrete samples of windowed signals</a:t>
             </a:r>
           </a:p>
           <a:p>
-            <a:pPr algn="l">
-              <a:defRPr sz="4000" b="0"/>
-            </a:pPr>
-            <a:r>
-              <a:t>Side lobe height: -31.5dB</a:t>
-            </a:r>
-          </a:p>
-        </p:txBody>
-      </p:sp>
-      <p:sp>
-        <p:nvSpPr>
-          <p:cNvPr id="685" name="Main lobe width: 8π/N…"/>
-          <p:cNvSpPr txBox="1"/>
-          <p:nvPr/>
-        </p:nvSpPr>
-        <p:spPr>
-          <a:xfrm>
-            <a:off x="13786744" y="7439084"/>
-            <a:ext cx="5911089" cy="1306577"/>
-          </a:xfrm>
-          <a:prstGeom prst="rect">
-            <a:avLst/>
-          </a:prstGeom>
-          <a:ln w="12700">
-            <a:miter lim="400000"/>
-          </a:ln>
-          <a:extLst>
-            <a:ext uri="{C572A759-6A51-4108-AA02-DFA0A04FC94B}">
-              <ma14:wrappingTextBoxFlag xmlns:ma14="http://schemas.microsoft.com/office/mac/drawingml/2011/main" xmlns:a14="http://schemas.microsoft.com/office/drawing/2010/main" xmlns:m="http://schemas.openxmlformats.org/officeDocument/2006/math" xmlns="" val="1"/>
-            </a:ext>
-          </a:extLst>
-        </p:spPr>
-        <p:txBody>
-          <a:bodyPr wrap="none" lIns="50800" tIns="50800" rIns="50800" bIns="50800" anchor="ctr">
-            <a:spAutoFit/>
-          </a:bodyPr>
-          <a:lstStyle/>
-          <a:p>
-            <a:pPr algn="l">
-              <a:defRPr sz="4000" b="0"/>
-            </a:pPr>
-            <a:r>
-              <a:t>Main lobe width: 8π/N</a:t>
-            </a:r>
+            <a:pPr marL="892938" eaLnBrk="1" hangingPunct="1"/>
+            <a:r>
+              <a:rPr lang="en-US" sz="5624" dirty="0"/>
+              <a:t>Can break signal into windowed </a:t>
+            </a:r>
+            <a:r>
+              <a:rPr lang="en-US" sz="5624" dirty="0">
+                <a:solidFill>
+                  <a:srgbClr val="0000FF"/>
+                </a:solidFill>
+              </a:rPr>
+              <a:t>segments</a:t>
+            </a:r>
+            <a:endParaRPr lang="en-US" sz="5624" dirty="0"/>
           </a:p>
           <a:p>
-            <a:pPr algn="l">
-              <a:defRPr sz="4000" b="0"/>
-            </a:pPr>
-            <a:r>
-              <a:t>Side lobe height: -42.8dB</a:t>
-            </a:r>
-          </a:p>
-        </p:txBody>
-      </p:sp>
-      <p:sp>
-        <p:nvSpPr>
-          <p:cNvPr id="686" name="→ When in doubt: use a Hann window"/>
-          <p:cNvSpPr txBox="1"/>
-          <p:nvPr/>
-        </p:nvSpPr>
-        <p:spPr>
-          <a:xfrm>
-            <a:off x="1493114" y="11618426"/>
-            <a:ext cx="9708897" cy="763152"/>
-          </a:xfrm>
-          <a:prstGeom prst="rect">
-            <a:avLst/>
-          </a:prstGeom>
-          <a:ln w="12700">
-            <a:miter lim="400000"/>
-          </a:ln>
-          <a:extLst>
-            <a:ext uri="{C572A759-6A51-4108-AA02-DFA0A04FC94B}">
-              <ma14:wrappingTextBoxFlag xmlns:ma14="http://schemas.microsoft.com/office/mac/drawingml/2011/main" xmlns:a14="http://schemas.microsoft.com/office/drawing/2010/main" xmlns:m="http://schemas.openxmlformats.org/officeDocument/2006/math" xmlns="" val="1"/>
-            </a:ext>
-          </a:extLst>
-        </p:spPr>
-        <p:txBody>
-          <a:bodyPr wrap="none" lIns="50800" tIns="50800" rIns="50800" bIns="50800" anchor="ctr">
-            <a:spAutoFit/>
-          </a:bodyPr>
-          <a:lstStyle>
-            <a:lvl1pPr algn="l">
-              <a:defRPr sz="4400" b="0">
-                <a:solidFill>
-                  <a:srgbClr val="9B1200"/>
-                </a:solidFill>
-              </a:defRPr>
-            </a:lvl1pPr>
-          </a:lstStyle>
-          <a:p>
-            <a:r>
-              <a:t>→ When in doubt: use a Hann window</a:t>
+            <a:pPr marL="1607286" lvl="1" eaLnBrk="1" hangingPunct="1"/>
+            <a:r>
+              <a:rPr lang="en-US" sz="4500" dirty="0"/>
+              <a:t>...then (in right circumstances) put it back together</a:t>
             </a:r>
           </a:p>
         </p:txBody>
@@ -18692,14 +25681,14 @@
   <p:clrMapOvr>
     <a:masterClrMapping/>
   </p:clrMapOvr>
-  <p:transition spd="med"/>
+  <p:transition/>
   <p:timing>
     <p:tnLst>
       <p:par>
-        <p:cTn id="1" dur="indefinite" restart="never" fill="hold" nodeType="tmRoot">
+        <p:cTn id="1" dur="indefinite" restart="never" nodeType="tmRoot">
           <p:childTnLst>
-            <p:seq concurrent="1" prevAc="none" nextAc="seek">
-              <p:cTn id="2" dur="indefinite" fill="hold" nodeType="mainSeq">
+            <p:seq concurrent="1" nextAc="seek">
+              <p:cTn id="2" dur="indefinite" nodeType="mainSeq">
                 <p:childTnLst>
                   <p:par>
                     <p:cTn id="3" fill="hold">
@@ -18714,19 +25703,20 @@
                             </p:stCondLst>
                             <p:childTnLst>
                               <p:par>
-                                <p:cTn id="5" presetID="22" presetClass="entr" presetSubtype="8" fill="hold" grpId="0" nodeType="clickEffect">
+                                <p:cTn id="5" presetID="22" presetClass="entr" presetSubtype="8" fill="hold" nodeType="clickEffect">
                                   <p:stCondLst>
                                     <p:cond delay="0"/>
                                   </p:stCondLst>
-                                  <p:iterate>
-                                    <p:tmAbs val="0"/>
-                                  </p:iterate>
                                   <p:childTnLst>
                                     <p:set>
                                       <p:cBhvr>
-                                        <p:cTn id="6" fill="hold"/>
+                                        <p:cTn id="6" dur="1" fill="hold">
+                                          <p:stCondLst>
+                                            <p:cond delay="0"/>
+                                          </p:stCondLst>
+                                        </p:cTn>
                                         <p:tgtEl>
-                                          <p:spTgt spid="686"/>
+                                          <p:spTgt spid="2"/>
                                         </p:tgtEl>
                                         <p:attrNameLst>
                                           <p:attrName>style.visibility</p:attrName>
@@ -18738,9 +25728,9 @@
                                     </p:set>
                                     <p:animEffect transition="in" filter="wipe(left)">
                                       <p:cBhvr>
-                                        <p:cTn id="7" dur="1000"/>
+                                        <p:cTn id="7" dur="500"/>
                                         <p:tgtEl>
-                                          <p:spTgt spid="686"/>
+                                          <p:spTgt spid="2"/>
                                         </p:tgtEl>
                                       </p:cBhvr>
                                     </p:animEffect>
@@ -18774,9 +25764,6 @@
         </p:cTn>
       </p:par>
     </p:tnLst>
-    <p:bldLst>
-      <p:bldP spid="686" grpId="0" animBg="1" advAuto="0"/>
-    </p:bldLst>
   </p:timing>
 </p:sld>
 </file>
